--- a/ez18n-slides/ez18n_theorie.pptx
+++ b/ez18n-slides/ez18n_theorie.pptx
@@ -6,12 +6,20 @@
   </p:sldMasterIdLst>
   <p:sldIdLst>
     <p:sldId id="256" r:id="rId2"/>
-    <p:sldId id="257" r:id="rId3"/>
-    <p:sldId id="262" r:id="rId4"/>
+    <p:sldId id="262" r:id="rId3"/>
+    <p:sldId id="257" r:id="rId4"/>
     <p:sldId id="258" r:id="rId5"/>
-    <p:sldId id="259" r:id="rId6"/>
-    <p:sldId id="260" r:id="rId7"/>
-    <p:sldId id="261" r:id="rId8"/>
+    <p:sldId id="268" r:id="rId6"/>
+    <p:sldId id="264" r:id="rId7"/>
+    <p:sldId id="270" r:id="rId8"/>
+    <p:sldId id="259" r:id="rId9"/>
+    <p:sldId id="269" r:id="rId10"/>
+    <p:sldId id="266" r:id="rId11"/>
+    <p:sldId id="261" r:id="rId12"/>
+    <p:sldId id="265" r:id="rId13"/>
+    <p:sldId id="260" r:id="rId14"/>
+    <p:sldId id="267" r:id="rId15"/>
+    <p:sldId id="263" r:id="rId16"/>
   </p:sldIdLst>
   <p:sldSz cx="9144000" cy="6858000" type="screen4x3"/>
   <p:notesSz cx="6858000" cy="9144000"/>
@@ -3152,7 +3160,34 @@
             </a:r>
             <a:r>
               <a:rPr lang="en-US" dirty="0" smtClean="0"/>
-              <a:t>18n la </a:t>
+              <a:t>18n </a:t>
+            </a:r>
+            <a:r>
+              <a:rPr lang="en-US" dirty="0" err="1" smtClean="0"/>
+              <a:t>mon</a:t>
+            </a:r>
+            <a:r>
+              <a:rPr lang="en-US" dirty="0" smtClean="0"/>
+              <a:t> </a:t>
+            </a:r>
+            <a:r>
+              <a:rPr lang="en-US" dirty="0" smtClean="0"/>
+              <a:t>amour</a:t>
+            </a:r>
+            <a:br>
+              <a:rPr lang="en-US" dirty="0" smtClean="0"/>
+            </a:br>
+            <a:r>
+              <a:rPr lang="en-US" dirty="0" smtClean="0"/>
+              <a:t>Un </a:t>
+            </a:r>
+            <a:r>
+              <a:rPr lang="en-US" dirty="0" err="1" smtClean="0"/>
+              <a:t>brin</a:t>
+            </a:r>
+            <a:r>
+              <a:rPr lang="en-US" dirty="0" smtClean="0"/>
+              <a:t> de </a:t>
             </a:r>
             <a:r>
               <a:rPr lang="en-US" dirty="0" err="1" smtClean="0"/>
@@ -3209,6 +3244,843 @@
 </p:sld>
 </file>
 
+<file path=ppt/slides/slide10.xml><?xml version="1.0" encoding="utf-8"?>
+<p:sld xmlns:a="http://schemas.openxmlformats.org/drawingml/2006/main" xmlns:r="http://schemas.openxmlformats.org/officeDocument/2006/relationships" xmlns:p="http://schemas.openxmlformats.org/presentationml/2006/main">
+  <p:cSld>
+    <p:spTree>
+      <p:nvGrpSpPr>
+        <p:cNvPr id="1" name=""/>
+        <p:cNvGrpSpPr/>
+        <p:nvPr/>
+      </p:nvGrpSpPr>
+      <p:grpSpPr>
+        <a:xfrm>
+          <a:off x="0" y="0"/>
+          <a:ext cx="0" cy="0"/>
+          <a:chOff x="0" y="0"/>
+          <a:chExt cx="0" cy="0"/>
+        </a:xfrm>
+      </p:grpSpPr>
+      <p:sp>
+        <p:nvSpPr>
+          <p:cNvPr id="2" name="Titre 1"/>
+          <p:cNvSpPr>
+            <a:spLocks noGrp="1"/>
+          </p:cNvSpPr>
+          <p:nvPr>
+            <p:ph type="title"/>
+          </p:nvPr>
+        </p:nvSpPr>
+        <p:spPr/>
+        <p:txBody>
+          <a:bodyPr/>
+          <a:lstStyle/>
+          <a:p>
+            <a:r>
+              <a:rPr lang="fr-FR" dirty="0" smtClean="0"/>
+              <a:t>exemples</a:t>
+            </a:r>
+            <a:endParaRPr lang="fr-FR" dirty="0"/>
+          </a:p>
+        </p:txBody>
+      </p:sp>
+      <p:sp>
+        <p:nvSpPr>
+          <p:cNvPr id="3" name="Espace réservé du contenu 2"/>
+          <p:cNvSpPr>
+            <a:spLocks noGrp="1"/>
+          </p:cNvSpPr>
+          <p:nvPr>
+            <p:ph idx="1"/>
+          </p:nvPr>
+        </p:nvSpPr>
+        <p:spPr/>
+        <p:txBody>
+          <a:bodyPr anchor="t"/>
+          <a:lstStyle/>
+          <a:p>
+            <a:pPr marL="0" indent="0">
+              <a:buNone/>
+            </a:pPr>
+            <a:r>
+              <a:rPr lang="fr-FR" dirty="0"/>
+              <a:t>e</a:t>
+            </a:r>
+            <a:r>
+              <a:rPr lang="fr-FR" dirty="0" smtClean="0"/>
+              <a:t>z18n-sample/</a:t>
+            </a:r>
+            <a:r>
+              <a:rPr lang="fr-FR" dirty="0" err="1" smtClean="0"/>
+              <a:t>src</a:t>
+            </a:r>
+            <a:r>
+              <a:rPr lang="fr-FR" dirty="0" smtClean="0"/>
+              <a:t>/main/</a:t>
+            </a:r>
+            <a:r>
+              <a:rPr lang="fr-FR" dirty="0" err="1" smtClean="0"/>
+              <a:t>org</a:t>
+            </a:r>
+            <a:r>
+              <a:rPr lang="fr-FR" dirty="0" smtClean="0"/>
+              <a:t>/ez18n/</a:t>
+            </a:r>
+            <a:r>
+              <a:rPr lang="fr-FR" dirty="0" err="1" smtClean="0"/>
+              <a:t>sample</a:t>
+            </a:r>
+            <a:r>
+              <a:rPr lang="fr-FR" dirty="0" smtClean="0"/>
+              <a:t>/</a:t>
+            </a:r>
+          </a:p>
+          <a:p>
+            <a:r>
+              <a:rPr lang="fr-FR" dirty="0" err="1" smtClean="0"/>
+              <a:t>OldFashionSample</a:t>
+            </a:r>
+            <a:endParaRPr lang="fr-FR" dirty="0" smtClean="0"/>
+          </a:p>
+          <a:p>
+            <a:pPr lvl="1"/>
+            <a:r>
+              <a:rPr lang="fr-FR" dirty="0" smtClean="0"/>
+              <a:t>Default Locale</a:t>
+            </a:r>
+          </a:p>
+          <a:p>
+            <a:pPr lvl="1"/>
+            <a:r>
+              <a:rPr lang="fr-FR" dirty="0" smtClean="0"/>
+              <a:t>FR, JA, mécanisme par défaut</a:t>
+            </a:r>
+          </a:p>
+          <a:p>
+            <a:pPr lvl="1"/>
+            <a:r>
+              <a:rPr lang="fr-FR" dirty="0" smtClean="0"/>
+              <a:t>Format des fichiers .</a:t>
+            </a:r>
+            <a:r>
+              <a:rPr lang="fr-FR" dirty="0" err="1" smtClean="0"/>
+              <a:t>properties</a:t>
+            </a:r>
+            <a:endParaRPr lang="fr-FR" dirty="0" smtClean="0"/>
+          </a:p>
+          <a:p>
+            <a:pPr lvl="1"/>
+            <a:endParaRPr lang="fr-FR" dirty="0" smtClean="0"/>
+          </a:p>
+          <a:p>
+            <a:r>
+              <a:rPr lang="fr-FR" dirty="0" smtClean="0"/>
+              <a:t>Ancienne gestion des fichiers</a:t>
+            </a:r>
+          </a:p>
+          <a:p>
+            <a:r>
+              <a:rPr lang="fr-FR" dirty="0" smtClean="0"/>
+              <a:t>Possibilité via </a:t>
+            </a:r>
+            <a:r>
+              <a:rPr lang="fr-FR" dirty="0" err="1" smtClean="0"/>
+              <a:t>classpath</a:t>
+            </a:r>
+            <a:r>
+              <a:rPr lang="fr-FR" dirty="0" smtClean="0"/>
+              <a:t> &amp; zip</a:t>
+            </a:r>
+          </a:p>
+        </p:txBody>
+      </p:sp>
+    </p:spTree>
+    <p:extLst>
+      <p:ext uri="{BB962C8B-B14F-4D97-AF65-F5344CB8AC3E}">
+        <p14:creationId xmlns:p14="http://schemas.microsoft.com/office/powerpoint/2010/main" val="1742857176"/>
+      </p:ext>
+    </p:extLst>
+  </p:cSld>
+  <p:clrMapOvr>
+    <a:masterClrMapping/>
+  </p:clrMapOvr>
+</p:sld>
+</file>
+
+<file path=ppt/slides/slide11.xml><?xml version="1.0" encoding="utf-8"?>
+<p:sld xmlns:a="http://schemas.openxmlformats.org/drawingml/2006/main" xmlns:r="http://schemas.openxmlformats.org/officeDocument/2006/relationships" xmlns:p="http://schemas.openxmlformats.org/presentationml/2006/main">
+  <p:cSld>
+    <p:spTree>
+      <p:nvGrpSpPr>
+        <p:cNvPr id="1" name=""/>
+        <p:cNvGrpSpPr/>
+        <p:nvPr/>
+      </p:nvGrpSpPr>
+      <p:grpSpPr>
+        <a:xfrm>
+          <a:off x="0" y="0"/>
+          <a:ext cx="0" cy="0"/>
+          <a:chOff x="0" y="0"/>
+          <a:chExt cx="0" cy="0"/>
+        </a:xfrm>
+      </p:grpSpPr>
+      <p:sp>
+        <p:nvSpPr>
+          <p:cNvPr id="2" name="Titre 1"/>
+          <p:cNvSpPr>
+            <a:spLocks noGrp="1"/>
+          </p:cNvSpPr>
+          <p:nvPr>
+            <p:ph type="title"/>
+          </p:nvPr>
+        </p:nvSpPr>
+        <p:spPr/>
+        <p:txBody>
+          <a:bodyPr/>
+          <a:lstStyle/>
+          <a:p>
+            <a:r>
+              <a:rPr lang="fr-FR" dirty="0" err="1" smtClean="0"/>
+              <a:t>Encodings</a:t>
+            </a:r>
+            <a:endParaRPr lang="fr-FR" dirty="0"/>
+          </a:p>
+        </p:txBody>
+      </p:sp>
+      <p:sp>
+        <p:nvSpPr>
+          <p:cNvPr id="3" name="Espace réservé du contenu 2"/>
+          <p:cNvSpPr>
+            <a:spLocks noGrp="1"/>
+          </p:cNvSpPr>
+          <p:nvPr>
+            <p:ph idx="1"/>
+          </p:nvPr>
+        </p:nvSpPr>
+        <p:spPr/>
+        <p:txBody>
+          <a:bodyPr>
+            <a:normAutofit lnSpcReduction="10000"/>
+          </a:bodyPr>
+          <a:lstStyle/>
+          <a:p>
+            <a:r>
+              <a:rPr lang="fr-FR" dirty="0" smtClean="0"/>
+              <a:t>Java </a:t>
+            </a:r>
+          </a:p>
+          <a:p>
+            <a:pPr lvl="1"/>
+            <a:r>
+              <a:rPr lang="en-US" dirty="0" smtClean="0"/>
+              <a:t>\</a:t>
+            </a:r>
+            <a:r>
+              <a:rPr lang="en-US" dirty="0"/>
+              <a:t>u3053\u3093\u306b\u3061\u306f\u3001\u4e16\u754c\uff01</a:t>
+            </a:r>
+          </a:p>
+          <a:p>
+            <a:pPr lvl="1"/>
+            <a:endParaRPr lang="fr-FR" dirty="0" smtClean="0"/>
+          </a:p>
+          <a:p>
+            <a:pPr lvl="1"/>
+            <a:r>
+              <a:rPr lang="fr-FR" dirty="0" err="1" smtClean="0"/>
+              <a:t>Encoding</a:t>
+            </a:r>
+            <a:r>
+              <a:rPr lang="fr-FR" dirty="0" smtClean="0"/>
+              <a:t> du fichier et option –</a:t>
+            </a:r>
+            <a:r>
+              <a:rPr lang="fr-FR" dirty="0" err="1" smtClean="0"/>
+              <a:t>Dfile.encoding</a:t>
+            </a:r>
+            <a:r>
+              <a:rPr lang="fr-FR" dirty="0" smtClean="0"/>
+              <a:t>=UTF-</a:t>
+            </a:r>
+            <a:r>
+              <a:rPr lang="fr-FR" dirty="0" smtClean="0"/>
+              <a:t>8</a:t>
+            </a:r>
+          </a:p>
+          <a:p>
+            <a:pPr lvl="1"/>
+            <a:endParaRPr lang="fr-FR" dirty="0" smtClean="0"/>
+          </a:p>
+          <a:p>
+            <a:r>
+              <a:rPr lang="fr-FR" dirty="0" smtClean="0"/>
+              <a:t>Html</a:t>
+            </a:r>
+          </a:p>
+          <a:p>
+            <a:pPr lvl="1"/>
+            <a:r>
+              <a:rPr lang="fr-FR" dirty="0"/>
+              <a:t>&amp;#x00AD</a:t>
+            </a:r>
+            <a:r>
+              <a:rPr lang="fr-FR" dirty="0" smtClean="0"/>
+              <a:t>;</a:t>
+            </a:r>
+            <a:endParaRPr lang="fr-FR" dirty="0"/>
+          </a:p>
+        </p:txBody>
+      </p:sp>
+    </p:spTree>
+    <p:extLst>
+      <p:ext uri="{BB962C8B-B14F-4D97-AF65-F5344CB8AC3E}">
+        <p14:creationId xmlns:p14="http://schemas.microsoft.com/office/powerpoint/2010/main" val="3126842541"/>
+      </p:ext>
+    </p:extLst>
+  </p:cSld>
+  <p:clrMapOvr>
+    <a:masterClrMapping/>
+  </p:clrMapOvr>
+</p:sld>
+</file>
+
+<file path=ppt/slides/slide12.xml><?xml version="1.0" encoding="utf-8"?>
+<p:sld xmlns:a="http://schemas.openxmlformats.org/drawingml/2006/main" xmlns:r="http://schemas.openxmlformats.org/officeDocument/2006/relationships" xmlns:p="http://schemas.openxmlformats.org/presentationml/2006/main">
+  <p:cSld>
+    <p:spTree>
+      <p:nvGrpSpPr>
+        <p:cNvPr id="1" name=""/>
+        <p:cNvGrpSpPr/>
+        <p:nvPr/>
+      </p:nvGrpSpPr>
+      <p:grpSpPr>
+        <a:xfrm>
+          <a:off x="0" y="0"/>
+          <a:ext cx="0" cy="0"/>
+          <a:chOff x="0" y="0"/>
+          <a:chExt cx="0" cy="0"/>
+        </a:xfrm>
+      </p:grpSpPr>
+      <p:sp>
+        <p:nvSpPr>
+          <p:cNvPr id="2" name="Titre 1"/>
+          <p:cNvSpPr>
+            <a:spLocks noGrp="1"/>
+          </p:cNvSpPr>
+          <p:nvPr>
+            <p:ph type="title"/>
+          </p:nvPr>
+        </p:nvSpPr>
+        <p:spPr/>
+        <p:txBody>
+          <a:bodyPr/>
+          <a:lstStyle/>
+          <a:p>
+            <a:r>
+              <a:rPr lang="fr-FR" dirty="0" smtClean="0"/>
+              <a:t>Idées au passage</a:t>
+            </a:r>
+            <a:endParaRPr lang="fr-FR" dirty="0"/>
+          </a:p>
+        </p:txBody>
+      </p:sp>
+      <p:sp>
+        <p:nvSpPr>
+          <p:cNvPr id="3" name="Espace réservé du contenu 2"/>
+          <p:cNvSpPr>
+            <a:spLocks noGrp="1"/>
+          </p:cNvSpPr>
+          <p:nvPr>
+            <p:ph idx="1"/>
+          </p:nvPr>
+        </p:nvSpPr>
+        <p:spPr/>
+        <p:txBody>
+          <a:bodyPr/>
+          <a:lstStyle/>
+          <a:p>
+            <a:r>
+              <a:rPr lang="fr-FR" dirty="0"/>
+              <a:t>Pseudo </a:t>
+            </a:r>
+            <a:r>
+              <a:rPr lang="fr-FR" dirty="0" smtClean="0"/>
+              <a:t>Localisation</a:t>
+            </a:r>
+          </a:p>
+          <a:p>
+            <a:pPr lvl="1"/>
+            <a:r>
+              <a:rPr lang="fr-FR" dirty="0" smtClean="0"/>
+              <a:t>Vérifier la localisation de votre application</a:t>
+            </a:r>
+          </a:p>
+          <a:p>
+            <a:pPr lvl="1"/>
+            <a:r>
+              <a:rPr lang="fr-FR" dirty="0" smtClean="0"/>
+              <a:t>Ajout d’un caractère devant toutes les clefs</a:t>
+            </a:r>
+          </a:p>
+          <a:p>
+            <a:pPr lvl="1"/>
+            <a:endParaRPr lang="fr-FR" dirty="0" smtClean="0"/>
+          </a:p>
+          <a:p>
+            <a:r>
+              <a:rPr lang="fr-FR" dirty="0" smtClean="0"/>
+              <a:t>Rechargement des </a:t>
+            </a:r>
+            <a:r>
+              <a:rPr lang="fr-FR" dirty="0" err="1" smtClean="0"/>
+              <a:t>resources</a:t>
+            </a:r>
+            <a:endParaRPr lang="fr-FR" dirty="0" smtClean="0"/>
+          </a:p>
+          <a:p>
+            <a:pPr lvl="1"/>
+            <a:r>
+              <a:rPr lang="de-DE" dirty="0"/>
+              <a:t> </a:t>
+            </a:r>
+            <a:r>
+              <a:rPr lang="de-DE" dirty="0" err="1"/>
+              <a:t>ResourceBundle.clearCache</a:t>
+            </a:r>
+            <a:r>
+              <a:rPr lang="de-DE" dirty="0"/>
+              <a:t>()</a:t>
+            </a:r>
+            <a:r>
+              <a:rPr lang="de-DE" dirty="0" smtClean="0"/>
+              <a:t>;</a:t>
+            </a:r>
+          </a:p>
+          <a:p>
+            <a:pPr lvl="1"/>
+            <a:endParaRPr lang="fr-FR" dirty="0" smtClean="0"/>
+          </a:p>
+          <a:p>
+            <a:endParaRPr lang="fr-FR" dirty="0"/>
+          </a:p>
+        </p:txBody>
+      </p:sp>
+    </p:spTree>
+    <p:extLst>
+      <p:ext uri="{BB962C8B-B14F-4D97-AF65-F5344CB8AC3E}">
+        <p14:creationId xmlns:p14="http://schemas.microsoft.com/office/powerpoint/2010/main" val="3194146052"/>
+      </p:ext>
+    </p:extLst>
+  </p:cSld>
+  <p:clrMapOvr>
+    <a:masterClrMapping/>
+  </p:clrMapOvr>
+</p:sld>
+</file>
+
+<file path=ppt/slides/slide13.xml><?xml version="1.0" encoding="utf-8"?>
+<p:sld xmlns:a="http://schemas.openxmlformats.org/drawingml/2006/main" xmlns:r="http://schemas.openxmlformats.org/officeDocument/2006/relationships" xmlns:p="http://schemas.openxmlformats.org/presentationml/2006/main">
+  <p:cSld>
+    <p:spTree>
+      <p:nvGrpSpPr>
+        <p:cNvPr id="1" name=""/>
+        <p:cNvGrpSpPr/>
+        <p:nvPr/>
+      </p:nvGrpSpPr>
+      <p:grpSpPr>
+        <a:xfrm>
+          <a:off x="0" y="0"/>
+          <a:ext cx="0" cy="0"/>
+          <a:chOff x="0" y="0"/>
+          <a:chExt cx="0" cy="0"/>
+        </a:xfrm>
+      </p:grpSpPr>
+      <p:sp>
+        <p:nvSpPr>
+          <p:cNvPr id="2" name="Titre 1"/>
+          <p:cNvSpPr>
+            <a:spLocks noGrp="1"/>
+          </p:cNvSpPr>
+          <p:nvPr>
+            <p:ph type="title"/>
+          </p:nvPr>
+        </p:nvSpPr>
+        <p:spPr/>
+        <p:txBody>
+          <a:bodyPr/>
+          <a:lstStyle/>
+          <a:p>
+            <a:r>
+              <a:rPr lang="fr-FR" dirty="0" smtClean="0"/>
+              <a:t>Des outils</a:t>
+            </a:r>
+            <a:endParaRPr lang="fr-FR" dirty="0"/>
+          </a:p>
+        </p:txBody>
+      </p:sp>
+      <p:sp>
+        <p:nvSpPr>
+          <p:cNvPr id="3" name="Espace réservé du contenu 2"/>
+          <p:cNvSpPr>
+            <a:spLocks noGrp="1"/>
+          </p:cNvSpPr>
+          <p:nvPr>
+            <p:ph idx="1"/>
+          </p:nvPr>
+        </p:nvSpPr>
+        <p:spPr/>
+        <p:txBody>
+          <a:bodyPr/>
+          <a:lstStyle/>
+          <a:p>
+            <a:r>
+              <a:rPr lang="fr-FR" dirty="0" smtClean="0"/>
+              <a:t>Native2ascii</a:t>
+            </a:r>
+          </a:p>
+          <a:p>
+            <a:r>
+              <a:rPr lang="en-US" dirty="0"/>
+              <a:t>org.apache.commons.lang3.</a:t>
+            </a:r>
+            <a:r>
+              <a:rPr lang="en-US" dirty="0" smtClean="0"/>
+              <a:t>CharUtils</a:t>
+            </a:r>
+          </a:p>
+          <a:p>
+            <a:pPr lvl="1"/>
+            <a:r>
+              <a:rPr lang="en-US" dirty="0" err="1" smtClean="0"/>
+              <a:t>unicodeEscaped</a:t>
+            </a:r>
+            <a:r>
+              <a:rPr lang="en-US" dirty="0" smtClean="0"/>
+              <a:t>(char)</a:t>
+            </a:r>
+          </a:p>
+          <a:p>
+            <a:pPr lvl="1"/>
+            <a:r>
+              <a:rPr lang="en-US" dirty="0" err="1" smtClean="0"/>
+              <a:t>isAscii</a:t>
+            </a:r>
+            <a:r>
+              <a:rPr lang="en-US" dirty="0" smtClean="0"/>
+              <a:t>(char</a:t>
+            </a:r>
+            <a:r>
+              <a:rPr lang="en-US" dirty="0" smtClean="0"/>
+              <a:t>)</a:t>
+            </a:r>
+          </a:p>
+          <a:p>
+            <a:r>
+              <a:rPr lang="fr-FR" dirty="0"/>
+              <a:t>j</a:t>
+            </a:r>
+            <a:r>
+              <a:rPr lang="en-US" dirty="0" err="1" smtClean="0"/>
+              <a:t>ava.lang.Properties</a:t>
+            </a:r>
+            <a:endParaRPr lang="fr-FR" dirty="0" smtClean="0"/>
+          </a:p>
+          <a:p>
+            <a:r>
+              <a:rPr lang="fr-FR" dirty="0" err="1" smtClean="0"/>
+              <a:t>Intellij</a:t>
+            </a:r>
+            <a:r>
+              <a:rPr lang="fr-FR" dirty="0" smtClean="0"/>
+              <a:t> </a:t>
+            </a:r>
+            <a:r>
+              <a:rPr lang="fr-FR" dirty="0" err="1" smtClean="0"/>
+              <a:t>Idea</a:t>
+            </a:r>
+            <a:r>
+              <a:rPr lang="fr-FR" dirty="0" smtClean="0"/>
+              <a:t> </a:t>
+            </a:r>
+          </a:p>
+          <a:p>
+            <a:pPr lvl="1"/>
+            <a:r>
+              <a:rPr lang="fr-FR" dirty="0" smtClean="0"/>
+              <a:t>auto native2ascii &amp; mode </a:t>
+            </a:r>
+            <a:r>
+              <a:rPr lang="fr-FR" dirty="0" err="1" smtClean="0"/>
+              <a:t>ResourceBundle</a:t>
+            </a:r>
+            <a:endParaRPr lang="fr-FR" dirty="0"/>
+          </a:p>
+          <a:p>
+            <a:endParaRPr lang="fr-FR" dirty="0" smtClean="0"/>
+          </a:p>
+          <a:p>
+            <a:endParaRPr lang="fr-FR" dirty="0" smtClean="0"/>
+          </a:p>
+          <a:p>
+            <a:endParaRPr lang="fr-FR" dirty="0"/>
+          </a:p>
+        </p:txBody>
+      </p:sp>
+    </p:spTree>
+    <p:extLst>
+      <p:ext uri="{BB962C8B-B14F-4D97-AF65-F5344CB8AC3E}">
+        <p14:creationId xmlns:p14="http://schemas.microsoft.com/office/powerpoint/2010/main" val="2425288845"/>
+      </p:ext>
+    </p:extLst>
+  </p:cSld>
+  <p:clrMapOvr>
+    <a:masterClrMapping/>
+  </p:clrMapOvr>
+</p:sld>
+</file>
+
+<file path=ppt/slides/slide14.xml><?xml version="1.0" encoding="utf-8"?>
+<p:sld xmlns:a="http://schemas.openxmlformats.org/drawingml/2006/main" xmlns:r="http://schemas.openxmlformats.org/officeDocument/2006/relationships" xmlns:p="http://schemas.openxmlformats.org/presentationml/2006/main">
+  <p:cSld>
+    <p:spTree>
+      <p:nvGrpSpPr>
+        <p:cNvPr id="1" name=""/>
+        <p:cNvGrpSpPr/>
+        <p:nvPr/>
+      </p:nvGrpSpPr>
+      <p:grpSpPr>
+        <a:xfrm>
+          <a:off x="0" y="0"/>
+          <a:ext cx="0" cy="0"/>
+          <a:chOff x="0" y="0"/>
+          <a:chExt cx="0" cy="0"/>
+        </a:xfrm>
+      </p:grpSpPr>
+      <p:sp>
+        <p:nvSpPr>
+          <p:cNvPr id="2" name="Titre 1"/>
+          <p:cNvSpPr>
+            <a:spLocks noGrp="1"/>
+          </p:cNvSpPr>
+          <p:nvPr>
+            <p:ph type="title"/>
+          </p:nvPr>
+        </p:nvSpPr>
+        <p:spPr/>
+        <p:txBody>
+          <a:bodyPr/>
+          <a:lstStyle/>
+          <a:p>
+            <a:r>
+              <a:rPr lang="fr-FR" dirty="0" smtClean="0"/>
+              <a:t>Gouvernance i18n</a:t>
+            </a:r>
+            <a:endParaRPr lang="fr-FR" dirty="0"/>
+          </a:p>
+        </p:txBody>
+      </p:sp>
+      <p:sp>
+        <p:nvSpPr>
+          <p:cNvPr id="3" name="Espace réservé du contenu 2"/>
+          <p:cNvSpPr>
+            <a:spLocks noGrp="1"/>
+          </p:cNvSpPr>
+          <p:nvPr>
+            <p:ph idx="1"/>
+          </p:nvPr>
+        </p:nvSpPr>
+        <p:spPr/>
+        <p:txBody>
+          <a:bodyPr/>
+          <a:lstStyle/>
+          <a:p>
+            <a:r>
+              <a:rPr lang="fr-FR" dirty="0" smtClean="0"/>
+              <a:t>Gestion de plusieurs langues </a:t>
+            </a:r>
+          </a:p>
+          <a:p>
+            <a:r>
+              <a:rPr lang="fr-FR" dirty="0" smtClean="0"/>
+              <a:t>Maintenance par les développeurs</a:t>
+            </a:r>
+          </a:p>
+          <a:p>
+            <a:r>
+              <a:rPr lang="fr-FR" dirty="0" smtClean="0"/>
+              <a:t>Externalisation à des traducteurs</a:t>
+            </a:r>
+          </a:p>
+          <a:p>
+            <a:r>
+              <a:rPr lang="fr-FR" dirty="0" smtClean="0"/>
+              <a:t>Intégration et synchronisation</a:t>
+            </a:r>
+          </a:p>
+          <a:p>
+            <a:r>
+              <a:rPr lang="fr-FR" dirty="0" smtClean="0"/>
+              <a:t>Corrections tardives</a:t>
+            </a:r>
+          </a:p>
+          <a:p>
+            <a:endParaRPr lang="fr-FR" dirty="0"/>
+          </a:p>
+        </p:txBody>
+      </p:sp>
+    </p:spTree>
+    <p:extLst>
+      <p:ext uri="{BB962C8B-B14F-4D97-AF65-F5344CB8AC3E}">
+        <p14:creationId xmlns:p14="http://schemas.microsoft.com/office/powerpoint/2010/main" val="3762882879"/>
+      </p:ext>
+    </p:extLst>
+  </p:cSld>
+  <p:clrMapOvr>
+    <a:masterClrMapping/>
+  </p:clrMapOvr>
+</p:sld>
+</file>
+
+<file path=ppt/slides/slide15.xml><?xml version="1.0" encoding="utf-8"?>
+<p:sld xmlns:a="http://schemas.openxmlformats.org/drawingml/2006/main" xmlns:r="http://schemas.openxmlformats.org/officeDocument/2006/relationships" xmlns:p="http://schemas.openxmlformats.org/presentationml/2006/main">
+  <p:cSld>
+    <p:spTree>
+      <p:nvGrpSpPr>
+        <p:cNvPr id="1" name=""/>
+        <p:cNvGrpSpPr/>
+        <p:nvPr/>
+      </p:nvGrpSpPr>
+      <p:grpSpPr>
+        <a:xfrm>
+          <a:off x="0" y="0"/>
+          <a:ext cx="0" cy="0"/>
+          <a:chOff x="0" y="0"/>
+          <a:chExt cx="0" cy="0"/>
+        </a:xfrm>
+      </p:grpSpPr>
+      <p:sp>
+        <p:nvSpPr>
+          <p:cNvPr id="2" name="Titre 1"/>
+          <p:cNvSpPr>
+            <a:spLocks noGrp="1"/>
+          </p:cNvSpPr>
+          <p:nvPr>
+            <p:ph type="title"/>
+          </p:nvPr>
+        </p:nvSpPr>
+        <p:spPr/>
+        <p:txBody>
+          <a:bodyPr/>
+          <a:lstStyle/>
+          <a:p>
+            <a:r>
+              <a:rPr lang="fr-FR" dirty="0" smtClean="0"/>
+              <a:t>Sources</a:t>
+            </a:r>
+            <a:endParaRPr lang="fr-FR" dirty="0"/>
+          </a:p>
+        </p:txBody>
+      </p:sp>
+      <p:sp>
+        <p:nvSpPr>
+          <p:cNvPr id="3" name="Espace réservé du contenu 2"/>
+          <p:cNvSpPr>
+            <a:spLocks noGrp="1"/>
+          </p:cNvSpPr>
+          <p:nvPr>
+            <p:ph idx="1"/>
+          </p:nvPr>
+        </p:nvSpPr>
+        <p:spPr/>
+        <p:txBody>
+          <a:bodyPr/>
+          <a:lstStyle/>
+          <a:p>
+            <a:r>
+              <a:rPr lang="en-US" sz="1200" dirty="0">
+                <a:hlinkClick r:id="rId2"/>
+              </a:rPr>
+              <a:t>http://www.pcinpact.com/news/56016-php-6-support-unicode-rasmus-lerdorf-utf16-</a:t>
+            </a:r>
+            <a:r>
+              <a:rPr lang="en-US" sz="1200" dirty="0" smtClean="0">
+                <a:hlinkClick r:id="rId2"/>
+              </a:rPr>
+              <a:t>problemes.htm</a:t>
+            </a:r>
+            <a:endParaRPr lang="en-US" sz="1200" dirty="0" smtClean="0"/>
+          </a:p>
+          <a:p>
+            <a:r>
+              <a:rPr lang="pl-PL" sz="1200" dirty="0">
+                <a:hlinkClick r:id="rId3"/>
+              </a:rPr>
+              <a:t>http://www.debian.org/doc/manuals/intro-i18n</a:t>
+            </a:r>
+            <a:r>
+              <a:rPr lang="pl-PL" sz="1200" dirty="0" smtClean="0">
+                <a:hlinkClick r:id="rId3"/>
+              </a:rPr>
+              <a:t>/</a:t>
+            </a:r>
+            <a:endParaRPr lang="pl-PL" sz="1200" dirty="0" smtClean="0"/>
+          </a:p>
+          <a:p>
+            <a:r>
+              <a:rPr lang="en-US" sz="1200" dirty="0">
+                <a:hlinkClick r:id="rId4"/>
+              </a:rPr>
+              <a:t>http://www.joelonsoftware.com/articles/</a:t>
+            </a:r>
+            <a:r>
+              <a:rPr lang="en-US" sz="1200" dirty="0" smtClean="0">
+                <a:hlinkClick r:id="rId4"/>
+              </a:rPr>
+              <a:t>Unicode.html</a:t>
+            </a:r>
+            <a:endParaRPr lang="en-US" sz="1200" dirty="0" smtClean="0"/>
+          </a:p>
+          <a:p>
+            <a:r>
+              <a:rPr lang="pl-PL" sz="1200" dirty="0"/>
+              <a:t>http://www.i18nguy.com/</a:t>
+            </a:r>
+            <a:endParaRPr lang="en-US" sz="1200" dirty="0" smtClean="0"/>
+          </a:p>
+          <a:p>
+            <a:endParaRPr lang="en-US" sz="1200" dirty="0" smtClean="0"/>
+          </a:p>
+          <a:p>
+            <a:endParaRPr lang="en-US" sz="1200" dirty="0"/>
+          </a:p>
+          <a:p>
+            <a:r>
+              <a:rPr lang="hu-HU" sz="1200" dirty="0"/>
+              <a:t>http://docs.oracle.com/javase/specs/</a:t>
+            </a:r>
+            <a:endParaRPr lang="en-US" sz="1200" dirty="0" smtClean="0"/>
+          </a:p>
+          <a:p>
+            <a:endParaRPr lang="en-US" sz="1200" dirty="0" smtClean="0"/>
+          </a:p>
+          <a:p>
+            <a:endParaRPr lang="fr-FR" dirty="0"/>
+          </a:p>
+        </p:txBody>
+      </p:sp>
+    </p:spTree>
+    <p:extLst>
+      <p:ext uri="{BB962C8B-B14F-4D97-AF65-F5344CB8AC3E}">
+        <p14:creationId xmlns:p14="http://schemas.microsoft.com/office/powerpoint/2010/main" val="1572255572"/>
+      </p:ext>
+    </p:extLst>
+  </p:cSld>
+  <p:clrMapOvr>
+    <a:masterClrMapping/>
+  </p:clrMapOvr>
+</p:sld>
+</file>
+
 <file path=ppt/slides/slide2.xml><?xml version="1.0" encoding="utf-8"?>
 <p:sld xmlns:a="http://schemas.openxmlformats.org/drawingml/2006/main" xmlns:r="http://schemas.openxmlformats.org/officeDocument/2006/relationships" xmlns:p="http://schemas.openxmlformats.org/presentationml/2006/main">
   <p:cSld>
@@ -3242,28 +4114,134 @@
           <a:lstStyle/>
           <a:p>
             <a:r>
-              <a:rPr lang="en-US" dirty="0" err="1" smtClean="0"/>
-              <a:t>Vous</a:t>
-            </a:r>
+              <a:rPr lang="fr-FR" dirty="0" smtClean="0"/>
+              <a:t>I</a:t>
+            </a:r>
+            <a:r>
+              <a:rPr lang="fr-FR" dirty="0" smtClean="0"/>
+              <a:t>18n, l10n</a:t>
+            </a:r>
+            <a:endParaRPr lang="fr-FR" dirty="0"/>
+          </a:p>
+        </p:txBody>
+      </p:sp>
+      <p:sp>
+        <p:nvSpPr>
+          <p:cNvPr id="3" name="Espace réservé du contenu 2"/>
+          <p:cNvSpPr>
+            <a:spLocks noGrp="1"/>
+          </p:cNvSpPr>
+          <p:nvPr>
+            <p:ph idx="1"/>
+          </p:nvPr>
+        </p:nvSpPr>
+        <p:spPr/>
+        <p:txBody>
+          <a:bodyPr/>
+          <a:lstStyle/>
+          <a:p>
+            <a:r>
+              <a:rPr lang="fr-FR" dirty="0" smtClean="0"/>
+              <a:t>Internationalisation (i18n) </a:t>
+            </a:r>
+          </a:p>
+          <a:p>
+            <a:pPr lvl="1"/>
+            <a:r>
+              <a:rPr lang="fr-FR" dirty="0" smtClean="0"/>
+              <a:t>Adapter son logiciel à de l’externalisation de textes</a:t>
+            </a:r>
+          </a:p>
+          <a:p>
+            <a:pPr lvl="1"/>
+            <a:r>
+              <a:rPr lang="fr-FR" dirty="0" smtClean="0"/>
+              <a:t>Passe généralement par un moteur</a:t>
+            </a:r>
+          </a:p>
+          <a:p>
+            <a:endParaRPr lang="fr-FR" dirty="0" smtClean="0"/>
+          </a:p>
+          <a:p>
+            <a:r>
+              <a:rPr lang="fr-FR" dirty="0" smtClean="0"/>
+              <a:t>Localisation (l10n)</a:t>
+            </a:r>
+          </a:p>
+          <a:p>
+            <a:pPr lvl="1"/>
+            <a:r>
+              <a:rPr lang="fr-FR" dirty="0" smtClean="0"/>
+              <a:t>Ajout de certaines langues dans le logiciel</a:t>
+            </a:r>
+          </a:p>
+          <a:p>
+            <a:pPr lvl="1"/>
+            <a:r>
+              <a:rPr lang="fr-FR" dirty="0" smtClean="0"/>
+              <a:t>Activité de traduction</a:t>
+            </a:r>
+          </a:p>
+          <a:p>
+            <a:pPr marL="457200" lvl="1" indent="0">
+              <a:buNone/>
+            </a:pPr>
+            <a:endParaRPr lang="fr-FR" dirty="0"/>
+          </a:p>
+        </p:txBody>
+      </p:sp>
+    </p:spTree>
+    <p:extLst>
+      <p:ext uri="{BB962C8B-B14F-4D97-AF65-F5344CB8AC3E}">
+        <p14:creationId xmlns:p14="http://schemas.microsoft.com/office/powerpoint/2010/main" val="3120915150"/>
+      </p:ext>
+    </p:extLst>
+  </p:cSld>
+  <p:clrMapOvr>
+    <a:masterClrMapping/>
+  </p:clrMapOvr>
+</p:sld>
+</file>
+
+<file path=ppt/slides/slide3.xml><?xml version="1.0" encoding="utf-8"?>
+<p:sld xmlns:a="http://schemas.openxmlformats.org/drawingml/2006/main" xmlns:r="http://schemas.openxmlformats.org/officeDocument/2006/relationships" xmlns:p="http://schemas.openxmlformats.org/presentationml/2006/main">
+  <p:cSld>
+    <p:spTree>
+      <p:nvGrpSpPr>
+        <p:cNvPr id="1" name=""/>
+        <p:cNvGrpSpPr/>
+        <p:nvPr/>
+      </p:nvGrpSpPr>
+      <p:grpSpPr>
+        <a:xfrm>
+          <a:off x="0" y="0"/>
+          <a:ext cx="0" cy="0"/>
+          <a:chOff x="0" y="0"/>
+          <a:chExt cx="0" cy="0"/>
+        </a:xfrm>
+      </p:grpSpPr>
+      <p:sp>
+        <p:nvSpPr>
+          <p:cNvPr id="2" name="Titre 1"/>
+          <p:cNvSpPr>
+            <a:spLocks noGrp="1"/>
+          </p:cNvSpPr>
+          <p:nvPr>
+            <p:ph type="title"/>
+          </p:nvPr>
+        </p:nvSpPr>
+        <p:spPr/>
+        <p:txBody>
+          <a:bodyPr/>
+          <a:lstStyle/>
+          <a:p>
             <a:r>
               <a:rPr lang="en-US" dirty="0" smtClean="0"/>
-              <a:t> </a:t>
-            </a:r>
-            <a:r>
-              <a:rPr lang="en-US" dirty="0" err="1" smtClean="0"/>
-              <a:t>avez</a:t>
+              <a:t>i18n </a:t>
             </a:r>
             <a:r>
               <a:rPr lang="en-US" dirty="0" smtClean="0"/>
-              <a:t> </a:t>
-            </a:r>
-            <a:r>
-              <a:rPr lang="en-US" dirty="0" err="1" smtClean="0"/>
-              <a:t>dit</a:t>
-            </a:r>
-            <a:r>
-              <a:rPr lang="en-US" dirty="0" smtClean="0"/>
-              <a:t> i18n ?</a:t>
+              <a:t>?</a:t>
             </a:r>
             <a:endParaRPr lang="fr-FR" dirty="0"/>
           </a:p>
@@ -3376,7 +4354,7 @@
             </a:r>
             <a:r>
               <a:rPr lang="en-US" dirty="0" smtClean="0"/>
-              <a:t>) : </a:t>
+              <a:t>) idem.</a:t>
             </a:r>
             <a:endParaRPr lang="fr-FR" dirty="0"/>
           </a:p>
@@ -3402,128 +4380,6 @@
 </p:sld>
 </file>
 
-<file path=ppt/slides/slide3.xml><?xml version="1.0" encoding="utf-8"?>
-<p:sld xmlns:a="http://schemas.openxmlformats.org/drawingml/2006/main" xmlns:r="http://schemas.openxmlformats.org/officeDocument/2006/relationships" xmlns:p="http://schemas.openxmlformats.org/presentationml/2006/main">
-  <p:cSld>
-    <p:spTree>
-      <p:nvGrpSpPr>
-        <p:cNvPr id="1" name=""/>
-        <p:cNvGrpSpPr/>
-        <p:nvPr/>
-      </p:nvGrpSpPr>
-      <p:grpSpPr>
-        <a:xfrm>
-          <a:off x="0" y="0"/>
-          <a:ext cx="0" cy="0"/>
-          <a:chOff x="0" y="0"/>
-          <a:chExt cx="0" cy="0"/>
-        </a:xfrm>
-      </p:grpSpPr>
-      <p:sp>
-        <p:nvSpPr>
-          <p:cNvPr id="2" name="Titre 1"/>
-          <p:cNvSpPr>
-            <a:spLocks noGrp="1"/>
-          </p:cNvSpPr>
-          <p:nvPr>
-            <p:ph type="title"/>
-          </p:nvPr>
-        </p:nvSpPr>
-        <p:spPr/>
-        <p:txBody>
-          <a:bodyPr/>
-          <a:lstStyle/>
-          <a:p>
-            <a:r>
-              <a:rPr lang="fr-FR" dirty="0" smtClean="0"/>
-              <a:t>I</a:t>
-            </a:r>
-            <a:r>
-              <a:rPr lang="fr-FR" dirty="0" smtClean="0"/>
-              <a:t>18n, l10n</a:t>
-            </a:r>
-            <a:endParaRPr lang="fr-FR" dirty="0"/>
-          </a:p>
-        </p:txBody>
-      </p:sp>
-      <p:sp>
-        <p:nvSpPr>
-          <p:cNvPr id="3" name="Espace réservé du contenu 2"/>
-          <p:cNvSpPr>
-            <a:spLocks noGrp="1"/>
-          </p:cNvSpPr>
-          <p:nvPr>
-            <p:ph idx="1"/>
-          </p:nvPr>
-        </p:nvSpPr>
-        <p:spPr/>
-        <p:txBody>
-          <a:bodyPr/>
-          <a:lstStyle/>
-          <a:p>
-            <a:r>
-              <a:rPr lang="fr-FR" dirty="0" smtClean="0"/>
-              <a:t>Internationalisation (i18n) </a:t>
-            </a:r>
-          </a:p>
-          <a:p>
-            <a:pPr lvl="1"/>
-            <a:r>
-              <a:rPr lang="fr-FR" dirty="0" smtClean="0"/>
-              <a:t>Adapter son logiciel à de l’externalisation de textes</a:t>
-            </a:r>
-          </a:p>
-          <a:p>
-            <a:pPr lvl="1"/>
-            <a:r>
-              <a:rPr lang="fr-FR" dirty="0" smtClean="0"/>
-              <a:t>Passe généralement par un moteur</a:t>
-            </a:r>
-          </a:p>
-          <a:p>
-            <a:endParaRPr lang="fr-FR" dirty="0" smtClean="0"/>
-          </a:p>
-          <a:p>
-            <a:r>
-              <a:rPr lang="fr-FR" dirty="0" smtClean="0"/>
-              <a:t>Localisation (l10n)</a:t>
-            </a:r>
-          </a:p>
-          <a:p>
-            <a:pPr lvl="1"/>
-            <a:r>
-              <a:rPr lang="fr-FR" dirty="0" smtClean="0"/>
-              <a:t>Ajout de certaines langues dans le logiciel</a:t>
-            </a:r>
-          </a:p>
-          <a:p>
-            <a:pPr lvl="1"/>
-            <a:r>
-              <a:rPr lang="fr-FR" dirty="0" smtClean="0"/>
-              <a:t>Activité de traduction</a:t>
-            </a:r>
-          </a:p>
-          <a:p>
-            <a:pPr marL="457200" lvl="1" indent="0">
-              <a:buNone/>
-            </a:pPr>
-            <a:endParaRPr lang="fr-FR" dirty="0"/>
-          </a:p>
-        </p:txBody>
-      </p:sp>
-    </p:spTree>
-    <p:extLst>
-      <p:ext uri="{BB962C8B-B14F-4D97-AF65-F5344CB8AC3E}">
-        <p14:creationId xmlns:p14="http://schemas.microsoft.com/office/powerpoint/2010/main" val="3120915150"/>
-      </p:ext>
-    </p:extLst>
-  </p:cSld>
-  <p:clrMapOvr>
-    <a:masterClrMapping/>
-  </p:clrMapOvr>
-</p:sld>
-</file>
-
 <file path=ppt/slides/slide4.xml><?xml version="1.0" encoding="utf-8"?>
 <p:sld xmlns:a="http://schemas.openxmlformats.org/drawingml/2006/main" xmlns:r="http://schemas.openxmlformats.org/officeDocument/2006/relationships" xmlns:p="http://schemas.openxmlformats.org/presentationml/2006/main">
   <p:cSld>
@@ -3558,11 +4414,11 @@
           <a:p>
             <a:r>
               <a:rPr lang="fr-FR" dirty="0" smtClean="0"/>
-              <a:t>Char </a:t>
-            </a:r>
-            <a:r>
-              <a:rPr lang="fr-FR" dirty="0" err="1" smtClean="0"/>
-              <a:t>Encoding</a:t>
+              <a:t>I</a:t>
+            </a:r>
+            <a:r>
+              <a:rPr lang="fr-FR" dirty="0" smtClean="0"/>
+              <a:t>18n hors texte</a:t>
             </a:r>
             <a:endParaRPr lang="fr-FR" dirty="0"/>
           </a:p>
@@ -3578,50 +4434,77 @@
             <p:ph idx="1"/>
           </p:nvPr>
         </p:nvSpPr>
-        <p:spPr/>
-        <p:txBody>
-          <a:bodyPr/>
-          <a:lstStyle/>
-          <a:p>
-            <a:r>
-              <a:rPr lang="fr-FR" dirty="0" smtClean="0"/>
-              <a:t>Gestion des caractères en Java</a:t>
-            </a:r>
-          </a:p>
-          <a:p>
-            <a:r>
-              <a:rPr lang="fr-FR" dirty="0" smtClean="0"/>
-              <a:t>Char / </a:t>
-            </a:r>
-            <a:r>
-              <a:rPr lang="fr-FR" dirty="0" err="1" smtClean="0"/>
-              <a:t>Glyph</a:t>
-            </a:r>
-            <a:endParaRPr lang="fr-FR" dirty="0" smtClean="0"/>
-          </a:p>
-          <a:p>
-            <a:r>
-              <a:rPr lang="fr-FR" dirty="0" err="1" smtClean="0"/>
-              <a:t>Encoding</a:t>
-            </a:r>
-            <a:r>
-              <a:rPr lang="fr-FR"/>
-              <a:t> </a:t>
-            </a:r>
-            <a:r>
-              <a:rPr lang="fr-FR" smtClean="0"/>
-              <a:t>/ Charset</a:t>
-            </a:r>
-            <a:endParaRPr lang="fr-FR" dirty="0" smtClean="0"/>
-          </a:p>
-          <a:p>
-            <a:r>
-              <a:rPr lang="fr-FR" dirty="0" smtClean="0"/>
-              <a:t>Content-type (pas de défaut en HTML !)</a:t>
-            </a:r>
-            <a:endParaRPr lang="fr-FR" dirty="0" smtClean="0"/>
-          </a:p>
-          <a:p>
+        <p:spPr>
+          <a:xfrm>
+            <a:off x="457200" y="1295400"/>
+            <a:ext cx="8229600" cy="4525963"/>
+          </a:xfrm>
+        </p:spPr>
+        <p:txBody>
+          <a:bodyPr>
+            <a:normAutofit/>
+          </a:bodyPr>
+          <a:lstStyle/>
+          <a:p>
+            <a:r>
+              <a:rPr lang="fr-FR" dirty="0" smtClean="0"/>
+              <a:t>Textes </a:t>
+            </a:r>
+          </a:p>
+          <a:p>
+            <a:pPr lvl="1"/>
+            <a:r>
+              <a:rPr lang="fr-FR" dirty="0"/>
+              <a:t>Sens de </a:t>
+            </a:r>
+            <a:r>
+              <a:rPr lang="fr-FR" dirty="0" smtClean="0"/>
+              <a:t>lecture (RTL</a:t>
+            </a:r>
+            <a:r>
+              <a:rPr lang="fr-FR" dirty="0"/>
+              <a:t>, </a:t>
+            </a:r>
+            <a:r>
+              <a:rPr lang="fr-FR" dirty="0" smtClean="0"/>
+              <a:t>LTR)</a:t>
+            </a:r>
+          </a:p>
+          <a:p>
+            <a:pPr lvl="1"/>
+            <a:r>
+              <a:rPr lang="fr-FR" dirty="0" smtClean="0"/>
+              <a:t>Ponctuation (espaces, guillemets)</a:t>
+            </a:r>
+          </a:p>
+          <a:p>
+            <a:r>
+              <a:rPr lang="fr-FR" dirty="0" smtClean="0"/>
+              <a:t>Formats d’affichage</a:t>
+            </a:r>
+          </a:p>
+          <a:p>
+            <a:pPr lvl="1"/>
+            <a:r>
+              <a:rPr lang="fr-FR" dirty="0" smtClean="0"/>
+              <a:t>Dates</a:t>
+            </a:r>
+          </a:p>
+          <a:p>
+            <a:pPr lvl="1"/>
+            <a:r>
+              <a:rPr lang="fr-FR" dirty="0" smtClean="0"/>
+              <a:t>Nombres</a:t>
+            </a:r>
+          </a:p>
+          <a:p>
+            <a:r>
+              <a:rPr lang="fr-FR" dirty="0" smtClean="0"/>
+              <a:t>Monnaies</a:t>
+            </a:r>
+          </a:p>
+          <a:p>
+            <a:pPr lvl="1"/>
             <a:endParaRPr lang="fr-FR" dirty="0" smtClean="0"/>
           </a:p>
           <a:p>
@@ -3679,7 +4562,7 @@
           <a:p>
             <a:r>
               <a:rPr lang="fr-FR" dirty="0" smtClean="0"/>
-              <a:t>Unicode : Le minimum vital</a:t>
+              <a:t>Pour le fun : Les Guillemets</a:t>
             </a:r>
             <a:endParaRPr lang="fr-FR" dirty="0"/>
           </a:p>
@@ -3695,52 +4578,125 @@
             <p:ph idx="1"/>
           </p:nvPr>
         </p:nvSpPr>
-        <p:spPr/>
-        <p:txBody>
-          <a:bodyPr/>
-          <a:lstStyle/>
-          <a:p>
-            <a:pPr marL="0" indent="0" algn="ctr">
-              <a:buNone/>
-            </a:pPr>
+        <p:spPr>
+          <a:xfrm>
+            <a:off x="1752600" y="1371600"/>
+            <a:ext cx="7162800" cy="4525963"/>
+          </a:xfrm>
+        </p:spPr>
+        <p:txBody>
+          <a:bodyPr>
+            <a:normAutofit/>
+          </a:bodyPr>
+          <a:lstStyle/>
+          <a:p>
+            <a:r>
+              <a:rPr lang="en-US" dirty="0" smtClean="0"/>
+              <a:t>“Citation” en </a:t>
+            </a:r>
+            <a:r>
+              <a:rPr lang="en-US" dirty="0" err="1" smtClean="0"/>
+              <a:t>Anglais</a:t>
+            </a:r>
+            <a:r>
+              <a:rPr lang="en-US" dirty="0" smtClean="0"/>
+              <a:t>. </a:t>
+            </a:r>
+          </a:p>
+          <a:p>
+            <a:r>
+              <a:rPr lang="en-US" dirty="0" smtClean="0"/>
+              <a:t>« Citation » en </a:t>
+            </a:r>
+            <a:r>
+              <a:rPr lang="en-US" dirty="0" err="1" smtClean="0"/>
+              <a:t>Français</a:t>
+            </a:r>
             <a:r>
               <a:rPr lang="en-US" dirty="0"/>
-              <a:t>The Absolute Minimum Every Software Developer Absolutely, Positively Must Know About Unicode and Character Sets (No Excuses!) - Joel on </a:t>
+              <a:t> </a:t>
             </a:r>
             <a:r>
               <a:rPr lang="en-US" dirty="0" smtClean="0"/>
-              <a:t>Software 2000</a:t>
-            </a:r>
-          </a:p>
-          <a:p>
-            <a:endParaRPr lang="en-US" dirty="0"/>
-          </a:p>
-          <a:p>
-            <a:pPr marL="0" indent="0" algn="ctr">
-              <a:buNone/>
-            </a:pPr>
+              <a:t>(avec </a:t>
+            </a:r>
+            <a:r>
+              <a:rPr lang="en-US" dirty="0" err="1" smtClean="0"/>
+              <a:t>espace</a:t>
+            </a:r>
+            <a:r>
+              <a:rPr lang="en-US" dirty="0" smtClean="0"/>
+              <a:t>)</a:t>
+            </a:r>
+          </a:p>
+          <a:p>
+            <a:r>
+              <a:rPr lang="en-US" dirty="0" smtClean="0"/>
+              <a:t>”</a:t>
+            </a:r>
             <a:r>
               <a:rPr lang="en-US" dirty="0"/>
-              <a:t>http://</a:t>
-            </a:r>
-            <a:r>
-              <a:rPr lang="en-US" dirty="0" err="1"/>
-              <a:t>www.joelonsoftware.com</a:t>
+              <a:t>Quotes” in Finnish. </a:t>
+            </a:r>
+            <a:endParaRPr lang="en-US" dirty="0" smtClean="0"/>
+          </a:p>
+          <a:p>
+            <a:r>
+              <a:rPr lang="en-US" dirty="0" smtClean="0"/>
+              <a:t>„</a:t>
             </a:r>
             <a:r>
               <a:rPr lang="en-US" dirty="0"/>
-              <a:t>/articles/</a:t>
-            </a:r>
-            <a:r>
-              <a:rPr lang="en-US" dirty="0" err="1"/>
-              <a:t>Unicode.html</a:t>
-            </a:r>
-            <a:endParaRPr lang="en-US" dirty="0"/>
-          </a:p>
-          <a:p>
+              <a:t>Quotes” in Polish. </a:t>
+            </a:r>
             <a:endParaRPr lang="en-US" dirty="0" smtClean="0"/>
           </a:p>
           <a:p>
+            <a:r>
+              <a:rPr lang="en-US" dirty="0" smtClean="0"/>
+              <a:t>「</a:t>
+            </a:r>
+            <a:r>
+              <a:rPr lang="en-US" dirty="0"/>
+              <a:t>Quotes」 in Japanese. </a:t>
+            </a:r>
+            <a:endParaRPr lang="en-US" dirty="0" smtClean="0"/>
+          </a:p>
+          <a:p>
+            <a:r>
+              <a:rPr lang="en-US" dirty="0" smtClean="0"/>
+              <a:t>„</a:t>
+            </a:r>
+            <a:r>
+              <a:rPr lang="en-US" dirty="0"/>
+              <a:t>Quotes“ in </a:t>
+            </a:r>
+            <a:r>
+              <a:rPr lang="en-US" dirty="0" err="1" smtClean="0"/>
+              <a:t>Allemand</a:t>
+            </a:r>
+            <a:r>
+              <a:rPr lang="en-US" dirty="0" smtClean="0"/>
+              <a:t>. </a:t>
+            </a:r>
+          </a:p>
+          <a:p>
+            <a:r>
+              <a:rPr lang="en-US" dirty="0" smtClean="0"/>
+              <a:t>„</a:t>
+            </a:r>
+            <a:r>
+              <a:rPr lang="en-US" dirty="0"/>
+              <a:t>Quotes‟ in </a:t>
+            </a:r>
+            <a:r>
+              <a:rPr lang="en-US" dirty="0" err="1" smtClean="0"/>
+              <a:t>Hollandais</a:t>
+            </a:r>
+            <a:r>
+              <a:rPr lang="en-US" dirty="0" smtClean="0"/>
+              <a:t>.</a:t>
+            </a:r>
             <a:endParaRPr lang="fr-FR" dirty="0"/>
           </a:p>
         </p:txBody>
@@ -3748,7 +4704,7 @@
     </p:spTree>
     <p:extLst>
       <p:ext uri="{BB962C8B-B14F-4D97-AF65-F5344CB8AC3E}">
-        <p14:creationId xmlns:p14="http://schemas.microsoft.com/office/powerpoint/2010/main" val="1225078731"/>
+        <p14:creationId xmlns:p14="http://schemas.microsoft.com/office/powerpoint/2010/main" val="1821711714"/>
       </p:ext>
     </p:extLst>
   </p:cSld>
@@ -3792,7 +4748,11 @@
           <a:p>
             <a:r>
               <a:rPr lang="fr-FR" dirty="0" smtClean="0"/>
-              <a:t>Des outils</a:t>
+              <a:t>I</a:t>
+            </a:r>
+            <a:r>
+              <a:rPr lang="fr-FR" dirty="0" smtClean="0"/>
+              <a:t>18n en Java</a:t>
             </a:r>
             <a:endParaRPr lang="fr-FR" dirty="0"/>
           </a:p>
@@ -3814,58 +4774,148 @@
           <a:lstStyle/>
           <a:p>
             <a:r>
-              <a:rPr lang="fr-FR" dirty="0" smtClean="0"/>
-              <a:t>Native2ascii</a:t>
-            </a:r>
-          </a:p>
-          <a:p>
-            <a:r>
-              <a:rPr lang="en-US" dirty="0"/>
-              <a:t>org.apache.commons.lang3.</a:t>
-            </a:r>
-            <a:r>
-              <a:rPr lang="en-US" dirty="0" smtClean="0"/>
-              <a:t>CharUtils</a:t>
-            </a:r>
+              <a:rPr lang="fr-FR" dirty="0" err="1" smtClean="0"/>
+              <a:t>RessourceBundle</a:t>
+            </a:r>
+            <a:endParaRPr lang="fr-FR" dirty="0"/>
           </a:p>
           <a:p>
             <a:pPr lvl="1"/>
             <a:r>
-              <a:rPr lang="en-US" dirty="0" err="1" smtClean="0"/>
-              <a:t>unicodeEscaped</a:t>
-            </a:r>
-            <a:r>
-              <a:rPr lang="en-US" dirty="0" smtClean="0"/>
-              <a:t>(char)</a:t>
+              <a:rPr lang="de-DE" sz="1800" dirty="0" err="1" smtClean="0"/>
+              <a:t>ResourceBundle</a:t>
+            </a:r>
+            <a:r>
+              <a:rPr lang="de-DE" sz="1800" dirty="0" smtClean="0"/>
+              <a:t> </a:t>
+            </a:r>
+            <a:r>
+              <a:rPr lang="de-DE" sz="1800" dirty="0" err="1"/>
+              <a:t>bundle</a:t>
+            </a:r>
+            <a:r>
+              <a:rPr lang="de-DE" sz="1800" dirty="0"/>
+              <a:t> = </a:t>
+            </a:r>
+            <a:r>
+              <a:rPr lang="de-DE" sz="1800" dirty="0" err="1"/>
+              <a:t>ResourceBundle.getBundle</a:t>
+            </a:r>
+            <a:r>
+              <a:rPr lang="de-DE" sz="1800" dirty="0" smtClean="0"/>
+              <a:t>(</a:t>
+            </a:r>
+            <a:r>
+              <a:rPr lang="de-DE" sz="1800" dirty="0"/>
+              <a:t>"</a:t>
+            </a:r>
+            <a:r>
+              <a:rPr lang="de-DE" sz="1800" dirty="0" err="1" smtClean="0"/>
+              <a:t>example</a:t>
+            </a:r>
+            <a:r>
+              <a:rPr lang="de-DE" sz="1800" dirty="0" smtClean="0"/>
+              <a:t>“, </a:t>
+            </a:r>
+            <a:r>
+              <a:rPr lang="de-DE" sz="1800" dirty="0" err="1" smtClean="0"/>
+              <a:t>Locale.FRENCH</a:t>
+            </a:r>
+            <a:r>
+              <a:rPr lang="de-DE" sz="1800" dirty="0" smtClean="0"/>
+              <a:t>);</a:t>
             </a:r>
           </a:p>
           <a:p>
             <a:pPr lvl="1"/>
             <a:r>
-              <a:rPr lang="en-US" dirty="0" err="1" smtClean="0"/>
-              <a:t>isAscii</a:t>
-            </a:r>
-            <a:r>
-              <a:rPr lang="en-US" dirty="0" smtClean="0"/>
-              <a:t>(char)</a:t>
+              <a:rPr lang="fr-FR" sz="1800" dirty="0"/>
+              <a:t>e</a:t>
+            </a:r>
+            <a:r>
+              <a:rPr lang="de-DE" sz="1800" dirty="0" err="1" smtClean="0"/>
+              <a:t>xample.properties</a:t>
+            </a:r>
+            <a:r>
+              <a:rPr lang="de-DE" sz="1800" dirty="0" smtClean="0"/>
+              <a:t>, </a:t>
+            </a:r>
+            <a:r>
+              <a:rPr lang="de-DE" sz="1800" dirty="0" err="1" smtClean="0"/>
+              <a:t>example_en.properties</a:t>
+            </a:r>
+            <a:r>
+              <a:rPr lang="de-DE" sz="1800" dirty="0" smtClean="0"/>
+              <a:t>, </a:t>
+            </a:r>
+            <a:r>
+              <a:rPr lang="de-DE" sz="1800" dirty="0" err="1" smtClean="0"/>
+              <a:t>example_en_US.properties</a:t>
+            </a:r>
+            <a:endParaRPr lang="de-DE" sz="1800" dirty="0"/>
+          </a:p>
+          <a:p>
+            <a:pPr lvl="1"/>
+            <a:r>
+              <a:rPr lang="en-US" sz="1800" dirty="0" smtClean="0"/>
+              <a:t>Locale </a:t>
+            </a:r>
+            <a:r>
+              <a:rPr lang="en-US" sz="1800" dirty="0"/>
+              <a:t>locale = </a:t>
+            </a:r>
+            <a:r>
+              <a:rPr lang="en-US" sz="1800" dirty="0" err="1"/>
+              <a:t>request.getLocale</a:t>
+            </a:r>
+            <a:r>
+              <a:rPr lang="en-US" sz="1800" dirty="0"/>
+              <a:t>()</a:t>
+            </a:r>
+            <a:r>
+              <a:rPr lang="en-US" sz="1800" dirty="0" smtClean="0"/>
+              <a:t>; ( Servlets )</a:t>
+            </a:r>
+          </a:p>
+          <a:p>
+            <a:pPr lvl="1"/>
+            <a:endParaRPr lang="fr-FR" sz="1800" dirty="0" smtClean="0"/>
+          </a:p>
+          <a:p>
+            <a:r>
+              <a:rPr lang="fr-FR" dirty="0" err="1" smtClean="0"/>
+              <a:t>MessageFormat</a:t>
+            </a:r>
+            <a:r>
+              <a:rPr lang="fr-FR" dirty="0" smtClean="0"/>
+              <a:t>, </a:t>
+            </a:r>
+            <a:r>
+              <a:rPr lang="fr-FR" dirty="0" err="1" smtClean="0"/>
+              <a:t>DateFormat</a:t>
+            </a:r>
+            <a:r>
+              <a:rPr lang="fr-FR" dirty="0" smtClean="0"/>
+              <a:t>, </a:t>
+            </a:r>
+            <a:r>
+              <a:rPr lang="fr-FR" dirty="0" err="1" smtClean="0"/>
+              <a:t>NumberFormat</a:t>
             </a:r>
             <a:endParaRPr lang="fr-FR" dirty="0" smtClean="0"/>
           </a:p>
           <a:p>
+            <a:pPr marL="0" indent="0">
+              <a:buNone/>
+            </a:pPr>
             <a:endParaRPr lang="fr-FR" dirty="0" smtClean="0"/>
-          </a:p>
-          <a:p>
-            <a:endParaRPr lang="fr-FR" dirty="0" smtClean="0"/>
-          </a:p>
-          <a:p>
-            <a:endParaRPr lang="fr-FR" dirty="0"/>
           </a:p>
         </p:txBody>
       </p:sp>
     </p:spTree>
     <p:extLst>
       <p:ext uri="{BB962C8B-B14F-4D97-AF65-F5344CB8AC3E}">
-        <p14:creationId xmlns:p14="http://schemas.microsoft.com/office/powerpoint/2010/main" val="2425288845"/>
+        <p14:creationId xmlns:p14="http://schemas.microsoft.com/office/powerpoint/2010/main" val="2275462673"/>
       </p:ext>
     </p:extLst>
   </p:cSld>
@@ -3909,7 +4959,7 @@
           <a:p>
             <a:r>
               <a:rPr lang="fr-FR" dirty="0" err="1" smtClean="0"/>
-              <a:t>Encodings</a:t>
+              <a:t>MessageFormat</a:t>
             </a:r>
             <a:endParaRPr lang="fr-FR" dirty="0"/>
           </a:p>
@@ -3930,66 +4980,125 @@
           <a:bodyPr/>
           <a:lstStyle/>
           <a:p>
-            <a:r>
-              <a:rPr lang="fr-FR" dirty="0" smtClean="0"/>
-              <a:t>Java </a:t>
-            </a:r>
+            <a:endParaRPr lang="fi-FI" dirty="0" smtClean="0"/>
+          </a:p>
+          <a:p>
+            <a:r>
+              <a:rPr lang="fi-FI" dirty="0" err="1" smtClean="0"/>
+              <a:t>Exemple</a:t>
+            </a:r>
+            <a:r>
+              <a:rPr lang="fi-FI" dirty="0" smtClean="0"/>
+              <a:t> : </a:t>
+            </a:r>
+            <a:r>
+              <a:rPr lang="en-US" dirty="0"/>
+              <a:t>{1,number,</a:t>
+            </a:r>
+            <a:r>
+              <a:rPr lang="en-US" dirty="0" smtClean="0"/>
+              <a:t>$#,</a:t>
+            </a:r>
+            <a:r>
+              <a:rPr lang="en-US" dirty="0"/>
+              <a:t>##</a:t>
+            </a:r>
+            <a:r>
+              <a:rPr lang="en-US" dirty="0" smtClean="0"/>
+              <a:t>}</a:t>
+            </a:r>
+          </a:p>
+          <a:p>
+            <a:r>
+              <a:rPr lang="en-US" dirty="0" smtClean="0"/>
+              <a:t>Les quotes </a:t>
+            </a:r>
+            <a:r>
+              <a:rPr lang="en-US" dirty="0" err="1" smtClean="0"/>
+              <a:t>sont</a:t>
+            </a:r>
+            <a:r>
+              <a:rPr lang="en-US" dirty="0" smtClean="0"/>
+              <a:t> des </a:t>
+            </a:r>
+            <a:r>
+              <a:rPr lang="en-US" dirty="0" err="1" smtClean="0"/>
+              <a:t>caractères</a:t>
+            </a:r>
+            <a:r>
+              <a:rPr lang="en-US" dirty="0" smtClean="0"/>
+              <a:t> </a:t>
+            </a:r>
+            <a:r>
+              <a:rPr lang="en-US" dirty="0" err="1" smtClean="0"/>
+              <a:t>d’échapement</a:t>
+            </a:r>
+            <a:endParaRPr lang="en-US" dirty="0" smtClean="0"/>
+          </a:p>
+          <a:p>
+            <a:r>
+              <a:rPr lang="en-US" dirty="0" err="1" smtClean="0"/>
+              <a:t>Formattage</a:t>
+            </a:r>
+            <a:r>
+              <a:rPr lang="en-US" dirty="0" smtClean="0"/>
+              <a:t> </a:t>
+            </a:r>
+            <a:r>
+              <a:rPr lang="en-US" dirty="0" err="1" smtClean="0"/>
+              <a:t>conditionne</a:t>
+            </a:r>
+            <a:endParaRPr lang="en-US" dirty="0" smtClean="0"/>
           </a:p>
           <a:p>
             <a:pPr lvl="1"/>
             <a:r>
-              <a:rPr lang="fr-FR" dirty="0" smtClean="0"/>
-              <a:t>\</a:t>
-            </a:r>
-            <a:r>
-              <a:rPr lang="fr-FR" dirty="0" err="1" smtClean="0"/>
-              <a:t>uxxxxx</a:t>
-            </a:r>
-            <a:endParaRPr lang="fr-FR" dirty="0" smtClean="0"/>
+              <a:rPr lang="en-US" dirty="0" smtClean="0"/>
+              <a:t>NIH Syndrome (SVP le </a:t>
+            </a:r>
+            <a:r>
+              <a:rPr lang="en-US" dirty="0" err="1" smtClean="0"/>
+              <a:t>faites</a:t>
+            </a:r>
+            <a:r>
+              <a:rPr lang="en-US" dirty="0" smtClean="0"/>
+              <a:t> pas </a:t>
+            </a:r>
+            <a:r>
+              <a:rPr lang="en-US" dirty="0" err="1" smtClean="0"/>
+              <a:t>à</a:t>
+            </a:r>
+            <a:r>
+              <a:rPr lang="en-US" dirty="0" smtClean="0"/>
+              <a:t> la main)</a:t>
+            </a:r>
           </a:p>
           <a:p>
             <a:pPr lvl="1"/>
             <a:r>
-              <a:rPr lang="fr-FR" dirty="0" err="1" smtClean="0"/>
-              <a:t>Encoding</a:t>
-            </a:r>
-            <a:r>
-              <a:rPr lang="fr-FR" dirty="0" smtClean="0"/>
-              <a:t> du fichier et option –</a:t>
-            </a:r>
-            <a:r>
-              <a:rPr lang="fr-FR" dirty="0" err="1" smtClean="0"/>
-              <a:t>Dfile.encoding</a:t>
-            </a:r>
-            <a:r>
-              <a:rPr lang="fr-FR" dirty="0" smtClean="0"/>
-              <a:t>=UTF-</a:t>
-            </a:r>
-            <a:r>
-              <a:rPr lang="fr-FR" dirty="0" smtClean="0"/>
-              <a:t>8</a:t>
-            </a:r>
-          </a:p>
-          <a:p>
-            <a:pPr lvl="1"/>
-            <a:endParaRPr lang="fr-FR" dirty="0" smtClean="0"/>
-          </a:p>
-          <a:p>
-            <a:r>
-              <a:rPr lang="fr-FR" dirty="0" smtClean="0"/>
-              <a:t>Html</a:t>
-            </a:r>
-          </a:p>
-          <a:p>
-            <a:pPr lvl="1"/>
-            <a:r>
-              <a:rPr lang="fr-FR" dirty="0"/>
-              <a:t>&amp;#x00AD</a:t>
-            </a:r>
-            <a:r>
-              <a:rPr lang="fr-FR" dirty="0" smtClean="0"/>
-              <a:t>;</a:t>
-            </a:r>
+              <a:rPr lang="en-US" dirty="0" smtClean="0"/>
+              <a:t>{0,</a:t>
+            </a:r>
+            <a:r>
+              <a:rPr lang="en-US" dirty="0"/>
+              <a:t>choice,0# no files|1# one file|1&lt; </a:t>
+            </a:r>
+            <a:r>
+              <a:rPr lang="en-US" dirty="0" smtClean="0"/>
+              <a:t>{0,</a:t>
+            </a:r>
+            <a:r>
+              <a:rPr lang="en-US" dirty="0"/>
+              <a:t>number,integer} files}</a:t>
+            </a:r>
+          </a:p>
+          <a:p>
+            <a:endParaRPr lang="en-US" dirty="0"/>
+          </a:p>
+          <a:p>
+            <a:endParaRPr lang="en-US" dirty="0" smtClean="0"/>
+          </a:p>
+          <a:p>
             <a:endParaRPr lang="fr-FR" dirty="0"/>
           </a:p>
         </p:txBody>
@@ -3997,7 +5106,223 @@
     </p:spTree>
     <p:extLst>
       <p:ext uri="{BB962C8B-B14F-4D97-AF65-F5344CB8AC3E}">
-        <p14:creationId xmlns:p14="http://schemas.microsoft.com/office/powerpoint/2010/main" val="3126842541"/>
+        <p14:creationId xmlns:p14="http://schemas.microsoft.com/office/powerpoint/2010/main" val="3759311154"/>
+      </p:ext>
+    </p:extLst>
+  </p:cSld>
+  <p:clrMapOvr>
+    <a:masterClrMapping/>
+  </p:clrMapOvr>
+</p:sld>
+</file>
+
+<file path=ppt/slides/slide8.xml><?xml version="1.0" encoding="utf-8"?>
+<p:sld xmlns:a="http://schemas.openxmlformats.org/drawingml/2006/main" xmlns:r="http://schemas.openxmlformats.org/officeDocument/2006/relationships" xmlns:p="http://schemas.openxmlformats.org/presentationml/2006/main">
+  <p:cSld>
+    <p:spTree>
+      <p:nvGrpSpPr>
+        <p:cNvPr id="1" name=""/>
+        <p:cNvGrpSpPr/>
+        <p:nvPr/>
+      </p:nvGrpSpPr>
+      <p:grpSpPr>
+        <a:xfrm>
+          <a:off x="0" y="0"/>
+          <a:ext cx="0" cy="0"/>
+          <a:chOff x="0" y="0"/>
+          <a:chExt cx="0" cy="0"/>
+        </a:xfrm>
+      </p:grpSpPr>
+      <p:sp>
+        <p:nvSpPr>
+          <p:cNvPr id="2" name="Titre 1"/>
+          <p:cNvSpPr>
+            <a:spLocks noGrp="1"/>
+          </p:cNvSpPr>
+          <p:nvPr>
+            <p:ph type="title"/>
+          </p:nvPr>
+        </p:nvSpPr>
+        <p:spPr/>
+        <p:txBody>
+          <a:bodyPr/>
+          <a:lstStyle/>
+          <a:p>
+            <a:r>
+              <a:rPr lang="fr-FR" dirty="0" smtClean="0"/>
+              <a:t>Unicode : Le minimum vital</a:t>
+            </a:r>
+            <a:endParaRPr lang="fr-FR" dirty="0"/>
+          </a:p>
+        </p:txBody>
+      </p:sp>
+      <p:sp>
+        <p:nvSpPr>
+          <p:cNvPr id="3" name="Espace réservé du contenu 2"/>
+          <p:cNvSpPr>
+            <a:spLocks noGrp="1"/>
+          </p:cNvSpPr>
+          <p:nvPr>
+            <p:ph idx="1"/>
+          </p:nvPr>
+        </p:nvSpPr>
+        <p:spPr/>
+        <p:txBody>
+          <a:bodyPr/>
+          <a:lstStyle/>
+          <a:p>
+            <a:pPr marL="0" indent="0" algn="ctr">
+              <a:buNone/>
+            </a:pPr>
+            <a:r>
+              <a:rPr lang="en-US" dirty="0"/>
+              <a:t>The Absolute Minimum Every Software Developer Absolutely, Positively Must Know About Unicode and Character Sets (No Excuses!) - Joel on </a:t>
+            </a:r>
+            <a:r>
+              <a:rPr lang="en-US" dirty="0" smtClean="0"/>
+              <a:t>Software 2000</a:t>
+            </a:r>
+          </a:p>
+          <a:p>
+            <a:endParaRPr lang="en-US" dirty="0"/>
+          </a:p>
+          <a:p>
+            <a:pPr marL="0" indent="0" algn="ctr">
+              <a:buNone/>
+            </a:pPr>
+            <a:r>
+              <a:rPr lang="en-US" dirty="0"/>
+              <a:t>http://</a:t>
+            </a:r>
+            <a:r>
+              <a:rPr lang="en-US" dirty="0" err="1"/>
+              <a:t>www.joelonsoftware.com</a:t>
+            </a:r>
+            <a:r>
+              <a:rPr lang="en-US" dirty="0"/>
+              <a:t>/articles/</a:t>
+            </a:r>
+            <a:r>
+              <a:rPr lang="en-US" dirty="0" err="1"/>
+              <a:t>Unicode.html</a:t>
+            </a:r>
+            <a:endParaRPr lang="en-US" dirty="0"/>
+          </a:p>
+          <a:p>
+            <a:endParaRPr lang="en-US" dirty="0" smtClean="0"/>
+          </a:p>
+          <a:p>
+            <a:endParaRPr lang="fr-FR" dirty="0"/>
+          </a:p>
+        </p:txBody>
+      </p:sp>
+    </p:spTree>
+    <p:extLst>
+      <p:ext uri="{BB962C8B-B14F-4D97-AF65-F5344CB8AC3E}">
+        <p14:creationId xmlns:p14="http://schemas.microsoft.com/office/powerpoint/2010/main" val="1225078731"/>
+      </p:ext>
+    </p:extLst>
+  </p:cSld>
+  <p:clrMapOvr>
+    <a:masterClrMapping/>
+  </p:clrMapOvr>
+</p:sld>
+</file>
+
+<file path=ppt/slides/slide9.xml><?xml version="1.0" encoding="utf-8"?>
+<p:sld xmlns:a="http://schemas.openxmlformats.org/drawingml/2006/main" xmlns:r="http://schemas.openxmlformats.org/officeDocument/2006/relationships" xmlns:p="http://schemas.openxmlformats.org/presentationml/2006/main">
+  <p:cSld>
+    <p:spTree>
+      <p:nvGrpSpPr>
+        <p:cNvPr id="1" name=""/>
+        <p:cNvGrpSpPr/>
+        <p:nvPr/>
+      </p:nvGrpSpPr>
+      <p:grpSpPr>
+        <a:xfrm>
+          <a:off x="0" y="0"/>
+          <a:ext cx="0" cy="0"/>
+          <a:chOff x="0" y="0"/>
+          <a:chExt cx="0" cy="0"/>
+        </a:xfrm>
+      </p:grpSpPr>
+      <p:sp>
+        <p:nvSpPr>
+          <p:cNvPr id="2" name="Titre 1"/>
+          <p:cNvSpPr>
+            <a:spLocks noGrp="1"/>
+          </p:cNvSpPr>
+          <p:nvPr>
+            <p:ph type="title"/>
+          </p:nvPr>
+        </p:nvSpPr>
+        <p:spPr/>
+        <p:txBody>
+          <a:bodyPr/>
+          <a:lstStyle/>
+          <a:p>
+            <a:r>
+              <a:rPr lang="fr-FR" dirty="0" smtClean="0"/>
+              <a:t>R</a:t>
+            </a:r>
+            <a:r>
+              <a:rPr lang="fr-FR" dirty="0" smtClean="0"/>
+              <a:t>ègles pour les espaces</a:t>
+            </a:r>
+            <a:endParaRPr lang="fr-FR" dirty="0"/>
+          </a:p>
+        </p:txBody>
+      </p:sp>
+      <p:sp>
+        <p:nvSpPr>
+          <p:cNvPr id="3" name="Espace réservé du contenu 2"/>
+          <p:cNvSpPr>
+            <a:spLocks noGrp="1"/>
+          </p:cNvSpPr>
+          <p:nvPr>
+            <p:ph idx="1"/>
+          </p:nvPr>
+        </p:nvSpPr>
+        <p:spPr/>
+        <p:txBody>
+          <a:bodyPr/>
+          <a:lstStyle/>
+          <a:p>
+            <a:r>
+              <a:rPr lang="fr-FR" dirty="0" err="1" smtClean="0"/>
+              <a:t>Quadratin</a:t>
+            </a:r>
+            <a:r>
+              <a:rPr lang="fr-FR" dirty="0" smtClean="0"/>
+              <a:t>, Demi-</a:t>
+            </a:r>
+            <a:r>
+              <a:rPr lang="fr-FR" dirty="0" err="1" smtClean="0"/>
+              <a:t>Quadratin</a:t>
+            </a:r>
+            <a:endParaRPr lang="fr-FR" dirty="0" smtClean="0"/>
+          </a:p>
+          <a:p>
+            <a:r>
+              <a:rPr lang="fr-FR" dirty="0" smtClean="0"/>
+              <a:t>Espace insécable</a:t>
+            </a:r>
+          </a:p>
+          <a:p>
+            <a:r>
+              <a:rPr lang="fr-FR" dirty="0" smtClean="0"/>
+              <a:t>Espace</a:t>
+            </a:r>
+          </a:p>
+          <a:p>
+            <a:endParaRPr lang="fr-FR" dirty="0"/>
+          </a:p>
+        </p:txBody>
+      </p:sp>
+    </p:spTree>
+    <p:extLst>
+      <p:ext uri="{BB962C8B-B14F-4D97-AF65-F5344CB8AC3E}">
+        <p14:creationId xmlns:p14="http://schemas.microsoft.com/office/powerpoint/2010/main" val="3760970332"/>
       </p:ext>
     </p:extLst>
   </p:cSld>

--- a/ez18n-slides/ez18n_theorie.pptx
+++ b/ez18n-slides/ez18n_theorie.pptx
@@ -6,20 +6,27 @@
   </p:sldMasterIdLst>
   <p:sldIdLst>
     <p:sldId id="256" r:id="rId2"/>
-    <p:sldId id="262" r:id="rId3"/>
-    <p:sldId id="257" r:id="rId4"/>
-    <p:sldId id="258" r:id="rId5"/>
-    <p:sldId id="268" r:id="rId6"/>
-    <p:sldId id="264" r:id="rId7"/>
-    <p:sldId id="270" r:id="rId8"/>
-    <p:sldId id="259" r:id="rId9"/>
-    <p:sldId id="269" r:id="rId10"/>
-    <p:sldId id="266" r:id="rId11"/>
-    <p:sldId id="261" r:id="rId12"/>
-    <p:sldId id="265" r:id="rId13"/>
-    <p:sldId id="260" r:id="rId14"/>
-    <p:sldId id="267" r:id="rId15"/>
-    <p:sldId id="263" r:id="rId16"/>
+    <p:sldId id="271" r:id="rId3"/>
+    <p:sldId id="272" r:id="rId4"/>
+    <p:sldId id="274" r:id="rId5"/>
+    <p:sldId id="257" r:id="rId6"/>
+    <p:sldId id="262" r:id="rId7"/>
+    <p:sldId id="258" r:id="rId8"/>
+    <p:sldId id="268" r:id="rId9"/>
+    <p:sldId id="264" r:id="rId10"/>
+    <p:sldId id="270" r:id="rId11"/>
+    <p:sldId id="276" r:id="rId12"/>
+    <p:sldId id="259" r:id="rId13"/>
+    <p:sldId id="278" r:id="rId14"/>
+    <p:sldId id="277" r:id="rId15"/>
+    <p:sldId id="266" r:id="rId16"/>
+    <p:sldId id="261" r:id="rId17"/>
+    <p:sldId id="265" r:id="rId18"/>
+    <p:sldId id="260" r:id="rId19"/>
+    <p:sldId id="275" r:id="rId20"/>
+    <p:sldId id="273" r:id="rId21"/>
+    <p:sldId id="267" r:id="rId22"/>
+    <p:sldId id="263" r:id="rId23"/>
   </p:sldIdLst>
   <p:sldSz cx="9144000" cy="6858000" type="screen4x3"/>
   <p:notesSz cx="6858000" cy="9144000"/>
@@ -3174,25 +3181,6 @@
               <a:rPr lang="en-US" dirty="0" smtClean="0"/>
               <a:t>amour</a:t>
             </a:r>
-            <a:br>
-              <a:rPr lang="en-US" dirty="0" smtClean="0"/>
-            </a:br>
-            <a:r>
-              <a:rPr lang="en-US" dirty="0" smtClean="0"/>
-              <a:t>Un </a:t>
-            </a:r>
-            <a:r>
-              <a:rPr lang="en-US" dirty="0" err="1" smtClean="0"/>
-              <a:t>brin</a:t>
-            </a:r>
-            <a:r>
-              <a:rPr lang="en-US" dirty="0" smtClean="0"/>
-              <a:t> de </a:t>
-            </a:r>
-            <a:r>
-              <a:rPr lang="en-US" dirty="0" err="1" smtClean="0"/>
-              <a:t>théorie</a:t>
-            </a:r>
             <a:endParaRPr lang="fr-FR" dirty="0"/>
           </a:p>
         </p:txBody>
@@ -3277,8 +3265,8 @@
           <a:lstStyle/>
           <a:p>
             <a:r>
-              <a:rPr lang="fr-FR" dirty="0" smtClean="0"/>
-              <a:t>exemples</a:t>
+              <a:rPr lang="fr-FR" dirty="0" err="1" smtClean="0"/>
+              <a:t>MessageFormat</a:t>
             </a:r>
             <a:endParaRPr lang="fr-FR" dirty="0"/>
           </a:p>
@@ -3296,114 +3284,149 @@
         </p:nvSpPr>
         <p:spPr/>
         <p:txBody>
-          <a:bodyPr anchor="t"/>
-          <a:lstStyle/>
-          <a:p>
-            <a:pPr marL="0" indent="0">
-              <a:buNone/>
-            </a:pPr>
-            <a:r>
-              <a:rPr lang="fr-FR" dirty="0"/>
-              <a:t>e</a:t>
-            </a:r>
-            <a:r>
-              <a:rPr lang="fr-FR" dirty="0" smtClean="0"/>
-              <a:t>z18n-sample/</a:t>
-            </a:r>
-            <a:r>
-              <a:rPr lang="fr-FR" dirty="0" err="1" smtClean="0"/>
-              <a:t>src</a:t>
-            </a:r>
-            <a:r>
-              <a:rPr lang="fr-FR" dirty="0" smtClean="0"/>
-              <a:t>/main/</a:t>
-            </a:r>
-            <a:r>
-              <a:rPr lang="fr-FR" dirty="0" err="1" smtClean="0"/>
-              <a:t>org</a:t>
-            </a:r>
-            <a:r>
-              <a:rPr lang="fr-FR" dirty="0" smtClean="0"/>
-              <a:t>/ez18n/</a:t>
-            </a:r>
-            <a:r>
-              <a:rPr lang="fr-FR" dirty="0" err="1" smtClean="0"/>
-              <a:t>sample</a:t>
-            </a:r>
-            <a:r>
-              <a:rPr lang="fr-FR" dirty="0" smtClean="0"/>
-              <a:t>/</a:t>
-            </a:r>
-          </a:p>
-          <a:p>
-            <a:r>
-              <a:rPr lang="fr-FR" dirty="0" err="1" smtClean="0"/>
-              <a:t>OldFashionSample</a:t>
-            </a:r>
-            <a:endParaRPr lang="fr-FR" dirty="0" smtClean="0"/>
+          <a:bodyPr/>
+          <a:lstStyle/>
+          <a:p>
+            <a:endParaRPr lang="fi-FI" dirty="0" smtClean="0"/>
+          </a:p>
+          <a:p>
+            <a:r>
+              <a:rPr lang="fi-FI" dirty="0" err="1" smtClean="0"/>
+              <a:t>Exemple</a:t>
+            </a:r>
+            <a:r>
+              <a:rPr lang="fi-FI" dirty="0" smtClean="0"/>
+              <a:t> : </a:t>
+            </a:r>
+            <a:r>
+              <a:rPr lang="en-US" dirty="0"/>
+              <a:t>{1,number,</a:t>
+            </a:r>
+            <a:r>
+              <a:rPr lang="en-US" dirty="0" smtClean="0"/>
+              <a:t>$#,</a:t>
+            </a:r>
+            <a:r>
+              <a:rPr lang="en-US" dirty="0"/>
+              <a:t>##</a:t>
+            </a:r>
+            <a:r>
+              <a:rPr lang="en-US" dirty="0" smtClean="0"/>
+              <a:t>}</a:t>
+            </a:r>
+          </a:p>
+          <a:p>
+            <a:r>
+              <a:rPr lang="en-US" dirty="0" smtClean="0"/>
+              <a:t>Les quotes </a:t>
+            </a:r>
+            <a:r>
+              <a:rPr lang="en-US" dirty="0" err="1" smtClean="0"/>
+              <a:t>sont</a:t>
+            </a:r>
+            <a:r>
+              <a:rPr lang="en-US" dirty="0" smtClean="0"/>
+              <a:t> des </a:t>
+            </a:r>
+            <a:r>
+              <a:rPr lang="en-US" dirty="0" err="1" smtClean="0"/>
+              <a:t>caractères</a:t>
+            </a:r>
+            <a:r>
+              <a:rPr lang="en-US" dirty="0" smtClean="0"/>
+              <a:t> </a:t>
+            </a:r>
+            <a:r>
+              <a:rPr lang="en-US" dirty="0" err="1" smtClean="0"/>
+              <a:t>d’échapement</a:t>
+            </a:r>
+            <a:endParaRPr lang="en-US" dirty="0" smtClean="0"/>
+          </a:p>
+          <a:p>
+            <a:r>
+              <a:rPr lang="en-US" dirty="0" err="1" smtClean="0"/>
+              <a:t>Formattage</a:t>
+            </a:r>
+            <a:r>
+              <a:rPr lang="en-US" dirty="0" smtClean="0"/>
+              <a:t> </a:t>
+            </a:r>
+            <a:r>
+              <a:rPr lang="en-US" dirty="0" err="1" smtClean="0"/>
+              <a:t>conditionne</a:t>
+            </a:r>
+            <a:endParaRPr lang="en-US" dirty="0" smtClean="0"/>
           </a:p>
           <a:p>
             <a:pPr lvl="1"/>
             <a:r>
-              <a:rPr lang="fr-FR" dirty="0" smtClean="0"/>
-              <a:t>Default Locale</a:t>
+              <a:rPr lang="en-US" dirty="0" smtClean="0"/>
+              <a:t>NIH Syndrome (SVP le </a:t>
+            </a:r>
+            <a:r>
+              <a:rPr lang="en-US" dirty="0" err="1" smtClean="0"/>
+              <a:t>faites</a:t>
+            </a:r>
+            <a:r>
+              <a:rPr lang="en-US" dirty="0" smtClean="0"/>
+              <a:t> pas </a:t>
+            </a:r>
+            <a:r>
+              <a:rPr lang="en-US" dirty="0" err="1" smtClean="0"/>
+              <a:t>à</a:t>
+            </a:r>
+            <a:r>
+              <a:rPr lang="en-US" dirty="0" smtClean="0"/>
+              <a:t> la main)</a:t>
             </a:r>
           </a:p>
           <a:p>
             <a:pPr lvl="1"/>
             <a:r>
-              <a:rPr lang="fr-FR" dirty="0" smtClean="0"/>
-              <a:t>FR, JA, mécanisme par défaut</a:t>
-            </a:r>
-          </a:p>
-          <a:p>
-            <a:pPr lvl="1"/>
-            <a:r>
-              <a:rPr lang="fr-FR" dirty="0" smtClean="0"/>
-              <a:t>Format des fichiers .</a:t>
-            </a:r>
-            <a:r>
-              <a:rPr lang="fr-FR" dirty="0" err="1" smtClean="0"/>
-              <a:t>properties</a:t>
-            </a:r>
-            <a:endParaRPr lang="fr-FR" dirty="0" smtClean="0"/>
-          </a:p>
-          <a:p>
-            <a:pPr lvl="1"/>
-            <a:endParaRPr lang="fr-FR" dirty="0" smtClean="0"/>
-          </a:p>
-          <a:p>
-            <a:r>
-              <a:rPr lang="fr-FR" dirty="0" smtClean="0"/>
-              <a:t>Ancienne gestion des fichiers</a:t>
-            </a:r>
-          </a:p>
-          <a:p>
-            <a:r>
-              <a:rPr lang="fr-FR" dirty="0" smtClean="0"/>
-              <a:t>Possibilité via </a:t>
-            </a:r>
-            <a:r>
-              <a:rPr lang="fr-FR" dirty="0" err="1" smtClean="0"/>
-              <a:t>classpath</a:t>
-            </a:r>
-            <a:r>
-              <a:rPr lang="fr-FR" dirty="0" smtClean="0"/>
-              <a:t> &amp; zip</a:t>
-            </a:r>
+              <a:rPr lang="en-US" dirty="0" smtClean="0"/>
+              <a:t>{0,</a:t>
+            </a:r>
+            <a:r>
+              <a:rPr lang="en-US" dirty="0"/>
+              <a:t>choice,0# no files|1# one file|1&lt; </a:t>
+            </a:r>
+            <a:r>
+              <a:rPr lang="en-US" dirty="0" smtClean="0"/>
+              <a:t>{0,</a:t>
+            </a:r>
+            <a:r>
+              <a:rPr lang="en-US" dirty="0"/>
+              <a:t>number,integer} files}</a:t>
+            </a:r>
+          </a:p>
+          <a:p>
+            <a:endParaRPr lang="en-US" dirty="0"/>
+          </a:p>
+          <a:p>
+            <a:endParaRPr lang="en-US" dirty="0" smtClean="0"/>
+          </a:p>
+          <a:p>
+            <a:endParaRPr lang="fr-FR" dirty="0"/>
           </a:p>
         </p:txBody>
       </p:sp>
     </p:spTree>
     <p:extLst>
       <p:ext uri="{BB962C8B-B14F-4D97-AF65-F5344CB8AC3E}">
-        <p14:creationId xmlns:p14="http://schemas.microsoft.com/office/powerpoint/2010/main" val="1742857176"/>
+        <p14:creationId xmlns:p14="http://schemas.microsoft.com/office/powerpoint/2010/main" val="3759311154"/>
       </p:ext>
     </p:extLst>
   </p:cSld>
   <p:clrMapOvr>
     <a:masterClrMapping/>
   </p:clrMapOvr>
+  <p:timing>
+    <p:tnLst>
+      <p:par>
+        <p:cTn xmlns:p14="http://schemas.microsoft.com/office/powerpoint/2010/main" id="1" dur="indefinite" restart="never" nodeType="tmRoot"/>
+      </p:par>
+    </p:tnLst>
+  </p:timing>
 </p:sld>
 </file>
 
@@ -3440,92 +3463,57 @@
           <a:lstStyle/>
           <a:p>
             <a:r>
+              <a:rPr lang="fr-FR" dirty="0" smtClean="0"/>
+              <a:t>Démo</a:t>
+            </a:r>
+            <a:endParaRPr lang="fr-FR" dirty="0"/>
+          </a:p>
+        </p:txBody>
+      </p:sp>
+      <p:sp>
+        <p:nvSpPr>
+          <p:cNvPr id="3" name="Espace réservé du contenu 2"/>
+          <p:cNvSpPr>
+            <a:spLocks noGrp="1"/>
+          </p:cNvSpPr>
+          <p:nvPr>
+            <p:ph idx="1"/>
+          </p:nvPr>
+        </p:nvSpPr>
+        <p:spPr/>
+        <p:txBody>
+          <a:bodyPr anchor="ctr"/>
+          <a:lstStyle/>
+          <a:p>
+            <a:pPr marL="0" indent="0" algn="ctr">
+              <a:buNone/>
+            </a:pPr>
+            <a:r>
+              <a:rPr lang="fr-FR" dirty="0" smtClean="0"/>
+              <a:t>Old Style i18n</a:t>
+            </a:r>
+          </a:p>
+          <a:p>
+            <a:pPr marL="0" indent="0" algn="ctr">
+              <a:buNone/>
+            </a:pPr>
+            <a:endParaRPr lang="fr-FR" dirty="0"/>
+          </a:p>
+          <a:p>
+            <a:pPr marL="0" indent="0" algn="ctr">
+              <a:buNone/>
+            </a:pPr>
+            <a:r>
+              <a:rPr lang="fr-FR" dirty="0" smtClean="0"/>
+              <a:t>Non  UTF-8 </a:t>
+            </a:r>
+            <a:r>
               <a:rPr lang="fr-FR" dirty="0" err="1" smtClean="0"/>
-              <a:t>Encodings</a:t>
-            </a:r>
-            <a:endParaRPr lang="fr-FR" dirty="0"/>
-          </a:p>
-        </p:txBody>
-      </p:sp>
-      <p:sp>
-        <p:nvSpPr>
-          <p:cNvPr id="3" name="Espace réservé du contenu 2"/>
-          <p:cNvSpPr>
-            <a:spLocks noGrp="1"/>
-          </p:cNvSpPr>
-          <p:nvPr>
-            <p:ph idx="1"/>
-          </p:nvPr>
-        </p:nvSpPr>
-        <p:spPr/>
-        <p:txBody>
-          <a:bodyPr>
-            <a:normAutofit lnSpcReduction="10000"/>
-          </a:bodyPr>
-          <a:lstStyle/>
-          <a:p>
-            <a:r>
-              <a:rPr lang="fr-FR" dirty="0" smtClean="0"/>
-              <a:t>Java </a:t>
-            </a:r>
-          </a:p>
-          <a:p>
-            <a:pPr lvl="1"/>
-            <a:r>
-              <a:rPr lang="en-US" dirty="0" smtClean="0"/>
-              <a:t>\</a:t>
-            </a:r>
-            <a:r>
-              <a:rPr lang="en-US" dirty="0"/>
-              <a:t>u3053\u3093\u306b\u3061\u306f\u3001\u4e16\u754c\uff01</a:t>
-            </a:r>
-          </a:p>
-          <a:p>
-            <a:pPr lvl="1"/>
-            <a:endParaRPr lang="fr-FR" dirty="0" smtClean="0"/>
-          </a:p>
-          <a:p>
-            <a:pPr lvl="1"/>
-            <a:r>
-              <a:rPr lang="fr-FR" dirty="0" err="1" smtClean="0"/>
-              <a:t>Encoding</a:t>
-            </a:r>
-            <a:r>
-              <a:rPr lang="fr-FR" dirty="0" smtClean="0"/>
-              <a:t> du fichier et option –</a:t>
-            </a:r>
-            <a:r>
-              <a:rPr lang="fr-FR" dirty="0" err="1" smtClean="0"/>
-              <a:t>Dfile.encoding</a:t>
-            </a:r>
-            <a:r>
-              <a:rPr lang="fr-FR" dirty="0" smtClean="0"/>
-              <a:t>=UTF-</a:t>
-            </a:r>
-            <a:r>
-              <a:rPr lang="fr-FR" dirty="0" smtClean="0"/>
-              <a:t>8</a:t>
-            </a:r>
-          </a:p>
-          <a:p>
-            <a:pPr lvl="1"/>
-            <a:endParaRPr lang="fr-FR" dirty="0" smtClean="0"/>
-          </a:p>
-          <a:p>
-            <a:r>
-              <a:rPr lang="fr-FR" dirty="0" smtClean="0"/>
-              <a:t>Html</a:t>
-            </a:r>
-          </a:p>
-          <a:p>
-            <a:pPr lvl="1"/>
-            <a:r>
-              <a:rPr lang="fr-FR" dirty="0"/>
-              <a:t>&amp;#x00AD</a:t>
-            </a:r>
-            <a:r>
-              <a:rPr lang="fr-FR" dirty="0" smtClean="0"/>
-              <a:t>;</a:t>
+              <a:t>Hell</a:t>
+            </a:r>
+            <a:r>
+              <a:rPr lang="fr-FR" dirty="0" smtClean="0"/>
+              <a:t> !!!</a:t>
             </a:r>
             <a:endParaRPr lang="fr-FR" dirty="0"/>
           </a:p>
@@ -3534,7 +3522,7 @@
     </p:spTree>
     <p:extLst>
       <p:ext uri="{BB962C8B-B14F-4D97-AF65-F5344CB8AC3E}">
-        <p14:creationId xmlns:p14="http://schemas.microsoft.com/office/powerpoint/2010/main" val="3126842541"/>
+        <p14:creationId xmlns:p14="http://schemas.microsoft.com/office/powerpoint/2010/main" val="2430493303"/>
       </p:ext>
     </p:extLst>
   </p:cSld>
@@ -3563,29 +3551,6 @@
       </p:grpSpPr>
       <p:sp>
         <p:nvSpPr>
-          <p:cNvPr id="2" name="Titre 1"/>
-          <p:cNvSpPr>
-            <a:spLocks noGrp="1"/>
-          </p:cNvSpPr>
-          <p:nvPr>
-            <p:ph type="title"/>
-          </p:nvPr>
-        </p:nvSpPr>
-        <p:spPr/>
-        <p:txBody>
-          <a:bodyPr/>
-          <a:lstStyle/>
-          <a:p>
-            <a:r>
-              <a:rPr lang="fr-FR" dirty="0" smtClean="0"/>
-              <a:t>Idées au passage</a:t>
-            </a:r>
-            <a:endParaRPr lang="fr-FR" dirty="0"/>
-          </a:p>
-        </p:txBody>
-      </p:sp>
-      <p:sp>
-        <p:nvSpPr>
           <p:cNvPr id="3" name="Espace réservé du contenu 2"/>
           <p:cNvSpPr>
             <a:spLocks noGrp="1"/>
@@ -3594,71 +3559,55 @@
             <p:ph idx="1"/>
           </p:nvPr>
         </p:nvSpPr>
-        <p:spPr/>
-        <p:txBody>
-          <a:bodyPr/>
-          <a:lstStyle/>
-          <a:p>
-            <a:r>
-              <a:rPr lang="fr-FR" dirty="0"/>
-              <a:t>Pseudo </a:t>
-            </a:r>
-            <a:r>
-              <a:rPr lang="fr-FR" dirty="0" smtClean="0"/>
-              <a:t>Localisation</a:t>
-            </a:r>
-          </a:p>
-          <a:p>
-            <a:pPr lvl="1"/>
-            <a:r>
-              <a:rPr lang="fr-FR" dirty="0" smtClean="0"/>
-              <a:t>Vérifier la localisation de votre application</a:t>
-            </a:r>
-          </a:p>
-          <a:p>
-            <a:pPr lvl="1"/>
-            <a:r>
-              <a:rPr lang="fr-FR" dirty="0" smtClean="0"/>
-              <a:t>Ajout d’un caractère devant toutes les clefs</a:t>
-            </a:r>
-          </a:p>
-          <a:p>
-            <a:pPr lvl="1"/>
-            <a:endParaRPr lang="fr-FR" dirty="0" smtClean="0"/>
-          </a:p>
-          <a:p>
-            <a:r>
-              <a:rPr lang="fr-FR" dirty="0" smtClean="0"/>
-              <a:t>Rechargement des </a:t>
-            </a:r>
-            <a:r>
-              <a:rPr lang="fr-FR" dirty="0" err="1" smtClean="0"/>
-              <a:t>resources</a:t>
-            </a:r>
-            <a:endParaRPr lang="fr-FR" dirty="0" smtClean="0"/>
-          </a:p>
-          <a:p>
-            <a:pPr lvl="1"/>
-            <a:r>
-              <a:rPr lang="de-DE" dirty="0"/>
-              <a:t> </a:t>
-            </a:r>
-            <a:r>
-              <a:rPr lang="de-DE" dirty="0" err="1"/>
-              <a:t>ResourceBundle.clearCache</a:t>
-            </a:r>
-            <a:r>
-              <a:rPr lang="de-DE" dirty="0"/>
-              <a:t>()</a:t>
-            </a:r>
-            <a:r>
-              <a:rPr lang="de-DE" dirty="0" smtClean="0"/>
-              <a:t>;</a:t>
-            </a:r>
-          </a:p>
-          <a:p>
-            <a:pPr lvl="1"/>
-            <a:endParaRPr lang="fr-FR" dirty="0" smtClean="0"/>
+        <p:spPr>
+          <a:xfrm>
+            <a:off x="457200" y="990600"/>
+            <a:ext cx="8229600" cy="4525963"/>
+          </a:xfrm>
+        </p:spPr>
+        <p:txBody>
+          <a:bodyPr/>
+          <a:lstStyle/>
+          <a:p>
+            <a:pPr marL="0" indent="0" algn="ctr">
+              <a:buNone/>
+            </a:pPr>
+            <a:r>
+              <a:rPr lang="en-US" dirty="0"/>
+              <a:t>The Absolute Minimum Every Software Developer Absolutely, Positively Must Know About Unicode and Character Sets (No Excuses!) - Joel on </a:t>
+            </a:r>
+            <a:r>
+              <a:rPr lang="en-US" dirty="0" smtClean="0"/>
+              <a:t>Software 2000</a:t>
+            </a:r>
+          </a:p>
+          <a:p>
+            <a:endParaRPr lang="en-US" dirty="0"/>
+          </a:p>
+          <a:p>
+            <a:pPr marL="0" indent="0" algn="ctr">
+              <a:buNone/>
+            </a:pPr>
+            <a:r>
+              <a:rPr lang="en-US" dirty="0"/>
+              <a:t>http://</a:t>
+            </a:r>
+            <a:r>
+              <a:rPr lang="en-US" dirty="0" err="1"/>
+              <a:t>www.joelonsoftware.com</a:t>
+            </a:r>
+            <a:r>
+              <a:rPr lang="en-US" dirty="0"/>
+              <a:t>/articles/</a:t>
+            </a:r>
+            <a:r>
+              <a:rPr lang="en-US" dirty="0" err="1"/>
+              <a:t>Unicode.html</a:t>
+            </a:r>
+            <a:endParaRPr lang="en-US" dirty="0"/>
+          </a:p>
+          <a:p>
+            <a:endParaRPr lang="en-US" dirty="0" smtClean="0"/>
           </a:p>
           <a:p>
             <a:endParaRPr lang="fr-FR" dirty="0"/>
@@ -3668,7 +3617,7 @@
     </p:spTree>
     <p:extLst>
       <p:ext uri="{BB962C8B-B14F-4D97-AF65-F5344CB8AC3E}">
-        <p14:creationId xmlns:p14="http://schemas.microsoft.com/office/powerpoint/2010/main" val="3194146052"/>
+        <p14:creationId xmlns:p14="http://schemas.microsoft.com/office/powerpoint/2010/main" val="1225078731"/>
       </p:ext>
     </p:extLst>
   </p:cSld>
@@ -3705,14 +3654,19 @@
             <p:ph type="title"/>
           </p:nvPr>
         </p:nvSpPr>
-        <p:spPr/>
-        <p:txBody>
-          <a:bodyPr/>
-          <a:lstStyle/>
-          <a:p>
-            <a:r>
-              <a:rPr lang="fr-FR" dirty="0" smtClean="0"/>
-              <a:t>Des outils</a:t>
+        <p:spPr>
+          <a:xfrm>
+            <a:off x="457200" y="990600"/>
+            <a:ext cx="8229600" cy="1143000"/>
+          </a:xfrm>
+        </p:spPr>
+        <p:txBody>
+          <a:bodyPr/>
+          <a:lstStyle/>
+          <a:p>
+            <a:r>
+              <a:rPr lang="fr-FR" dirty="0" smtClean="0"/>
+              <a:t>Unicode</a:t>
             </a:r>
             <a:endParaRPr lang="fr-FR" dirty="0"/>
           </a:p>
@@ -3720,108 +3674,92 @@
       </p:sp>
       <p:sp>
         <p:nvSpPr>
-          <p:cNvPr id="3" name="Espace réservé du contenu 2"/>
-          <p:cNvSpPr>
-            <a:spLocks noGrp="1"/>
-          </p:cNvSpPr>
-          <p:nvPr>
-            <p:ph idx="1"/>
-          </p:nvPr>
-        </p:nvSpPr>
-        <p:spPr/>
-        <p:txBody>
-          <a:bodyPr/>
-          <a:lstStyle/>
-          <a:p>
-            <a:r>
-              <a:rPr lang="fr-FR" dirty="0" smtClean="0"/>
-              <a:t>Native2ascii</a:t>
-            </a:r>
-          </a:p>
-          <a:p>
-            <a:r>
-              <a:rPr lang="en-US" dirty="0"/>
-              <a:t>org.apache.commons.lang3.</a:t>
-            </a:r>
-            <a:r>
-              <a:rPr lang="en-US" dirty="0" smtClean="0"/>
-              <a:t>CharUtils</a:t>
-            </a:r>
-          </a:p>
-          <a:p>
-            <a:pPr lvl="1"/>
-            <a:r>
-              <a:rPr lang="en-US" dirty="0" err="1" smtClean="0"/>
-              <a:t>unicodeEscaped</a:t>
-            </a:r>
-            <a:r>
-              <a:rPr lang="en-US" dirty="0" smtClean="0"/>
-              <a:t>(char)</a:t>
-            </a:r>
-          </a:p>
-          <a:p>
-            <a:pPr lvl="1"/>
-            <a:r>
-              <a:rPr lang="en-US" dirty="0" err="1" smtClean="0"/>
-              <a:t>isAscii</a:t>
-            </a:r>
-            <a:r>
-              <a:rPr lang="en-US" dirty="0" smtClean="0"/>
-              <a:t>(char</a:t>
-            </a:r>
-            <a:r>
-              <a:rPr lang="en-US" dirty="0" smtClean="0"/>
-              <a:t>)</a:t>
-            </a:r>
-          </a:p>
-          <a:p>
-            <a:r>
-              <a:rPr lang="fr-FR" dirty="0"/>
-              <a:t>j</a:t>
-            </a:r>
-            <a:r>
-              <a:rPr lang="en-US" dirty="0" err="1" smtClean="0"/>
-              <a:t>ava.lang.Properties</a:t>
-            </a:r>
-            <a:endParaRPr lang="fr-FR" dirty="0" smtClean="0"/>
-          </a:p>
-          <a:p>
-            <a:r>
-              <a:rPr lang="fr-FR" dirty="0" err="1" smtClean="0"/>
-              <a:t>Intellij</a:t>
-            </a:r>
-            <a:r>
-              <a:rPr lang="fr-FR" dirty="0" smtClean="0"/>
-              <a:t> </a:t>
-            </a:r>
-            <a:r>
-              <a:rPr lang="fr-FR" dirty="0" err="1" smtClean="0"/>
-              <a:t>Idea</a:t>
-            </a:r>
-            <a:r>
-              <a:rPr lang="fr-FR" dirty="0" smtClean="0"/>
-              <a:t> </a:t>
-            </a:r>
-          </a:p>
-          <a:p>
-            <a:pPr lvl="1"/>
-            <a:r>
-              <a:rPr lang="fr-FR" dirty="0" smtClean="0"/>
-              <a:t>auto native2ascii &amp; mode </a:t>
-            </a:r>
-            <a:r>
-              <a:rPr lang="fr-FR" dirty="0" err="1" smtClean="0"/>
-              <a:t>ResourceBundle</a:t>
+          <p:cNvPr id="5" name="Titre 1"/>
+          <p:cNvSpPr txBox="1">
+            <a:spLocks/>
+          </p:cNvSpPr>
+          <p:nvPr/>
+        </p:nvSpPr>
+        <p:spPr>
+          <a:xfrm>
+            <a:off x="457200" y="3581400"/>
+            <a:ext cx="8229600" cy="1143000"/>
+          </a:xfrm>
+          <a:prstGeom prst="rect">
+            <a:avLst/>
+          </a:prstGeom>
+        </p:spPr>
+        <p:txBody>
+          <a:bodyPr vert="horz" lIns="91440" tIns="45720" rIns="91440" bIns="45720" rtlCol="0" anchor="ctr">
+            <a:normAutofit/>
+          </a:bodyPr>
+          <a:lstStyle>
+            <a:lvl1pPr algn="ctr" defTabSz="914400" rtl="0" eaLnBrk="1" latinLnBrk="0" hangingPunct="1">
+              <a:spcBef>
+                <a:spcPct val="0"/>
+              </a:spcBef>
+              <a:buNone/>
+              <a:defRPr sz="4400" kern="1200">
+                <a:solidFill>
+                  <a:schemeClr val="tx1"/>
+                </a:solidFill>
+                <a:latin typeface="+mj-lt"/>
+                <a:ea typeface="+mj-ea"/>
+                <a:cs typeface="+mj-cs"/>
+              </a:defRPr>
+            </a:lvl1pPr>
+          </a:lstStyle>
+          <a:p>
+            <a:r>
+              <a:rPr lang="fr-FR" dirty="0" smtClean="0"/>
+              <a:t>Unicode</a:t>
             </a:r>
             <a:endParaRPr lang="fr-FR" dirty="0"/>
           </a:p>
-          <a:p>
-            <a:endParaRPr lang="fr-FR" dirty="0" smtClean="0"/>
-          </a:p>
-          <a:p>
-            <a:endParaRPr lang="fr-FR" dirty="0" smtClean="0"/>
-          </a:p>
-          <a:p>
+        </p:txBody>
+      </p:sp>
+      <p:sp>
+        <p:nvSpPr>
+          <p:cNvPr id="6" name="Titre 1"/>
+          <p:cNvSpPr txBox="1">
+            <a:spLocks/>
+          </p:cNvSpPr>
+          <p:nvPr/>
+        </p:nvSpPr>
+        <p:spPr>
+          <a:xfrm>
+            <a:off x="457200" y="2286000"/>
+            <a:ext cx="8229600" cy="1143000"/>
+          </a:xfrm>
+          <a:prstGeom prst="rect">
+            <a:avLst/>
+          </a:prstGeom>
+        </p:spPr>
+        <p:txBody>
+          <a:bodyPr vert="horz" lIns="91440" tIns="45720" rIns="91440" bIns="45720" rtlCol="0" anchor="ctr">
+            <a:normAutofit/>
+          </a:bodyPr>
+          <a:lstStyle>
+            <a:lvl1pPr algn="ctr" defTabSz="914400" rtl="0" eaLnBrk="1" latinLnBrk="0" hangingPunct="1">
+              <a:spcBef>
+                <a:spcPct val="0"/>
+              </a:spcBef>
+              <a:buNone/>
+              <a:defRPr sz="4400" kern="1200">
+                <a:solidFill>
+                  <a:schemeClr val="tx1"/>
+                </a:solidFill>
+                <a:latin typeface="+mj-lt"/>
+                <a:ea typeface="+mj-ea"/>
+                <a:cs typeface="+mj-cs"/>
+              </a:defRPr>
+            </a:lvl1pPr>
+          </a:lstStyle>
+          <a:p>
+            <a:r>
+              <a:rPr lang="fr-FR" dirty="0" smtClean="0"/>
+              <a:t>UTF-8</a:t>
+            </a:r>
             <a:endParaRPr lang="fr-FR" dirty="0"/>
           </a:p>
         </p:txBody>
@@ -3829,7 +3767,7 @@
     </p:spTree>
     <p:extLst>
       <p:ext uri="{BB962C8B-B14F-4D97-AF65-F5344CB8AC3E}">
-        <p14:creationId xmlns:p14="http://schemas.microsoft.com/office/powerpoint/2010/main" val="2425288845"/>
+        <p14:creationId xmlns:p14="http://schemas.microsoft.com/office/powerpoint/2010/main" val="610342369"/>
       </p:ext>
     </p:extLst>
   </p:cSld>
@@ -3873,7 +3811,7 @@
           <a:p>
             <a:r>
               <a:rPr lang="fr-FR" dirty="0" smtClean="0"/>
-              <a:t>Gouvernance i18n</a:t>
+              <a:t>Le minimum</a:t>
             </a:r>
             <a:endParaRPr lang="fr-FR" dirty="0"/>
           </a:p>
@@ -3894,44 +3832,58 @@
           <a:bodyPr/>
           <a:lstStyle/>
           <a:p>
-            <a:r>
-              <a:rPr lang="fr-FR" dirty="0" smtClean="0"/>
-              <a:t>Gestion de plusieurs langues </a:t>
-            </a:r>
-          </a:p>
-          <a:p>
-            <a:r>
-              <a:rPr lang="fr-FR" dirty="0" smtClean="0"/>
-              <a:t>Maintenance par les développeurs</a:t>
-            </a:r>
-          </a:p>
-          <a:p>
-            <a:r>
-              <a:rPr lang="fr-FR" dirty="0" smtClean="0"/>
-              <a:t>Externalisation à des traducteurs</a:t>
-            </a:r>
-          </a:p>
-          <a:p>
-            <a:r>
-              <a:rPr lang="fr-FR" dirty="0" smtClean="0"/>
-              <a:t>Intégration et synchronisation</a:t>
-            </a:r>
-          </a:p>
-          <a:p>
-            <a:r>
-              <a:rPr lang="fr-FR" dirty="0" smtClean="0"/>
-              <a:t>Corrections tardives</a:t>
-            </a:r>
-          </a:p>
-          <a:p>
-            <a:endParaRPr lang="fr-FR" dirty="0"/>
+            <a:endParaRPr lang="fr-FR" dirty="0" smtClean="0"/>
+          </a:p>
+          <a:p>
+            <a:pPr marL="0" indent="0" algn="ctr">
+              <a:buNone/>
+            </a:pPr>
+            <a:r>
+              <a:rPr lang="fr-FR" dirty="0" smtClean="0"/>
+              <a:t>Ca </a:t>
+            </a:r>
+            <a:r>
+              <a:rPr lang="fr-FR" dirty="0"/>
+              <a:t>n'a aucun sens </a:t>
+            </a:r>
+            <a:endParaRPr lang="fr-FR" dirty="0" smtClean="0"/>
+          </a:p>
+          <a:p>
+            <a:pPr marL="0" indent="0" algn="ctr">
+              <a:buNone/>
+            </a:pPr>
+            <a:r>
+              <a:rPr lang="fr-FR" dirty="0" smtClean="0"/>
+              <a:t>d'avoir </a:t>
+            </a:r>
+            <a:r>
+              <a:rPr lang="fr-FR" dirty="0"/>
+              <a:t>une chaîne </a:t>
+            </a:r>
+            <a:r>
+              <a:rPr lang="fr-FR" dirty="0" smtClean="0"/>
+              <a:t>de caractères </a:t>
+            </a:r>
+          </a:p>
+          <a:p>
+            <a:pPr marL="0" indent="0" algn="ctr">
+              <a:buNone/>
+            </a:pPr>
+            <a:r>
+              <a:rPr lang="fr-FR" dirty="0" smtClean="0"/>
+              <a:t>sans </a:t>
+            </a:r>
+            <a:r>
+              <a:rPr lang="fr-FR" dirty="0"/>
+              <a:t>savoir quel encodage elle utilise.</a:t>
+            </a:r>
           </a:p>
         </p:txBody>
       </p:sp>
     </p:spTree>
     <p:extLst>
       <p:ext uri="{BB962C8B-B14F-4D97-AF65-F5344CB8AC3E}">
-        <p14:creationId xmlns:p14="http://schemas.microsoft.com/office/powerpoint/2010/main" val="3762882879"/>
+        <p14:creationId xmlns:p14="http://schemas.microsoft.com/office/powerpoint/2010/main" val="2053052792"/>
       </p:ext>
     </p:extLst>
   </p:cSld>
@@ -3974,8 +3926,12 @@
           <a:lstStyle/>
           <a:p>
             <a:r>
-              <a:rPr lang="fr-FR" dirty="0" smtClean="0"/>
-              <a:t>Sources</a:t>
+              <a:rPr lang="fr-FR" dirty="0"/>
+              <a:t>E</a:t>
+            </a:r>
+            <a:r>
+              <a:rPr lang="fr-FR" dirty="0" smtClean="0"/>
+              <a:t>xemples</a:t>
             </a:r>
             <a:endParaRPr lang="fr-FR" dirty="0"/>
           </a:p>
@@ -3991,87 +3947,762 @@
             <p:ph idx="1"/>
           </p:nvPr>
         </p:nvSpPr>
-        <p:spPr/>
-        <p:txBody>
-          <a:bodyPr/>
-          <a:lstStyle/>
-          <a:p>
-            <a:r>
-              <a:rPr lang="en-US" sz="1200" dirty="0">
-                <a:hlinkClick r:id="rId2"/>
-              </a:rPr>
-              <a:t>http://www.pcinpact.com/news/56016-php-6-support-unicode-rasmus-lerdorf-utf16-</a:t>
-            </a:r>
-            <a:r>
-              <a:rPr lang="en-US" sz="1200" dirty="0" smtClean="0">
-                <a:hlinkClick r:id="rId2"/>
-              </a:rPr>
-              <a:t>problemes.htm</a:t>
-            </a:r>
-            <a:endParaRPr lang="en-US" sz="1200" dirty="0" smtClean="0"/>
-          </a:p>
-          <a:p>
-            <a:r>
-              <a:rPr lang="pl-PL" sz="1200" dirty="0">
-                <a:hlinkClick r:id="rId3"/>
-              </a:rPr>
-              <a:t>http://www.debian.org/doc/manuals/intro-i18n</a:t>
-            </a:r>
-            <a:r>
-              <a:rPr lang="pl-PL" sz="1200" dirty="0" smtClean="0">
-                <a:hlinkClick r:id="rId3"/>
-              </a:rPr>
+        <p:spPr>
+          <a:xfrm>
+            <a:off x="533400" y="1371600"/>
+            <a:ext cx="8229600" cy="4525963"/>
+          </a:xfrm>
+        </p:spPr>
+        <p:txBody>
+          <a:bodyPr anchor="t"/>
+          <a:lstStyle/>
+          <a:p>
+            <a:pPr marL="0" indent="0">
+              <a:buNone/>
+            </a:pPr>
+            <a:r>
+              <a:rPr lang="fr-FR" dirty="0"/>
+              <a:t>e</a:t>
+            </a:r>
+            <a:r>
+              <a:rPr lang="fr-FR" dirty="0" smtClean="0"/>
+              <a:t>z18n-sample/</a:t>
+            </a:r>
+            <a:r>
+              <a:rPr lang="fr-FR" dirty="0" err="1" smtClean="0"/>
+              <a:t>src</a:t>
+            </a:r>
+            <a:r>
+              <a:rPr lang="fr-FR" dirty="0" smtClean="0"/>
+              <a:t>/main/</a:t>
+            </a:r>
+            <a:r>
+              <a:rPr lang="fr-FR" dirty="0" err="1" smtClean="0"/>
+              <a:t>org</a:t>
+            </a:r>
+            <a:r>
+              <a:rPr lang="fr-FR" dirty="0" smtClean="0"/>
+              <a:t>/ez18n/</a:t>
+            </a:r>
+            <a:r>
+              <a:rPr lang="fr-FR" dirty="0" err="1" smtClean="0"/>
+              <a:t>sample</a:t>
+            </a:r>
+            <a:r>
+              <a:rPr lang="fr-FR" dirty="0" smtClean="0"/>
               <a:t>/</a:t>
             </a:r>
-            <a:endParaRPr lang="pl-PL" sz="1200" dirty="0" smtClean="0"/>
-          </a:p>
-          <a:p>
-            <a:r>
-              <a:rPr lang="en-US" sz="1200" dirty="0">
-                <a:hlinkClick r:id="rId4"/>
-              </a:rPr>
-              <a:t>http://www.joelonsoftware.com/articles/</a:t>
-            </a:r>
-            <a:r>
-              <a:rPr lang="en-US" sz="1200" dirty="0" smtClean="0">
-                <a:hlinkClick r:id="rId4"/>
-              </a:rPr>
-              <a:t>Unicode.html</a:t>
-            </a:r>
-            <a:endParaRPr lang="en-US" sz="1200" dirty="0" smtClean="0"/>
-          </a:p>
-          <a:p>
-            <a:r>
-              <a:rPr lang="pl-PL" sz="1200" dirty="0"/>
-              <a:t>http://www.i18nguy.com/</a:t>
-            </a:r>
-            <a:endParaRPr lang="en-US" sz="1200" dirty="0" smtClean="0"/>
-          </a:p>
-          <a:p>
-            <a:endParaRPr lang="en-US" sz="1200" dirty="0" smtClean="0"/>
-          </a:p>
-          <a:p>
-            <a:endParaRPr lang="en-US" sz="1200" dirty="0"/>
-          </a:p>
-          <a:p>
-            <a:r>
-              <a:rPr lang="hu-HU" sz="1200" dirty="0"/>
-              <a:t>http://docs.oracle.com/javase/specs/</a:t>
-            </a:r>
-            <a:endParaRPr lang="en-US" sz="1200" dirty="0" smtClean="0"/>
-          </a:p>
-          <a:p>
-            <a:endParaRPr lang="en-US" sz="1200" dirty="0" smtClean="0"/>
-          </a:p>
-          <a:p>
-            <a:endParaRPr lang="fr-FR" dirty="0"/>
+          </a:p>
+          <a:p>
+            <a:r>
+              <a:rPr lang="fr-FR" dirty="0" err="1" smtClean="0"/>
+              <a:t>OldFashionSample</a:t>
+            </a:r>
+            <a:endParaRPr lang="fr-FR" dirty="0" smtClean="0"/>
+          </a:p>
+          <a:p>
+            <a:pPr lvl="1"/>
+            <a:r>
+              <a:rPr lang="fr-FR" dirty="0" smtClean="0"/>
+              <a:t>Default Locale</a:t>
+            </a:r>
+          </a:p>
+          <a:p>
+            <a:pPr lvl="1"/>
+            <a:r>
+              <a:rPr lang="fr-FR" dirty="0" smtClean="0"/>
+              <a:t>FR, JA, mécanisme par défaut</a:t>
+            </a:r>
+          </a:p>
+          <a:p>
+            <a:pPr lvl="1"/>
+            <a:r>
+              <a:rPr lang="fr-FR" dirty="0" smtClean="0"/>
+              <a:t>Format des fichiers .</a:t>
+            </a:r>
+            <a:r>
+              <a:rPr lang="fr-FR" dirty="0" err="1" smtClean="0"/>
+              <a:t>properties</a:t>
+            </a:r>
+            <a:endParaRPr lang="fr-FR" dirty="0" smtClean="0"/>
+          </a:p>
+          <a:p>
+            <a:pPr lvl="1"/>
+            <a:endParaRPr lang="fr-FR" dirty="0" smtClean="0"/>
+          </a:p>
+          <a:p>
+            <a:r>
+              <a:rPr lang="fr-FR" dirty="0" smtClean="0"/>
+              <a:t>Ancienne gestion des fichiers</a:t>
+            </a:r>
+          </a:p>
+          <a:p>
+            <a:r>
+              <a:rPr lang="fr-FR" dirty="0" smtClean="0"/>
+              <a:t>Possibilité via </a:t>
+            </a:r>
+            <a:r>
+              <a:rPr lang="fr-FR" dirty="0" err="1" smtClean="0"/>
+              <a:t>classpath</a:t>
+            </a:r>
+            <a:r>
+              <a:rPr lang="fr-FR" dirty="0" smtClean="0"/>
+              <a:t> &amp; zip</a:t>
+            </a:r>
           </a:p>
         </p:txBody>
       </p:sp>
     </p:spTree>
     <p:extLst>
       <p:ext uri="{BB962C8B-B14F-4D97-AF65-F5344CB8AC3E}">
-        <p14:creationId xmlns:p14="http://schemas.microsoft.com/office/powerpoint/2010/main" val="1572255572"/>
+        <p14:creationId xmlns:p14="http://schemas.microsoft.com/office/powerpoint/2010/main" val="1742857176"/>
+      </p:ext>
+    </p:extLst>
+  </p:cSld>
+  <p:clrMapOvr>
+    <a:masterClrMapping/>
+  </p:clrMapOvr>
+</p:sld>
+</file>
+
+<file path=ppt/slides/slide16.xml><?xml version="1.0" encoding="utf-8"?>
+<p:sld xmlns:a="http://schemas.openxmlformats.org/drawingml/2006/main" xmlns:r="http://schemas.openxmlformats.org/officeDocument/2006/relationships" xmlns:p="http://schemas.openxmlformats.org/presentationml/2006/main">
+  <p:cSld>
+    <p:spTree>
+      <p:nvGrpSpPr>
+        <p:cNvPr id="1" name=""/>
+        <p:cNvGrpSpPr/>
+        <p:nvPr/>
+      </p:nvGrpSpPr>
+      <p:grpSpPr>
+        <a:xfrm>
+          <a:off x="0" y="0"/>
+          <a:ext cx="0" cy="0"/>
+          <a:chOff x="0" y="0"/>
+          <a:chExt cx="0" cy="0"/>
+        </a:xfrm>
+      </p:grpSpPr>
+      <p:sp>
+        <p:nvSpPr>
+          <p:cNvPr id="2" name="Titre 1"/>
+          <p:cNvSpPr>
+            <a:spLocks noGrp="1"/>
+          </p:cNvSpPr>
+          <p:nvPr>
+            <p:ph type="title"/>
+          </p:nvPr>
+        </p:nvSpPr>
+        <p:spPr/>
+        <p:txBody>
+          <a:bodyPr/>
+          <a:lstStyle/>
+          <a:p>
+            <a:r>
+              <a:rPr lang="fr-FR" dirty="0" err="1" smtClean="0"/>
+              <a:t>Encodings</a:t>
+            </a:r>
+            <a:endParaRPr lang="fr-FR" dirty="0"/>
+          </a:p>
+        </p:txBody>
+      </p:sp>
+      <p:sp>
+        <p:nvSpPr>
+          <p:cNvPr id="3" name="Espace réservé du contenu 2"/>
+          <p:cNvSpPr>
+            <a:spLocks noGrp="1"/>
+          </p:cNvSpPr>
+          <p:nvPr>
+            <p:ph idx="1"/>
+          </p:nvPr>
+        </p:nvSpPr>
+        <p:spPr/>
+        <p:txBody>
+          <a:bodyPr>
+            <a:normAutofit lnSpcReduction="10000"/>
+          </a:bodyPr>
+          <a:lstStyle/>
+          <a:p>
+            <a:r>
+              <a:rPr lang="fr-FR" dirty="0" smtClean="0"/>
+              <a:t>Java </a:t>
+            </a:r>
+          </a:p>
+          <a:p>
+            <a:pPr lvl="1"/>
+            <a:r>
+              <a:rPr lang="en-US" dirty="0" smtClean="0"/>
+              <a:t>\</a:t>
+            </a:r>
+            <a:r>
+              <a:rPr lang="en-US" dirty="0"/>
+              <a:t>u3053\u3093\u306b\u3061\u306f\u3001\u4e16\u754c\uff01</a:t>
+            </a:r>
+          </a:p>
+          <a:p>
+            <a:pPr lvl="1"/>
+            <a:endParaRPr lang="fr-FR" dirty="0" smtClean="0"/>
+          </a:p>
+          <a:p>
+            <a:pPr lvl="1"/>
+            <a:r>
+              <a:rPr lang="fr-FR" dirty="0" err="1" smtClean="0"/>
+              <a:t>Encoding</a:t>
+            </a:r>
+            <a:r>
+              <a:rPr lang="fr-FR" dirty="0" smtClean="0"/>
+              <a:t> du fichier et option –</a:t>
+            </a:r>
+            <a:r>
+              <a:rPr lang="fr-FR" dirty="0" err="1" smtClean="0"/>
+              <a:t>Dfile.encoding</a:t>
+            </a:r>
+            <a:r>
+              <a:rPr lang="fr-FR" dirty="0" smtClean="0"/>
+              <a:t>=UTF-</a:t>
+            </a:r>
+            <a:r>
+              <a:rPr lang="fr-FR" dirty="0" smtClean="0"/>
+              <a:t>8</a:t>
+            </a:r>
+          </a:p>
+          <a:p>
+            <a:pPr lvl="1"/>
+            <a:endParaRPr lang="fr-FR" dirty="0" smtClean="0"/>
+          </a:p>
+          <a:p>
+            <a:r>
+              <a:rPr lang="fr-FR" dirty="0" smtClean="0"/>
+              <a:t>Html</a:t>
+            </a:r>
+          </a:p>
+          <a:p>
+            <a:pPr lvl="1"/>
+            <a:r>
+              <a:rPr lang="fr-FR" dirty="0"/>
+              <a:t>&amp;#x00AD</a:t>
+            </a:r>
+            <a:r>
+              <a:rPr lang="fr-FR" dirty="0" smtClean="0"/>
+              <a:t>;</a:t>
+            </a:r>
+            <a:endParaRPr lang="fr-FR" dirty="0"/>
+          </a:p>
+        </p:txBody>
+      </p:sp>
+    </p:spTree>
+    <p:extLst>
+      <p:ext uri="{BB962C8B-B14F-4D97-AF65-F5344CB8AC3E}">
+        <p14:creationId xmlns:p14="http://schemas.microsoft.com/office/powerpoint/2010/main" val="3126842541"/>
+      </p:ext>
+    </p:extLst>
+  </p:cSld>
+  <p:clrMapOvr>
+    <a:masterClrMapping/>
+  </p:clrMapOvr>
+</p:sld>
+</file>
+
+<file path=ppt/slides/slide17.xml><?xml version="1.0" encoding="utf-8"?>
+<p:sld xmlns:a="http://schemas.openxmlformats.org/drawingml/2006/main" xmlns:r="http://schemas.openxmlformats.org/officeDocument/2006/relationships" xmlns:p="http://schemas.openxmlformats.org/presentationml/2006/main">
+  <p:cSld>
+    <p:spTree>
+      <p:nvGrpSpPr>
+        <p:cNvPr id="1" name=""/>
+        <p:cNvGrpSpPr/>
+        <p:nvPr/>
+      </p:nvGrpSpPr>
+      <p:grpSpPr>
+        <a:xfrm>
+          <a:off x="0" y="0"/>
+          <a:ext cx="0" cy="0"/>
+          <a:chOff x="0" y="0"/>
+          <a:chExt cx="0" cy="0"/>
+        </a:xfrm>
+      </p:grpSpPr>
+      <p:sp>
+        <p:nvSpPr>
+          <p:cNvPr id="2" name="Titre 1"/>
+          <p:cNvSpPr>
+            <a:spLocks noGrp="1"/>
+          </p:cNvSpPr>
+          <p:nvPr>
+            <p:ph type="title"/>
+          </p:nvPr>
+        </p:nvSpPr>
+        <p:spPr/>
+        <p:txBody>
+          <a:bodyPr/>
+          <a:lstStyle/>
+          <a:p>
+            <a:r>
+              <a:rPr lang="fr-FR" dirty="0" smtClean="0"/>
+              <a:t>Idées au passage</a:t>
+            </a:r>
+            <a:endParaRPr lang="fr-FR" dirty="0"/>
+          </a:p>
+        </p:txBody>
+      </p:sp>
+      <p:sp>
+        <p:nvSpPr>
+          <p:cNvPr id="3" name="Espace réservé du contenu 2"/>
+          <p:cNvSpPr>
+            <a:spLocks noGrp="1"/>
+          </p:cNvSpPr>
+          <p:nvPr>
+            <p:ph idx="1"/>
+          </p:nvPr>
+        </p:nvSpPr>
+        <p:spPr/>
+        <p:txBody>
+          <a:bodyPr/>
+          <a:lstStyle/>
+          <a:p>
+            <a:r>
+              <a:rPr lang="fr-FR" dirty="0"/>
+              <a:t>Pseudo </a:t>
+            </a:r>
+            <a:r>
+              <a:rPr lang="fr-FR" dirty="0" smtClean="0"/>
+              <a:t>Localisation</a:t>
+            </a:r>
+          </a:p>
+          <a:p>
+            <a:pPr lvl="1"/>
+            <a:r>
+              <a:rPr lang="fr-FR" dirty="0"/>
+              <a:t>Ajout d’un caractère devant toutes les </a:t>
+            </a:r>
+            <a:r>
+              <a:rPr lang="fr-FR" dirty="0" smtClean="0"/>
+              <a:t>traductions</a:t>
+            </a:r>
+          </a:p>
+          <a:p>
+            <a:pPr lvl="1"/>
+            <a:r>
+              <a:rPr lang="fr-FR" smtClean="0"/>
+              <a:t>\u540d : </a:t>
+            </a:r>
+            <a:endParaRPr lang="fr-FR" dirty="0"/>
+          </a:p>
+          <a:p>
+            <a:pPr lvl="1"/>
+            <a:r>
+              <a:rPr lang="fr-FR" dirty="0" smtClean="0"/>
+              <a:t>Vérifier la localisation de votre application</a:t>
+            </a:r>
+          </a:p>
+          <a:p>
+            <a:pPr lvl="1"/>
+            <a:endParaRPr lang="fr-FR" dirty="0" smtClean="0"/>
+          </a:p>
+          <a:p>
+            <a:r>
+              <a:rPr lang="fr-FR" dirty="0" smtClean="0"/>
+              <a:t>Rechargement des </a:t>
+            </a:r>
+            <a:r>
+              <a:rPr lang="fr-FR" dirty="0" err="1" smtClean="0"/>
+              <a:t>resources</a:t>
+            </a:r>
+            <a:endParaRPr lang="fr-FR" dirty="0" smtClean="0"/>
+          </a:p>
+          <a:p>
+            <a:pPr lvl="1"/>
+            <a:r>
+              <a:rPr lang="de-DE" dirty="0"/>
+              <a:t> </a:t>
+            </a:r>
+            <a:r>
+              <a:rPr lang="de-DE" dirty="0" err="1"/>
+              <a:t>ResourceBundle.clearCache</a:t>
+            </a:r>
+            <a:r>
+              <a:rPr lang="de-DE" dirty="0"/>
+              <a:t>()</a:t>
+            </a:r>
+            <a:r>
+              <a:rPr lang="de-DE" dirty="0" smtClean="0"/>
+              <a:t>;</a:t>
+            </a:r>
+          </a:p>
+          <a:p>
+            <a:pPr lvl="1"/>
+            <a:endParaRPr lang="fr-FR" dirty="0" smtClean="0"/>
+          </a:p>
+          <a:p>
+            <a:endParaRPr lang="fr-FR" dirty="0"/>
+          </a:p>
+        </p:txBody>
+      </p:sp>
+    </p:spTree>
+    <p:extLst>
+      <p:ext uri="{BB962C8B-B14F-4D97-AF65-F5344CB8AC3E}">
+        <p14:creationId xmlns:p14="http://schemas.microsoft.com/office/powerpoint/2010/main" val="3194146052"/>
+      </p:ext>
+    </p:extLst>
+  </p:cSld>
+  <p:clrMapOvr>
+    <a:masterClrMapping/>
+  </p:clrMapOvr>
+</p:sld>
+</file>
+
+<file path=ppt/slides/slide18.xml><?xml version="1.0" encoding="utf-8"?>
+<p:sld xmlns:a="http://schemas.openxmlformats.org/drawingml/2006/main" xmlns:r="http://schemas.openxmlformats.org/officeDocument/2006/relationships" xmlns:p="http://schemas.openxmlformats.org/presentationml/2006/main">
+  <p:cSld>
+    <p:spTree>
+      <p:nvGrpSpPr>
+        <p:cNvPr id="1" name=""/>
+        <p:cNvGrpSpPr/>
+        <p:nvPr/>
+      </p:nvGrpSpPr>
+      <p:grpSpPr>
+        <a:xfrm>
+          <a:off x="0" y="0"/>
+          <a:ext cx="0" cy="0"/>
+          <a:chOff x="0" y="0"/>
+          <a:chExt cx="0" cy="0"/>
+        </a:xfrm>
+      </p:grpSpPr>
+      <p:sp>
+        <p:nvSpPr>
+          <p:cNvPr id="2" name="Titre 1"/>
+          <p:cNvSpPr>
+            <a:spLocks noGrp="1"/>
+          </p:cNvSpPr>
+          <p:nvPr>
+            <p:ph type="title"/>
+          </p:nvPr>
+        </p:nvSpPr>
+        <p:spPr/>
+        <p:txBody>
+          <a:bodyPr/>
+          <a:lstStyle/>
+          <a:p>
+            <a:r>
+              <a:rPr lang="fr-FR" dirty="0" smtClean="0"/>
+              <a:t>Des outils</a:t>
+            </a:r>
+            <a:endParaRPr lang="fr-FR" dirty="0"/>
+          </a:p>
+        </p:txBody>
+      </p:sp>
+      <p:sp>
+        <p:nvSpPr>
+          <p:cNvPr id="3" name="Espace réservé du contenu 2"/>
+          <p:cNvSpPr>
+            <a:spLocks noGrp="1"/>
+          </p:cNvSpPr>
+          <p:nvPr>
+            <p:ph idx="1"/>
+          </p:nvPr>
+        </p:nvSpPr>
+        <p:spPr/>
+        <p:txBody>
+          <a:bodyPr/>
+          <a:lstStyle/>
+          <a:p>
+            <a:r>
+              <a:rPr lang="fr-FR" dirty="0" smtClean="0"/>
+              <a:t>Native2ascii</a:t>
+            </a:r>
+          </a:p>
+          <a:p>
+            <a:r>
+              <a:rPr lang="en-US" dirty="0"/>
+              <a:t>org.apache.commons.lang3.</a:t>
+            </a:r>
+            <a:r>
+              <a:rPr lang="en-US" dirty="0" smtClean="0"/>
+              <a:t>CharUtils</a:t>
+            </a:r>
+          </a:p>
+          <a:p>
+            <a:pPr lvl="1"/>
+            <a:r>
+              <a:rPr lang="en-US" dirty="0" err="1" smtClean="0"/>
+              <a:t>unicodeEscaped</a:t>
+            </a:r>
+            <a:r>
+              <a:rPr lang="en-US" dirty="0" smtClean="0"/>
+              <a:t>(char)</a:t>
+            </a:r>
+          </a:p>
+          <a:p>
+            <a:pPr lvl="1"/>
+            <a:r>
+              <a:rPr lang="en-US" dirty="0" err="1" smtClean="0"/>
+              <a:t>isAscii</a:t>
+            </a:r>
+            <a:r>
+              <a:rPr lang="en-US" dirty="0" smtClean="0"/>
+              <a:t>(char</a:t>
+            </a:r>
+            <a:r>
+              <a:rPr lang="en-US" dirty="0" smtClean="0"/>
+              <a:t>)</a:t>
+            </a:r>
+          </a:p>
+          <a:p>
+            <a:r>
+              <a:rPr lang="fr-FR" dirty="0"/>
+              <a:t>j</a:t>
+            </a:r>
+            <a:r>
+              <a:rPr lang="en-US" dirty="0" err="1" smtClean="0"/>
+              <a:t>ava.lang.Properties</a:t>
+            </a:r>
+            <a:endParaRPr lang="fr-FR" dirty="0" smtClean="0"/>
+          </a:p>
+          <a:p>
+            <a:r>
+              <a:rPr lang="fr-FR" dirty="0" err="1" smtClean="0"/>
+              <a:t>Intellij</a:t>
+            </a:r>
+            <a:r>
+              <a:rPr lang="fr-FR" dirty="0" smtClean="0"/>
+              <a:t> </a:t>
+            </a:r>
+            <a:r>
+              <a:rPr lang="fr-FR" dirty="0" err="1" smtClean="0"/>
+              <a:t>Idea</a:t>
+            </a:r>
+            <a:r>
+              <a:rPr lang="fr-FR" dirty="0" smtClean="0"/>
+              <a:t> </a:t>
+            </a:r>
+          </a:p>
+          <a:p>
+            <a:pPr lvl="1"/>
+            <a:r>
+              <a:rPr lang="fr-FR" dirty="0" smtClean="0"/>
+              <a:t>auto native2ascii &amp; mode </a:t>
+            </a:r>
+            <a:r>
+              <a:rPr lang="fr-FR" dirty="0" err="1" smtClean="0"/>
+              <a:t>ResourceBundle</a:t>
+            </a:r>
+            <a:endParaRPr lang="fr-FR" dirty="0"/>
+          </a:p>
+          <a:p>
+            <a:endParaRPr lang="fr-FR" dirty="0" smtClean="0"/>
+          </a:p>
+          <a:p>
+            <a:endParaRPr lang="fr-FR" dirty="0" smtClean="0"/>
+          </a:p>
+          <a:p>
+            <a:endParaRPr lang="fr-FR" dirty="0"/>
+          </a:p>
+        </p:txBody>
+      </p:sp>
+    </p:spTree>
+    <p:extLst>
+      <p:ext uri="{BB962C8B-B14F-4D97-AF65-F5344CB8AC3E}">
+        <p14:creationId xmlns:p14="http://schemas.microsoft.com/office/powerpoint/2010/main" val="2425288845"/>
+      </p:ext>
+    </p:extLst>
+  </p:cSld>
+  <p:clrMapOvr>
+    <a:masterClrMapping/>
+  </p:clrMapOvr>
+</p:sld>
+</file>
+
+<file path=ppt/slides/slide19.xml><?xml version="1.0" encoding="utf-8"?>
+<p:sld xmlns:a="http://schemas.openxmlformats.org/drawingml/2006/main" xmlns:r="http://schemas.openxmlformats.org/officeDocument/2006/relationships" xmlns:p="http://schemas.openxmlformats.org/presentationml/2006/main">
+  <p:cSld>
+    <p:spTree>
+      <p:nvGrpSpPr>
+        <p:cNvPr id="1" name=""/>
+        <p:cNvGrpSpPr/>
+        <p:nvPr/>
+      </p:nvGrpSpPr>
+      <p:grpSpPr>
+        <a:xfrm>
+          <a:off x="0" y="0"/>
+          <a:ext cx="0" cy="0"/>
+          <a:chOff x="0" y="0"/>
+          <a:chExt cx="0" cy="0"/>
+        </a:xfrm>
+      </p:grpSpPr>
+      <p:sp>
+        <p:nvSpPr>
+          <p:cNvPr id="2" name="Titre 1"/>
+          <p:cNvSpPr>
+            <a:spLocks noGrp="1"/>
+          </p:cNvSpPr>
+          <p:nvPr>
+            <p:ph type="title"/>
+          </p:nvPr>
+        </p:nvSpPr>
+        <p:spPr/>
+        <p:txBody>
+          <a:bodyPr/>
+          <a:lstStyle/>
+          <a:p>
+            <a:r>
+              <a:rPr lang="fr-FR" dirty="0" smtClean="0"/>
+              <a:t>Aides à la traduction :</a:t>
+            </a:r>
+            <a:endParaRPr lang="fr-FR" dirty="0"/>
+          </a:p>
+        </p:txBody>
+      </p:sp>
+      <p:sp>
+        <p:nvSpPr>
+          <p:cNvPr id="3" name="Espace réservé du contenu 2"/>
+          <p:cNvSpPr>
+            <a:spLocks noGrp="1"/>
+          </p:cNvSpPr>
+          <p:nvPr>
+            <p:ph idx="1"/>
+          </p:nvPr>
+        </p:nvSpPr>
+        <p:spPr/>
+        <p:txBody>
+          <a:bodyPr/>
+          <a:lstStyle/>
+          <a:p>
+            <a:r>
+              <a:rPr lang="en-US" dirty="0" err="1" smtClean="0"/>
+              <a:t>Savez-vous</a:t>
+            </a:r>
+            <a:r>
+              <a:rPr lang="en-US" dirty="0" smtClean="0"/>
+              <a:t> </a:t>
+            </a:r>
+            <a:r>
+              <a:rPr lang="en-US" dirty="0" err="1" smtClean="0"/>
+              <a:t>qu’on</a:t>
+            </a:r>
+            <a:r>
+              <a:rPr lang="en-US" dirty="0" smtClean="0"/>
+              <a:t> </a:t>
+            </a:r>
+            <a:r>
+              <a:rPr lang="en-US" dirty="0" err="1" smtClean="0"/>
+              <a:t>peut</a:t>
+            </a:r>
+            <a:r>
+              <a:rPr lang="en-US" dirty="0" smtClean="0"/>
+              <a:t> savoir </a:t>
+            </a:r>
+            <a:r>
+              <a:rPr lang="en-US" dirty="0" err="1" smtClean="0"/>
+              <a:t>si</a:t>
+            </a:r>
+            <a:r>
+              <a:rPr lang="en-US" dirty="0" smtClean="0"/>
+              <a:t> </a:t>
+            </a:r>
+            <a:r>
+              <a:rPr lang="en-US" dirty="0" err="1" smtClean="0"/>
+              <a:t>vos</a:t>
+            </a:r>
+            <a:r>
+              <a:rPr lang="en-US" dirty="0" smtClean="0"/>
+              <a:t> </a:t>
+            </a:r>
+            <a:r>
+              <a:rPr lang="en-US" dirty="0" err="1" smtClean="0"/>
+              <a:t>textes</a:t>
+            </a:r>
+            <a:r>
+              <a:rPr lang="en-US" dirty="0" smtClean="0"/>
+              <a:t> </a:t>
+            </a:r>
+            <a:r>
+              <a:rPr lang="en-US" dirty="0" err="1" smtClean="0"/>
+              <a:t>seront</a:t>
+            </a:r>
+            <a:r>
+              <a:rPr lang="en-US" dirty="0" smtClean="0"/>
+              <a:t> </a:t>
+            </a:r>
+            <a:r>
+              <a:rPr lang="en-US" dirty="0" err="1" smtClean="0"/>
+              <a:t>durs</a:t>
+            </a:r>
+            <a:r>
+              <a:rPr lang="en-US" dirty="0" smtClean="0"/>
+              <a:t> </a:t>
+            </a:r>
+            <a:r>
+              <a:rPr lang="en-US" dirty="0" err="1" smtClean="0"/>
+              <a:t>à</a:t>
+            </a:r>
+            <a:r>
+              <a:rPr lang="en-US" dirty="0" smtClean="0"/>
+              <a:t> </a:t>
+            </a:r>
+            <a:r>
+              <a:rPr lang="en-US" dirty="0" err="1" smtClean="0"/>
+              <a:t>traduire</a:t>
+            </a:r>
+            <a:r>
+              <a:rPr lang="en-US" dirty="0" smtClean="0"/>
+              <a:t> ?</a:t>
+            </a:r>
+          </a:p>
+          <a:p>
+            <a:endParaRPr lang="en-US" dirty="0" smtClean="0"/>
+          </a:p>
+          <a:p>
+            <a:pPr marL="0" indent="0" algn="ctr">
+              <a:buNone/>
+            </a:pPr>
+            <a:r>
+              <a:rPr lang="en-US" dirty="0" err="1" smtClean="0"/>
+              <a:t>Démo</a:t>
+            </a:r>
+            <a:endParaRPr lang="en-US" dirty="0" smtClean="0"/>
+          </a:p>
+          <a:p>
+            <a:endParaRPr lang="en-US" dirty="0" smtClean="0"/>
+          </a:p>
+          <a:p>
+            <a:r>
+              <a:rPr lang="en-US" dirty="0" smtClean="0">
+                <a:hlinkClick r:id="rId2"/>
+              </a:rPr>
+              <a:t>http</a:t>
+            </a:r>
+            <a:r>
+              <a:rPr lang="en-US" dirty="0">
+                <a:hlinkClick r:id="rId2"/>
+              </a:rPr>
+              <a:t>://</a:t>
+            </a:r>
+            <a:r>
+              <a:rPr lang="en-US" dirty="0" smtClean="0">
+                <a:hlinkClick r:id="rId2"/>
+              </a:rPr>
+              <a:t>www.languagetool.org</a:t>
+            </a:r>
+            <a:endParaRPr lang="en-US" dirty="0" smtClean="0"/>
+          </a:p>
+          <a:p>
+            <a:r>
+              <a:rPr lang="en-US" dirty="0"/>
+              <a:t>http://</a:t>
+            </a:r>
+            <a:r>
+              <a:rPr lang="en-US" dirty="0" err="1"/>
+              <a:t>translate.google.com</a:t>
+            </a:r>
+            <a:r>
+              <a:rPr lang="en-US" dirty="0"/>
+              <a:t>/toolkit</a:t>
+            </a:r>
+            <a:endParaRPr lang="fr-FR" dirty="0"/>
+          </a:p>
+        </p:txBody>
+      </p:sp>
+    </p:spTree>
+    <p:extLst>
+      <p:ext uri="{BB962C8B-B14F-4D97-AF65-F5344CB8AC3E}">
+        <p14:creationId xmlns:p14="http://schemas.microsoft.com/office/powerpoint/2010/main" val="2553979514"/>
       </p:ext>
     </p:extLst>
   </p:cSld>
@@ -4115,11 +4746,7 @@
           <a:p>
             <a:r>
               <a:rPr lang="fr-FR" dirty="0" smtClean="0"/>
-              <a:t>I</a:t>
-            </a:r>
-            <a:r>
-              <a:rPr lang="fr-FR" dirty="0" smtClean="0"/>
-              <a:t>18n, l10n</a:t>
+              <a:t>ISO-8859-1 Au secours !</a:t>
             </a:r>
             <a:endParaRPr lang="fr-FR" dirty="0"/>
           </a:p>
@@ -4135,57 +4762,104 @@
             <p:ph idx="1"/>
           </p:nvPr>
         </p:nvSpPr>
-        <p:spPr/>
-        <p:txBody>
-          <a:bodyPr/>
-          <a:lstStyle/>
-          <a:p>
-            <a:r>
-              <a:rPr lang="fr-FR" dirty="0" smtClean="0"/>
-              <a:t>Internationalisation (i18n) </a:t>
+        <p:spPr>
+          <a:xfrm>
+            <a:off x="457200" y="1676400"/>
+            <a:ext cx="8229600" cy="4144963"/>
+          </a:xfrm>
+        </p:spPr>
+        <p:txBody>
+          <a:bodyPr>
+            <a:normAutofit/>
+          </a:bodyPr>
+          <a:lstStyle/>
+          <a:p>
+            <a:r>
+              <a:rPr lang="fr-FR" dirty="0" smtClean="0"/>
+              <a:t>Japonisation d’un serveur J2EE</a:t>
             </a:r>
           </a:p>
           <a:p>
             <a:pPr lvl="1"/>
             <a:r>
               <a:rPr lang="fr-FR" dirty="0" smtClean="0"/>
-              <a:t>Adapter son logiciel à de l’externalisation de textes</a:t>
+              <a:t>Pas de police supportant Unicode</a:t>
             </a:r>
           </a:p>
           <a:p>
             <a:pPr lvl="1"/>
             <a:r>
               <a:rPr lang="fr-FR" dirty="0" smtClean="0"/>
-              <a:t>Passe généralement par un moteur</a:t>
-            </a:r>
-          </a:p>
-          <a:p>
+              <a:t>Impossible de vérifier l’affichage</a:t>
+            </a:r>
+          </a:p>
+          <a:p>
+            <a:pPr lvl="1"/>
+            <a:r>
+              <a:rPr lang="fr-FR" dirty="0"/>
+              <a:t>Installation IBM DB2 écrans </a:t>
+            </a:r>
+            <a:r>
+              <a:rPr lang="fr-FR" dirty="0" err="1"/>
+              <a:t>side</a:t>
+            </a:r>
+            <a:r>
+              <a:rPr lang="fr-FR" dirty="0"/>
+              <a:t> by </a:t>
+            </a:r>
+            <a:r>
+              <a:rPr lang="fr-FR" dirty="0" err="1"/>
+              <a:t>side</a:t>
+            </a:r>
+            <a:endParaRPr lang="fr-FR" dirty="0"/>
+          </a:p>
+          <a:p>
+            <a:pPr lvl="1"/>
+            <a:r>
+              <a:rPr lang="fr-FR" dirty="0"/>
+              <a:t>Installation d’un </a:t>
+            </a:r>
+            <a:r>
+              <a:rPr lang="fr-FR" dirty="0" err="1"/>
+              <a:t>windows</a:t>
+            </a:r>
+            <a:r>
+              <a:rPr lang="fr-FR" dirty="0"/>
+              <a:t> </a:t>
+            </a:r>
+            <a:r>
+              <a:rPr lang="fr-FR" dirty="0" smtClean="0"/>
+              <a:t>Japonais</a:t>
+            </a:r>
+          </a:p>
+          <a:p>
+            <a:r>
+              <a:rPr lang="fr-FR" dirty="0"/>
+              <a:t>Avant UTF-8 c’était l’enfer</a:t>
+            </a:r>
+          </a:p>
+          <a:p>
+            <a:pPr marL="0" indent="0">
+              <a:buNone/>
+            </a:pPr>
+            <a:endParaRPr lang="fr-FR" dirty="0"/>
+          </a:p>
+          <a:p>
+            <a:pPr marL="457200" lvl="1" indent="0">
+              <a:buNone/>
+            </a:pPr>
+            <a:endParaRPr lang="fr-FR" dirty="0"/>
+          </a:p>
+          <a:p>
+            <a:pPr lvl="1"/>
             <a:endParaRPr lang="fr-FR" dirty="0" smtClean="0"/>
           </a:p>
           <a:p>
-            <a:r>
-              <a:rPr lang="fr-FR" dirty="0" smtClean="0"/>
-              <a:t>Localisation (l10n)</a:t>
-            </a:r>
-          </a:p>
-          <a:p>
             <a:pPr lvl="1"/>
-            <a:r>
-              <a:rPr lang="fr-FR" dirty="0" smtClean="0"/>
-              <a:t>Ajout de certaines langues dans le logiciel</a:t>
-            </a:r>
+            <a:endParaRPr lang="fr-FR" dirty="0"/>
           </a:p>
           <a:p>
             <a:pPr lvl="1"/>
-            <a:r>
-              <a:rPr lang="fr-FR" dirty="0" smtClean="0"/>
-              <a:t>Activité de traduction</a:t>
-            </a:r>
-          </a:p>
-          <a:p>
-            <a:pPr marL="457200" lvl="1" indent="0">
-              <a:buNone/>
-            </a:pPr>
             <a:endParaRPr lang="fr-FR" dirty="0"/>
           </a:p>
         </p:txBody>
@@ -4193,7 +4867,384 @@
     </p:spTree>
     <p:extLst>
       <p:ext uri="{BB962C8B-B14F-4D97-AF65-F5344CB8AC3E}">
-        <p14:creationId xmlns:p14="http://schemas.microsoft.com/office/powerpoint/2010/main" val="3120915150"/>
+        <p14:creationId xmlns:p14="http://schemas.microsoft.com/office/powerpoint/2010/main" val="3810743458"/>
+      </p:ext>
+    </p:extLst>
+  </p:cSld>
+  <p:clrMapOvr>
+    <a:masterClrMapping/>
+  </p:clrMapOvr>
+</p:sld>
+</file>
+
+<file path=ppt/slides/slide20.xml><?xml version="1.0" encoding="utf-8"?>
+<p:sld xmlns:a="http://schemas.openxmlformats.org/drawingml/2006/main" xmlns:r="http://schemas.openxmlformats.org/officeDocument/2006/relationships" xmlns:p="http://schemas.openxmlformats.org/presentationml/2006/main">
+  <p:cSld>
+    <p:spTree>
+      <p:nvGrpSpPr>
+        <p:cNvPr id="1" name=""/>
+        <p:cNvGrpSpPr/>
+        <p:nvPr/>
+      </p:nvGrpSpPr>
+      <p:grpSpPr>
+        <a:xfrm>
+          <a:off x="0" y="0"/>
+          <a:ext cx="0" cy="0"/>
+          <a:chOff x="0" y="0"/>
+          <a:chExt cx="0" cy="0"/>
+        </a:xfrm>
+      </p:grpSpPr>
+      <p:sp>
+        <p:nvSpPr>
+          <p:cNvPr id="2" name="Titre 1"/>
+          <p:cNvSpPr>
+            <a:spLocks noGrp="1"/>
+          </p:cNvSpPr>
+          <p:nvPr>
+            <p:ph type="title"/>
+          </p:nvPr>
+        </p:nvSpPr>
+        <p:spPr/>
+        <p:txBody>
+          <a:bodyPr/>
+          <a:lstStyle/>
+          <a:p>
+            <a:r>
+              <a:rPr lang="fr-FR" dirty="0" smtClean="0"/>
+              <a:t>On vous laisse :</a:t>
+            </a:r>
+            <a:endParaRPr lang="fr-FR" dirty="0"/>
+          </a:p>
+        </p:txBody>
+      </p:sp>
+      <p:sp>
+        <p:nvSpPr>
+          <p:cNvPr id="3" name="Espace réservé du contenu 2"/>
+          <p:cNvSpPr>
+            <a:spLocks noGrp="1"/>
+          </p:cNvSpPr>
+          <p:nvPr>
+            <p:ph idx="1"/>
+          </p:nvPr>
+        </p:nvSpPr>
+        <p:spPr/>
+        <p:txBody>
+          <a:bodyPr anchor="t"/>
+          <a:lstStyle/>
+          <a:p>
+            <a:pPr marL="0" indent="0">
+              <a:buNone/>
+            </a:pPr>
+            <a:endParaRPr lang="fr-FR" dirty="0" smtClean="0"/>
+          </a:p>
+          <a:p>
+            <a:r>
+              <a:rPr lang="fr-FR" dirty="0" smtClean="0"/>
+              <a:t>HTML : Pas d’</a:t>
+            </a:r>
+            <a:r>
+              <a:rPr lang="fr-FR" dirty="0" err="1" smtClean="0"/>
+              <a:t>encoding</a:t>
+            </a:r>
+            <a:r>
+              <a:rPr lang="fr-FR" dirty="0" smtClean="0"/>
+              <a:t> par défaut !</a:t>
+            </a:r>
+          </a:p>
+          <a:p>
+            <a:r>
+              <a:rPr lang="fr-FR" dirty="0" smtClean="0"/>
+              <a:t>PHP : UTF-8 pas supporté, bon courage !</a:t>
+            </a:r>
+          </a:p>
+          <a:p>
+            <a:endParaRPr lang="fr-FR" dirty="0"/>
+          </a:p>
+        </p:txBody>
+      </p:sp>
+    </p:spTree>
+    <p:extLst>
+      <p:ext uri="{BB962C8B-B14F-4D97-AF65-F5344CB8AC3E}">
+        <p14:creationId xmlns:p14="http://schemas.microsoft.com/office/powerpoint/2010/main" val="3448887877"/>
+      </p:ext>
+    </p:extLst>
+  </p:cSld>
+  <p:clrMapOvr>
+    <a:masterClrMapping/>
+  </p:clrMapOvr>
+</p:sld>
+</file>
+
+<file path=ppt/slides/slide21.xml><?xml version="1.0" encoding="utf-8"?>
+<p:sld xmlns:a="http://schemas.openxmlformats.org/drawingml/2006/main" xmlns:r="http://schemas.openxmlformats.org/officeDocument/2006/relationships" xmlns:p="http://schemas.openxmlformats.org/presentationml/2006/main">
+  <p:cSld>
+    <p:spTree>
+      <p:nvGrpSpPr>
+        <p:cNvPr id="1" name=""/>
+        <p:cNvGrpSpPr/>
+        <p:nvPr/>
+      </p:nvGrpSpPr>
+      <p:grpSpPr>
+        <a:xfrm>
+          <a:off x="0" y="0"/>
+          <a:ext cx="0" cy="0"/>
+          <a:chOff x="0" y="0"/>
+          <a:chExt cx="0" cy="0"/>
+        </a:xfrm>
+      </p:grpSpPr>
+      <p:sp>
+        <p:nvSpPr>
+          <p:cNvPr id="2" name="Titre 1"/>
+          <p:cNvSpPr>
+            <a:spLocks noGrp="1"/>
+          </p:cNvSpPr>
+          <p:nvPr>
+            <p:ph type="title"/>
+          </p:nvPr>
+        </p:nvSpPr>
+        <p:spPr/>
+        <p:txBody>
+          <a:bodyPr/>
+          <a:lstStyle/>
+          <a:p>
+            <a:r>
+              <a:rPr lang="fr-FR" dirty="0" smtClean="0"/>
+              <a:t>Besoin de gouvernance</a:t>
+            </a:r>
+            <a:endParaRPr lang="fr-FR" dirty="0"/>
+          </a:p>
+        </p:txBody>
+      </p:sp>
+      <p:sp>
+        <p:nvSpPr>
+          <p:cNvPr id="3" name="Espace réservé du contenu 2"/>
+          <p:cNvSpPr>
+            <a:spLocks noGrp="1"/>
+          </p:cNvSpPr>
+          <p:nvPr>
+            <p:ph idx="1"/>
+          </p:nvPr>
+        </p:nvSpPr>
+        <p:spPr/>
+        <p:txBody>
+          <a:bodyPr/>
+          <a:lstStyle/>
+          <a:p>
+            <a:r>
+              <a:rPr lang="fr-FR" dirty="0" smtClean="0"/>
+              <a:t>Gestion de plusieurs langues </a:t>
+            </a:r>
+          </a:p>
+          <a:p>
+            <a:r>
+              <a:rPr lang="fr-FR" dirty="0" smtClean="0"/>
+              <a:t>Maintenance par les développeurs</a:t>
+            </a:r>
+          </a:p>
+          <a:p>
+            <a:r>
+              <a:rPr lang="fr-FR" dirty="0" smtClean="0"/>
+              <a:t>Externalisation à des traducteurs</a:t>
+            </a:r>
+          </a:p>
+          <a:p>
+            <a:r>
+              <a:rPr lang="fr-FR" dirty="0" smtClean="0"/>
+              <a:t>Intégration et synchronisation</a:t>
+            </a:r>
+          </a:p>
+          <a:p>
+            <a:r>
+              <a:rPr lang="fr-FR" dirty="0" smtClean="0"/>
+              <a:t>Accepter corrections tardives</a:t>
+            </a:r>
+          </a:p>
+          <a:p>
+            <a:endParaRPr lang="fr-FR" dirty="0" smtClean="0"/>
+          </a:p>
+          <a:p>
+            <a:endParaRPr lang="fr-FR" dirty="0"/>
+          </a:p>
+          <a:p>
+            <a:endParaRPr lang="fr-FR" dirty="0" smtClean="0"/>
+          </a:p>
+          <a:p>
+            <a:endParaRPr lang="fr-FR" dirty="0"/>
+          </a:p>
+        </p:txBody>
+      </p:sp>
+    </p:spTree>
+    <p:extLst>
+      <p:ext uri="{BB962C8B-B14F-4D97-AF65-F5344CB8AC3E}">
+        <p14:creationId xmlns:p14="http://schemas.microsoft.com/office/powerpoint/2010/main" val="3762882879"/>
+      </p:ext>
+    </p:extLst>
+  </p:cSld>
+  <p:clrMapOvr>
+    <a:masterClrMapping/>
+  </p:clrMapOvr>
+</p:sld>
+</file>
+
+<file path=ppt/slides/slide22.xml><?xml version="1.0" encoding="utf-8"?>
+<p:sld xmlns:a="http://schemas.openxmlformats.org/drawingml/2006/main" xmlns:r="http://schemas.openxmlformats.org/officeDocument/2006/relationships" xmlns:p="http://schemas.openxmlformats.org/presentationml/2006/main">
+  <p:cSld>
+    <p:spTree>
+      <p:nvGrpSpPr>
+        <p:cNvPr id="1" name=""/>
+        <p:cNvGrpSpPr/>
+        <p:nvPr/>
+      </p:nvGrpSpPr>
+      <p:grpSpPr>
+        <a:xfrm>
+          <a:off x="0" y="0"/>
+          <a:ext cx="0" cy="0"/>
+          <a:chOff x="0" y="0"/>
+          <a:chExt cx="0" cy="0"/>
+        </a:xfrm>
+      </p:grpSpPr>
+      <p:sp>
+        <p:nvSpPr>
+          <p:cNvPr id="2" name="Titre 1"/>
+          <p:cNvSpPr>
+            <a:spLocks noGrp="1"/>
+          </p:cNvSpPr>
+          <p:nvPr>
+            <p:ph type="title"/>
+          </p:nvPr>
+        </p:nvSpPr>
+        <p:spPr/>
+        <p:txBody>
+          <a:bodyPr/>
+          <a:lstStyle/>
+          <a:p>
+            <a:r>
+              <a:rPr lang="fr-FR" dirty="0" smtClean="0"/>
+              <a:t>Sources</a:t>
+            </a:r>
+            <a:endParaRPr lang="fr-FR" dirty="0"/>
+          </a:p>
+        </p:txBody>
+      </p:sp>
+      <p:sp>
+        <p:nvSpPr>
+          <p:cNvPr id="3" name="Espace réservé du contenu 2"/>
+          <p:cNvSpPr>
+            <a:spLocks noGrp="1"/>
+          </p:cNvSpPr>
+          <p:nvPr>
+            <p:ph idx="1"/>
+          </p:nvPr>
+        </p:nvSpPr>
+        <p:spPr>
+          <a:xfrm>
+            <a:off x="279400" y="1219200"/>
+            <a:ext cx="8839200" cy="4525963"/>
+          </a:xfrm>
+        </p:spPr>
+        <p:txBody>
+          <a:bodyPr/>
+          <a:lstStyle/>
+          <a:p>
+            <a:r>
+              <a:rPr lang="en-US" sz="1600" dirty="0" smtClean="0">
+                <a:hlinkClick r:id="rId2"/>
+              </a:rPr>
+              <a:t>http</a:t>
+            </a:r>
+            <a:r>
+              <a:rPr lang="en-US" sz="1600" dirty="0">
+                <a:hlinkClick r:id="rId2"/>
+              </a:rPr>
+              <a:t>://www.joelonsoftware.com/articles/</a:t>
+            </a:r>
+            <a:r>
+              <a:rPr lang="en-US" sz="1600" dirty="0" smtClean="0">
+                <a:hlinkClick r:id="rId2"/>
+              </a:rPr>
+              <a:t>Unicode.html</a:t>
+            </a:r>
+            <a:endParaRPr lang="en-US" sz="1600" dirty="0" smtClean="0"/>
+          </a:p>
+          <a:p>
+            <a:r>
+              <a:rPr lang="hu-HU" sz="1600" dirty="0">
+                <a:hlinkClick r:id="rId3"/>
+              </a:rPr>
+              <a:t>http://docs.oracle.com/javase/specs/</a:t>
+            </a:r>
+            <a:endParaRPr lang="en-US" sz="1600" dirty="0"/>
+          </a:p>
+          <a:p>
+            <a:r>
+              <a:rPr lang="pl-PL" sz="1600" dirty="0" smtClean="0">
+                <a:hlinkClick r:id="rId4"/>
+              </a:rPr>
+              <a:t>http</a:t>
+            </a:r>
+            <a:r>
+              <a:rPr lang="pl-PL" sz="1600" dirty="0">
+                <a:hlinkClick r:id="rId4"/>
+              </a:rPr>
+              <a:t>://www.debian.org/doc/manuals/intro-i18n/</a:t>
+            </a:r>
+            <a:endParaRPr lang="pl-PL" sz="1600" dirty="0"/>
+          </a:p>
+          <a:p>
+            <a:r>
+              <a:rPr lang="pl-PL" sz="1600" dirty="0" smtClean="0">
+                <a:hlinkClick r:id="rId5"/>
+              </a:rPr>
+              <a:t>http</a:t>
+            </a:r>
+            <a:r>
+              <a:rPr lang="pl-PL" sz="1600" dirty="0">
+                <a:hlinkClick r:id="rId5"/>
+              </a:rPr>
+              <a:t>://www.i18nguy.com</a:t>
+            </a:r>
+            <a:r>
+              <a:rPr lang="pl-PL" sz="1600" dirty="0" smtClean="0">
+                <a:hlinkClick r:id="rId5"/>
+              </a:rPr>
+              <a:t>/</a:t>
+            </a:r>
+            <a:endParaRPr lang="en-US" sz="1600" dirty="0"/>
+          </a:p>
+          <a:p>
+            <a:pPr marL="0" indent="0">
+              <a:buNone/>
+            </a:pPr>
+            <a:endParaRPr lang="en-US" sz="1200" dirty="0" smtClean="0"/>
+          </a:p>
+          <a:p>
+            <a:r>
+              <a:rPr lang="en-US" sz="1600" dirty="0" smtClean="0"/>
+              <a:t>Extra:</a:t>
+            </a:r>
+          </a:p>
+          <a:p>
+            <a:pPr lvl="1"/>
+            <a:r>
+              <a:rPr lang="en-US" sz="1400" dirty="0">
+                <a:hlinkClick r:id="rId6"/>
+              </a:rPr>
+              <a:t>http://www.pcinpact.com/news/56016-php-6-support-unicode-rasmus-lerdorf-utf16-problemes.htm</a:t>
+            </a:r>
+            <a:endParaRPr lang="en-US" sz="1400" dirty="0"/>
+          </a:p>
+          <a:p>
+            <a:endParaRPr lang="en-US" sz="1200" dirty="0" smtClean="0"/>
+          </a:p>
+          <a:p>
+            <a:endParaRPr lang="fr-FR" dirty="0"/>
+          </a:p>
+        </p:txBody>
+      </p:sp>
+    </p:spTree>
+    <p:extLst>
+      <p:ext uri="{BB962C8B-B14F-4D97-AF65-F5344CB8AC3E}">
+        <p14:creationId xmlns:p14="http://schemas.microsoft.com/office/powerpoint/2010/main" val="1572255572"/>
       </p:ext>
     </p:extLst>
   </p:cSld>
@@ -4236,12 +5287,8 @@
           <a:lstStyle/>
           <a:p>
             <a:r>
-              <a:rPr lang="en-US" dirty="0" smtClean="0"/>
-              <a:t>i18n </a:t>
-            </a:r>
-            <a:r>
-              <a:rPr lang="en-US" dirty="0" smtClean="0"/>
-              <a:t>?</a:t>
+              <a:rPr lang="fr-FR" dirty="0" smtClean="0"/>
+              <a:t>Téléphone japonais</a:t>
             </a:r>
             <a:endParaRPr lang="fr-FR" dirty="0"/>
           </a:p>
@@ -4249,7 +5296,7 @@
       </p:sp>
       <p:sp>
         <p:nvSpPr>
-          <p:cNvPr id="5" name="Espace réservé du contenu 4"/>
+          <p:cNvPr id="3" name="Espace réservé du contenu 2"/>
           <p:cNvSpPr>
             <a:spLocks noGrp="1"/>
           </p:cNvSpPr>
@@ -4263,99 +5310,75 @@
           <a:lstStyle/>
           <a:p>
             <a:r>
-              <a:rPr lang="fr-FR" dirty="0" smtClean="0"/>
-              <a:t>Tout simplement : i</a:t>
-            </a:r>
-            <a:r>
-              <a:rPr lang="fr-FR" dirty="0" smtClean="0">
-                <a:solidFill>
-                  <a:srgbClr val="FF0000"/>
-                </a:solidFill>
-              </a:rPr>
-              <a:t>nternationalisatio</a:t>
-            </a:r>
-            <a:r>
-              <a:rPr lang="fr-FR" dirty="0" smtClean="0"/>
-              <a:t>n</a:t>
-            </a:r>
-          </a:p>
-          <a:p>
+              <a:rPr lang="fr-FR" dirty="0"/>
+              <a:t>Localisation d’un Modèle UML</a:t>
+            </a:r>
+          </a:p>
+          <a:p>
+            <a:pPr lvl="1"/>
+            <a:r>
+              <a:rPr lang="fr-FR" dirty="0"/>
+              <a:t>Traducteur Japonais via </a:t>
+            </a:r>
+            <a:r>
+              <a:rPr lang="fr-FR" dirty="0" err="1" smtClean="0"/>
+              <a:t>excel</a:t>
+            </a:r>
             <a:endParaRPr lang="fr-FR" dirty="0" smtClean="0"/>
           </a:p>
           <a:p>
-            <a:r>
-              <a:rPr lang="fr-FR" dirty="0" smtClean="0"/>
-              <a:t>Origine probable : Un employé de DEC appelé </a:t>
-            </a:r>
-            <a:r>
-              <a:rPr lang="en-US" dirty="0" err="1"/>
-              <a:t>Scherpenhuizen</a:t>
-            </a:r>
-            <a:r>
-              <a:rPr lang="en-US" dirty="0"/>
-              <a:t> </a:t>
-            </a:r>
-            <a:r>
-              <a:rPr lang="en-US" dirty="0" smtClean="0"/>
-              <a:t>a </a:t>
-            </a:r>
-            <a:r>
-              <a:rPr lang="en-US" dirty="0" err="1" smtClean="0"/>
-              <a:t>eu</a:t>
-            </a:r>
-            <a:r>
-              <a:rPr lang="en-US" dirty="0" smtClean="0"/>
-              <a:t> </a:t>
-            </a:r>
-            <a:r>
-              <a:rPr lang="en-US" dirty="0" err="1" smtClean="0"/>
-              <a:t>comme</a:t>
-            </a:r>
-            <a:r>
-              <a:rPr lang="en-US" dirty="0" smtClean="0"/>
-              <a:t> </a:t>
-            </a:r>
-            <a:r>
-              <a:rPr lang="en-US" dirty="0" err="1" smtClean="0"/>
-              <a:t>compte</a:t>
-            </a:r>
-            <a:r>
-              <a:rPr lang="en-US" dirty="0" smtClean="0"/>
-              <a:t> e-mail S12n et le virus de la contraction </a:t>
-            </a:r>
-            <a:r>
-              <a:rPr lang="en-US" dirty="0" err="1" smtClean="0"/>
-              <a:t>est</a:t>
-            </a:r>
-            <a:r>
-              <a:rPr lang="en-US" dirty="0" smtClean="0"/>
-              <a:t> né.</a:t>
-            </a:r>
-          </a:p>
-          <a:p>
-            <a:endParaRPr lang="en-US" dirty="0"/>
-          </a:p>
-          <a:p>
-            <a:r>
-              <a:rPr lang="en-US" dirty="0"/>
-              <a:t>L</a:t>
-            </a:r>
-            <a:r>
-              <a:rPr lang="en-US" dirty="0">
-                <a:solidFill>
-                  <a:srgbClr val="FF0000"/>
-                </a:solidFill>
-              </a:rPr>
-              <a:t>ocalizatio</a:t>
-            </a:r>
-            <a:r>
-              <a:rPr lang="en-US" dirty="0"/>
-              <a:t>n (l10n</a:t>
-            </a:r>
-            <a:r>
-              <a:rPr lang="en-US" dirty="0" smtClean="0"/>
-              <a:t>) idem.</a:t>
-            </a:r>
+            <a:pPr lvl="1"/>
+            <a:r>
+              <a:rPr lang="fr-FR" dirty="0" smtClean="0"/>
+              <a:t>Incapacité de vérifier les traductions</a:t>
+            </a:r>
+          </a:p>
+          <a:p>
+            <a:pPr lvl="1"/>
+            <a:r>
+              <a:rPr lang="fr-FR" dirty="0" smtClean="0"/>
+              <a:t>Allez retours de 10j </a:t>
+            </a:r>
+          </a:p>
+          <a:p>
+            <a:pPr lvl="1"/>
+            <a:r>
+              <a:rPr lang="fr-FR" dirty="0" err="1" smtClean="0"/>
+              <a:t>Décallage</a:t>
+            </a:r>
+            <a:r>
+              <a:rPr lang="fr-FR" dirty="0" smtClean="0"/>
+              <a:t> avec les releases</a:t>
+            </a:r>
+          </a:p>
+          <a:p>
+            <a:r>
+              <a:rPr lang="fr-FR" dirty="0" err="1" smtClean="0"/>
+              <a:t>Contr</a:t>
+            </a:r>
+            <a:r>
+              <a:rPr lang="sk-SK" dirty="0" smtClean="0"/>
+              <a:t>ô</a:t>
+            </a:r>
+            <a:r>
+              <a:rPr lang="fr-FR" dirty="0" smtClean="0"/>
+              <a:t>le du vocabulaire métier</a:t>
+            </a:r>
+          </a:p>
+          <a:p>
+            <a:r>
+              <a:rPr lang="fr-FR" dirty="0" smtClean="0"/>
+              <a:t>Besoin d’externalisation</a:t>
+            </a:r>
+          </a:p>
+          <a:p>
+            <a:r>
+              <a:rPr lang="fr-FR" dirty="0" smtClean="0"/>
+              <a:t>Finalisation à postériori par le client</a:t>
+            </a:r>
+            <a:endParaRPr lang="fr-FR" dirty="0"/>
+          </a:p>
+          <a:p>
             <a:endParaRPr lang="fr-FR" dirty="0"/>
           </a:p>
         </p:txBody>
@@ -4363,20 +5386,13 @@
     </p:spTree>
     <p:extLst>
       <p:ext uri="{BB962C8B-B14F-4D97-AF65-F5344CB8AC3E}">
-        <p14:creationId xmlns:p14="http://schemas.microsoft.com/office/powerpoint/2010/main" val="4205921118"/>
+        <p14:creationId xmlns:p14="http://schemas.microsoft.com/office/powerpoint/2010/main" val="11609912"/>
       </p:ext>
     </p:extLst>
   </p:cSld>
   <p:clrMapOvr>
     <a:masterClrMapping/>
   </p:clrMapOvr>
-  <p:timing>
-    <p:tnLst>
-      <p:par>
-        <p:cTn xmlns:p14="http://schemas.microsoft.com/office/powerpoint/2010/main" id="1" dur="indefinite" restart="never" nodeType="tmRoot"/>
-      </p:par>
-    </p:tnLst>
-  </p:timing>
 </p:sld>
 </file>
 
@@ -4414,11 +5430,7 @@
           <a:p>
             <a:r>
               <a:rPr lang="fr-FR" dirty="0" smtClean="0"/>
-              <a:t>I</a:t>
-            </a:r>
-            <a:r>
-              <a:rPr lang="fr-FR" dirty="0" smtClean="0"/>
-              <a:t>18n hors texte</a:t>
+              <a:t>Gruyère international</a:t>
             </a:r>
             <a:endParaRPr lang="fr-FR" dirty="0"/>
           </a:p>
@@ -4434,80 +5446,69 @@
             <p:ph idx="1"/>
           </p:nvPr>
         </p:nvSpPr>
-        <p:spPr>
-          <a:xfrm>
-            <a:off x="457200" y="1295400"/>
-            <a:ext cx="8229600" cy="4525963"/>
-          </a:xfrm>
-        </p:spPr>
-        <p:txBody>
-          <a:bodyPr>
-            <a:normAutofit/>
-          </a:bodyPr>
-          <a:lstStyle/>
-          <a:p>
-            <a:r>
-              <a:rPr lang="fr-FR" dirty="0" smtClean="0"/>
-              <a:t>Textes </a:t>
+        <p:spPr/>
+        <p:txBody>
+          <a:bodyPr/>
+          <a:lstStyle/>
+          <a:p>
+            <a:r>
+              <a:rPr lang="fr-FR" dirty="0" smtClean="0"/>
+              <a:t>Localisation d’un projet Open Source d’envergure</a:t>
             </a:r>
           </a:p>
           <a:p>
             <a:pPr lvl="1"/>
             <a:r>
-              <a:rPr lang="fr-FR" dirty="0"/>
-              <a:t>Sens de </a:t>
-            </a:r>
-            <a:r>
-              <a:rPr lang="fr-FR" dirty="0" smtClean="0"/>
-              <a:t>lecture (RTL</a:t>
-            </a:r>
-            <a:r>
-              <a:rPr lang="fr-FR" dirty="0"/>
-              <a:t>, </a:t>
-            </a:r>
-            <a:r>
-              <a:rPr lang="fr-FR" dirty="0" smtClean="0"/>
-              <a:t>LTR)</a:t>
+              <a:rPr lang="fr-FR" dirty="0" smtClean="0"/>
+              <a:t>15 langues, support RTL</a:t>
             </a:r>
           </a:p>
           <a:p>
             <a:pPr lvl="1"/>
             <a:r>
               <a:rPr lang="fr-FR" dirty="0" smtClean="0"/>
-              <a:t>Ponctuation (espaces, guillemets)</a:t>
-            </a:r>
-          </a:p>
-          <a:p>
-            <a:r>
-              <a:rPr lang="fr-FR" dirty="0" smtClean="0"/>
-              <a:t>Formats d’affichage</a:t>
-            </a:r>
-          </a:p>
-          <a:p>
-            <a:pPr lvl="1"/>
-            <a:r>
-              <a:rPr lang="fr-FR" dirty="0" smtClean="0"/>
-              <a:t>Dates</a:t>
-            </a:r>
-          </a:p>
-          <a:p>
-            <a:pPr lvl="1"/>
-            <a:r>
-              <a:rPr lang="fr-FR" dirty="0" smtClean="0"/>
-              <a:t>Nombres</a:t>
-            </a:r>
-          </a:p>
-          <a:p>
-            <a:r>
-              <a:rPr lang="fr-FR" dirty="0" smtClean="0"/>
-              <a:t>Monnaies</a:t>
-            </a:r>
-          </a:p>
-          <a:p>
-            <a:pPr lvl="1"/>
+              <a:t>Plusieurs milliers de mots</a:t>
+            </a:r>
+            <a:endParaRPr lang="fr-FR" dirty="0"/>
+          </a:p>
+          <a:p>
+            <a:r>
+              <a:rPr lang="fr-FR" dirty="0" smtClean="0"/>
+              <a:t>Jamais complet</a:t>
+            </a:r>
+          </a:p>
+          <a:p>
+            <a:r>
+              <a:rPr lang="fr-FR" dirty="0" smtClean="0"/>
+              <a:t>Impossible de faire un devis</a:t>
+            </a:r>
+          </a:p>
+          <a:p>
+            <a:r>
+              <a:rPr lang="fr-FR" dirty="0" smtClean="0"/>
+              <a:t>Traduction à la </a:t>
+            </a:r>
+            <a:r>
+              <a:rPr lang="fr-FR" dirty="0" err="1" smtClean="0"/>
+              <a:t>rache</a:t>
+            </a:r>
+            <a:r>
+              <a:rPr lang="fr-FR" dirty="0" smtClean="0"/>
+              <a:t> dans les .</a:t>
+            </a:r>
+            <a:r>
+              <a:rPr lang="fr-FR" dirty="0" err="1" smtClean="0"/>
+              <a:t>properties</a:t>
+            </a:r>
             <a:endParaRPr lang="fr-FR" dirty="0" smtClean="0"/>
           </a:p>
           <a:p>
+            <a:endParaRPr lang="fr-FR" dirty="0" smtClean="0"/>
+          </a:p>
+          <a:p>
+            <a:pPr marL="0" indent="0">
+              <a:buNone/>
+            </a:pPr>
             <a:endParaRPr lang="fr-FR" dirty="0" smtClean="0"/>
           </a:p>
           <a:p>
@@ -4518,7 +5519,7 @@
     </p:spTree>
     <p:extLst>
       <p:ext uri="{BB962C8B-B14F-4D97-AF65-F5344CB8AC3E}">
-        <p14:creationId xmlns:p14="http://schemas.microsoft.com/office/powerpoint/2010/main" val="1547431350"/>
+        <p14:creationId xmlns:p14="http://schemas.microsoft.com/office/powerpoint/2010/main" val="2954277775"/>
       </p:ext>
     </p:extLst>
   </p:cSld>
@@ -4561,8 +5562,12 @@
           <a:lstStyle/>
           <a:p>
             <a:r>
-              <a:rPr lang="fr-FR" dirty="0" smtClean="0"/>
-              <a:t>Pour le fun : Les Guillemets</a:t>
+              <a:rPr lang="en-US" dirty="0" smtClean="0"/>
+              <a:t>i18n </a:t>
+            </a:r>
+            <a:r>
+              <a:rPr lang="en-US" dirty="0" smtClean="0"/>
+              <a:t>?</a:t>
             </a:r>
             <a:endParaRPr lang="fr-FR" dirty="0"/>
           </a:p>
@@ -4570,7 +5575,7 @@
       </p:sp>
       <p:sp>
         <p:nvSpPr>
-          <p:cNvPr id="3" name="Espace réservé du contenu 2"/>
+          <p:cNvPr id="5" name="Espace réservé du contenu 4"/>
           <p:cNvSpPr>
             <a:spLocks noGrp="1"/>
           </p:cNvSpPr>
@@ -4578,39 +5583,39 @@
             <p:ph idx="1"/>
           </p:nvPr>
         </p:nvSpPr>
-        <p:spPr>
-          <a:xfrm>
-            <a:off x="1752600" y="1371600"/>
-            <a:ext cx="7162800" cy="4525963"/>
-          </a:xfrm>
-        </p:spPr>
-        <p:txBody>
-          <a:bodyPr>
-            <a:normAutofit/>
-          </a:bodyPr>
-          <a:lstStyle/>
-          <a:p>
-            <a:r>
-              <a:rPr lang="en-US" dirty="0" smtClean="0"/>
-              <a:t>“Citation” en </a:t>
-            </a:r>
-            <a:r>
-              <a:rPr lang="en-US" dirty="0" err="1" smtClean="0"/>
-              <a:t>Anglais</a:t>
-            </a:r>
-            <a:r>
-              <a:rPr lang="en-US" dirty="0" smtClean="0"/>
-              <a:t>. </a:t>
-            </a:r>
-          </a:p>
-          <a:p>
-            <a:r>
-              <a:rPr lang="en-US" dirty="0" smtClean="0"/>
-              <a:t>« Citation » en </a:t>
-            </a:r>
-            <a:r>
-              <a:rPr lang="en-US" dirty="0" err="1" smtClean="0"/>
-              <a:t>Français</a:t>
+        <p:spPr/>
+        <p:txBody>
+          <a:bodyPr/>
+          <a:lstStyle/>
+          <a:p>
+            <a:r>
+              <a:rPr lang="fr-FR" dirty="0" smtClean="0"/>
+              <a:t>Tout simplement : i</a:t>
+            </a:r>
+            <a:r>
+              <a:rPr lang="fr-FR" dirty="0" smtClean="0">
+                <a:solidFill>
+                  <a:srgbClr val="FF0000"/>
+                </a:solidFill>
+              </a:rPr>
+              <a:t>nternationalisatio</a:t>
+            </a:r>
+            <a:r>
+              <a:rPr lang="fr-FR" dirty="0" smtClean="0"/>
+              <a:t>n</a:t>
+            </a:r>
+          </a:p>
+          <a:p>
+            <a:endParaRPr lang="fr-FR" dirty="0" smtClean="0"/>
+          </a:p>
+          <a:p>
+            <a:r>
+              <a:rPr lang="fr-FR" dirty="0" smtClean="0"/>
+              <a:t>Origine probable : Un employé de DEC appelé </a:t>
+            </a:r>
+            <a:r>
+              <a:rPr lang="en-US" dirty="0" err="1"/>
+              <a:t>Scherpenhuizen</a:t>
             </a:r>
             <a:r>
               <a:rPr lang="en-US" dirty="0"/>
@@ -4618,84 +5623,64 @@
             </a:r>
             <a:r>
               <a:rPr lang="en-US" dirty="0" smtClean="0"/>
-              <a:t>(avec </a:t>
+              <a:t>a </a:t>
             </a:r>
             <a:r>
               <a:rPr lang="en-US" dirty="0" err="1" smtClean="0"/>
-              <a:t>espace</a:t>
+              <a:t>eu</a:t>
             </a:r>
             <a:r>
               <a:rPr lang="en-US" dirty="0" smtClean="0"/>
-              <a:t>)</a:t>
-            </a:r>
-          </a:p>
-          <a:p>
+              <a:t> </a:t>
+            </a:r>
+            <a:r>
+              <a:rPr lang="en-US" dirty="0" err="1" smtClean="0"/>
+              <a:t>comme</a:t>
+            </a:r>
             <a:r>
               <a:rPr lang="en-US" dirty="0" smtClean="0"/>
-              <a:t>”</a:t>
-            </a:r>
+              <a:t> </a:t>
+            </a:r>
+            <a:r>
+              <a:rPr lang="en-US" dirty="0" err="1" smtClean="0"/>
+              <a:t>compte</a:t>
+            </a:r>
+            <a:r>
+              <a:rPr lang="en-US" dirty="0" smtClean="0"/>
+              <a:t> e-mail S12n et le virus de la contraction </a:t>
+            </a:r>
+            <a:r>
+              <a:rPr lang="en-US" dirty="0" err="1" smtClean="0"/>
+              <a:t>est</a:t>
+            </a:r>
+            <a:r>
+              <a:rPr lang="en-US" dirty="0" smtClean="0"/>
+              <a:t> né.</a:t>
+            </a:r>
+          </a:p>
+          <a:p>
+            <a:endParaRPr lang="en-US" dirty="0"/>
+          </a:p>
+          <a:p>
             <a:r>
               <a:rPr lang="en-US" dirty="0"/>
-              <a:t>Quotes” in Finnish. </a:t>
-            </a:r>
-            <a:endParaRPr lang="en-US" dirty="0" smtClean="0"/>
-          </a:p>
-          <a:p>
+              <a:t>L</a:t>
+            </a:r>
+            <a:r>
+              <a:rPr lang="en-US" dirty="0">
+                <a:solidFill>
+                  <a:srgbClr val="FF0000"/>
+                </a:solidFill>
+              </a:rPr>
+              <a:t>ocalizatio</a:t>
+            </a:r>
+            <a:r>
+              <a:rPr lang="en-US" dirty="0"/>
+              <a:t>n (l10n</a:t>
+            </a:r>
             <a:r>
               <a:rPr lang="en-US" dirty="0" smtClean="0"/>
-              <a:t>„</a:t>
-            </a:r>
-            <a:r>
-              <a:rPr lang="en-US" dirty="0"/>
-              <a:t>Quotes” in Polish. </a:t>
-            </a:r>
-            <a:endParaRPr lang="en-US" dirty="0" smtClean="0"/>
-          </a:p>
-          <a:p>
-            <a:r>
-              <a:rPr lang="en-US" dirty="0" smtClean="0"/>
-              <a:t>「</a:t>
-            </a:r>
-            <a:r>
-              <a:rPr lang="en-US" dirty="0"/>
-              <a:t>Quotes」 in Japanese. </a:t>
-            </a:r>
-            <a:endParaRPr lang="en-US" dirty="0" smtClean="0"/>
-          </a:p>
-          <a:p>
-            <a:r>
-              <a:rPr lang="en-US" dirty="0" smtClean="0"/>
-              <a:t>„</a:t>
-            </a:r>
-            <a:r>
-              <a:rPr lang="en-US" dirty="0"/>
-              <a:t>Quotes“ in </a:t>
-            </a:r>
-            <a:r>
-              <a:rPr lang="en-US" dirty="0" err="1" smtClean="0"/>
-              <a:t>Allemand</a:t>
-            </a:r>
-            <a:r>
-              <a:rPr lang="en-US" dirty="0" smtClean="0"/>
-              <a:t>. </a:t>
-            </a:r>
-          </a:p>
-          <a:p>
-            <a:r>
-              <a:rPr lang="en-US" dirty="0" smtClean="0"/>
-              <a:t>„</a:t>
-            </a:r>
-            <a:r>
-              <a:rPr lang="en-US" dirty="0"/>
-              <a:t>Quotes‟ in </a:t>
-            </a:r>
-            <a:r>
-              <a:rPr lang="en-US" dirty="0" err="1" smtClean="0"/>
-              <a:t>Hollandais</a:t>
-            </a:r>
-            <a:r>
-              <a:rPr lang="en-US" dirty="0" smtClean="0"/>
-              <a:t>.</a:t>
+              <a:t>) idem.</a:t>
             </a:r>
             <a:endParaRPr lang="fr-FR" dirty="0"/>
           </a:p>
@@ -4704,13 +5689,20 @@
     </p:spTree>
     <p:extLst>
       <p:ext uri="{BB962C8B-B14F-4D97-AF65-F5344CB8AC3E}">
-        <p14:creationId xmlns:p14="http://schemas.microsoft.com/office/powerpoint/2010/main" val="1821711714"/>
+        <p14:creationId xmlns:p14="http://schemas.microsoft.com/office/powerpoint/2010/main" val="4205921118"/>
       </p:ext>
     </p:extLst>
   </p:cSld>
   <p:clrMapOvr>
     <a:masterClrMapping/>
   </p:clrMapOvr>
+  <p:timing>
+    <p:tnLst>
+      <p:par>
+        <p:cTn xmlns:p14="http://schemas.microsoft.com/office/powerpoint/2010/main" id="1" dur="indefinite" restart="never" nodeType="tmRoot"/>
+      </p:par>
+    </p:tnLst>
+  </p:timing>
 </p:sld>
 </file>
 
@@ -4752,7 +5744,7 @@
             </a:r>
             <a:r>
               <a:rPr lang="fr-FR" dirty="0" smtClean="0"/>
-              <a:t>18n en Java</a:t>
+              <a:t>18n, l10n</a:t>
             </a:r>
             <a:endParaRPr lang="fr-FR" dirty="0"/>
           </a:p>
@@ -4774,148 +5766,59 @@
           <a:lstStyle/>
           <a:p>
             <a:r>
-              <a:rPr lang="fr-FR" dirty="0" err="1" smtClean="0"/>
-              <a:t>RessourceBundle</a:t>
-            </a:r>
+              <a:rPr lang="fr-FR" dirty="0" smtClean="0"/>
+              <a:t>Internationalisation (i18n) </a:t>
+            </a:r>
+          </a:p>
+          <a:p>
+            <a:pPr lvl="1"/>
+            <a:r>
+              <a:rPr lang="fr-FR" dirty="0" smtClean="0"/>
+              <a:t>Adapter son logiciel à de l’externalisation de textes</a:t>
+            </a:r>
+          </a:p>
+          <a:p>
+            <a:pPr lvl="1"/>
+            <a:r>
+              <a:rPr lang="fr-FR" dirty="0" smtClean="0"/>
+              <a:t>Passe généralement par un moteur</a:t>
+            </a:r>
+          </a:p>
+          <a:p>
+            <a:endParaRPr lang="fr-FR" dirty="0" smtClean="0"/>
+          </a:p>
+          <a:p>
+            <a:r>
+              <a:rPr lang="fr-FR" dirty="0" smtClean="0"/>
+              <a:t>Localisation (l10n)</a:t>
+            </a:r>
+          </a:p>
+          <a:p>
+            <a:pPr lvl="1"/>
+            <a:r>
+              <a:rPr lang="fr-FR" dirty="0" smtClean="0"/>
+              <a:t>Ajout de certaines langues dans le logiciel</a:t>
+            </a:r>
+          </a:p>
+          <a:p>
+            <a:pPr lvl="1"/>
+            <a:r>
+              <a:rPr lang="fr-FR" dirty="0" smtClean="0"/>
+              <a:t>Activité de traduction</a:t>
+            </a:r>
+          </a:p>
+          <a:p>
+            <a:pPr marL="457200" lvl="1" indent="0">
+              <a:buNone/>
+            </a:pPr>
             <a:endParaRPr lang="fr-FR" dirty="0"/>
-          </a:p>
-          <a:p>
-            <a:pPr lvl="1"/>
-            <a:r>
-              <a:rPr lang="de-DE" sz="1800" dirty="0" err="1" smtClean="0"/>
-              <a:t>ResourceBundle</a:t>
-            </a:r>
-            <a:r>
-              <a:rPr lang="de-DE" sz="1800" dirty="0" smtClean="0"/>
-              <a:t> </a:t>
-            </a:r>
-            <a:r>
-              <a:rPr lang="de-DE" sz="1800" dirty="0" err="1"/>
-              <a:t>bundle</a:t>
-            </a:r>
-            <a:r>
-              <a:rPr lang="de-DE" sz="1800" dirty="0"/>
-              <a:t> = </a:t>
-            </a:r>
-            <a:r>
-              <a:rPr lang="de-DE" sz="1800" dirty="0" err="1"/>
-              <a:t>ResourceBundle.getBundle</a:t>
-            </a:r>
-            <a:r>
-              <a:rPr lang="de-DE" sz="1800" dirty="0" smtClean="0"/>
-              <a:t>(</a:t>
-            </a:r>
-            <a:r>
-              <a:rPr lang="de-DE" sz="1800" dirty="0"/>
-              <a:t>"</a:t>
-            </a:r>
-            <a:r>
-              <a:rPr lang="de-DE" sz="1800" dirty="0" err="1" smtClean="0"/>
-              <a:t>example</a:t>
-            </a:r>
-            <a:r>
-              <a:rPr lang="de-DE" sz="1800" dirty="0" smtClean="0"/>
-              <a:t>“, </a:t>
-            </a:r>
-            <a:r>
-              <a:rPr lang="de-DE" sz="1800" dirty="0" err="1" smtClean="0"/>
-              <a:t>Locale.FRENCH</a:t>
-            </a:r>
-            <a:r>
-              <a:rPr lang="de-DE" sz="1800" dirty="0" smtClean="0"/>
-              <a:t>);</a:t>
-            </a:r>
-          </a:p>
-          <a:p>
-            <a:pPr lvl="1"/>
-            <a:r>
-              <a:rPr lang="fr-FR" sz="1800" dirty="0"/>
-              <a:t>e</a:t>
-            </a:r>
-            <a:r>
-              <a:rPr lang="de-DE" sz="1800" dirty="0" err="1" smtClean="0"/>
-              <a:t>xample.properties</a:t>
-            </a:r>
-            <a:r>
-              <a:rPr lang="de-DE" sz="1800" dirty="0" smtClean="0"/>
-              <a:t>, </a:t>
-            </a:r>
-            <a:r>
-              <a:rPr lang="de-DE" sz="1800" dirty="0" err="1" smtClean="0"/>
-              <a:t>example_en.properties</a:t>
-            </a:r>
-            <a:r>
-              <a:rPr lang="de-DE" sz="1800" dirty="0" smtClean="0"/>
-              <a:t>, </a:t>
-            </a:r>
-            <a:r>
-              <a:rPr lang="de-DE" sz="1800" dirty="0" err="1" smtClean="0"/>
-              <a:t>example_en_US.properties</a:t>
-            </a:r>
-            <a:endParaRPr lang="de-DE" sz="1800" dirty="0"/>
-          </a:p>
-          <a:p>
-            <a:pPr lvl="1"/>
-            <a:r>
-              <a:rPr lang="en-US" sz="1800" dirty="0" smtClean="0"/>
-              <a:t>Locale </a:t>
-            </a:r>
-            <a:r>
-              <a:rPr lang="en-US" sz="1800" dirty="0"/>
-              <a:t>locale = </a:t>
-            </a:r>
-            <a:r>
-              <a:rPr lang="en-US" sz="1800" dirty="0" err="1"/>
-              <a:t>request.getLocale</a:t>
-            </a:r>
-            <a:r>
-              <a:rPr lang="en-US" sz="1800" dirty="0"/>
-              <a:t>()</a:t>
-            </a:r>
-            <a:r>
-              <a:rPr lang="en-US" sz="1800" dirty="0" smtClean="0"/>
-              <a:t>; ( Servlets )</a:t>
-            </a:r>
-          </a:p>
-          <a:p>
-            <a:pPr lvl="1"/>
-            <a:endParaRPr lang="fr-FR" sz="1800" dirty="0" smtClean="0"/>
-          </a:p>
-          <a:p>
-            <a:r>
-              <a:rPr lang="fr-FR" dirty="0" err="1" smtClean="0"/>
-              <a:t>MessageFormat</a:t>
-            </a:r>
-            <a:r>
-              <a:rPr lang="fr-FR" dirty="0" smtClean="0"/>
-              <a:t>, </a:t>
-            </a:r>
-            <a:r>
-              <a:rPr lang="fr-FR" dirty="0" err="1" smtClean="0"/>
-              <a:t>DateFormat</a:t>
-            </a:r>
-            <a:r>
-              <a:rPr lang="fr-FR" dirty="0" smtClean="0"/>
-              <a:t>, </a:t>
-            </a:r>
-            <a:r>
-              <a:rPr lang="fr-FR" dirty="0" err="1" smtClean="0"/>
-              <a:t>NumberFormat</a:t>
-            </a:r>
-            <a:endParaRPr lang="fr-FR" dirty="0" smtClean="0"/>
-          </a:p>
-          <a:p>
-            <a:pPr marL="0" indent="0">
-              <a:buNone/>
-            </a:pPr>
-            <a:endParaRPr lang="fr-FR" dirty="0" smtClean="0"/>
           </a:p>
         </p:txBody>
       </p:sp>
     </p:spTree>
     <p:extLst>
       <p:ext uri="{BB962C8B-B14F-4D97-AF65-F5344CB8AC3E}">
-        <p14:creationId xmlns:p14="http://schemas.microsoft.com/office/powerpoint/2010/main" val="2275462673"/>
+        <p14:creationId xmlns:p14="http://schemas.microsoft.com/office/powerpoint/2010/main" val="3120915150"/>
       </p:ext>
     </p:extLst>
   </p:cSld>
@@ -4958,8 +5861,8 @@
           <a:lstStyle/>
           <a:p>
             <a:r>
-              <a:rPr lang="fr-FR" dirty="0" err="1" smtClean="0"/>
-              <a:t>MessageFormat</a:t>
+              <a:rPr lang="fr-FR" dirty="0" smtClean="0"/>
+              <a:t>Le champ de traduction</a:t>
             </a:r>
             <a:endParaRPr lang="fr-FR" dirty="0"/>
           </a:p>
@@ -4975,128 +5878,81 @@
             <p:ph idx="1"/>
           </p:nvPr>
         </p:nvSpPr>
-        <p:spPr/>
-        <p:txBody>
-          <a:bodyPr/>
-          <a:lstStyle/>
-          <a:p>
-            <a:endParaRPr lang="fi-FI" dirty="0" smtClean="0"/>
-          </a:p>
-          <a:p>
-            <a:r>
-              <a:rPr lang="fi-FI" dirty="0" err="1" smtClean="0"/>
-              <a:t>Exemple</a:t>
-            </a:r>
-            <a:r>
-              <a:rPr lang="fi-FI" dirty="0" smtClean="0"/>
-              <a:t> : </a:t>
-            </a:r>
-            <a:r>
-              <a:rPr lang="en-US" dirty="0"/>
-              <a:t>{1,number,</a:t>
-            </a:r>
-            <a:r>
-              <a:rPr lang="en-US" dirty="0" smtClean="0"/>
-              <a:t>$#,</a:t>
-            </a:r>
-            <a:r>
-              <a:rPr lang="en-US" dirty="0"/>
-              <a:t>##</a:t>
-            </a:r>
-            <a:r>
-              <a:rPr lang="en-US" dirty="0" smtClean="0"/>
-              <a:t>}</a:t>
-            </a:r>
-          </a:p>
-          <a:p>
-            <a:r>
-              <a:rPr lang="en-US" dirty="0" smtClean="0"/>
-              <a:t>Les quotes </a:t>
-            </a:r>
-            <a:r>
-              <a:rPr lang="en-US" dirty="0" err="1" smtClean="0"/>
-              <a:t>sont</a:t>
-            </a:r>
-            <a:r>
-              <a:rPr lang="en-US" dirty="0" smtClean="0"/>
-              <a:t> des </a:t>
-            </a:r>
-            <a:r>
-              <a:rPr lang="en-US" dirty="0" err="1" smtClean="0"/>
-              <a:t>caractères</a:t>
-            </a:r>
-            <a:r>
-              <a:rPr lang="en-US" dirty="0" smtClean="0"/>
-              <a:t> </a:t>
-            </a:r>
-            <a:r>
-              <a:rPr lang="en-US" dirty="0" err="1" smtClean="0"/>
-              <a:t>d’échapement</a:t>
-            </a:r>
-            <a:endParaRPr lang="en-US" dirty="0" smtClean="0"/>
-          </a:p>
-          <a:p>
-            <a:r>
-              <a:rPr lang="en-US" dirty="0" err="1" smtClean="0"/>
-              <a:t>Formattage</a:t>
-            </a:r>
-            <a:r>
-              <a:rPr lang="en-US" dirty="0" smtClean="0"/>
-              <a:t> </a:t>
-            </a:r>
-            <a:r>
-              <a:rPr lang="en-US" dirty="0" err="1" smtClean="0"/>
-              <a:t>conditionne</a:t>
-            </a:r>
-            <a:endParaRPr lang="en-US" dirty="0" smtClean="0"/>
+        <p:spPr>
+          <a:xfrm>
+            <a:off x="457200" y="1295400"/>
+            <a:ext cx="8229600" cy="4525963"/>
+          </a:xfrm>
+        </p:spPr>
+        <p:txBody>
+          <a:bodyPr>
+            <a:normAutofit/>
+          </a:bodyPr>
+          <a:lstStyle/>
+          <a:p>
+            <a:r>
+              <a:rPr lang="fr-FR" dirty="0" smtClean="0"/>
+              <a:t>Textes </a:t>
+            </a:r>
           </a:p>
           <a:p>
             <a:pPr lvl="1"/>
             <a:r>
-              <a:rPr lang="en-US" dirty="0" smtClean="0"/>
-              <a:t>NIH Syndrome (SVP le </a:t>
-            </a:r>
-            <a:r>
-              <a:rPr lang="en-US" dirty="0" err="1" smtClean="0"/>
-              <a:t>faites</a:t>
-            </a:r>
-            <a:r>
-              <a:rPr lang="en-US" dirty="0" smtClean="0"/>
-              <a:t> pas </a:t>
-            </a:r>
-            <a:r>
-              <a:rPr lang="en-US" dirty="0" err="1" smtClean="0"/>
-              <a:t>à</a:t>
-            </a:r>
-            <a:r>
-              <a:rPr lang="en-US" dirty="0" smtClean="0"/>
-              <a:t> la main)</a:t>
+              <a:rPr lang="fr-FR" dirty="0"/>
+              <a:t>Sens de </a:t>
+            </a:r>
+            <a:r>
+              <a:rPr lang="fr-FR" dirty="0" smtClean="0"/>
+              <a:t>lecture (RTL</a:t>
+            </a:r>
+            <a:r>
+              <a:rPr lang="fr-FR" dirty="0"/>
+              <a:t>, </a:t>
+            </a:r>
+            <a:r>
+              <a:rPr lang="fr-FR" dirty="0" smtClean="0"/>
+              <a:t>LTR)</a:t>
             </a:r>
           </a:p>
           <a:p>
             <a:pPr lvl="1"/>
             <a:r>
-              <a:rPr lang="en-US" dirty="0" smtClean="0"/>
-              <a:t>{0,</a:t>
-            </a:r>
-            <a:r>
-              <a:rPr lang="en-US" dirty="0"/>
-              <a:t>choice,0# no files|1# one file|1&lt; </a:t>
-            </a:r>
-            <a:r>
-              <a:rPr lang="en-US" dirty="0" smtClean="0"/>
-              <a:t>{0,</a:t>
-            </a:r>
-            <a:r>
-              <a:rPr lang="en-US" dirty="0"/>
-              <a:t>number,integer} files}</a:t>
-            </a:r>
-          </a:p>
-          <a:p>
-            <a:endParaRPr lang="en-US" dirty="0"/>
-          </a:p>
-          <a:p>
-            <a:endParaRPr lang="en-US" dirty="0" smtClean="0"/>
+              <a:rPr lang="fr-FR" dirty="0" smtClean="0"/>
+              <a:t>Ponctuation (espaces, guillemets)</a:t>
+            </a:r>
+          </a:p>
+          <a:p>
+            <a:r>
+              <a:rPr lang="fr-FR" dirty="0" smtClean="0"/>
+              <a:t>Formats d’affichage</a:t>
+            </a:r>
+          </a:p>
+          <a:p>
+            <a:pPr lvl="1"/>
+            <a:r>
+              <a:rPr lang="fr-FR" dirty="0" smtClean="0"/>
+              <a:t>Dates</a:t>
+            </a:r>
+          </a:p>
+          <a:p>
+            <a:pPr lvl="1"/>
+            <a:r>
+              <a:rPr lang="fr-FR" dirty="0" smtClean="0"/>
+              <a:t>Nombres</a:t>
+            </a:r>
+          </a:p>
+          <a:p>
+            <a:r>
+              <a:rPr lang="fr-FR" dirty="0" smtClean="0"/>
+              <a:t>Monnaies</a:t>
+            </a:r>
+          </a:p>
+          <a:p>
+            <a:pPr lvl="1"/>
+            <a:endParaRPr lang="fr-FR" dirty="0" smtClean="0"/>
+          </a:p>
+          <a:p>
+            <a:endParaRPr lang="fr-FR" dirty="0" smtClean="0"/>
           </a:p>
           <a:p>
             <a:endParaRPr lang="fr-FR" dirty="0"/>
@@ -5106,13 +5962,20 @@
     </p:spTree>
     <p:extLst>
       <p:ext uri="{BB962C8B-B14F-4D97-AF65-F5344CB8AC3E}">
-        <p14:creationId xmlns:p14="http://schemas.microsoft.com/office/powerpoint/2010/main" val="3759311154"/>
+        <p14:creationId xmlns:p14="http://schemas.microsoft.com/office/powerpoint/2010/main" val="1547431350"/>
       </p:ext>
     </p:extLst>
   </p:cSld>
   <p:clrMapOvr>
     <a:masterClrMapping/>
   </p:clrMapOvr>
+  <p:timing>
+    <p:tnLst>
+      <p:par>
+        <p:cTn xmlns:p14="http://schemas.microsoft.com/office/powerpoint/2010/main" id="1" dur="indefinite" restart="never" nodeType="tmRoot"/>
+      </p:par>
+    </p:tnLst>
+  </p:timing>
 </p:sld>
 </file>
 
@@ -5150,7 +6013,7 @@
           <a:p>
             <a:r>
               <a:rPr lang="fr-FR" dirty="0" smtClean="0"/>
-              <a:t>Unicode : Le minimum vital</a:t>
+              <a:t>Pour le fun : Les Guillemets</a:t>
             </a:r>
             <a:endParaRPr lang="fr-FR" dirty="0"/>
           </a:p>
@@ -5166,52 +6029,125 @@
             <p:ph idx="1"/>
           </p:nvPr>
         </p:nvSpPr>
-        <p:spPr/>
-        <p:txBody>
-          <a:bodyPr/>
-          <a:lstStyle/>
-          <a:p>
-            <a:pPr marL="0" indent="0" algn="ctr">
-              <a:buNone/>
-            </a:pPr>
+        <p:spPr>
+          <a:xfrm>
+            <a:off x="1752600" y="1371600"/>
+            <a:ext cx="7162800" cy="4525963"/>
+          </a:xfrm>
+        </p:spPr>
+        <p:txBody>
+          <a:bodyPr>
+            <a:normAutofit/>
+          </a:bodyPr>
+          <a:lstStyle/>
+          <a:p>
+            <a:r>
+              <a:rPr lang="en-US" dirty="0" smtClean="0"/>
+              <a:t>“Citation” en </a:t>
+            </a:r>
+            <a:r>
+              <a:rPr lang="en-US" dirty="0" err="1" smtClean="0"/>
+              <a:t>Anglais</a:t>
+            </a:r>
+            <a:r>
+              <a:rPr lang="en-US" dirty="0" smtClean="0"/>
+              <a:t>. </a:t>
+            </a:r>
+          </a:p>
+          <a:p>
+            <a:r>
+              <a:rPr lang="en-US" dirty="0" smtClean="0"/>
+              <a:t>« Citation » en </a:t>
+            </a:r>
+            <a:r>
+              <a:rPr lang="en-US" dirty="0" err="1" smtClean="0"/>
+              <a:t>Français</a:t>
+            </a:r>
             <a:r>
               <a:rPr lang="en-US" dirty="0"/>
-              <a:t>The Absolute Minimum Every Software Developer Absolutely, Positively Must Know About Unicode and Character Sets (No Excuses!) - Joel on </a:t>
+              <a:t> </a:t>
             </a:r>
             <a:r>
               <a:rPr lang="en-US" dirty="0" smtClean="0"/>
-              <a:t>Software 2000</a:t>
-            </a:r>
-          </a:p>
-          <a:p>
-            <a:endParaRPr lang="en-US" dirty="0"/>
-          </a:p>
-          <a:p>
-            <a:pPr marL="0" indent="0" algn="ctr">
-              <a:buNone/>
-            </a:pPr>
+              <a:t>(avec </a:t>
+            </a:r>
+            <a:r>
+              <a:rPr lang="en-US" dirty="0" err="1" smtClean="0"/>
+              <a:t>espace</a:t>
+            </a:r>
+            <a:r>
+              <a:rPr lang="en-US" dirty="0" smtClean="0"/>
+              <a:t>)</a:t>
+            </a:r>
+          </a:p>
+          <a:p>
+            <a:r>
+              <a:rPr lang="en-US" dirty="0" smtClean="0"/>
+              <a:t>”</a:t>
+            </a:r>
             <a:r>
               <a:rPr lang="en-US" dirty="0"/>
-              <a:t>http://</a:t>
-            </a:r>
-            <a:r>
-              <a:rPr lang="en-US" dirty="0" err="1"/>
-              <a:t>www.joelonsoftware.com</a:t>
+              <a:t>Quotes” in Finnish. </a:t>
+            </a:r>
+            <a:endParaRPr lang="en-US" dirty="0" smtClean="0"/>
+          </a:p>
+          <a:p>
+            <a:r>
+              <a:rPr lang="en-US" dirty="0" smtClean="0"/>
+              <a:t>„</a:t>
             </a:r>
             <a:r>
               <a:rPr lang="en-US" dirty="0"/>
-              <a:t>/articles/</a:t>
-            </a:r>
-            <a:r>
-              <a:rPr lang="en-US" dirty="0" err="1"/>
-              <a:t>Unicode.html</a:t>
-            </a:r>
-            <a:endParaRPr lang="en-US" dirty="0"/>
-          </a:p>
-          <a:p>
+              <a:t>Quotes” in Polish. </a:t>
+            </a:r>
             <a:endParaRPr lang="en-US" dirty="0" smtClean="0"/>
           </a:p>
           <a:p>
+            <a:r>
+              <a:rPr lang="en-US" dirty="0" smtClean="0"/>
+              <a:t>「</a:t>
+            </a:r>
+            <a:r>
+              <a:rPr lang="en-US" dirty="0"/>
+              <a:t>Quotes」 in Japanese. </a:t>
+            </a:r>
+            <a:endParaRPr lang="en-US" dirty="0" smtClean="0"/>
+          </a:p>
+          <a:p>
+            <a:r>
+              <a:rPr lang="en-US" dirty="0" smtClean="0"/>
+              <a:t>„</a:t>
+            </a:r>
+            <a:r>
+              <a:rPr lang="en-US" dirty="0"/>
+              <a:t>Quotes“ in </a:t>
+            </a:r>
+            <a:r>
+              <a:rPr lang="en-US" dirty="0" err="1" smtClean="0"/>
+              <a:t>Allemand</a:t>
+            </a:r>
+            <a:r>
+              <a:rPr lang="en-US" dirty="0" smtClean="0"/>
+              <a:t>. </a:t>
+            </a:r>
+          </a:p>
+          <a:p>
+            <a:r>
+              <a:rPr lang="en-US" dirty="0" smtClean="0"/>
+              <a:t>„</a:t>
+            </a:r>
+            <a:r>
+              <a:rPr lang="en-US" dirty="0"/>
+              <a:t>Quotes‟ in </a:t>
+            </a:r>
+            <a:r>
+              <a:rPr lang="en-US" dirty="0" err="1" smtClean="0"/>
+              <a:t>Hollandais</a:t>
+            </a:r>
+            <a:r>
+              <a:rPr lang="en-US" dirty="0" smtClean="0"/>
+              <a:t>.</a:t>
+            </a:r>
             <a:endParaRPr lang="fr-FR" dirty="0"/>
           </a:p>
         </p:txBody>
@@ -5219,13 +6155,20 @@
     </p:spTree>
     <p:extLst>
       <p:ext uri="{BB962C8B-B14F-4D97-AF65-F5344CB8AC3E}">
-        <p14:creationId xmlns:p14="http://schemas.microsoft.com/office/powerpoint/2010/main" val="1225078731"/>
+        <p14:creationId xmlns:p14="http://schemas.microsoft.com/office/powerpoint/2010/main" val="1821711714"/>
       </p:ext>
     </p:extLst>
   </p:cSld>
   <p:clrMapOvr>
     <a:masterClrMapping/>
   </p:clrMapOvr>
+  <p:timing>
+    <p:tnLst>
+      <p:par>
+        <p:cTn xmlns:p14="http://schemas.microsoft.com/office/powerpoint/2010/main" id="1" dur="indefinite" restart="never" nodeType="tmRoot"/>
+      </p:par>
+    </p:tnLst>
+  </p:timing>
 </p:sld>
 </file>
 
@@ -5263,11 +6206,11 @@
           <a:p>
             <a:r>
               <a:rPr lang="fr-FR" dirty="0" smtClean="0"/>
-              <a:t>R</a:t>
-            </a:r>
-            <a:r>
-              <a:rPr lang="fr-FR" dirty="0" smtClean="0"/>
-              <a:t>ègles pour les espaces</a:t>
+              <a:t>I</a:t>
+            </a:r>
+            <a:r>
+              <a:rPr lang="fr-FR" dirty="0" smtClean="0"/>
+              <a:t>18n en Java</a:t>
             </a:r>
             <a:endParaRPr lang="fr-FR" dirty="0"/>
           </a:p>
@@ -5290,45 +6233,160 @@
           <a:p>
             <a:r>
               <a:rPr lang="fr-FR" dirty="0" err="1" smtClean="0"/>
-              <a:t>Quadratin</a:t>
-            </a:r>
-            <a:r>
-              <a:rPr lang="fr-FR" dirty="0" smtClean="0"/>
-              <a:t>, Demi-</a:t>
-            </a:r>
+              <a:t>RessourceBundle</a:t>
+            </a:r>
+            <a:endParaRPr lang="fr-FR" dirty="0"/>
+          </a:p>
+          <a:p>
+            <a:pPr lvl="1"/>
+            <a:r>
+              <a:rPr lang="de-DE" sz="1800" dirty="0" err="1" smtClean="0"/>
+              <a:t>ResourceBundle</a:t>
+            </a:r>
+            <a:r>
+              <a:rPr lang="de-DE" sz="1800" dirty="0" smtClean="0"/>
+              <a:t> </a:t>
+            </a:r>
+            <a:r>
+              <a:rPr lang="de-DE" sz="1800" dirty="0" err="1"/>
+              <a:t>bundle</a:t>
+            </a:r>
+            <a:r>
+              <a:rPr lang="de-DE" sz="1800" dirty="0"/>
+              <a:t> = </a:t>
+            </a:r>
+            <a:r>
+              <a:rPr lang="de-DE" sz="1800" dirty="0" err="1"/>
+              <a:t>ResourceBundle.getBundle</a:t>
+            </a:r>
+            <a:r>
+              <a:rPr lang="de-DE" sz="1800" dirty="0" smtClean="0"/>
+              <a:t>(</a:t>
+            </a:r>
+            <a:r>
+              <a:rPr lang="de-DE" sz="1800" dirty="0"/>
+              <a:t>"</a:t>
+            </a:r>
+            <a:r>
+              <a:rPr lang="de-DE" sz="1800" dirty="0" err="1" smtClean="0"/>
+              <a:t>example</a:t>
+            </a:r>
+            <a:r>
+              <a:rPr lang="de-DE" sz="1800" dirty="0" smtClean="0"/>
+              <a:t>“, </a:t>
+            </a:r>
+            <a:r>
+              <a:rPr lang="de-DE" sz="1800" dirty="0" err="1" smtClean="0"/>
+              <a:t>Locale.FRENCH</a:t>
+            </a:r>
+            <a:r>
+              <a:rPr lang="de-DE" sz="1800" dirty="0" smtClean="0"/>
+              <a:t>);</a:t>
+            </a:r>
+          </a:p>
+          <a:p>
+            <a:pPr lvl="1"/>
+            <a:r>
+              <a:rPr lang="fr-FR" sz="1800" dirty="0"/>
+              <a:t>e</a:t>
+            </a:r>
+            <a:r>
+              <a:rPr lang="de-DE" sz="1800" dirty="0" err="1" smtClean="0"/>
+              <a:t>xample.properties</a:t>
+            </a:r>
+            <a:r>
+              <a:rPr lang="de-DE" sz="1800" dirty="0" smtClean="0"/>
+              <a:t>, </a:t>
+            </a:r>
+            <a:r>
+              <a:rPr lang="de-DE" sz="1800" dirty="0" err="1" smtClean="0"/>
+              <a:t>example_en.properties</a:t>
+            </a:r>
+            <a:r>
+              <a:rPr lang="de-DE" sz="1800" dirty="0" smtClean="0"/>
+              <a:t>, </a:t>
+            </a:r>
+            <a:r>
+              <a:rPr lang="de-DE" sz="1800" dirty="0" err="1" smtClean="0"/>
+              <a:t>example_en_US.properties</a:t>
+            </a:r>
+            <a:endParaRPr lang="de-DE" sz="1800" dirty="0"/>
+          </a:p>
+          <a:p>
+            <a:pPr lvl="1"/>
+            <a:r>
+              <a:rPr lang="en-US" sz="1800" dirty="0" smtClean="0"/>
+              <a:t>Locale </a:t>
+            </a:r>
+            <a:r>
+              <a:rPr lang="en-US" sz="1800" dirty="0"/>
+              <a:t>locale = </a:t>
+            </a:r>
+            <a:r>
+              <a:rPr lang="en-US" sz="1800" dirty="0" err="1"/>
+              <a:t>request.getLocale</a:t>
+            </a:r>
+            <a:r>
+              <a:rPr lang="en-US" sz="1800" dirty="0"/>
+              <a:t>()</a:t>
+            </a:r>
+            <a:r>
+              <a:rPr lang="en-US" sz="1800" dirty="0" smtClean="0"/>
+              <a:t>; ( Servlets )</a:t>
+            </a:r>
+          </a:p>
+          <a:p>
+            <a:pPr lvl="1"/>
+            <a:endParaRPr lang="fr-FR" sz="1800" dirty="0" smtClean="0"/>
+          </a:p>
+          <a:p>
             <a:r>
               <a:rPr lang="fr-FR" dirty="0" err="1" smtClean="0"/>
-              <a:t>Quadratin</a:t>
+              <a:t>MessageFormat</a:t>
+            </a:r>
+            <a:r>
+              <a:rPr lang="fr-FR" dirty="0" smtClean="0"/>
+              <a:t>, </a:t>
+            </a:r>
+            <a:r>
+              <a:rPr lang="fr-FR" dirty="0" err="1" smtClean="0"/>
+              <a:t>DateFormat</a:t>
+            </a:r>
+            <a:r>
+              <a:rPr lang="fr-FR" dirty="0" smtClean="0"/>
+              <a:t>, </a:t>
+            </a:r>
+            <a:r>
+              <a:rPr lang="fr-FR" dirty="0" err="1" smtClean="0"/>
+              <a:t>NumberFormat</a:t>
             </a:r>
             <a:endParaRPr lang="fr-FR" dirty="0" smtClean="0"/>
           </a:p>
           <a:p>
-            <a:r>
-              <a:rPr lang="fr-FR" dirty="0" smtClean="0"/>
-              <a:t>Espace insécable</a:t>
-            </a:r>
-          </a:p>
-          <a:p>
-            <a:r>
-              <a:rPr lang="fr-FR" dirty="0" smtClean="0"/>
-              <a:t>Espace</a:t>
-            </a:r>
-          </a:p>
-          <a:p>
-            <a:endParaRPr lang="fr-FR" dirty="0"/>
+            <a:pPr marL="0" indent="0">
+              <a:buNone/>
+            </a:pPr>
+            <a:endParaRPr lang="fr-FR" dirty="0" smtClean="0"/>
           </a:p>
         </p:txBody>
       </p:sp>
     </p:spTree>
     <p:extLst>
       <p:ext uri="{BB962C8B-B14F-4D97-AF65-F5344CB8AC3E}">
-        <p14:creationId xmlns:p14="http://schemas.microsoft.com/office/powerpoint/2010/main" val="3760970332"/>
+        <p14:creationId xmlns:p14="http://schemas.microsoft.com/office/powerpoint/2010/main" val="2275462673"/>
       </p:ext>
     </p:extLst>
   </p:cSld>
   <p:clrMapOvr>
     <a:masterClrMapping/>
   </p:clrMapOvr>
+  <p:timing>
+    <p:tnLst>
+      <p:par>
+        <p:cTn xmlns:p14="http://schemas.microsoft.com/office/powerpoint/2010/main" id="1" dur="indefinite" restart="never" nodeType="tmRoot"/>
+      </p:par>
+    </p:tnLst>
+  </p:timing>
 </p:sld>
 </file>
 

--- a/ez18n-slides/ez18n_theorie.pptx
+++ b/ez18n-slides/ez18n_theorie.pptx
@@ -16,17 +16,15 @@
     <p:sldId id="264" r:id="rId10"/>
     <p:sldId id="270" r:id="rId11"/>
     <p:sldId id="276" r:id="rId12"/>
-    <p:sldId id="259" r:id="rId13"/>
-    <p:sldId id="278" r:id="rId14"/>
-    <p:sldId id="277" r:id="rId15"/>
-    <p:sldId id="266" r:id="rId16"/>
-    <p:sldId id="261" r:id="rId17"/>
-    <p:sldId id="265" r:id="rId18"/>
-    <p:sldId id="260" r:id="rId19"/>
-    <p:sldId id="275" r:id="rId20"/>
-    <p:sldId id="273" r:id="rId21"/>
-    <p:sldId id="267" r:id="rId22"/>
-    <p:sldId id="263" r:id="rId23"/>
+    <p:sldId id="266" r:id="rId13"/>
+    <p:sldId id="259" r:id="rId14"/>
+    <p:sldId id="279" r:id="rId15"/>
+    <p:sldId id="278" r:id="rId16"/>
+    <p:sldId id="277" r:id="rId17"/>
+    <p:sldId id="261" r:id="rId18"/>
+    <p:sldId id="265" r:id="rId19"/>
+    <p:sldId id="260" r:id="rId20"/>
+    <p:sldId id="281" r:id="rId21"/>
   </p:sldIdLst>
   <p:sldSz cx="9144000" cy="6858000" type="screen4x3"/>
   <p:notesSz cx="6858000" cy="9144000"/>
@@ -3551,6 +3549,33 @@
       </p:grpSpPr>
       <p:sp>
         <p:nvSpPr>
+          <p:cNvPr id="2" name="Titre 1"/>
+          <p:cNvSpPr>
+            <a:spLocks noGrp="1"/>
+          </p:cNvSpPr>
+          <p:nvPr>
+            <p:ph type="title"/>
+          </p:nvPr>
+        </p:nvSpPr>
+        <p:spPr/>
+        <p:txBody>
+          <a:bodyPr/>
+          <a:lstStyle/>
+          <a:p>
+            <a:r>
+              <a:rPr lang="fr-FR" dirty="0"/>
+              <a:t>E</a:t>
+            </a:r>
+            <a:r>
+              <a:rPr lang="fr-FR" dirty="0" smtClean="0"/>
+              <a:t>xemples</a:t>
+            </a:r>
+            <a:endParaRPr lang="fr-FR" dirty="0"/>
+          </a:p>
+        </p:txBody>
+      </p:sp>
+      <p:sp>
+        <p:nvSpPr>
           <p:cNvPr id="3" name="Espace réservé du contenu 2"/>
           <p:cNvSpPr>
             <a:spLocks noGrp="1"/>
@@ -3561,63 +3586,113 @@
         </p:nvSpPr>
         <p:spPr>
           <a:xfrm>
-            <a:off x="457200" y="990600"/>
+            <a:off x="533400" y="1371600"/>
             <a:ext cx="8229600" cy="4525963"/>
           </a:xfrm>
         </p:spPr>
         <p:txBody>
-          <a:bodyPr/>
-          <a:lstStyle/>
-          <a:p>
-            <a:pPr marL="0" indent="0" algn="ctr">
+          <a:bodyPr anchor="t"/>
+          <a:lstStyle/>
+          <a:p>
+            <a:pPr marL="0" indent="0">
               <a:buNone/>
             </a:pPr>
             <a:r>
-              <a:rPr lang="en-US" dirty="0"/>
-              <a:t>The Absolute Minimum Every Software Developer Absolutely, Positively Must Know About Unicode and Character Sets (No Excuses!) - Joel on </a:t>
-            </a:r>
-            <a:r>
-              <a:rPr lang="en-US" dirty="0" smtClean="0"/>
-              <a:t>Software 2000</a:t>
-            </a:r>
-          </a:p>
-          <a:p>
-            <a:endParaRPr lang="en-US" dirty="0"/>
-          </a:p>
-          <a:p>
-            <a:pPr marL="0" indent="0" algn="ctr">
-              <a:buNone/>
-            </a:pPr>
-            <a:r>
-              <a:rPr lang="en-US" dirty="0"/>
-              <a:t>http://</a:t>
-            </a:r>
-            <a:r>
-              <a:rPr lang="en-US" dirty="0" err="1"/>
-              <a:t>www.joelonsoftware.com</a:t>
-            </a:r>
-            <a:r>
-              <a:rPr lang="en-US" dirty="0"/>
-              <a:t>/articles/</a:t>
-            </a:r>
-            <a:r>
-              <a:rPr lang="en-US" dirty="0" err="1"/>
-              <a:t>Unicode.html</a:t>
-            </a:r>
-            <a:endParaRPr lang="en-US" dirty="0"/>
-          </a:p>
-          <a:p>
-            <a:endParaRPr lang="en-US" dirty="0" smtClean="0"/>
-          </a:p>
-          <a:p>
-            <a:endParaRPr lang="fr-FR" dirty="0"/>
+              <a:rPr lang="fr-FR" dirty="0"/>
+              <a:t>e</a:t>
+            </a:r>
+            <a:r>
+              <a:rPr lang="fr-FR" dirty="0" smtClean="0"/>
+              <a:t>z18n-oldstyle/</a:t>
+            </a:r>
+            <a:r>
+              <a:rPr lang="fr-FR" dirty="0" err="1" smtClean="0"/>
+              <a:t>src</a:t>
+            </a:r>
+            <a:r>
+              <a:rPr lang="fr-FR" dirty="0" smtClean="0"/>
+              <a:t>/main/</a:t>
+            </a:r>
+            <a:r>
+              <a:rPr lang="fr-FR" dirty="0" err="1" smtClean="0"/>
+              <a:t>org</a:t>
+            </a:r>
+            <a:r>
+              <a:rPr lang="fr-FR" dirty="0" smtClean="0"/>
+              <a:t>/ez18n/</a:t>
+            </a:r>
+            <a:r>
+              <a:rPr lang="fr-FR" dirty="0" err="1" smtClean="0"/>
+              <a:t>sample</a:t>
+            </a:r>
+            <a:r>
+              <a:rPr lang="fr-FR" dirty="0" smtClean="0"/>
+              <a:t>/</a:t>
+            </a:r>
+          </a:p>
+          <a:p>
+            <a:r>
+              <a:rPr lang="fr-FR" dirty="0" err="1" smtClean="0"/>
+              <a:t>OldFashionSample</a:t>
+            </a:r>
+            <a:endParaRPr lang="fr-FR" dirty="0" smtClean="0"/>
+          </a:p>
+          <a:p>
+            <a:pPr lvl="1"/>
+            <a:r>
+              <a:rPr lang="fr-FR" dirty="0" smtClean="0"/>
+              <a:t>Default Locale</a:t>
+            </a:r>
+          </a:p>
+          <a:p>
+            <a:pPr lvl="1"/>
+            <a:r>
+              <a:rPr lang="fr-FR" dirty="0" smtClean="0"/>
+              <a:t>FR, JA, mécanisme par défaut</a:t>
+            </a:r>
+          </a:p>
+          <a:p>
+            <a:pPr lvl="1"/>
+            <a:r>
+              <a:rPr lang="fr-FR" dirty="0" smtClean="0"/>
+              <a:t>Format des fichiers .</a:t>
+            </a:r>
+            <a:r>
+              <a:rPr lang="fr-FR" dirty="0" err="1" smtClean="0"/>
+              <a:t>properties</a:t>
+            </a:r>
+            <a:endParaRPr lang="fr-FR" dirty="0" smtClean="0"/>
+          </a:p>
+          <a:p>
+            <a:pPr lvl="1"/>
+            <a:endParaRPr lang="fr-FR" dirty="0" smtClean="0"/>
+          </a:p>
+          <a:p>
+            <a:r>
+              <a:rPr lang="fr-FR" dirty="0" smtClean="0"/>
+              <a:t>Ancienne gestion des fichiers</a:t>
+            </a:r>
+          </a:p>
+          <a:p>
+            <a:r>
+              <a:rPr lang="fr-FR" dirty="0" smtClean="0"/>
+              <a:t>Possibilité d’extension via </a:t>
+            </a:r>
+            <a:r>
+              <a:rPr lang="fr-FR" dirty="0" err="1" smtClean="0"/>
+              <a:t>classpath</a:t>
+            </a:r>
+            <a:r>
+              <a:rPr lang="fr-FR" dirty="0" smtClean="0"/>
+              <a:t> &amp; zip</a:t>
+            </a:r>
           </a:p>
         </p:txBody>
       </p:sp>
     </p:spTree>
     <p:extLst>
       <p:ext uri="{BB962C8B-B14F-4D97-AF65-F5344CB8AC3E}">
-        <p14:creationId xmlns:p14="http://schemas.microsoft.com/office/powerpoint/2010/main" val="1225078731"/>
+        <p14:creationId xmlns:p14="http://schemas.microsoft.com/office/powerpoint/2010/main" val="1742857176"/>
       </p:ext>
     </p:extLst>
   </p:cSld>
@@ -3646,120 +3721,68 @@
       </p:grpSpPr>
       <p:sp>
         <p:nvSpPr>
-          <p:cNvPr id="2" name="Titre 1"/>
-          <p:cNvSpPr>
-            <a:spLocks noGrp="1"/>
-          </p:cNvSpPr>
-          <p:nvPr>
-            <p:ph type="title"/>
+          <p:cNvPr id="3" name="Espace réservé du contenu 2"/>
+          <p:cNvSpPr>
+            <a:spLocks noGrp="1"/>
+          </p:cNvSpPr>
+          <p:nvPr>
+            <p:ph idx="1"/>
           </p:nvPr>
         </p:nvSpPr>
         <p:spPr>
           <a:xfrm>
             <a:off x="457200" y="990600"/>
-            <a:ext cx="8229600" cy="1143000"/>
+            <a:ext cx="8229600" cy="4525963"/>
           </a:xfrm>
         </p:spPr>
         <p:txBody>
-          <a:bodyPr/>
-          <a:lstStyle/>
-          <a:p>
-            <a:r>
-              <a:rPr lang="fr-FR" dirty="0" smtClean="0"/>
-              <a:t>Unicode</a:t>
-            </a:r>
-            <a:endParaRPr lang="fr-FR" dirty="0"/>
-          </a:p>
-        </p:txBody>
-      </p:sp>
-      <p:sp>
-        <p:nvSpPr>
-          <p:cNvPr id="5" name="Titre 1"/>
-          <p:cNvSpPr txBox="1">
-            <a:spLocks/>
-          </p:cNvSpPr>
-          <p:nvPr/>
-        </p:nvSpPr>
-        <p:spPr>
-          <a:xfrm>
-            <a:off x="457200" y="3581400"/>
-            <a:ext cx="8229600" cy="1143000"/>
-          </a:xfrm>
-          <a:prstGeom prst="rect">
-            <a:avLst/>
-          </a:prstGeom>
-        </p:spPr>
-        <p:txBody>
-          <a:bodyPr vert="horz" lIns="91440" tIns="45720" rIns="91440" bIns="45720" rtlCol="0" anchor="ctr">
+          <a:bodyPr>
             <a:normAutofit/>
           </a:bodyPr>
-          <a:lstStyle>
-            <a:lvl1pPr algn="ctr" defTabSz="914400" rtl="0" eaLnBrk="1" latinLnBrk="0" hangingPunct="1">
-              <a:spcBef>
-                <a:spcPct val="0"/>
-              </a:spcBef>
-              <a:buNone/>
-              <a:defRPr sz="4400" kern="1200">
-                <a:solidFill>
-                  <a:schemeClr val="tx1"/>
-                </a:solidFill>
-                <a:latin typeface="+mj-lt"/>
-                <a:ea typeface="+mj-ea"/>
-                <a:cs typeface="+mj-cs"/>
-              </a:defRPr>
-            </a:lvl1pPr>
-          </a:lstStyle>
-          <a:p>
-            <a:r>
-              <a:rPr lang="fr-FR" dirty="0" smtClean="0"/>
-              <a:t>Unicode</a:t>
-            </a:r>
-            <a:endParaRPr lang="fr-FR" dirty="0"/>
-          </a:p>
-        </p:txBody>
-      </p:sp>
-      <p:sp>
-        <p:nvSpPr>
-          <p:cNvPr id="6" name="Titre 1"/>
-          <p:cNvSpPr txBox="1">
-            <a:spLocks/>
-          </p:cNvSpPr>
-          <p:nvPr/>
-        </p:nvSpPr>
-        <p:spPr>
-          <a:xfrm>
-            <a:off x="457200" y="2286000"/>
-            <a:ext cx="8229600" cy="1143000"/>
-          </a:xfrm>
-          <a:prstGeom prst="rect">
-            <a:avLst/>
-          </a:prstGeom>
-        </p:spPr>
-        <p:txBody>
-          <a:bodyPr vert="horz" lIns="91440" tIns="45720" rIns="91440" bIns="45720" rtlCol="0" anchor="ctr">
-            <a:normAutofit/>
-          </a:bodyPr>
-          <a:lstStyle>
-            <a:lvl1pPr algn="ctr" defTabSz="914400" rtl="0" eaLnBrk="1" latinLnBrk="0" hangingPunct="1">
-              <a:spcBef>
-                <a:spcPct val="0"/>
-              </a:spcBef>
-              <a:buNone/>
-              <a:defRPr sz="4400" kern="1200">
-                <a:solidFill>
-                  <a:schemeClr val="tx1"/>
-                </a:solidFill>
-                <a:latin typeface="+mj-lt"/>
-                <a:ea typeface="+mj-ea"/>
-                <a:cs typeface="+mj-cs"/>
-              </a:defRPr>
-            </a:lvl1pPr>
-          </a:lstStyle>
-          <a:p>
-            <a:r>
-              <a:rPr lang="fr-FR" dirty="0" smtClean="0"/>
-              <a:t>UTF-8</a:t>
-            </a:r>
+          <a:lstStyle/>
+          <a:p>
+            <a:pPr marL="0" indent="0" algn="ctr">
+              <a:buNone/>
+            </a:pPr>
+            <a:r>
+              <a:rPr lang="en-US" dirty="0"/>
+              <a:t>The Absolute Minimum Every Software Developer Absolutely, Positively Must Know About Unicode and Character Sets (No Excuses!) - Joel on </a:t>
+            </a:r>
+            <a:r>
+              <a:rPr lang="en-US" dirty="0" smtClean="0"/>
+              <a:t>Software 2000</a:t>
+            </a:r>
+          </a:p>
+          <a:p>
+            <a:endParaRPr lang="en-US" dirty="0"/>
+          </a:p>
+          <a:p>
+            <a:pPr marL="0" indent="0" algn="ctr">
+              <a:buNone/>
+            </a:pPr>
+            <a:r>
+              <a:rPr lang="en-US" dirty="0" smtClean="0"/>
+              <a:t>http</a:t>
+            </a:r>
+            <a:r>
+              <a:rPr lang="en-US" dirty="0"/>
+              <a:t>://</a:t>
+            </a:r>
+            <a:r>
+              <a:rPr lang="en-US" dirty="0" err="1"/>
+              <a:t>french.joelonsoftware.com</a:t>
+            </a:r>
+            <a:r>
+              <a:rPr lang="en-US" dirty="0"/>
+              <a:t>/Articles/</a:t>
+            </a:r>
+            <a:r>
+              <a:rPr lang="en-US" dirty="0" err="1"/>
+              <a:t>Unicode.html</a:t>
+            </a:r>
+            <a:endParaRPr lang="en-US" dirty="0" smtClean="0"/>
+          </a:p>
+          <a:p>
             <a:endParaRPr lang="fr-FR" dirty="0"/>
           </a:p>
         </p:txBody>
@@ -3767,7 +3790,7 @@
     </p:spTree>
     <p:extLst>
       <p:ext uri="{BB962C8B-B14F-4D97-AF65-F5344CB8AC3E}">
-        <p14:creationId xmlns:p14="http://schemas.microsoft.com/office/powerpoint/2010/main" val="610342369"/>
+        <p14:creationId xmlns:p14="http://schemas.microsoft.com/office/powerpoint/2010/main" val="1225078731"/>
       </p:ext>
     </p:extLst>
   </p:cSld>
@@ -3796,94 +3819,42 @@
       </p:grpSpPr>
       <p:sp>
         <p:nvSpPr>
-          <p:cNvPr id="2" name="Titre 1"/>
-          <p:cNvSpPr>
-            <a:spLocks noGrp="1"/>
-          </p:cNvSpPr>
-          <p:nvPr>
-            <p:ph type="title"/>
-          </p:nvPr>
-        </p:nvSpPr>
-        <p:spPr/>
-        <p:txBody>
-          <a:bodyPr/>
-          <a:lstStyle/>
-          <a:p>
-            <a:r>
-              <a:rPr lang="fr-FR" dirty="0" smtClean="0"/>
-              <a:t>Le minimum</a:t>
-            </a:r>
-            <a:endParaRPr lang="fr-FR" dirty="0"/>
-          </a:p>
-        </p:txBody>
-      </p:sp>
-      <p:sp>
-        <p:nvSpPr>
-          <p:cNvPr id="3" name="Espace réservé du contenu 2"/>
-          <p:cNvSpPr>
-            <a:spLocks noGrp="1"/>
-          </p:cNvSpPr>
-          <p:nvPr>
-            <p:ph idx="1"/>
-          </p:nvPr>
-        </p:nvSpPr>
-        <p:spPr/>
-        <p:txBody>
-          <a:bodyPr/>
-          <a:lstStyle/>
-          <a:p>
-            <a:endParaRPr lang="fr-FR" dirty="0" smtClean="0"/>
-          </a:p>
-          <a:p>
-            <a:pPr marL="0" indent="0" algn="ctr">
-              <a:buNone/>
-            </a:pPr>
-            <a:r>
-              <a:rPr lang="fr-FR" dirty="0" smtClean="0"/>
-              <a:t>Ca </a:t>
-            </a:r>
-            <a:r>
-              <a:rPr lang="fr-FR" dirty="0"/>
-              <a:t>n'a aucun sens </a:t>
-            </a:r>
-            <a:endParaRPr lang="fr-FR" dirty="0" smtClean="0"/>
-          </a:p>
-          <a:p>
-            <a:pPr marL="0" indent="0" algn="ctr">
-              <a:buNone/>
-            </a:pPr>
-            <a:r>
-              <a:rPr lang="fr-FR" dirty="0" smtClean="0"/>
-              <a:t>d'avoir </a:t>
-            </a:r>
-            <a:r>
-              <a:rPr lang="fr-FR" dirty="0"/>
-              <a:t>une chaîne </a:t>
-            </a:r>
-            <a:r>
-              <a:rPr lang="fr-FR" dirty="0" smtClean="0"/>
-              <a:t>de caractères </a:t>
-            </a:r>
-          </a:p>
-          <a:p>
-            <a:pPr marL="0" indent="0" algn="ctr">
-              <a:buNone/>
-            </a:pPr>
-            <a:r>
-              <a:rPr lang="fr-FR" dirty="0" smtClean="0"/>
-              <a:t>sans </a:t>
-            </a:r>
-            <a:r>
-              <a:rPr lang="fr-FR" dirty="0"/>
-              <a:t>savoir quel encodage elle utilise.</a:t>
-            </a:r>
+          <p:cNvPr id="4" name="Rectangle 3"/>
+          <p:cNvSpPr/>
+          <p:nvPr/>
+        </p:nvSpPr>
+        <p:spPr>
+          <a:xfrm>
+            <a:off x="2133600" y="2133600"/>
+            <a:ext cx="4572000" cy="1938992"/>
+          </a:xfrm>
+          <a:prstGeom prst="rect">
+            <a:avLst/>
+          </a:prstGeom>
+        </p:spPr>
+        <p:txBody>
+          <a:bodyPr>
+            <a:spAutoFit/>
+          </a:bodyPr>
+          <a:lstStyle/>
+          <a:p>
+            <a:pPr algn="ctr"/>
+            <a:r>
+              <a:rPr lang="fr-FR" sz="6000" dirty="0"/>
+              <a:t>CE N'EST PAS SI DIFFICILE</a:t>
+            </a:r>
+            <a:r>
+              <a:rPr lang="fr-FR" sz="6000" dirty="0" smtClean="0"/>
+              <a:t>.</a:t>
+            </a:r>
+            <a:endParaRPr lang="fr-FR" sz="6000" dirty="0"/>
           </a:p>
         </p:txBody>
       </p:sp>
     </p:spTree>
     <p:extLst>
       <p:ext uri="{BB962C8B-B14F-4D97-AF65-F5344CB8AC3E}">
-        <p14:creationId xmlns:p14="http://schemas.microsoft.com/office/powerpoint/2010/main" val="2053052792"/>
+        <p14:creationId xmlns:p14="http://schemas.microsoft.com/office/powerpoint/2010/main" val="1515991344"/>
       </p:ext>
     </p:extLst>
   </p:cSld>
@@ -3920,142 +3891,136 @@
             <p:ph type="title"/>
           </p:nvPr>
         </p:nvSpPr>
-        <p:spPr/>
-        <p:txBody>
-          <a:bodyPr/>
-          <a:lstStyle/>
-          <a:p>
-            <a:r>
-              <a:rPr lang="fr-FR" dirty="0"/>
-              <a:t>E</a:t>
-            </a:r>
-            <a:r>
-              <a:rPr lang="fr-FR" dirty="0" smtClean="0"/>
-              <a:t>xemples</a:t>
-            </a:r>
-            <a:endParaRPr lang="fr-FR" dirty="0"/>
-          </a:p>
-        </p:txBody>
-      </p:sp>
-      <p:sp>
-        <p:nvSpPr>
-          <p:cNvPr id="3" name="Espace réservé du contenu 2"/>
-          <p:cNvSpPr>
-            <a:spLocks noGrp="1"/>
-          </p:cNvSpPr>
-          <p:nvPr>
-            <p:ph idx="1"/>
-          </p:nvPr>
-        </p:nvSpPr>
         <p:spPr>
           <a:xfrm>
-            <a:off x="533400" y="1371600"/>
-            <a:ext cx="8229600" cy="4525963"/>
+            <a:off x="457200" y="990600"/>
+            <a:ext cx="8229600" cy="1143000"/>
           </a:xfrm>
         </p:spPr>
         <p:txBody>
-          <a:bodyPr anchor="t"/>
-          <a:lstStyle/>
-          <a:p>
-            <a:pPr marL="0" indent="0">
-              <a:buNone/>
-            </a:pPr>
-            <a:r>
-              <a:rPr lang="fr-FR" dirty="0"/>
-              <a:t>e</a:t>
-            </a:r>
-            <a:r>
-              <a:rPr lang="fr-FR" dirty="0" smtClean="0"/>
-              <a:t>z18n-sample/</a:t>
+          <a:bodyPr/>
+          <a:lstStyle/>
+          <a:p>
+            <a:r>
+              <a:rPr lang="fr-FR" dirty="0" smtClean="0"/>
+              <a:t>Unicode : encodé</a:t>
+            </a:r>
+            <a:endParaRPr lang="fr-FR" dirty="0"/>
+          </a:p>
+        </p:txBody>
+      </p:sp>
+      <p:sp>
+        <p:nvSpPr>
+          <p:cNvPr id="5" name="Titre 1"/>
+          <p:cNvSpPr txBox="1">
+            <a:spLocks/>
+          </p:cNvSpPr>
+          <p:nvPr/>
+        </p:nvSpPr>
+        <p:spPr>
+          <a:xfrm>
+            <a:off x="457200" y="3581400"/>
+            <a:ext cx="8229600" cy="1143000"/>
+          </a:xfrm>
+          <a:prstGeom prst="rect">
+            <a:avLst/>
+          </a:prstGeom>
+        </p:spPr>
+        <p:txBody>
+          <a:bodyPr vert="horz" lIns="91440" tIns="45720" rIns="91440" bIns="45720" rtlCol="0" anchor="ctr">
+            <a:normAutofit/>
+          </a:bodyPr>
+          <a:lstStyle>
+            <a:lvl1pPr algn="ctr" defTabSz="914400" rtl="0" eaLnBrk="1" latinLnBrk="0" hangingPunct="1">
+              <a:spcBef>
+                <a:spcPct val="0"/>
+              </a:spcBef>
+              <a:buNone/>
+              <a:defRPr sz="4400" kern="1200">
+                <a:solidFill>
+                  <a:schemeClr val="tx1"/>
+                </a:solidFill>
+                <a:latin typeface="+mj-lt"/>
+                <a:ea typeface="+mj-ea"/>
+                <a:cs typeface="+mj-cs"/>
+              </a:defRPr>
+            </a:lvl1pPr>
+          </a:lstStyle>
+          <a:p>
+            <a:r>
+              <a:rPr lang="fr-FR" strike="sngStrike" dirty="0" smtClean="0"/>
+              <a:t>Plain </a:t>
+            </a:r>
+            <a:r>
+              <a:rPr lang="fr-FR" strike="sngStrike" dirty="0" err="1" smtClean="0"/>
+              <a:t>Text</a:t>
+            </a:r>
+            <a:r>
+              <a:rPr lang="fr-FR" strike="sngStrike" dirty="0" smtClean="0"/>
+              <a:t> :</a:t>
+            </a:r>
+            <a:r>
+              <a:rPr lang="fr-FR" dirty="0" smtClean="0"/>
+              <a:t> oublié</a:t>
+            </a:r>
+            <a:endParaRPr lang="fr-FR" dirty="0"/>
+          </a:p>
+        </p:txBody>
+      </p:sp>
+      <p:sp>
+        <p:nvSpPr>
+          <p:cNvPr id="6" name="Titre 1"/>
+          <p:cNvSpPr txBox="1">
+            <a:spLocks/>
+          </p:cNvSpPr>
+          <p:nvPr/>
+        </p:nvSpPr>
+        <p:spPr>
+          <a:xfrm>
+            <a:off x="457200" y="2286000"/>
+            <a:ext cx="8229600" cy="1143000"/>
+          </a:xfrm>
+          <a:prstGeom prst="rect">
+            <a:avLst/>
+          </a:prstGeom>
+        </p:spPr>
+        <p:txBody>
+          <a:bodyPr vert="horz" lIns="91440" tIns="45720" rIns="91440" bIns="45720" rtlCol="0" anchor="ctr">
+            <a:normAutofit/>
+          </a:bodyPr>
+          <a:lstStyle>
+            <a:lvl1pPr algn="ctr" defTabSz="914400" rtl="0" eaLnBrk="1" latinLnBrk="0" hangingPunct="1">
+              <a:spcBef>
+                <a:spcPct val="0"/>
+              </a:spcBef>
+              <a:buNone/>
+              <a:defRPr sz="4400" kern="1200">
+                <a:solidFill>
+                  <a:schemeClr val="tx1"/>
+                </a:solidFill>
+                <a:latin typeface="+mj-lt"/>
+                <a:ea typeface="+mj-ea"/>
+                <a:cs typeface="+mj-cs"/>
+              </a:defRPr>
+            </a:lvl1pPr>
+          </a:lstStyle>
+          <a:p>
+            <a:r>
+              <a:rPr lang="fr-FR" dirty="0" smtClean="0"/>
+              <a:t>UTF-8 : </a:t>
             </a:r>
             <a:r>
               <a:rPr lang="fr-FR" dirty="0" err="1" smtClean="0"/>
-              <a:t>src</a:t>
-            </a:r>
-            <a:r>
-              <a:rPr lang="fr-FR" dirty="0" smtClean="0"/>
-              <a:t>/main/</a:t>
-            </a:r>
-            <a:r>
-              <a:rPr lang="fr-FR" dirty="0" err="1" smtClean="0"/>
-              <a:t>org</a:t>
-            </a:r>
-            <a:r>
-              <a:rPr lang="fr-FR" dirty="0" smtClean="0"/>
-              <a:t>/ez18n/</a:t>
-            </a:r>
-            <a:r>
-              <a:rPr lang="fr-FR" dirty="0" err="1" smtClean="0"/>
-              <a:t>sample</a:t>
-            </a:r>
-            <a:r>
-              <a:rPr lang="fr-FR" dirty="0" smtClean="0"/>
-              <a:t>/</a:t>
-            </a:r>
-          </a:p>
-          <a:p>
-            <a:r>
-              <a:rPr lang="fr-FR" dirty="0" err="1" smtClean="0"/>
-              <a:t>OldFashionSample</a:t>
-            </a:r>
-            <a:endParaRPr lang="fr-FR" dirty="0" smtClean="0"/>
-          </a:p>
-          <a:p>
-            <a:pPr lvl="1"/>
-            <a:r>
-              <a:rPr lang="fr-FR" dirty="0" smtClean="0"/>
-              <a:t>Default Locale</a:t>
-            </a:r>
-          </a:p>
-          <a:p>
-            <a:pPr lvl="1"/>
-            <a:r>
-              <a:rPr lang="fr-FR" dirty="0" smtClean="0"/>
-              <a:t>FR, JA, mécanisme par défaut</a:t>
-            </a:r>
-          </a:p>
-          <a:p>
-            <a:pPr lvl="1"/>
-            <a:r>
-              <a:rPr lang="fr-FR" dirty="0" smtClean="0"/>
-              <a:t>Format des fichiers .</a:t>
-            </a:r>
-            <a:r>
-              <a:rPr lang="fr-FR" dirty="0" err="1" smtClean="0"/>
-              <a:t>properties</a:t>
-            </a:r>
-            <a:endParaRPr lang="fr-FR" dirty="0" smtClean="0"/>
-          </a:p>
-          <a:p>
-            <a:pPr lvl="1"/>
-            <a:endParaRPr lang="fr-FR" dirty="0" smtClean="0"/>
-          </a:p>
-          <a:p>
-            <a:r>
-              <a:rPr lang="fr-FR" dirty="0" smtClean="0"/>
-              <a:t>Ancienne gestion des fichiers</a:t>
-            </a:r>
-          </a:p>
-          <a:p>
-            <a:r>
-              <a:rPr lang="fr-FR" dirty="0" smtClean="0"/>
-              <a:t>Possibilité via </a:t>
-            </a:r>
-            <a:r>
-              <a:rPr lang="fr-FR" dirty="0" err="1" smtClean="0"/>
-              <a:t>classpath</a:t>
-            </a:r>
-            <a:r>
-              <a:rPr lang="fr-FR" dirty="0" smtClean="0"/>
-              <a:t> &amp; zip</a:t>
-            </a:r>
+              <a:t>stoqué</a:t>
+            </a:r>
+            <a:endParaRPr lang="fr-FR" dirty="0"/>
           </a:p>
         </p:txBody>
       </p:sp>
     </p:spTree>
     <p:extLst>
       <p:ext uri="{BB962C8B-B14F-4D97-AF65-F5344CB8AC3E}">
-        <p14:creationId xmlns:p14="http://schemas.microsoft.com/office/powerpoint/2010/main" val="1742857176"/>
+        <p14:creationId xmlns:p14="http://schemas.microsoft.com/office/powerpoint/2010/main" val="610342369"/>
       </p:ext>
     </p:extLst>
   </p:cSld>
@@ -4098,8 +4063,8 @@
           <a:lstStyle/>
           <a:p>
             <a:r>
-              <a:rPr lang="fr-FR" dirty="0" err="1" smtClean="0"/>
-              <a:t>Encodings</a:t>
+              <a:rPr lang="fr-FR" dirty="0" smtClean="0"/>
+              <a:t>Le minimum</a:t>
             </a:r>
             <a:endParaRPr lang="fr-FR" dirty="0"/>
           </a:p>
@@ -4117,82 +4082,61 @@
         </p:nvSpPr>
         <p:spPr/>
         <p:txBody>
-          <a:bodyPr>
-            <a:normAutofit lnSpcReduction="10000"/>
-          </a:bodyPr>
-          <a:lstStyle/>
-          <a:p>
-            <a:r>
-              <a:rPr lang="fr-FR" dirty="0" smtClean="0"/>
-              <a:t>Java </a:t>
-            </a:r>
-          </a:p>
-          <a:p>
-            <a:pPr lvl="1"/>
-            <a:r>
-              <a:rPr lang="en-US" dirty="0" smtClean="0"/>
-              <a:t>\</a:t>
-            </a:r>
-            <a:r>
-              <a:rPr lang="en-US" dirty="0"/>
-              <a:t>u3053\u3093\u306b\u3061\u306f\u3001\u4e16\u754c\uff01</a:t>
-            </a:r>
-          </a:p>
-          <a:p>
-            <a:pPr lvl="1"/>
+          <a:bodyPr/>
+          <a:lstStyle/>
+          <a:p>
             <a:endParaRPr lang="fr-FR" dirty="0" smtClean="0"/>
           </a:p>
           <a:p>
-            <a:pPr lvl="1"/>
-            <a:r>
-              <a:rPr lang="fr-FR" dirty="0" err="1" smtClean="0"/>
-              <a:t>Encoding</a:t>
-            </a:r>
-            <a:r>
-              <a:rPr lang="fr-FR" dirty="0" smtClean="0"/>
-              <a:t> du fichier et option –</a:t>
-            </a:r>
-            <a:r>
-              <a:rPr lang="fr-FR" dirty="0" err="1" smtClean="0"/>
-              <a:t>Dfile.encoding</a:t>
-            </a:r>
-            <a:r>
-              <a:rPr lang="fr-FR" dirty="0" smtClean="0"/>
-              <a:t>=UTF-</a:t>
-            </a:r>
-            <a:r>
-              <a:rPr lang="fr-FR" dirty="0" smtClean="0"/>
-              <a:t>8</a:t>
-            </a:r>
-          </a:p>
-          <a:p>
-            <a:pPr lvl="1"/>
+            <a:pPr marL="0" indent="0" algn="ctr">
+              <a:buNone/>
+            </a:pPr>
+            <a:r>
+              <a:rPr lang="fr-FR" dirty="0" smtClean="0"/>
+              <a:t>Ca </a:t>
+            </a:r>
+            <a:r>
+              <a:rPr lang="fr-FR" dirty="0"/>
+              <a:t>n'a aucun sens </a:t>
+            </a:r>
             <a:endParaRPr lang="fr-FR" dirty="0" smtClean="0"/>
           </a:p>
           <a:p>
-            <a:r>
-              <a:rPr lang="fr-FR" dirty="0" smtClean="0"/>
-              <a:t>Html</a:t>
-            </a:r>
-          </a:p>
-          <a:p>
-            <a:pPr lvl="1"/>
+            <a:pPr marL="0" indent="0" algn="ctr">
+              <a:buNone/>
+            </a:pPr>
+            <a:r>
+              <a:rPr lang="fr-FR" dirty="0" smtClean="0"/>
+              <a:t>d'avoir </a:t>
+            </a:r>
             <a:r>
               <a:rPr lang="fr-FR" dirty="0"/>
-              <a:t>&amp;#x00AD</a:t>
-            </a:r>
-            <a:r>
-              <a:rPr lang="fr-FR" dirty="0" smtClean="0"/>
-              <a:t>;</a:t>
-            </a:r>
-            <a:endParaRPr lang="fr-FR" dirty="0"/>
+              <a:t>une chaîne </a:t>
+            </a:r>
+            <a:r>
+              <a:rPr lang="fr-FR" dirty="0" smtClean="0"/>
+              <a:t>de caractères </a:t>
+            </a:r>
+          </a:p>
+          <a:p>
+            <a:pPr marL="0" indent="0" algn="ctr">
+              <a:buNone/>
+            </a:pPr>
+            <a:r>
+              <a:rPr lang="fr-FR" dirty="0" smtClean="0"/>
+              <a:t>sans </a:t>
+            </a:r>
+            <a:r>
+              <a:rPr lang="fr-FR" dirty="0"/>
+              <a:t>savoir quel encodage elle utilise.</a:t>
+            </a:r>
           </a:p>
         </p:txBody>
       </p:sp>
     </p:spTree>
     <p:extLst>
       <p:ext uri="{BB962C8B-B14F-4D97-AF65-F5344CB8AC3E}">
-        <p14:creationId xmlns:p14="http://schemas.microsoft.com/office/powerpoint/2010/main" val="3126842541"/>
+        <p14:creationId xmlns:p14="http://schemas.microsoft.com/office/powerpoint/2010/main" val="2053052792"/>
       </p:ext>
     </p:extLst>
   </p:cSld>
@@ -4235,8 +4179,8 @@
           <a:lstStyle/>
           <a:p>
             <a:r>
-              <a:rPr lang="fr-FR" dirty="0" smtClean="0"/>
-              <a:t>Idées au passage</a:t>
+              <a:rPr lang="fr-FR" dirty="0" err="1" smtClean="0"/>
+              <a:t>Encodings</a:t>
             </a:r>
             <a:endParaRPr lang="fr-FR" dirty="0"/>
           </a:p>
@@ -4254,42 +4198,25 @@
         </p:nvSpPr>
         <p:spPr/>
         <p:txBody>
-          <a:bodyPr/>
-          <a:lstStyle/>
-          <a:p>
-            <a:r>
-              <a:rPr lang="fr-FR" dirty="0"/>
-              <a:t>Pseudo </a:t>
-            </a:r>
-            <a:r>
-              <a:rPr lang="fr-FR" dirty="0" smtClean="0"/>
-              <a:t>Localisation</a:t>
+          <a:bodyPr>
+            <a:normAutofit lnSpcReduction="10000"/>
+          </a:bodyPr>
+          <a:lstStyle/>
+          <a:p>
+            <a:r>
+              <a:rPr lang="fr-FR" dirty="0" smtClean="0"/>
+              <a:t>Java </a:t>
             </a:r>
           </a:p>
           <a:p>
             <a:pPr lvl="1"/>
             <a:r>
-              <a:rPr lang="fr-FR" dirty="0"/>
-              <a:t>Ajout d’un caractère devant toutes les </a:t>
-            </a:r>
-            <a:r>
-              <a:rPr lang="fr-FR" dirty="0" smtClean="0"/>
-              <a:t>traductions</a:t>
-            </a:r>
-          </a:p>
-          <a:p>
-            <a:pPr lvl="1"/>
-            <a:r>
-              <a:rPr lang="fr-FR" smtClean="0"/>
-              <a:t>\u540d : </a:t>
-            </a:r>
-            <a:endParaRPr lang="fr-FR" dirty="0"/>
-          </a:p>
-          <a:p>
-            <a:pPr lvl="1"/>
-            <a:r>
-              <a:rPr lang="fr-FR" dirty="0" smtClean="0"/>
-              <a:t>Vérifier la localisation de votre application</a:t>
+              <a:rPr lang="en-US" dirty="0" smtClean="0"/>
+              <a:t>\</a:t>
+            </a:r>
+            <a:r>
+              <a:rPr lang="en-US" dirty="0"/>
+              <a:t>u3053\u3093\u306b\u3061\u306f\u3001\u4e16\u754c\uff01</a:t>
             </a:r>
           </a:p>
           <a:p>
@@ -4297,33 +4224,26 @@
             <a:endParaRPr lang="fr-FR" dirty="0" smtClean="0"/>
           </a:p>
           <a:p>
-            <a:r>
-              <a:rPr lang="fr-FR" dirty="0" smtClean="0"/>
-              <a:t>Rechargement des </a:t>
-            </a:r>
+            <a:pPr lvl="1"/>
             <a:r>
               <a:rPr lang="fr-FR" dirty="0" err="1" smtClean="0"/>
-              <a:t>resources</a:t>
-            </a:r>
-            <a:endParaRPr lang="fr-FR" dirty="0" smtClean="0"/>
-          </a:p>
-          <a:p>
-            <a:pPr lvl="1"/>
-            <a:r>
-              <a:rPr lang="de-DE" dirty="0"/>
-              <a:t> </a:t>
-            </a:r>
-            <a:r>
-              <a:rPr lang="de-DE" dirty="0" err="1"/>
-              <a:t>ResourceBundle.clearCache</a:t>
-            </a:r>
-            <a:r>
-              <a:rPr lang="de-DE" dirty="0"/>
-              <a:t>()</a:t>
-            </a:r>
-            <a:r>
-              <a:rPr lang="de-DE" dirty="0" smtClean="0"/>
-              <a:t>;</a:t>
+              <a:t>Encoding</a:t>
+            </a:r>
+            <a:r>
+              <a:rPr lang="fr-FR" dirty="0" smtClean="0"/>
+              <a:t> du fichier et option –</a:t>
+            </a:r>
+            <a:r>
+              <a:rPr lang="fr-FR" dirty="0" err="1" smtClean="0"/>
+              <a:t>Dfile.encoding</a:t>
+            </a:r>
+            <a:r>
+              <a:rPr lang="fr-FR" dirty="0" smtClean="0"/>
+              <a:t>=UTF-</a:t>
+            </a:r>
+            <a:r>
+              <a:rPr lang="fr-FR" dirty="0" smtClean="0"/>
+              <a:t>8</a:t>
             </a:r>
           </a:p>
           <a:p>
@@ -4331,6 +4251,21 @@
             <a:endParaRPr lang="fr-FR" dirty="0" smtClean="0"/>
           </a:p>
           <a:p>
+            <a:r>
+              <a:rPr lang="fr-FR" dirty="0" smtClean="0"/>
+              <a:t>Html</a:t>
+            </a:r>
+          </a:p>
+          <a:p>
+            <a:pPr lvl="1"/>
+            <a:r>
+              <a:rPr lang="fr-FR" dirty="0"/>
+              <a:t>&amp;#x00AD</a:t>
+            </a:r>
+            <a:r>
+              <a:rPr lang="fr-FR" dirty="0" smtClean="0"/>
+              <a:t>;</a:t>
+            </a:r>
             <a:endParaRPr lang="fr-FR" dirty="0"/>
           </a:p>
         </p:txBody>
@@ -4338,7 +4273,7 @@
     </p:spTree>
     <p:extLst>
       <p:ext uri="{BB962C8B-B14F-4D97-AF65-F5344CB8AC3E}">
-        <p14:creationId xmlns:p14="http://schemas.microsoft.com/office/powerpoint/2010/main" val="3194146052"/>
+        <p14:creationId xmlns:p14="http://schemas.microsoft.com/office/powerpoint/2010/main" val="3126842541"/>
       </p:ext>
     </p:extLst>
   </p:cSld>
@@ -4382,7 +4317,7 @@
           <a:p>
             <a:r>
               <a:rPr lang="fr-FR" dirty="0" smtClean="0"/>
-              <a:t>Des outils</a:t>
+              <a:t>Idées au passage</a:t>
             </a:r>
             <a:endParaRPr lang="fr-FR" dirty="0"/>
           </a:p>
@@ -4404,91 +4339,84 @@
           <a:lstStyle/>
           <a:p>
             <a:r>
-              <a:rPr lang="fr-FR" dirty="0" smtClean="0"/>
-              <a:t>Native2ascii</a:t>
-            </a:r>
-          </a:p>
-          <a:p>
-            <a:r>
-              <a:rPr lang="en-US" dirty="0"/>
-              <a:t>org.apache.commons.lang3.</a:t>
-            </a:r>
-            <a:r>
-              <a:rPr lang="en-US" dirty="0" smtClean="0"/>
-              <a:t>CharUtils</a:t>
+              <a:rPr lang="fr-FR" dirty="0"/>
+              <a:t>Pseudo </a:t>
+            </a:r>
+            <a:r>
+              <a:rPr lang="fr-FR" dirty="0" smtClean="0"/>
+              <a:t>Localisation</a:t>
             </a:r>
           </a:p>
           <a:p>
             <a:pPr lvl="1"/>
             <a:r>
-              <a:rPr lang="en-US" dirty="0" err="1" smtClean="0"/>
-              <a:t>unicodeEscaped</a:t>
-            </a:r>
-            <a:r>
-              <a:rPr lang="en-US" dirty="0" smtClean="0"/>
-              <a:t>(char)</a:t>
+              <a:rPr lang="fr-FR" dirty="0"/>
+              <a:t>Ajout d’un caractère devant toutes les </a:t>
+            </a:r>
+            <a:r>
+              <a:rPr lang="fr-FR" dirty="0" smtClean="0"/>
+              <a:t>traductions</a:t>
             </a:r>
           </a:p>
           <a:p>
             <a:pPr lvl="1"/>
             <a:r>
-              <a:rPr lang="en-US" dirty="0" err="1" smtClean="0"/>
-              <a:t>isAscii</a:t>
-            </a:r>
-            <a:r>
-              <a:rPr lang="en-US" dirty="0" smtClean="0"/>
-              <a:t>(char</a:t>
-            </a:r>
-            <a:r>
-              <a:rPr lang="en-US" dirty="0" smtClean="0"/>
-              <a:t>)</a:t>
-            </a:r>
-          </a:p>
-          <a:p>
-            <a:r>
-              <a:rPr lang="fr-FR" dirty="0"/>
-              <a:t>j</a:t>
-            </a:r>
-            <a:r>
-              <a:rPr lang="en-US" dirty="0" err="1" smtClean="0"/>
-              <a:t>ava.lang.Properties</a:t>
-            </a:r>
+              <a:rPr lang="fr-FR" dirty="0" smtClean="0"/>
+              <a:t>\u540d : </a:t>
+            </a:r>
+            <a:r>
+              <a:rPr lang="fr-FR" dirty="0" err="1" smtClean="0"/>
+              <a:t>名</a:t>
+            </a:r>
+            <a:r>
+              <a:rPr lang="fr-FR" dirty="0" smtClean="0"/>
+              <a:t> (veut dire Nom)</a:t>
+            </a:r>
+            <a:endParaRPr lang="fr-FR" dirty="0"/>
+          </a:p>
+          <a:p>
+            <a:pPr lvl="1"/>
+            <a:r>
+              <a:rPr lang="fr-FR" dirty="0" smtClean="0"/>
+              <a:t>Vérifier la localisation de votre application</a:t>
+            </a:r>
+          </a:p>
+          <a:p>
+            <a:pPr lvl="1"/>
             <a:endParaRPr lang="fr-FR" dirty="0" smtClean="0"/>
           </a:p>
           <a:p>
             <a:r>
+              <a:rPr lang="fr-FR" dirty="0" smtClean="0"/>
+              <a:t>Rechargement des </a:t>
+            </a:r>
+            <a:r>
               <a:rPr lang="fr-FR" dirty="0" err="1" smtClean="0"/>
-              <a:t>Intellij</a:t>
-            </a:r>
-            <a:r>
-              <a:rPr lang="fr-FR" dirty="0" smtClean="0"/>
+              <a:t>resources</a:t>
+            </a:r>
+            <a:endParaRPr lang="fr-FR" dirty="0" smtClean="0"/>
+          </a:p>
+          <a:p>
+            <a:pPr lvl="1"/>
+            <a:r>
+              <a:rPr lang="de-DE" dirty="0"/>
               <a:t> </a:t>
             </a:r>
             <a:r>
-              <a:rPr lang="fr-FR" dirty="0" err="1" smtClean="0"/>
-              <a:t>Idea</a:t>
-            </a:r>
-            <a:r>
-              <a:rPr lang="fr-FR" dirty="0" smtClean="0"/>
-              <a:t> </a:t>
+              <a:rPr lang="de-DE" dirty="0" err="1"/>
+              <a:t>ResourceBundle.clearCache</a:t>
+            </a:r>
+            <a:r>
+              <a:rPr lang="de-DE" dirty="0"/>
+              <a:t>()</a:t>
+            </a:r>
+            <a:r>
+              <a:rPr lang="de-DE" dirty="0" smtClean="0"/>
+              <a:t>;</a:t>
             </a:r>
           </a:p>
           <a:p>
             <a:pPr lvl="1"/>
-            <a:r>
-              <a:rPr lang="fr-FR" dirty="0" smtClean="0"/>
-              <a:t>auto native2ascii &amp; mode </a:t>
-            </a:r>
-            <a:r>
-              <a:rPr lang="fr-FR" dirty="0" err="1" smtClean="0"/>
-              <a:t>ResourceBundle</a:t>
-            </a:r>
-            <a:endParaRPr lang="fr-FR" dirty="0"/>
-          </a:p>
-          <a:p>
-            <a:endParaRPr lang="fr-FR" dirty="0" smtClean="0"/>
-          </a:p>
-          <a:p>
             <a:endParaRPr lang="fr-FR" dirty="0" smtClean="0"/>
           </a:p>
           <a:p>
@@ -4499,7 +4427,7 @@
     </p:spTree>
     <p:extLst>
       <p:ext uri="{BB962C8B-B14F-4D97-AF65-F5344CB8AC3E}">
-        <p14:creationId xmlns:p14="http://schemas.microsoft.com/office/powerpoint/2010/main" val="2425288845"/>
+        <p14:creationId xmlns:p14="http://schemas.microsoft.com/office/powerpoint/2010/main" val="3194146052"/>
       </p:ext>
     </p:extLst>
   </p:cSld>
@@ -4543,7 +4471,7 @@
           <a:p>
             <a:r>
               <a:rPr lang="fr-FR" dirty="0" smtClean="0"/>
-              <a:t>Aides à la traduction :</a:t>
+              <a:t>Des outils</a:t>
             </a:r>
             <a:endParaRPr lang="fr-FR" dirty="0"/>
           </a:p>
@@ -4565,136 +4493,109 @@
           <a:lstStyle/>
           <a:p>
             <a:r>
+              <a:rPr lang="fr-FR" dirty="0" smtClean="0"/>
+              <a:t>Native2ascii</a:t>
+            </a:r>
+          </a:p>
+          <a:p>
+            <a:r>
+              <a:rPr lang="en-US" dirty="0"/>
+              <a:t>org.apache.commons.lang3.</a:t>
+            </a:r>
+            <a:r>
+              <a:rPr lang="en-US" dirty="0" smtClean="0"/>
+              <a:t>CharUtils</a:t>
+            </a:r>
+          </a:p>
+          <a:p>
+            <a:pPr lvl="1"/>
+            <a:r>
               <a:rPr lang="en-US" dirty="0" err="1" smtClean="0"/>
-              <a:t>Savez-vous</a:t>
+              <a:t>unicodeEscaped</a:t>
             </a:r>
             <a:r>
               <a:rPr lang="en-US" dirty="0" smtClean="0"/>
+              <a:t>(char)</a:t>
+            </a:r>
+          </a:p>
+          <a:p>
+            <a:pPr lvl="1"/>
+            <a:r>
+              <a:rPr lang="en-US" dirty="0" err="1" smtClean="0"/>
+              <a:t>isAscii</a:t>
+            </a:r>
+            <a:r>
+              <a:rPr lang="en-US" dirty="0" smtClean="0"/>
+              <a:t>(char</a:t>
+            </a:r>
+            <a:r>
+              <a:rPr lang="en-US" dirty="0" smtClean="0"/>
+              <a:t>)</a:t>
+            </a:r>
+          </a:p>
+          <a:p>
+            <a:r>
+              <a:rPr lang="fr-FR" dirty="0"/>
+              <a:t>j</a:t>
+            </a:r>
+            <a:r>
+              <a:rPr lang="en-US" dirty="0" err="1" smtClean="0"/>
+              <a:t>ava.lang.Properties</a:t>
+            </a:r>
+            <a:endParaRPr lang="fr-FR" dirty="0" smtClean="0"/>
+          </a:p>
+          <a:p>
+            <a:r>
+              <a:rPr lang="fr-FR" dirty="0" err="1" smtClean="0"/>
+              <a:t>Intellij</a:t>
+            </a:r>
+            <a:r>
+              <a:rPr lang="fr-FR" dirty="0" smtClean="0"/>
               <a:t> </a:t>
             </a:r>
             <a:r>
-              <a:rPr lang="en-US" dirty="0" err="1" smtClean="0"/>
-              <a:t>qu’on</a:t>
-            </a:r>
-            <a:r>
-              <a:rPr lang="en-US" dirty="0" smtClean="0"/>
+              <a:rPr lang="fr-FR" dirty="0" err="1" smtClean="0"/>
+              <a:t>Idea</a:t>
+            </a:r>
+            <a:r>
+              <a:rPr lang="fr-FR" dirty="0" smtClean="0"/>
               <a:t> </a:t>
             </a:r>
-            <a:r>
-              <a:rPr lang="en-US" dirty="0" err="1" smtClean="0"/>
-              <a:t>peut</a:t>
-            </a:r>
-            <a:r>
-              <a:rPr lang="en-US" dirty="0" smtClean="0"/>
-              <a:t> savoir </a:t>
-            </a:r>
-            <a:r>
-              <a:rPr lang="en-US" dirty="0" err="1" smtClean="0"/>
-              <a:t>si</a:t>
-            </a:r>
-            <a:r>
-              <a:rPr lang="en-US" dirty="0" smtClean="0"/>
-              <a:t> </a:t>
-            </a:r>
-            <a:r>
-              <a:rPr lang="en-US" dirty="0" err="1" smtClean="0"/>
-              <a:t>vos</a:t>
-            </a:r>
-            <a:r>
-              <a:rPr lang="en-US" dirty="0" smtClean="0"/>
-              <a:t> </a:t>
-            </a:r>
-            <a:r>
-              <a:rPr lang="en-US" dirty="0" err="1" smtClean="0"/>
-              <a:t>textes</a:t>
-            </a:r>
-            <a:r>
-              <a:rPr lang="en-US" dirty="0" smtClean="0"/>
-              <a:t> </a:t>
-            </a:r>
-            <a:r>
-              <a:rPr lang="en-US" dirty="0" err="1" smtClean="0"/>
-              <a:t>seront</a:t>
-            </a:r>
-            <a:r>
-              <a:rPr lang="en-US" dirty="0" smtClean="0"/>
-              <a:t> </a:t>
-            </a:r>
-            <a:r>
-              <a:rPr lang="en-US" dirty="0" err="1" smtClean="0"/>
-              <a:t>durs</a:t>
-            </a:r>
-            <a:r>
-              <a:rPr lang="en-US" dirty="0" smtClean="0"/>
-              <a:t> </a:t>
-            </a:r>
-            <a:r>
-              <a:rPr lang="en-US" dirty="0" err="1" smtClean="0"/>
-              <a:t>à</a:t>
-            </a:r>
-            <a:r>
-              <a:rPr lang="en-US" dirty="0" smtClean="0"/>
-              <a:t> </a:t>
-            </a:r>
-            <a:r>
-              <a:rPr lang="en-US" dirty="0" err="1" smtClean="0"/>
-              <a:t>traduire</a:t>
-            </a:r>
-            <a:r>
-              <a:rPr lang="en-US" dirty="0" smtClean="0"/>
-              <a:t> ?</a:t>
-            </a:r>
-          </a:p>
-          <a:p>
-            <a:endParaRPr lang="en-US" dirty="0" smtClean="0"/>
-          </a:p>
-          <a:p>
-            <a:pPr marL="0" indent="0" algn="ctr">
-              <a:buNone/>
-            </a:pPr>
-            <a:r>
-              <a:rPr lang="en-US" dirty="0" err="1" smtClean="0"/>
-              <a:t>Démo</a:t>
-            </a:r>
-            <a:endParaRPr lang="en-US" dirty="0" smtClean="0"/>
-          </a:p>
-          <a:p>
-            <a:endParaRPr lang="en-US" dirty="0" smtClean="0"/>
-          </a:p>
-          <a:p>
-            <a:r>
-              <a:rPr lang="en-US" dirty="0" smtClean="0">
-                <a:hlinkClick r:id="rId2"/>
-              </a:rPr>
-              <a:t>http</a:t>
-            </a:r>
-            <a:r>
-              <a:rPr lang="en-US" dirty="0">
-                <a:hlinkClick r:id="rId2"/>
-              </a:rPr>
-              <a:t>://</a:t>
-            </a:r>
-            <a:r>
-              <a:rPr lang="en-US" dirty="0" smtClean="0">
-                <a:hlinkClick r:id="rId2"/>
-              </a:rPr>
-              <a:t>www.languagetool.org</a:t>
-            </a:r>
-            <a:endParaRPr lang="en-US" dirty="0" smtClean="0"/>
-          </a:p>
-          <a:p>
-            <a:r>
-              <a:rPr lang="en-US" dirty="0"/>
-              <a:t>http://</a:t>
-            </a:r>
-            <a:r>
-              <a:rPr lang="en-US" dirty="0" err="1"/>
-              <a:t>translate.google.com</a:t>
-            </a:r>
-            <a:r>
-              <a:rPr lang="en-US" dirty="0"/>
-              <a:t>/toolkit</a:t>
-            </a:r>
+          </a:p>
+          <a:p>
+            <a:pPr lvl="1"/>
+            <a:r>
+              <a:rPr lang="fr-FR" dirty="0" smtClean="0"/>
+              <a:t>auto native2ascii &amp; mode </a:t>
+            </a:r>
+            <a:r>
+              <a:rPr lang="fr-FR" dirty="0" err="1" smtClean="0"/>
+              <a:t>ResourceBundle</a:t>
+            </a:r>
+            <a:endParaRPr lang="fr-FR" dirty="0" smtClean="0"/>
+          </a:p>
+          <a:p>
+            <a:r>
+              <a:rPr lang="fr-FR" dirty="0" smtClean="0"/>
+              <a:t>Un bon éditeur de texte (hexa, </a:t>
+            </a:r>
+            <a:r>
+              <a:rPr lang="fr-FR" dirty="0" err="1" smtClean="0"/>
+              <a:t>encoding</a:t>
+            </a:r>
+            <a:r>
+              <a:rPr lang="fr-FR" dirty="0" smtClean="0"/>
+              <a:t>)</a:t>
+            </a:r>
+            <a:endParaRPr lang="fr-FR" dirty="0"/>
+          </a:p>
+          <a:p>
+            <a:endParaRPr lang="fr-FR" dirty="0" smtClean="0"/>
+          </a:p>
+          <a:p>
+            <a:endParaRPr lang="fr-FR" dirty="0" smtClean="0"/>
+          </a:p>
+          <a:p>
             <a:endParaRPr lang="fr-FR" dirty="0"/>
           </a:p>
         </p:txBody>
@@ -4702,7 +4603,7 @@
     </p:spTree>
     <p:extLst>
       <p:ext uri="{BB962C8B-B14F-4D97-AF65-F5344CB8AC3E}">
-        <p14:creationId xmlns:p14="http://schemas.microsoft.com/office/powerpoint/2010/main" val="2553979514"/>
+        <p14:creationId xmlns:p14="http://schemas.microsoft.com/office/powerpoint/2010/main" val="2425288845"/>
       </p:ext>
     </p:extLst>
   </p:cSld>
@@ -4729,6 +4630,95 @@
           <a:chExt cx="0" cy="0"/>
         </a:xfrm>
       </p:grpSpPr>
+      <p:pic>
+        <p:nvPicPr>
+          <p:cNvPr id="4" name="Picture 2" descr="C:\Users\gdu\Desktop\gilles\lapin\111591.jpg"/>
+          <p:cNvPicPr>
+            <a:picLocks noChangeAspect="1" noChangeArrowheads="1"/>
+          </p:cNvPicPr>
+          <p:nvPr/>
+        </p:nvPicPr>
+        <p:blipFill>
+          <a:blip r:embed="rId2">
+            <a:extLst>
+              <a:ext uri="{28A0092B-C50C-407E-A947-70E740481C1C}">
+                <a14:useLocalDpi xmlns:a14="http://schemas.microsoft.com/office/drawing/2010/main" val="0"/>
+              </a:ext>
+            </a:extLst>
+          </a:blip>
+          <a:srcRect/>
+          <a:stretch>
+            <a:fillRect/>
+          </a:stretch>
+        </p:blipFill>
+        <p:spPr bwMode="auto">
+          <a:xfrm flipH="1">
+            <a:off x="6338943" y="2133600"/>
+            <a:ext cx="2359152" cy="3614928"/>
+          </a:xfrm>
+          <a:prstGeom prst="rect">
+            <a:avLst/>
+          </a:prstGeom>
+          <a:noFill/>
+          <a:extLst>
+            <a:ext uri="{909E8E84-426E-40dd-AFC4-6F175D3DCCD1}">
+              <a14:hiddenFill xmlns:a14="http://schemas.microsoft.com/office/drawing/2010/main">
+                <a:solidFill>
+                  <a:srgbClr val="FFFFFF"/>
+                </a:solidFill>
+              </a14:hiddenFill>
+            </a:ext>
+          </a:extLst>
+        </p:spPr>
+      </p:pic>
+      <p:sp>
+        <p:nvSpPr>
+          <p:cNvPr id="5" name="Pensées 4"/>
+          <p:cNvSpPr/>
+          <p:nvPr/>
+        </p:nvSpPr>
+        <p:spPr>
+          <a:xfrm>
+            <a:off x="7717367" y="776661"/>
+            <a:ext cx="1447800" cy="1222248"/>
+          </a:xfrm>
+          <a:prstGeom prst="cloudCallout">
+            <a:avLst/>
+          </a:prstGeom>
+          <a:solidFill>
+            <a:schemeClr val="accent2"/>
+          </a:solidFill>
+          <a:ln>
+            <a:solidFill>
+              <a:srgbClr val="FF0000"/>
+            </a:solidFill>
+          </a:ln>
+        </p:spPr>
+        <p:style>
+          <a:lnRef idx="2">
+            <a:schemeClr val="accent1">
+              <a:shade val="50000"/>
+            </a:schemeClr>
+          </a:lnRef>
+          <a:fillRef idx="1">
+            <a:schemeClr val="accent1"/>
+          </a:fillRef>
+          <a:effectRef idx="0">
+            <a:schemeClr val="accent1"/>
+          </a:effectRef>
+          <a:fontRef idx="minor">
+            <a:schemeClr val="lt1"/>
+          </a:fontRef>
+        </p:style>
+        <p:txBody>
+          <a:bodyPr rtlCol="0" anchor="ctr"/>
+          <a:lstStyle/>
+          <a:p>
+            <a:pPr algn="ctr"/>
+            <a:endParaRPr lang="en-US"/>
+          </a:p>
+        </p:txBody>
+      </p:sp>
       <p:sp>
         <p:nvSpPr>
           <p:cNvPr id="2" name="Titre 1"/>
@@ -4896,7 +4886,76 @@
       </p:grpSpPr>
       <p:sp>
         <p:nvSpPr>
-          <p:cNvPr id="2" name="Titre 1"/>
+          <p:cNvPr id="3" name="Espace réservé du numéro de diapositive 3"/>
+          <p:cNvSpPr>
+            <a:spLocks noGrp="1"/>
+          </p:cNvSpPr>
+          <p:nvPr>
+            <p:ph type="sldNum" sz="quarter" idx="10"/>
+          </p:nvPr>
+        </p:nvSpPr>
+        <p:spPr/>
+        <p:txBody>
+          <a:bodyPr/>
+          <a:lstStyle/>
+          <a:p>
+            <a:fld id="{491EF83F-DC3D-2B41-8CED-EDA4CF3DA041}" type="slidenum">
+              <a:rPr lang="en-US"/>
+              <a:pPr/>
+              <a:t>20</a:t>
+            </a:fld>
+            <a:endParaRPr lang="en-US"/>
+          </a:p>
+        </p:txBody>
+      </p:sp>
+      <p:sp>
+        <p:nvSpPr>
+          <p:cNvPr id="2" name="Rectangle 1"/>
+          <p:cNvSpPr/>
+          <p:nvPr/>
+        </p:nvSpPr>
+        <p:spPr>
+          <a:xfrm>
+            <a:off x="2514600" y="4419600"/>
+            <a:ext cx="4422835" cy="427502"/>
+          </a:xfrm>
+          <a:prstGeom prst="rect">
+            <a:avLst/>
+          </a:prstGeom>
+        </p:spPr>
+        <p:txBody>
+          <a:bodyPr wrap="square" lIns="57607" tIns="28804" rIns="57607" bIns="28804">
+            <a:spAutoFit/>
+          </a:bodyPr>
+          <a:lstStyle/>
+          <a:p>
+            <a:r>
+              <a:rPr lang="en-US" sz="2400" dirty="0"/>
+              <a:t>https://</a:t>
+            </a:r>
+            <a:r>
+              <a:rPr lang="en-US" sz="2400" dirty="0" err="1"/>
+              <a:t>github.com</a:t>
+            </a:r>
+            <a:r>
+              <a:rPr lang="en-US" sz="2400" dirty="0"/>
+              <a:t>/</a:t>
+            </a:r>
+            <a:r>
+              <a:rPr lang="en-US" sz="2400" dirty="0" err="1"/>
+              <a:t>dbaeli</a:t>
+            </a:r>
+            <a:r>
+              <a:rPr lang="en-US" sz="2400" dirty="0" smtClean="0"/>
+              <a:t>/ez18n</a:t>
+            </a:r>
+            <a:endParaRPr lang="fr-FR" sz="2400" dirty="0"/>
+          </a:p>
+        </p:txBody>
+      </p:sp>
+      <p:sp>
+        <p:nvSpPr>
+          <p:cNvPr id="4" name="Titre 3"/>
           <p:cNvSpPr>
             <a:spLocks noGrp="1"/>
           </p:cNvSpPr>
@@ -4904,353 +4963,175 @@
             <p:ph type="title"/>
           </p:nvPr>
         </p:nvSpPr>
-        <p:spPr/>
-        <p:txBody>
-          <a:bodyPr/>
-          <a:lstStyle/>
-          <a:p>
-            <a:r>
-              <a:rPr lang="fr-FR" dirty="0" smtClean="0"/>
-              <a:t>On vous laisse :</a:t>
+        <p:spPr>
+          <a:xfrm>
+            <a:off x="533400" y="1754814"/>
+            <a:ext cx="7843838" cy="902196"/>
+          </a:xfrm>
+        </p:spPr>
+        <p:txBody>
+          <a:bodyPr>
+            <a:normAutofit fontScale="90000"/>
+          </a:bodyPr>
+          <a:lstStyle/>
+          <a:p>
+            <a:r>
+              <a:rPr lang="fr-FR" dirty="0" smtClean="0"/>
+              <a:t>Merci !</a:t>
+            </a:r>
+            <a:br>
+              <a:rPr lang="fr-FR" dirty="0" smtClean="0"/>
+            </a:br>
+            <a:r>
+              <a:rPr lang="fr-FR" dirty="0" smtClean="0"/>
+              <a:t/>
+            </a:r>
+            <a:br>
+              <a:rPr lang="fr-FR" dirty="0" smtClean="0"/>
+            </a:br>
+            <a:r>
+              <a:rPr lang="fr-FR" dirty="0" smtClean="0"/>
+              <a:t>Just </a:t>
+            </a:r>
+            <a:r>
+              <a:rPr lang="fr-FR" dirty="0" err="1" smtClean="0"/>
+              <a:t>Fork</a:t>
+            </a:r>
+            <a:r>
+              <a:rPr lang="fr-FR" dirty="0" smtClean="0"/>
+              <a:t> </a:t>
+            </a:r>
+            <a:r>
+              <a:rPr lang="fr-FR" dirty="0" err="1" smtClean="0"/>
+              <a:t>it</a:t>
+            </a:r>
+            <a:r>
+              <a:rPr lang="fr-FR" dirty="0" smtClean="0"/>
+              <a:t> </a:t>
+            </a:r>
+            <a:r>
+              <a:rPr lang="fr-FR" dirty="0" smtClean="0"/>
+              <a:t>@</a:t>
+            </a:r>
+            <a:r>
+              <a:rPr lang="fr-FR" dirty="0" err="1" smtClean="0"/>
+              <a:t>github</a:t>
+            </a:r>
+            <a:r>
+              <a:rPr lang="fr-FR" dirty="0" smtClean="0"/>
+              <a:t> !</a:t>
             </a:r>
             <a:endParaRPr lang="fr-FR" dirty="0"/>
           </a:p>
         </p:txBody>
       </p:sp>
-      <p:sp>
-        <p:nvSpPr>
-          <p:cNvPr id="3" name="Espace réservé du contenu 2"/>
-          <p:cNvSpPr>
-            <a:spLocks noGrp="1"/>
-          </p:cNvSpPr>
-          <p:nvPr>
-            <p:ph idx="1"/>
-          </p:nvPr>
-        </p:nvSpPr>
-        <p:spPr/>
-        <p:txBody>
-          <a:bodyPr anchor="t"/>
-          <a:lstStyle/>
-          <a:p>
-            <a:pPr marL="0" indent="0">
-              <a:buNone/>
-            </a:pPr>
-            <a:endParaRPr lang="fr-FR" dirty="0" smtClean="0"/>
-          </a:p>
-          <a:p>
-            <a:r>
-              <a:rPr lang="fr-FR" dirty="0" smtClean="0"/>
-              <a:t>HTML : Pas d’</a:t>
-            </a:r>
-            <a:r>
-              <a:rPr lang="fr-FR" dirty="0" err="1" smtClean="0"/>
-              <a:t>encoding</a:t>
-            </a:r>
-            <a:r>
-              <a:rPr lang="fr-FR" dirty="0" smtClean="0"/>
-              <a:t> par défaut !</a:t>
-            </a:r>
-          </a:p>
-          <a:p>
-            <a:r>
-              <a:rPr lang="fr-FR" dirty="0" smtClean="0"/>
-              <a:t>PHP : UTF-8 pas supporté, bon courage !</a:t>
-            </a:r>
-          </a:p>
-          <a:p>
-            <a:endParaRPr lang="fr-FR" dirty="0"/>
-          </a:p>
-        </p:txBody>
-      </p:sp>
+      <p:pic>
+        <p:nvPicPr>
+          <p:cNvPr id="6" name="Picture 2" descr="C:\Users\gdu\Desktop\gilles\lapin\111591.jpg"/>
+          <p:cNvPicPr>
+            <a:picLocks noChangeAspect="1" noChangeArrowheads="1"/>
+          </p:cNvPicPr>
+          <p:nvPr/>
+        </p:nvPicPr>
+        <p:blipFill>
+          <a:blip r:embed="rId2">
+            <a:extLst>
+              <a:ext uri="{28A0092B-C50C-407E-A947-70E740481C1C}">
+                <a14:useLocalDpi xmlns:a14="http://schemas.microsoft.com/office/drawing/2010/main" val="0"/>
+              </a:ext>
+            </a:extLst>
+          </a:blip>
+          <a:srcRect/>
+          <a:stretch>
+            <a:fillRect/>
+          </a:stretch>
+        </p:blipFill>
+        <p:spPr bwMode="auto">
+          <a:xfrm flipH="1">
+            <a:off x="7086600" y="2819400"/>
+            <a:ext cx="1539715" cy="2711196"/>
+          </a:xfrm>
+          <a:prstGeom prst="rect">
+            <a:avLst/>
+          </a:prstGeom>
+          <a:noFill/>
+          <a:extLst>
+            <a:ext uri="{909E8E84-426E-40dd-AFC4-6F175D3DCCD1}">
+              <a14:hiddenFill xmlns:a14="http://schemas.microsoft.com/office/drawing/2010/main">
+                <a:solidFill>
+                  <a:srgbClr val="FFFFFF"/>
+                </a:solidFill>
+              </a14:hiddenFill>
+            </a:ext>
+          </a:extLst>
+        </p:spPr>
+      </p:pic>
+      <p:pic>
+        <p:nvPicPr>
+          <p:cNvPr id="7" name="Picture 3" descr="C:\Users\gdu\Desktop\gilles\lapin\111594.jpg"/>
+          <p:cNvPicPr>
+            <a:picLocks noChangeAspect="1" noChangeArrowheads="1"/>
+          </p:cNvPicPr>
+          <p:nvPr/>
+        </p:nvPicPr>
+        <p:blipFill>
+          <a:blip r:embed="rId3">
+            <a:extLst>
+              <a:ext uri="{28A0092B-C50C-407E-A947-70E740481C1C}">
+                <a14:useLocalDpi xmlns:a14="http://schemas.microsoft.com/office/drawing/2010/main" val="0"/>
+              </a:ext>
+            </a:extLst>
+          </a:blip>
+          <a:srcRect/>
+          <a:stretch>
+            <a:fillRect/>
+          </a:stretch>
+        </p:blipFill>
+        <p:spPr bwMode="auto">
+          <a:xfrm flipH="1">
+            <a:off x="381000" y="2895600"/>
+            <a:ext cx="1456873" cy="2948940"/>
+          </a:xfrm>
+          <a:prstGeom prst="rect">
+            <a:avLst/>
+          </a:prstGeom>
+          <a:noFill/>
+          <a:extLst>
+            <a:ext uri="{909E8E84-426E-40dd-AFC4-6F175D3DCCD1}">
+              <a14:hiddenFill xmlns:a14="http://schemas.microsoft.com/office/drawing/2010/main">
+                <a:solidFill>
+                  <a:srgbClr val="FFFFFF"/>
+                </a:solidFill>
+              </a14:hiddenFill>
+            </a:ext>
+          </a:extLst>
+        </p:spPr>
+      </p:pic>
     </p:spTree>
     <p:extLst>
       <p:ext uri="{BB962C8B-B14F-4D97-AF65-F5344CB8AC3E}">
-        <p14:creationId xmlns:p14="http://schemas.microsoft.com/office/powerpoint/2010/main" val="3448887877"/>
+        <p14:creationId xmlns:p14="http://schemas.microsoft.com/office/powerpoint/2010/main" val="2518991779"/>
       </p:ext>
     </p:extLst>
   </p:cSld>
   <p:clrMapOvr>
     <a:masterClrMapping/>
   </p:clrMapOvr>
-</p:sld>
-</file>
-
-<file path=ppt/slides/slide21.xml><?xml version="1.0" encoding="utf-8"?>
-<p:sld xmlns:a="http://schemas.openxmlformats.org/drawingml/2006/main" xmlns:r="http://schemas.openxmlformats.org/officeDocument/2006/relationships" xmlns:p="http://schemas.openxmlformats.org/presentationml/2006/main">
-  <p:cSld>
-    <p:spTree>
-      <p:nvGrpSpPr>
-        <p:cNvPr id="1" name=""/>
-        <p:cNvGrpSpPr/>
-        <p:nvPr/>
-      </p:nvGrpSpPr>
-      <p:grpSpPr>
-        <a:xfrm>
-          <a:off x="0" y="0"/>
-          <a:ext cx="0" cy="0"/>
-          <a:chOff x="0" y="0"/>
-          <a:chExt cx="0" cy="0"/>
-        </a:xfrm>
-      </p:grpSpPr>
-      <p:sp>
-        <p:nvSpPr>
-          <p:cNvPr id="2" name="Titre 1"/>
-          <p:cNvSpPr>
-            <a:spLocks noGrp="1"/>
-          </p:cNvSpPr>
-          <p:nvPr>
-            <p:ph type="title"/>
-          </p:nvPr>
-        </p:nvSpPr>
-        <p:spPr/>
-        <p:txBody>
-          <a:bodyPr/>
-          <a:lstStyle/>
-          <a:p>
-            <a:r>
-              <a:rPr lang="fr-FR" dirty="0" smtClean="0"/>
-              <a:t>Besoin de gouvernance</a:t>
-            </a:r>
-            <a:endParaRPr lang="fr-FR" dirty="0"/>
-          </a:p>
-        </p:txBody>
-      </p:sp>
-      <p:sp>
-        <p:nvSpPr>
-          <p:cNvPr id="3" name="Espace réservé du contenu 2"/>
-          <p:cNvSpPr>
-            <a:spLocks noGrp="1"/>
-          </p:cNvSpPr>
-          <p:nvPr>
-            <p:ph idx="1"/>
-          </p:nvPr>
-        </p:nvSpPr>
-        <p:spPr/>
-        <p:txBody>
-          <a:bodyPr/>
-          <a:lstStyle/>
-          <a:p>
-            <a:r>
-              <a:rPr lang="fr-FR" dirty="0" smtClean="0"/>
-              <a:t>Gestion de plusieurs langues </a:t>
-            </a:r>
-          </a:p>
-          <a:p>
-            <a:r>
-              <a:rPr lang="fr-FR" dirty="0" smtClean="0"/>
-              <a:t>Maintenance par les développeurs</a:t>
-            </a:r>
-          </a:p>
-          <a:p>
-            <a:r>
-              <a:rPr lang="fr-FR" dirty="0" smtClean="0"/>
-              <a:t>Externalisation à des traducteurs</a:t>
-            </a:r>
-          </a:p>
-          <a:p>
-            <a:r>
-              <a:rPr lang="fr-FR" dirty="0" smtClean="0"/>
-              <a:t>Intégration et synchronisation</a:t>
-            </a:r>
-          </a:p>
-          <a:p>
-            <a:r>
-              <a:rPr lang="fr-FR" dirty="0" smtClean="0"/>
-              <a:t>Accepter corrections tardives</a:t>
-            </a:r>
-          </a:p>
-          <a:p>
-            <a:endParaRPr lang="fr-FR" dirty="0" smtClean="0"/>
-          </a:p>
-          <a:p>
-            <a:endParaRPr lang="fr-FR" dirty="0"/>
-          </a:p>
-          <a:p>
-            <a:endParaRPr lang="fr-FR" dirty="0" smtClean="0"/>
-          </a:p>
-          <a:p>
-            <a:endParaRPr lang="fr-FR" dirty="0"/>
-          </a:p>
-        </p:txBody>
-      </p:sp>
-    </p:spTree>
-    <p:extLst>
-      <p:ext uri="{BB962C8B-B14F-4D97-AF65-F5344CB8AC3E}">
-        <p14:creationId xmlns:p14="http://schemas.microsoft.com/office/powerpoint/2010/main" val="3762882879"/>
-      </p:ext>
-    </p:extLst>
-  </p:cSld>
-  <p:clrMapOvr>
-    <a:masterClrMapping/>
-  </p:clrMapOvr>
-</p:sld>
-</file>
-
-<file path=ppt/slides/slide22.xml><?xml version="1.0" encoding="utf-8"?>
-<p:sld xmlns:a="http://schemas.openxmlformats.org/drawingml/2006/main" xmlns:r="http://schemas.openxmlformats.org/officeDocument/2006/relationships" xmlns:p="http://schemas.openxmlformats.org/presentationml/2006/main">
-  <p:cSld>
-    <p:spTree>
-      <p:nvGrpSpPr>
-        <p:cNvPr id="1" name=""/>
-        <p:cNvGrpSpPr/>
-        <p:nvPr/>
-      </p:nvGrpSpPr>
-      <p:grpSpPr>
-        <a:xfrm>
-          <a:off x="0" y="0"/>
-          <a:ext cx="0" cy="0"/>
-          <a:chOff x="0" y="0"/>
-          <a:chExt cx="0" cy="0"/>
-        </a:xfrm>
-      </p:grpSpPr>
-      <p:sp>
-        <p:nvSpPr>
-          <p:cNvPr id="2" name="Titre 1"/>
-          <p:cNvSpPr>
-            <a:spLocks noGrp="1"/>
-          </p:cNvSpPr>
-          <p:nvPr>
-            <p:ph type="title"/>
-          </p:nvPr>
-        </p:nvSpPr>
-        <p:spPr/>
-        <p:txBody>
-          <a:bodyPr/>
-          <a:lstStyle/>
-          <a:p>
-            <a:r>
-              <a:rPr lang="fr-FR" dirty="0" smtClean="0"/>
-              <a:t>Sources</a:t>
-            </a:r>
-            <a:endParaRPr lang="fr-FR" dirty="0"/>
-          </a:p>
-        </p:txBody>
-      </p:sp>
-      <p:sp>
-        <p:nvSpPr>
-          <p:cNvPr id="3" name="Espace réservé du contenu 2"/>
-          <p:cNvSpPr>
-            <a:spLocks noGrp="1"/>
-          </p:cNvSpPr>
-          <p:nvPr>
-            <p:ph idx="1"/>
-          </p:nvPr>
-        </p:nvSpPr>
-        <p:spPr>
-          <a:xfrm>
-            <a:off x="279400" y="1219200"/>
-            <a:ext cx="8839200" cy="4525963"/>
-          </a:xfrm>
-        </p:spPr>
-        <p:txBody>
-          <a:bodyPr/>
-          <a:lstStyle/>
-          <a:p>
-            <a:r>
-              <a:rPr lang="en-US" sz="1600" dirty="0" smtClean="0">
-                <a:hlinkClick r:id="rId2"/>
-              </a:rPr>
-              <a:t>http</a:t>
-            </a:r>
-            <a:r>
-              <a:rPr lang="en-US" sz="1600" dirty="0">
-                <a:hlinkClick r:id="rId2"/>
-              </a:rPr>
-              <a:t>://www.joelonsoftware.com/articles/</a:t>
-            </a:r>
-            <a:r>
-              <a:rPr lang="en-US" sz="1600" dirty="0" smtClean="0">
-                <a:hlinkClick r:id="rId2"/>
-              </a:rPr>
-              <a:t>Unicode.html</a:t>
-            </a:r>
-            <a:endParaRPr lang="en-US" sz="1600" dirty="0" smtClean="0"/>
-          </a:p>
-          <a:p>
-            <a:r>
-              <a:rPr lang="hu-HU" sz="1600" dirty="0">
-                <a:hlinkClick r:id="rId3"/>
-              </a:rPr>
-              <a:t>http://docs.oracle.com/javase/specs/</a:t>
-            </a:r>
-            <a:endParaRPr lang="en-US" sz="1600" dirty="0"/>
-          </a:p>
-          <a:p>
-            <a:r>
-              <a:rPr lang="pl-PL" sz="1600" dirty="0" smtClean="0">
-                <a:hlinkClick r:id="rId4"/>
-              </a:rPr>
-              <a:t>http</a:t>
-            </a:r>
-            <a:r>
-              <a:rPr lang="pl-PL" sz="1600" dirty="0">
-                <a:hlinkClick r:id="rId4"/>
-              </a:rPr>
-              <a:t>://www.debian.org/doc/manuals/intro-i18n/</a:t>
-            </a:r>
-            <a:endParaRPr lang="pl-PL" sz="1600" dirty="0"/>
-          </a:p>
-          <a:p>
-            <a:r>
-              <a:rPr lang="pl-PL" sz="1600" dirty="0" smtClean="0">
-                <a:hlinkClick r:id="rId5"/>
-              </a:rPr>
-              <a:t>http</a:t>
-            </a:r>
-            <a:r>
-              <a:rPr lang="pl-PL" sz="1600" dirty="0">
-                <a:hlinkClick r:id="rId5"/>
-              </a:rPr>
-              <a:t>://www.i18nguy.com</a:t>
-            </a:r>
-            <a:r>
-              <a:rPr lang="pl-PL" sz="1600" dirty="0" smtClean="0">
-                <a:hlinkClick r:id="rId5"/>
-              </a:rPr>
-              <a:t>/</a:t>
-            </a:r>
-            <a:endParaRPr lang="en-US" sz="1600" dirty="0"/>
-          </a:p>
-          <a:p>
-            <a:pPr marL="0" indent="0">
-              <a:buNone/>
-            </a:pPr>
-            <a:endParaRPr lang="en-US" sz="1200" dirty="0" smtClean="0"/>
-          </a:p>
-          <a:p>
-            <a:r>
-              <a:rPr lang="en-US" sz="1600" dirty="0" smtClean="0"/>
-              <a:t>Extra:</a:t>
-            </a:r>
-          </a:p>
-          <a:p>
-            <a:pPr lvl="1"/>
-            <a:r>
-              <a:rPr lang="en-US" sz="1400" dirty="0">
-                <a:hlinkClick r:id="rId6"/>
-              </a:rPr>
-              <a:t>http://www.pcinpact.com/news/56016-php-6-support-unicode-rasmus-lerdorf-utf16-problemes.htm</a:t>
-            </a:r>
-            <a:endParaRPr lang="en-US" sz="1400" dirty="0"/>
-          </a:p>
-          <a:p>
-            <a:endParaRPr lang="en-US" sz="1200" dirty="0" smtClean="0"/>
-          </a:p>
-          <a:p>
-            <a:endParaRPr lang="fr-FR" dirty="0"/>
-          </a:p>
-        </p:txBody>
-      </p:sp>
-    </p:spTree>
-    <p:extLst>
-      <p:ext uri="{BB962C8B-B14F-4D97-AF65-F5344CB8AC3E}">
-        <p14:creationId xmlns:p14="http://schemas.microsoft.com/office/powerpoint/2010/main" val="1572255572"/>
-      </p:ext>
-    </p:extLst>
-  </p:cSld>
-  <p:clrMapOvr>
-    <a:masterClrMapping/>
-  </p:clrMapOvr>
+  <mc:AlternateContent xmlns:mc="http://schemas.openxmlformats.org/markup-compatibility/2006">
+    <mc:Choice xmlns:p14="http://schemas.microsoft.com/office/powerpoint/2010/main" Requires="p14">
+      <p:transition spd="slow" p14:dur="2000"/>
+    </mc:Choice>
+    <mc:Fallback>
+      <p:transition xmlns:p14="http://schemas.microsoft.com/office/powerpoint/2010/main" spd="slow"/>
+    </mc:Fallback>
+  </mc:AlternateContent>
+  <p:timing>
+    <p:tnLst>
+      <p:par>
+        <p:cTn xmlns:p14="http://schemas.microsoft.com/office/powerpoint/2010/main" id="1" dur="indefinite" restart="never" nodeType="tmRoot"/>
+      </p:par>
+    </p:tnLst>
+  </p:timing>
 </p:sld>
 </file>
 
@@ -5516,6 +5397,47 @@
           </a:p>
         </p:txBody>
       </p:sp>
+      <p:pic>
+        <p:nvPicPr>
+          <p:cNvPr id="4" name="Picture 3" descr="C:\Users\gdu\Desktop\gilles\lapin\111594.jpg"/>
+          <p:cNvPicPr>
+            <a:picLocks noChangeAspect="1" noChangeArrowheads="1"/>
+          </p:cNvPicPr>
+          <p:nvPr/>
+        </p:nvPicPr>
+        <p:blipFill>
+          <a:blip r:embed="rId2">
+            <a:extLst>
+              <a:ext uri="{28A0092B-C50C-407E-A947-70E740481C1C}">
+                <a14:useLocalDpi xmlns:a14="http://schemas.microsoft.com/office/drawing/2010/main" val="0"/>
+              </a:ext>
+            </a:extLst>
+          </a:blip>
+          <a:srcRect/>
+          <a:stretch>
+            <a:fillRect/>
+          </a:stretch>
+        </p:blipFill>
+        <p:spPr bwMode="auto">
+          <a:xfrm flipH="1">
+            <a:off x="6934200" y="838200"/>
+            <a:ext cx="1920240" cy="3931920"/>
+          </a:xfrm>
+          <a:prstGeom prst="rect">
+            <a:avLst/>
+          </a:prstGeom>
+          <a:noFill/>
+          <a:extLst>
+            <a:ext uri="{909E8E84-426E-40dd-AFC4-6F175D3DCCD1}">
+              <a14:hiddenFill xmlns:a14="http://schemas.microsoft.com/office/drawing/2010/main">
+                <a:solidFill>
+                  <a:srgbClr val="FFFFFF"/>
+                </a:solidFill>
+              </a14:hiddenFill>
+            </a:ext>
+          </a:extLst>
+        </p:spPr>
+      </p:pic>
     </p:spTree>
     <p:extLst>
       <p:ext uri="{BB962C8B-B14F-4D97-AF65-F5344CB8AC3E}">
@@ -5862,7 +5784,7 @@
           <a:p>
             <a:r>
               <a:rPr lang="fr-FR" dirty="0" smtClean="0"/>
-              <a:t>Le champ de traduction</a:t>
+              <a:t>Le champ d’action</a:t>
             </a:r>
             <a:endParaRPr lang="fr-FR" dirty="0"/>
           </a:p>

--- a/ez18n-slides/ez18n_theorie.pptx
+++ b/ez18n-slides/ez18n_theorie.pptx
@@ -6,25 +6,26 @@
   </p:sldMasterIdLst>
   <p:sldIdLst>
     <p:sldId id="256" r:id="rId2"/>
-    <p:sldId id="271" r:id="rId3"/>
-    <p:sldId id="272" r:id="rId4"/>
-    <p:sldId id="274" r:id="rId5"/>
-    <p:sldId id="257" r:id="rId6"/>
-    <p:sldId id="262" r:id="rId7"/>
-    <p:sldId id="258" r:id="rId8"/>
-    <p:sldId id="268" r:id="rId9"/>
-    <p:sldId id="264" r:id="rId10"/>
-    <p:sldId id="270" r:id="rId11"/>
-    <p:sldId id="276" r:id="rId12"/>
-    <p:sldId id="266" r:id="rId13"/>
-    <p:sldId id="259" r:id="rId14"/>
-    <p:sldId id="279" r:id="rId15"/>
-    <p:sldId id="278" r:id="rId16"/>
-    <p:sldId id="277" r:id="rId17"/>
-    <p:sldId id="261" r:id="rId18"/>
-    <p:sldId id="265" r:id="rId19"/>
-    <p:sldId id="260" r:id="rId20"/>
-    <p:sldId id="281" r:id="rId21"/>
+    <p:sldId id="282" r:id="rId3"/>
+    <p:sldId id="271" r:id="rId4"/>
+    <p:sldId id="272" r:id="rId5"/>
+    <p:sldId id="274" r:id="rId6"/>
+    <p:sldId id="257" r:id="rId7"/>
+    <p:sldId id="262" r:id="rId8"/>
+    <p:sldId id="258" r:id="rId9"/>
+    <p:sldId id="268" r:id="rId10"/>
+    <p:sldId id="264" r:id="rId11"/>
+    <p:sldId id="270" r:id="rId12"/>
+    <p:sldId id="276" r:id="rId13"/>
+    <p:sldId id="266" r:id="rId14"/>
+    <p:sldId id="259" r:id="rId15"/>
+    <p:sldId id="279" r:id="rId16"/>
+    <p:sldId id="278" r:id="rId17"/>
+    <p:sldId id="277" r:id="rId18"/>
+    <p:sldId id="261" r:id="rId19"/>
+    <p:sldId id="265" r:id="rId20"/>
+    <p:sldId id="260" r:id="rId21"/>
+    <p:sldId id="281" r:id="rId22"/>
   </p:sldIdLst>
   <p:sldSz cx="9144000" cy="6858000" type="screen4x3"/>
   <p:notesSz cx="6858000" cy="9144000"/>
@@ -3199,12 +3200,23 @@
           <a:lstStyle/>
           <a:p>
             <a:r>
-              <a:rPr lang="en-US" dirty="0" smtClean="0"/>
+              <a:rPr lang="en-US" dirty="0"/>
               <a:t>@</a:t>
             </a:r>
             <a:r>
-              <a:rPr lang="en-US" dirty="0" err="1" smtClean="0"/>
+              <a:rPr lang="en-US" dirty="0" err="1"/>
               <a:t>dbaeli</a:t>
+            </a:r>
+            <a:endParaRPr lang="en-US" dirty="0"/>
+          </a:p>
+          <a:p>
+            <a:r>
+              <a:rPr lang="en-US" dirty="0"/>
+              <a:t>@</a:t>
+            </a:r>
+            <a:r>
+              <a:rPr lang="en-US"/>
+              <a:t>gdigugli</a:t>
             </a:r>
             <a:endParaRPr lang="fr-FR" dirty="0"/>
           </a:p>
@@ -3263,155 +3275,175 @@
           <a:lstStyle/>
           <a:p>
             <a:r>
+              <a:rPr lang="fr-FR" dirty="0" smtClean="0"/>
+              <a:t>I</a:t>
+            </a:r>
+            <a:r>
+              <a:rPr lang="fr-FR" dirty="0" smtClean="0"/>
+              <a:t>18n en Java</a:t>
+            </a:r>
+            <a:endParaRPr lang="fr-FR" dirty="0"/>
+          </a:p>
+        </p:txBody>
+      </p:sp>
+      <p:sp>
+        <p:nvSpPr>
+          <p:cNvPr id="3" name="Espace réservé du contenu 2"/>
+          <p:cNvSpPr>
+            <a:spLocks noGrp="1"/>
+          </p:cNvSpPr>
+          <p:nvPr>
+            <p:ph idx="1"/>
+          </p:nvPr>
+        </p:nvSpPr>
+        <p:spPr/>
+        <p:txBody>
+          <a:bodyPr/>
+          <a:lstStyle/>
+          <a:p>
+            <a:r>
+              <a:rPr lang="fr-FR" dirty="0" err="1" smtClean="0"/>
+              <a:t>RessourceBundle</a:t>
+            </a:r>
+            <a:endParaRPr lang="fr-FR" dirty="0"/>
+          </a:p>
+          <a:p>
+            <a:pPr lvl="1"/>
+            <a:r>
+              <a:rPr lang="de-DE" sz="1800" dirty="0" err="1" smtClean="0"/>
+              <a:t>ResourceBundle</a:t>
+            </a:r>
+            <a:r>
+              <a:rPr lang="de-DE" sz="1800" dirty="0" smtClean="0"/>
+              <a:t> </a:t>
+            </a:r>
+            <a:r>
+              <a:rPr lang="de-DE" sz="1800" dirty="0" err="1"/>
+              <a:t>bundle</a:t>
+            </a:r>
+            <a:r>
+              <a:rPr lang="de-DE" sz="1800" dirty="0"/>
+              <a:t> = </a:t>
+            </a:r>
+            <a:r>
+              <a:rPr lang="de-DE" sz="1800" dirty="0" err="1"/>
+              <a:t>ResourceBundle.getBundle</a:t>
+            </a:r>
+            <a:r>
+              <a:rPr lang="de-DE" sz="1800" dirty="0" smtClean="0"/>
+              <a:t>(</a:t>
+            </a:r>
+            <a:r>
+              <a:rPr lang="de-DE" sz="1800" dirty="0"/>
+              <a:t>"</a:t>
+            </a:r>
+            <a:r>
+              <a:rPr lang="de-DE" sz="1800" dirty="0" err="1" smtClean="0"/>
+              <a:t>example</a:t>
+            </a:r>
+            <a:r>
+              <a:rPr lang="de-DE" sz="1800" dirty="0" smtClean="0"/>
+              <a:t>“, </a:t>
+            </a:r>
+            <a:r>
+              <a:rPr lang="de-DE" sz="1800" dirty="0" err="1" smtClean="0"/>
+              <a:t>Locale.FRENCH</a:t>
+            </a:r>
+            <a:r>
+              <a:rPr lang="de-DE" sz="1800" dirty="0" smtClean="0"/>
+              <a:t>);</a:t>
+            </a:r>
+          </a:p>
+          <a:p>
+            <a:pPr lvl="1"/>
+            <a:r>
+              <a:rPr lang="fr-FR" sz="1800" dirty="0"/>
+              <a:t>e</a:t>
+            </a:r>
+            <a:r>
+              <a:rPr lang="de-DE" sz="1800" dirty="0" err="1" smtClean="0"/>
+              <a:t>xample.properties</a:t>
+            </a:r>
+            <a:r>
+              <a:rPr lang="de-DE" sz="1800" dirty="0" smtClean="0"/>
+              <a:t>, </a:t>
+            </a:r>
+            <a:r>
+              <a:rPr lang="de-DE" sz="1800" dirty="0" err="1" smtClean="0"/>
+              <a:t>example_en.properties</a:t>
+            </a:r>
+            <a:r>
+              <a:rPr lang="de-DE" sz="1800" dirty="0" smtClean="0"/>
+              <a:t>, </a:t>
+            </a:r>
+            <a:r>
+              <a:rPr lang="de-DE" sz="1800" dirty="0" err="1" smtClean="0"/>
+              <a:t>example_en_US.properties</a:t>
+            </a:r>
+            <a:endParaRPr lang="de-DE" sz="1800" dirty="0"/>
+          </a:p>
+          <a:p>
+            <a:pPr lvl="1"/>
+            <a:r>
+              <a:rPr lang="en-US" sz="1800" dirty="0" smtClean="0"/>
+              <a:t>Locale </a:t>
+            </a:r>
+            <a:r>
+              <a:rPr lang="en-US" sz="1800" dirty="0"/>
+              <a:t>locale = </a:t>
+            </a:r>
+            <a:r>
+              <a:rPr lang="en-US" sz="1800" dirty="0" err="1"/>
+              <a:t>request.getLocale</a:t>
+            </a:r>
+            <a:r>
+              <a:rPr lang="en-US" sz="1800" dirty="0"/>
+              <a:t>()</a:t>
+            </a:r>
+            <a:r>
+              <a:rPr lang="en-US" sz="1800" dirty="0" smtClean="0"/>
+              <a:t>; ( Servlets )</a:t>
+            </a:r>
+          </a:p>
+          <a:p>
+            <a:pPr lvl="1"/>
+            <a:endParaRPr lang="fr-FR" sz="1800" dirty="0" smtClean="0"/>
+          </a:p>
+          <a:p>
+            <a:r>
               <a:rPr lang="fr-FR" dirty="0" err="1" smtClean="0"/>
               <a:t>MessageFormat</a:t>
             </a:r>
-            <a:endParaRPr lang="fr-FR" dirty="0"/>
-          </a:p>
-        </p:txBody>
-      </p:sp>
-      <p:sp>
-        <p:nvSpPr>
-          <p:cNvPr id="3" name="Espace réservé du contenu 2"/>
-          <p:cNvSpPr>
-            <a:spLocks noGrp="1"/>
-          </p:cNvSpPr>
-          <p:nvPr>
-            <p:ph idx="1"/>
-          </p:nvPr>
-        </p:nvSpPr>
-        <p:spPr/>
-        <p:txBody>
-          <a:bodyPr/>
-          <a:lstStyle/>
-          <a:p>
-            <a:endParaRPr lang="fi-FI" dirty="0" smtClean="0"/>
-          </a:p>
-          <a:p>
-            <a:r>
-              <a:rPr lang="fi-FI" dirty="0" err="1" smtClean="0"/>
-              <a:t>Exemple</a:t>
-            </a:r>
-            <a:r>
-              <a:rPr lang="fi-FI" dirty="0" smtClean="0"/>
-              <a:t> : </a:t>
-            </a:r>
-            <a:r>
-              <a:rPr lang="en-US" dirty="0"/>
-              <a:t>{1,number,</a:t>
-            </a:r>
-            <a:r>
-              <a:rPr lang="en-US" dirty="0" smtClean="0"/>
-              <a:t>$#,</a:t>
-            </a:r>
-            <a:r>
-              <a:rPr lang="en-US" dirty="0"/>
-              <a:t>##</a:t>
-            </a:r>
-            <a:r>
-              <a:rPr lang="en-US" dirty="0" smtClean="0"/>
-              <a:t>}</a:t>
-            </a:r>
-          </a:p>
-          <a:p>
-            <a:r>
-              <a:rPr lang="en-US" dirty="0" smtClean="0"/>
-              <a:t>Les quotes </a:t>
-            </a:r>
-            <a:r>
-              <a:rPr lang="en-US" dirty="0" err="1" smtClean="0"/>
-              <a:t>sont</a:t>
-            </a:r>
-            <a:r>
-              <a:rPr lang="en-US" dirty="0" smtClean="0"/>
-              <a:t> des </a:t>
-            </a:r>
-            <a:r>
-              <a:rPr lang="en-US" dirty="0" err="1" smtClean="0"/>
-              <a:t>caractères</a:t>
-            </a:r>
-            <a:r>
-              <a:rPr lang="en-US" dirty="0" smtClean="0"/>
-              <a:t> </a:t>
-            </a:r>
-            <a:r>
-              <a:rPr lang="en-US" dirty="0" err="1" smtClean="0"/>
-              <a:t>d’échapement</a:t>
-            </a:r>
-            <a:endParaRPr lang="en-US" dirty="0" smtClean="0"/>
-          </a:p>
-          <a:p>
-            <a:r>
-              <a:rPr lang="en-US" dirty="0" err="1" smtClean="0"/>
-              <a:t>Formattage</a:t>
-            </a:r>
-            <a:r>
-              <a:rPr lang="en-US" dirty="0" smtClean="0"/>
-              <a:t> </a:t>
-            </a:r>
-            <a:r>
-              <a:rPr lang="en-US" dirty="0" err="1" smtClean="0"/>
-              <a:t>conditionne</a:t>
-            </a:r>
-            <a:endParaRPr lang="en-US" dirty="0" smtClean="0"/>
-          </a:p>
-          <a:p>
-            <a:pPr lvl="1"/>
-            <a:r>
-              <a:rPr lang="en-US" dirty="0" smtClean="0"/>
-              <a:t>NIH Syndrome (SVP le </a:t>
-            </a:r>
-            <a:r>
-              <a:rPr lang="en-US" dirty="0" err="1" smtClean="0"/>
-              <a:t>faites</a:t>
-            </a:r>
-            <a:r>
-              <a:rPr lang="en-US" dirty="0" smtClean="0"/>
-              <a:t> pas </a:t>
-            </a:r>
-            <a:r>
-              <a:rPr lang="en-US" dirty="0" err="1" smtClean="0"/>
-              <a:t>à</a:t>
-            </a:r>
-            <a:r>
-              <a:rPr lang="en-US" dirty="0" smtClean="0"/>
-              <a:t> la main)</a:t>
-            </a:r>
-          </a:p>
-          <a:p>
-            <a:pPr lvl="1"/>
-            <a:r>
-              <a:rPr lang="en-US" dirty="0" smtClean="0"/>
-              <a:t>{0,</a:t>
-            </a:r>
-            <a:r>
-              <a:rPr lang="en-US" dirty="0"/>
-              <a:t>choice,0# no files|1# one file|1&lt; </a:t>
-            </a:r>
-            <a:r>
-              <a:rPr lang="en-US" dirty="0" smtClean="0"/>
-              <a:t>{0,</a:t>
-            </a:r>
-            <a:r>
-              <a:rPr lang="en-US" dirty="0"/>
-              <a:t>number,integer} files}</a:t>
-            </a:r>
-          </a:p>
-          <a:p>
-            <a:endParaRPr lang="en-US" dirty="0"/>
-          </a:p>
-          <a:p>
-            <a:endParaRPr lang="en-US" dirty="0" smtClean="0"/>
-          </a:p>
-          <a:p>
-            <a:endParaRPr lang="fr-FR" dirty="0"/>
+            <a:r>
+              <a:rPr lang="fr-FR" dirty="0" smtClean="0"/>
+              <a:t>, </a:t>
+            </a:r>
+            <a:r>
+              <a:rPr lang="fr-FR" dirty="0" err="1" smtClean="0"/>
+              <a:t>DateFormat</a:t>
+            </a:r>
+            <a:r>
+              <a:rPr lang="fr-FR" dirty="0" smtClean="0"/>
+              <a:t>, </a:t>
+            </a:r>
+            <a:r>
+              <a:rPr lang="fr-FR" dirty="0" err="1" smtClean="0"/>
+              <a:t>NumberFormat</a:t>
+            </a:r>
+            <a:endParaRPr lang="fr-FR" dirty="0" smtClean="0"/>
+          </a:p>
+          <a:p>
+            <a:pPr marL="0" indent="0">
+              <a:buNone/>
+            </a:pPr>
+            <a:endParaRPr lang="fr-FR" dirty="0" smtClean="0"/>
           </a:p>
         </p:txBody>
       </p:sp>
     </p:spTree>
     <p:extLst>
       <p:ext uri="{BB962C8B-B14F-4D97-AF65-F5344CB8AC3E}">
-        <p14:creationId xmlns:p14="http://schemas.microsoft.com/office/powerpoint/2010/main" val="3759311154"/>
+        <p14:creationId xmlns:p14="http://schemas.microsoft.com/office/powerpoint/2010/main" val="2275462673"/>
       </p:ext>
     </p:extLst>
   </p:cSld>
@@ -3461,8 +3493,8 @@
           <a:lstStyle/>
           <a:p>
             <a:r>
-              <a:rPr lang="fr-FR" dirty="0" smtClean="0"/>
-              <a:t>Démo</a:t>
+              <a:rPr lang="fr-FR" dirty="0" err="1" smtClean="0"/>
+              <a:t>MessageFormat</a:t>
             </a:r>
             <a:endParaRPr lang="fr-FR" dirty="0"/>
           </a:p>
@@ -3480,39 +3512,128 @@
         </p:nvSpPr>
         <p:spPr/>
         <p:txBody>
-          <a:bodyPr anchor="ctr"/>
-          <a:lstStyle/>
-          <a:p>
-            <a:pPr marL="0" indent="0" algn="ctr">
-              <a:buNone/>
-            </a:pPr>
-            <a:r>
-              <a:rPr lang="fr-FR" dirty="0" smtClean="0"/>
-              <a:t>Old Style i18n</a:t>
-            </a:r>
-          </a:p>
-          <a:p>
-            <a:pPr marL="0" indent="0" algn="ctr">
-              <a:buNone/>
-            </a:pPr>
-            <a:endParaRPr lang="fr-FR" dirty="0"/>
-          </a:p>
-          <a:p>
-            <a:pPr marL="0" indent="0" algn="ctr">
-              <a:buNone/>
-            </a:pPr>
-            <a:r>
-              <a:rPr lang="fr-FR" dirty="0" smtClean="0"/>
-              <a:t>Non  UTF-8 </a:t>
-            </a:r>
-            <a:r>
-              <a:rPr lang="fr-FR" dirty="0" err="1" smtClean="0"/>
-              <a:t>Hell</a:t>
-            </a:r>
-            <a:r>
-              <a:rPr lang="fr-FR" dirty="0" smtClean="0"/>
-              <a:t> !!!</a:t>
-            </a:r>
+          <a:bodyPr/>
+          <a:lstStyle/>
+          <a:p>
+            <a:endParaRPr lang="fi-FI" dirty="0" smtClean="0"/>
+          </a:p>
+          <a:p>
+            <a:r>
+              <a:rPr lang="fi-FI" dirty="0" err="1" smtClean="0"/>
+              <a:t>Exemple</a:t>
+            </a:r>
+            <a:r>
+              <a:rPr lang="fi-FI" dirty="0" smtClean="0"/>
+              <a:t> : </a:t>
+            </a:r>
+            <a:r>
+              <a:rPr lang="en-US" dirty="0"/>
+              <a:t>{1,number,</a:t>
+            </a:r>
+            <a:r>
+              <a:rPr lang="en-US" dirty="0" smtClean="0"/>
+              <a:t>$#,</a:t>
+            </a:r>
+            <a:r>
+              <a:rPr lang="en-US" dirty="0"/>
+              <a:t>##</a:t>
+            </a:r>
+            <a:r>
+              <a:rPr lang="en-US" dirty="0" smtClean="0"/>
+              <a:t>}</a:t>
+            </a:r>
+          </a:p>
+          <a:p>
+            <a:r>
+              <a:rPr lang="en-US" dirty="0" smtClean="0"/>
+              <a:t>Les quotes </a:t>
+            </a:r>
+            <a:r>
+              <a:rPr lang="en-US" dirty="0" err="1" smtClean="0"/>
+              <a:t>sont</a:t>
+            </a:r>
+            <a:r>
+              <a:rPr lang="en-US" dirty="0" smtClean="0"/>
+              <a:t> des </a:t>
+            </a:r>
+            <a:r>
+              <a:rPr lang="en-US" dirty="0" err="1" smtClean="0"/>
+              <a:t>caractères</a:t>
+            </a:r>
+            <a:r>
+              <a:rPr lang="en-US" dirty="0" smtClean="0"/>
+              <a:t> </a:t>
+            </a:r>
+            <a:r>
+              <a:rPr lang="en-US" dirty="0" err="1" smtClean="0"/>
+              <a:t>d’échapement</a:t>
+            </a:r>
+            <a:endParaRPr lang="en-US" dirty="0" smtClean="0"/>
+          </a:p>
+          <a:p>
+            <a:r>
+              <a:rPr lang="en-US" dirty="0" err="1" smtClean="0"/>
+              <a:t>Formattage</a:t>
+            </a:r>
+            <a:r>
+              <a:rPr lang="en-US" dirty="0" smtClean="0"/>
+              <a:t> </a:t>
+            </a:r>
+            <a:r>
+              <a:rPr lang="en-US" dirty="0" err="1" smtClean="0"/>
+              <a:t>conditionne</a:t>
+            </a:r>
+            <a:endParaRPr lang="en-US" dirty="0" smtClean="0"/>
+          </a:p>
+          <a:p>
+            <a:pPr lvl="1"/>
+            <a:r>
+              <a:rPr lang="en-US" dirty="0" smtClean="0"/>
+              <a:t>NIH Syndrome (SVP le </a:t>
+            </a:r>
+            <a:r>
+              <a:rPr lang="en-US" dirty="0" err="1" smtClean="0"/>
+              <a:t>faites</a:t>
+            </a:r>
+            <a:r>
+              <a:rPr lang="en-US" dirty="0" smtClean="0"/>
+              <a:t> pas </a:t>
+            </a:r>
+            <a:r>
+              <a:rPr lang="en-US" dirty="0" err="1" smtClean="0"/>
+              <a:t>à</a:t>
+            </a:r>
+            <a:r>
+              <a:rPr lang="en-US" dirty="0" smtClean="0"/>
+              <a:t> la main)</a:t>
+            </a:r>
+          </a:p>
+          <a:p>
+            <a:pPr lvl="1"/>
+            <a:r>
+              <a:rPr lang="en-US" dirty="0" smtClean="0"/>
+              <a:t>{0,</a:t>
+            </a:r>
+            <a:r>
+              <a:rPr lang="en-US" dirty="0"/>
+              <a:t>choice,0# no files|1# one file|1&lt; </a:t>
+            </a:r>
+            <a:r>
+              <a:rPr lang="en-US" dirty="0" smtClean="0"/>
+              <a:t>{0,</a:t>
+            </a:r>
+            <a:r>
+              <a:rPr lang="en-US" dirty="0"/>
+              <a:t>number,integer} files}</a:t>
+            </a:r>
+          </a:p>
+          <a:p>
+            <a:endParaRPr lang="en-US" dirty="0"/>
+          </a:p>
+          <a:p>
+            <a:endParaRPr lang="en-US" dirty="0" smtClean="0"/>
+          </a:p>
+          <a:p>
             <a:endParaRPr lang="fr-FR" dirty="0"/>
           </a:p>
         </p:txBody>
@@ -3520,13 +3641,20 @@
     </p:spTree>
     <p:extLst>
       <p:ext uri="{BB962C8B-B14F-4D97-AF65-F5344CB8AC3E}">
-        <p14:creationId xmlns:p14="http://schemas.microsoft.com/office/powerpoint/2010/main" val="2430493303"/>
+        <p14:creationId xmlns:p14="http://schemas.microsoft.com/office/powerpoint/2010/main" val="3759311154"/>
       </p:ext>
     </p:extLst>
   </p:cSld>
   <p:clrMapOvr>
     <a:masterClrMapping/>
   </p:clrMapOvr>
+  <p:timing>
+    <p:tnLst>
+      <p:par>
+        <p:cTn xmlns:p14="http://schemas.microsoft.com/office/powerpoint/2010/main" id="1" dur="indefinite" restart="never" nodeType="tmRoot"/>
+      </p:par>
+    </p:tnLst>
+  </p:timing>
 </p:sld>
 </file>
 
@@ -3563,12 +3691,8 @@
           <a:lstStyle/>
           <a:p>
             <a:r>
-              <a:rPr lang="fr-FR" dirty="0"/>
-              <a:t>E</a:t>
-            </a:r>
-            <a:r>
-              <a:rPr lang="fr-FR" dirty="0" smtClean="0"/>
-              <a:t>xemples</a:t>
+              <a:rPr lang="fr-FR" dirty="0" smtClean="0"/>
+              <a:t>Démo</a:t>
             </a:r>
             <a:endParaRPr lang="fr-FR" dirty="0"/>
           </a:p>
@@ -3584,115 +3708,49 @@
             <p:ph idx="1"/>
           </p:nvPr>
         </p:nvSpPr>
-        <p:spPr>
-          <a:xfrm>
-            <a:off x="533400" y="1371600"/>
-            <a:ext cx="8229600" cy="4525963"/>
-          </a:xfrm>
-        </p:spPr>
-        <p:txBody>
-          <a:bodyPr anchor="t"/>
-          <a:lstStyle/>
-          <a:p>
-            <a:pPr marL="0" indent="0">
+        <p:spPr/>
+        <p:txBody>
+          <a:bodyPr anchor="ctr"/>
+          <a:lstStyle/>
+          <a:p>
+            <a:pPr marL="0" indent="0" algn="ctr">
               <a:buNone/>
             </a:pPr>
             <a:r>
-              <a:rPr lang="fr-FR" dirty="0"/>
-              <a:t>e</a:t>
-            </a:r>
-            <a:r>
-              <a:rPr lang="fr-FR" dirty="0" smtClean="0"/>
-              <a:t>z18n-oldstyle/</a:t>
+              <a:rPr lang="fr-FR" dirty="0" smtClean="0"/>
+              <a:t>Old Style i18n</a:t>
+            </a:r>
+          </a:p>
+          <a:p>
+            <a:pPr marL="0" indent="0" algn="ctr">
+              <a:buNone/>
+            </a:pPr>
+            <a:endParaRPr lang="fr-FR" dirty="0"/>
+          </a:p>
+          <a:p>
+            <a:pPr marL="0" indent="0" algn="ctr">
+              <a:buNone/>
+            </a:pPr>
+            <a:r>
+              <a:rPr lang="fr-FR" dirty="0" smtClean="0"/>
+              <a:t>Non  UTF-8 </a:t>
             </a:r>
             <a:r>
               <a:rPr lang="fr-FR" dirty="0" err="1" smtClean="0"/>
-              <a:t>src</a:t>
-            </a:r>
-            <a:r>
-              <a:rPr lang="fr-FR" dirty="0" smtClean="0"/>
-              <a:t>/main/</a:t>
-            </a:r>
-            <a:r>
-              <a:rPr lang="fr-FR" dirty="0" err="1" smtClean="0"/>
-              <a:t>org</a:t>
-            </a:r>
-            <a:r>
-              <a:rPr lang="fr-FR" dirty="0" smtClean="0"/>
-              <a:t>/ez18n/</a:t>
-            </a:r>
-            <a:r>
-              <a:rPr lang="fr-FR" dirty="0" err="1" smtClean="0"/>
-              <a:t>sample</a:t>
-            </a:r>
-            <a:r>
-              <a:rPr lang="fr-FR" dirty="0" smtClean="0"/>
-              <a:t>/</a:t>
-            </a:r>
-          </a:p>
-          <a:p>
-            <a:r>
-              <a:rPr lang="fr-FR" dirty="0" err="1" smtClean="0"/>
-              <a:t>OldFashionSample</a:t>
-            </a:r>
-            <a:endParaRPr lang="fr-FR" dirty="0" smtClean="0"/>
-          </a:p>
-          <a:p>
-            <a:pPr lvl="1"/>
-            <a:r>
-              <a:rPr lang="fr-FR" dirty="0" smtClean="0"/>
-              <a:t>Default Locale</a:t>
-            </a:r>
-          </a:p>
-          <a:p>
-            <a:pPr lvl="1"/>
-            <a:r>
-              <a:rPr lang="fr-FR" dirty="0" smtClean="0"/>
-              <a:t>FR, JA, mécanisme par défaut</a:t>
-            </a:r>
-          </a:p>
-          <a:p>
-            <a:pPr lvl="1"/>
-            <a:r>
-              <a:rPr lang="fr-FR" dirty="0" smtClean="0"/>
-              <a:t>Format des fichiers .</a:t>
-            </a:r>
-            <a:r>
-              <a:rPr lang="fr-FR" dirty="0" err="1" smtClean="0"/>
-              <a:t>properties</a:t>
-            </a:r>
-            <a:endParaRPr lang="fr-FR" dirty="0" smtClean="0"/>
-          </a:p>
-          <a:p>
-            <a:pPr lvl="1"/>
-            <a:endParaRPr lang="fr-FR" dirty="0" smtClean="0"/>
-          </a:p>
-          <a:p>
-            <a:r>
-              <a:rPr lang="fr-FR" dirty="0" smtClean="0"/>
-              <a:t>Ancienne gestion des fichiers</a:t>
-            </a:r>
-          </a:p>
-          <a:p>
-            <a:r>
-              <a:rPr lang="fr-FR" dirty="0" smtClean="0"/>
-              <a:t>Possibilité d’extension via </a:t>
-            </a:r>
-            <a:r>
-              <a:rPr lang="fr-FR" dirty="0" err="1" smtClean="0"/>
-              <a:t>classpath</a:t>
-            </a:r>
-            <a:r>
-              <a:rPr lang="fr-FR" dirty="0" smtClean="0"/>
-              <a:t> &amp; zip</a:t>
-            </a:r>
+              <a:t>Hell</a:t>
+            </a:r>
+            <a:r>
+              <a:rPr lang="fr-FR" dirty="0" smtClean="0"/>
+              <a:t> !!!</a:t>
+            </a:r>
+            <a:endParaRPr lang="fr-FR" dirty="0"/>
           </a:p>
         </p:txBody>
       </p:sp>
     </p:spTree>
     <p:extLst>
       <p:ext uri="{BB962C8B-B14F-4D97-AF65-F5344CB8AC3E}">
-        <p14:creationId xmlns:p14="http://schemas.microsoft.com/office/powerpoint/2010/main" val="1742857176"/>
+        <p14:creationId xmlns:p14="http://schemas.microsoft.com/office/powerpoint/2010/main" val="2430493303"/>
       </p:ext>
     </p:extLst>
   </p:cSld>
@@ -3721,6 +3779,33 @@
       </p:grpSpPr>
       <p:sp>
         <p:nvSpPr>
+          <p:cNvPr id="2" name="Titre 1"/>
+          <p:cNvSpPr>
+            <a:spLocks noGrp="1"/>
+          </p:cNvSpPr>
+          <p:nvPr>
+            <p:ph type="title"/>
+          </p:nvPr>
+        </p:nvSpPr>
+        <p:spPr/>
+        <p:txBody>
+          <a:bodyPr/>
+          <a:lstStyle/>
+          <a:p>
+            <a:r>
+              <a:rPr lang="fr-FR" dirty="0"/>
+              <a:t>E</a:t>
+            </a:r>
+            <a:r>
+              <a:rPr lang="fr-FR" dirty="0" smtClean="0"/>
+              <a:t>xemples</a:t>
+            </a:r>
+            <a:endParaRPr lang="fr-FR" dirty="0"/>
+          </a:p>
+        </p:txBody>
+      </p:sp>
+      <p:sp>
+        <p:nvSpPr>
           <p:cNvPr id="3" name="Espace réservé du contenu 2"/>
           <p:cNvSpPr>
             <a:spLocks noGrp="1"/>
@@ -3731,66 +3816,113 @@
         </p:nvSpPr>
         <p:spPr>
           <a:xfrm>
-            <a:off x="457200" y="990600"/>
+            <a:off x="533400" y="1371600"/>
             <a:ext cx="8229600" cy="4525963"/>
           </a:xfrm>
         </p:spPr>
         <p:txBody>
-          <a:bodyPr>
-            <a:normAutofit/>
-          </a:bodyPr>
-          <a:lstStyle/>
-          <a:p>
-            <a:pPr marL="0" indent="0" algn="ctr">
+          <a:bodyPr anchor="t"/>
+          <a:lstStyle/>
+          <a:p>
+            <a:pPr marL="0" indent="0">
               <a:buNone/>
             </a:pPr>
             <a:r>
-              <a:rPr lang="en-US" dirty="0"/>
-              <a:t>The Absolute Minimum Every Software Developer Absolutely, Positively Must Know About Unicode and Character Sets (No Excuses!) - Joel on </a:t>
-            </a:r>
-            <a:r>
-              <a:rPr lang="en-US" dirty="0" smtClean="0"/>
-              <a:t>Software 2000</a:t>
-            </a:r>
-          </a:p>
-          <a:p>
-            <a:endParaRPr lang="en-US" dirty="0"/>
-          </a:p>
-          <a:p>
-            <a:pPr marL="0" indent="0" algn="ctr">
-              <a:buNone/>
-            </a:pPr>
-            <a:r>
-              <a:rPr lang="en-US" dirty="0" smtClean="0"/>
-              <a:t>http</a:t>
-            </a:r>
-            <a:r>
-              <a:rPr lang="en-US" dirty="0"/>
-              <a:t>://</a:t>
-            </a:r>
-            <a:r>
-              <a:rPr lang="en-US" dirty="0" err="1"/>
-              <a:t>french.joelonsoftware.com</a:t>
-            </a:r>
-            <a:r>
-              <a:rPr lang="en-US" dirty="0"/>
-              <a:t>/Articles/</a:t>
-            </a:r>
-            <a:r>
-              <a:rPr lang="en-US" dirty="0" err="1"/>
-              <a:t>Unicode.html</a:t>
-            </a:r>
-            <a:endParaRPr lang="en-US" dirty="0" smtClean="0"/>
-          </a:p>
-          <a:p>
-            <a:endParaRPr lang="fr-FR" dirty="0"/>
+              <a:rPr lang="fr-FR" dirty="0"/>
+              <a:t>e</a:t>
+            </a:r>
+            <a:r>
+              <a:rPr lang="fr-FR" dirty="0" smtClean="0"/>
+              <a:t>z18n-oldstyle/</a:t>
+            </a:r>
+            <a:r>
+              <a:rPr lang="fr-FR" dirty="0" err="1" smtClean="0"/>
+              <a:t>src</a:t>
+            </a:r>
+            <a:r>
+              <a:rPr lang="fr-FR" dirty="0" smtClean="0"/>
+              <a:t>/main/</a:t>
+            </a:r>
+            <a:r>
+              <a:rPr lang="fr-FR" dirty="0" err="1" smtClean="0"/>
+              <a:t>org</a:t>
+            </a:r>
+            <a:r>
+              <a:rPr lang="fr-FR" dirty="0" smtClean="0"/>
+              <a:t>/ez18n/</a:t>
+            </a:r>
+            <a:r>
+              <a:rPr lang="fr-FR" dirty="0" err="1" smtClean="0"/>
+              <a:t>sample</a:t>
+            </a:r>
+            <a:r>
+              <a:rPr lang="fr-FR" dirty="0" smtClean="0"/>
+              <a:t>/</a:t>
+            </a:r>
+          </a:p>
+          <a:p>
+            <a:r>
+              <a:rPr lang="fr-FR" dirty="0" err="1" smtClean="0"/>
+              <a:t>OldFashionSample</a:t>
+            </a:r>
+            <a:endParaRPr lang="fr-FR" dirty="0" smtClean="0"/>
+          </a:p>
+          <a:p>
+            <a:pPr lvl="1"/>
+            <a:r>
+              <a:rPr lang="fr-FR" dirty="0" smtClean="0"/>
+              <a:t>Default Locale</a:t>
+            </a:r>
+          </a:p>
+          <a:p>
+            <a:pPr lvl="1"/>
+            <a:r>
+              <a:rPr lang="fr-FR" dirty="0" smtClean="0"/>
+              <a:t>FR, JA, mécanisme par défaut</a:t>
+            </a:r>
+          </a:p>
+          <a:p>
+            <a:pPr lvl="1"/>
+            <a:r>
+              <a:rPr lang="fr-FR" dirty="0" smtClean="0"/>
+              <a:t>Format des fichiers .</a:t>
+            </a:r>
+            <a:r>
+              <a:rPr lang="fr-FR" dirty="0" err="1" smtClean="0"/>
+              <a:t>properties</a:t>
+            </a:r>
+            <a:endParaRPr lang="fr-FR" dirty="0" smtClean="0"/>
+          </a:p>
+          <a:p>
+            <a:pPr lvl="1"/>
+            <a:endParaRPr lang="fr-FR" dirty="0" smtClean="0"/>
+          </a:p>
+          <a:p>
+            <a:r>
+              <a:rPr lang="fr-FR" dirty="0" smtClean="0"/>
+              <a:t>Ancienne gestion des fichiers</a:t>
+            </a:r>
+          </a:p>
+          <a:p>
+            <a:r>
+              <a:rPr lang="fr-FR" dirty="0" smtClean="0"/>
+              <a:t>Possibilité d’extension via </a:t>
+            </a:r>
+            <a:r>
+              <a:rPr lang="fr-FR" dirty="0" err="1" smtClean="0"/>
+              <a:t>classpath</a:t>
+            </a:r>
+            <a:r>
+              <a:rPr lang="fr-FR" dirty="0" smtClean="0"/>
+              <a:t> &amp; zip</a:t>
+            </a:r>
           </a:p>
         </p:txBody>
       </p:sp>
     </p:spTree>
     <p:extLst>
       <p:ext uri="{BB962C8B-B14F-4D97-AF65-F5344CB8AC3E}">
-        <p14:creationId xmlns:p14="http://schemas.microsoft.com/office/powerpoint/2010/main" val="1225078731"/>
+        <p14:creationId xmlns:p14="http://schemas.microsoft.com/office/powerpoint/2010/main" val="1742857176"/>
       </p:ext>
     </p:extLst>
   </p:cSld>
@@ -3819,42 +3951,76 @@
       </p:grpSpPr>
       <p:sp>
         <p:nvSpPr>
-          <p:cNvPr id="4" name="Rectangle 3"/>
-          <p:cNvSpPr/>
-          <p:nvPr/>
+          <p:cNvPr id="3" name="Espace réservé du contenu 2"/>
+          <p:cNvSpPr>
+            <a:spLocks noGrp="1"/>
+          </p:cNvSpPr>
+          <p:nvPr>
+            <p:ph idx="1"/>
+          </p:nvPr>
         </p:nvSpPr>
         <p:spPr>
           <a:xfrm>
-            <a:off x="2133600" y="2133600"/>
-            <a:ext cx="4572000" cy="1938992"/>
+            <a:off x="457200" y="990600"/>
+            <a:ext cx="8229600" cy="4525963"/>
           </a:xfrm>
-          <a:prstGeom prst="rect">
-            <a:avLst/>
-          </a:prstGeom>
         </p:spPr>
         <p:txBody>
           <a:bodyPr>
-            <a:spAutoFit/>
+            <a:normAutofit/>
           </a:bodyPr>
           <a:lstStyle/>
           <a:p>
-            <a:pPr algn="ctr"/>
-            <a:r>
-              <a:rPr lang="fr-FR" sz="6000" dirty="0"/>
-              <a:t>CE N'EST PAS SI DIFFICILE</a:t>
-            </a:r>
-            <a:r>
-              <a:rPr lang="fr-FR" sz="6000" dirty="0" smtClean="0"/>
-              <a:t>.</a:t>
-            </a:r>
-            <a:endParaRPr lang="fr-FR" sz="6000" dirty="0"/>
+            <a:pPr marL="0" indent="0" algn="ctr">
+              <a:buNone/>
+            </a:pPr>
+            <a:r>
+              <a:rPr lang="en-US" dirty="0"/>
+              <a:t>The Absolute Minimum Every Software Developer Absolutely, Positively Must Know About Unicode and Character Sets (No Excuses!) - Joel on </a:t>
+            </a:r>
+            <a:r>
+              <a:rPr lang="en-US" dirty="0" smtClean="0"/>
+              <a:t>Software 2000</a:t>
+            </a:r>
+          </a:p>
+          <a:p>
+            <a:endParaRPr lang="en-US" dirty="0"/>
+          </a:p>
+          <a:p>
+            <a:pPr marL="0" indent="0" algn="ctr">
+              <a:buNone/>
+            </a:pPr>
+            <a:r>
+              <a:rPr lang="en-US" dirty="0" smtClean="0"/>
+              <a:t>http</a:t>
+            </a:r>
+            <a:r>
+              <a:rPr lang="en-US" dirty="0"/>
+              <a:t>://</a:t>
+            </a:r>
+            <a:r>
+              <a:rPr lang="en-US" dirty="0" err="1"/>
+              <a:t>french.joelonsoftware.com</a:t>
+            </a:r>
+            <a:r>
+              <a:rPr lang="en-US" dirty="0"/>
+              <a:t>/Articles/</a:t>
+            </a:r>
+            <a:r>
+              <a:rPr lang="en-US" dirty="0" err="1"/>
+              <a:t>Unicode.html</a:t>
+            </a:r>
+            <a:endParaRPr lang="en-US" dirty="0" smtClean="0"/>
+          </a:p>
+          <a:p>
+            <a:endParaRPr lang="fr-FR" dirty="0"/>
           </a:p>
         </p:txBody>
       </p:sp>
     </p:spTree>
     <p:extLst>
       <p:ext uri="{BB962C8B-B14F-4D97-AF65-F5344CB8AC3E}">
-        <p14:creationId xmlns:p14="http://schemas.microsoft.com/office/powerpoint/2010/main" val="1515991344"/>
+        <p14:creationId xmlns:p14="http://schemas.microsoft.com/office/powerpoint/2010/main" val="1225078731"/>
       </p:ext>
     </p:extLst>
   </p:cSld>
@@ -3883,144 +4049,42 @@
       </p:grpSpPr>
       <p:sp>
         <p:nvSpPr>
-          <p:cNvPr id="2" name="Titre 1"/>
-          <p:cNvSpPr>
-            <a:spLocks noGrp="1"/>
-          </p:cNvSpPr>
-          <p:nvPr>
-            <p:ph type="title"/>
-          </p:nvPr>
+          <p:cNvPr id="4" name="Rectangle 3"/>
+          <p:cNvSpPr/>
+          <p:nvPr/>
         </p:nvSpPr>
         <p:spPr>
           <a:xfrm>
-            <a:off x="457200" y="990600"/>
-            <a:ext cx="8229600" cy="1143000"/>
-          </a:xfrm>
-        </p:spPr>
-        <p:txBody>
-          <a:bodyPr/>
-          <a:lstStyle/>
-          <a:p>
-            <a:r>
-              <a:rPr lang="fr-FR" dirty="0" smtClean="0"/>
-              <a:t>Unicode : encodé</a:t>
-            </a:r>
-            <a:endParaRPr lang="fr-FR" dirty="0"/>
-          </a:p>
-        </p:txBody>
-      </p:sp>
-      <p:sp>
-        <p:nvSpPr>
-          <p:cNvPr id="5" name="Titre 1"/>
-          <p:cNvSpPr txBox="1">
-            <a:spLocks/>
-          </p:cNvSpPr>
-          <p:nvPr/>
-        </p:nvSpPr>
-        <p:spPr>
-          <a:xfrm>
-            <a:off x="457200" y="3581400"/>
-            <a:ext cx="8229600" cy="1143000"/>
+            <a:off x="2133600" y="2133600"/>
+            <a:ext cx="4572000" cy="1938992"/>
           </a:xfrm>
           <a:prstGeom prst="rect">
             <a:avLst/>
           </a:prstGeom>
         </p:spPr>
         <p:txBody>
-          <a:bodyPr vert="horz" lIns="91440" tIns="45720" rIns="91440" bIns="45720" rtlCol="0" anchor="ctr">
-            <a:normAutofit/>
+          <a:bodyPr>
+            <a:spAutoFit/>
           </a:bodyPr>
-          <a:lstStyle>
-            <a:lvl1pPr algn="ctr" defTabSz="914400" rtl="0" eaLnBrk="1" latinLnBrk="0" hangingPunct="1">
-              <a:spcBef>
-                <a:spcPct val="0"/>
-              </a:spcBef>
-              <a:buNone/>
-              <a:defRPr sz="4400" kern="1200">
-                <a:solidFill>
-                  <a:schemeClr val="tx1"/>
-                </a:solidFill>
-                <a:latin typeface="+mj-lt"/>
-                <a:ea typeface="+mj-ea"/>
-                <a:cs typeface="+mj-cs"/>
-              </a:defRPr>
-            </a:lvl1pPr>
-          </a:lstStyle>
-          <a:p>
-            <a:r>
-              <a:rPr lang="fr-FR" strike="sngStrike" dirty="0" smtClean="0"/>
-              <a:t>Plain </a:t>
-            </a:r>
-            <a:r>
-              <a:rPr lang="fr-FR" strike="sngStrike" dirty="0" err="1" smtClean="0"/>
-              <a:t>Text</a:t>
-            </a:r>
-            <a:r>
-              <a:rPr lang="fr-FR" strike="sngStrike" dirty="0" smtClean="0"/>
-              <a:t> :</a:t>
-            </a:r>
-            <a:r>
-              <a:rPr lang="fr-FR" dirty="0" smtClean="0"/>
-              <a:t> oublié</a:t>
-            </a:r>
-            <a:endParaRPr lang="fr-FR" dirty="0"/>
-          </a:p>
-        </p:txBody>
-      </p:sp>
-      <p:sp>
-        <p:nvSpPr>
-          <p:cNvPr id="6" name="Titre 1"/>
-          <p:cNvSpPr txBox="1">
-            <a:spLocks/>
-          </p:cNvSpPr>
-          <p:nvPr/>
-        </p:nvSpPr>
-        <p:spPr>
-          <a:xfrm>
-            <a:off x="457200" y="2286000"/>
-            <a:ext cx="8229600" cy="1143000"/>
-          </a:xfrm>
-          <a:prstGeom prst="rect">
-            <a:avLst/>
-          </a:prstGeom>
-        </p:spPr>
-        <p:txBody>
-          <a:bodyPr vert="horz" lIns="91440" tIns="45720" rIns="91440" bIns="45720" rtlCol="0" anchor="ctr">
-            <a:normAutofit/>
-          </a:bodyPr>
-          <a:lstStyle>
-            <a:lvl1pPr algn="ctr" defTabSz="914400" rtl="0" eaLnBrk="1" latinLnBrk="0" hangingPunct="1">
-              <a:spcBef>
-                <a:spcPct val="0"/>
-              </a:spcBef>
-              <a:buNone/>
-              <a:defRPr sz="4400" kern="1200">
-                <a:solidFill>
-                  <a:schemeClr val="tx1"/>
-                </a:solidFill>
-                <a:latin typeface="+mj-lt"/>
-                <a:ea typeface="+mj-ea"/>
-                <a:cs typeface="+mj-cs"/>
-              </a:defRPr>
-            </a:lvl1pPr>
-          </a:lstStyle>
-          <a:p>
-            <a:r>
-              <a:rPr lang="fr-FR" dirty="0" smtClean="0"/>
-              <a:t>UTF-8 : </a:t>
-            </a:r>
-            <a:r>
-              <a:rPr lang="fr-FR" dirty="0" err="1" smtClean="0"/>
-              <a:t>stoqué</a:t>
-            </a:r>
-            <a:endParaRPr lang="fr-FR" dirty="0"/>
+          <a:lstStyle/>
+          <a:p>
+            <a:pPr algn="ctr"/>
+            <a:r>
+              <a:rPr lang="fr-FR" sz="6000" dirty="0"/>
+              <a:t>CE N'EST PAS SI DIFFICILE</a:t>
+            </a:r>
+            <a:r>
+              <a:rPr lang="fr-FR" sz="6000" dirty="0" smtClean="0"/>
+              <a:t>.</a:t>
+            </a:r>
+            <a:endParaRPr lang="fr-FR" sz="6000" dirty="0"/>
           </a:p>
         </p:txBody>
       </p:sp>
     </p:spTree>
     <p:extLst>
       <p:ext uri="{BB962C8B-B14F-4D97-AF65-F5344CB8AC3E}">
-        <p14:creationId xmlns:p14="http://schemas.microsoft.com/office/powerpoint/2010/main" val="610342369"/>
+        <p14:creationId xmlns:p14="http://schemas.microsoft.com/office/powerpoint/2010/main" val="1515991344"/>
       </p:ext>
     </p:extLst>
   </p:cSld>
@@ -4057,14 +4121,19 @@
             <p:ph type="title"/>
           </p:nvPr>
         </p:nvSpPr>
-        <p:spPr/>
-        <p:txBody>
-          <a:bodyPr/>
-          <a:lstStyle/>
-          <a:p>
-            <a:r>
-              <a:rPr lang="fr-FR" dirty="0" smtClean="0"/>
-              <a:t>Le minimum</a:t>
+        <p:spPr>
+          <a:xfrm>
+            <a:off x="457200" y="990600"/>
+            <a:ext cx="8229600" cy="1143000"/>
+          </a:xfrm>
+        </p:spPr>
+        <p:txBody>
+          <a:bodyPr/>
+          <a:lstStyle/>
+          <a:p>
+            <a:r>
+              <a:rPr lang="fr-FR" dirty="0" smtClean="0"/>
+              <a:t>Unicode : encodé</a:t>
             </a:r>
             <a:endParaRPr lang="fr-FR" dirty="0"/>
           </a:p>
@@ -4072,71 +4141,116 @@
       </p:sp>
       <p:sp>
         <p:nvSpPr>
-          <p:cNvPr id="3" name="Espace réservé du contenu 2"/>
-          <p:cNvSpPr>
-            <a:spLocks noGrp="1"/>
-          </p:cNvSpPr>
-          <p:nvPr>
-            <p:ph idx="1"/>
-          </p:nvPr>
-        </p:nvSpPr>
-        <p:spPr/>
-        <p:txBody>
-          <a:bodyPr/>
-          <a:lstStyle/>
-          <a:p>
-            <a:endParaRPr lang="fr-FR" dirty="0" smtClean="0"/>
-          </a:p>
-          <a:p>
-            <a:pPr marL="0" indent="0" algn="ctr">
-              <a:buNone/>
-            </a:pPr>
-            <a:r>
-              <a:rPr lang="fr-FR" dirty="0" smtClean="0"/>
-              <a:t>Ca </a:t>
-            </a:r>
-            <a:r>
-              <a:rPr lang="fr-FR" dirty="0"/>
-              <a:t>n'a aucun sens </a:t>
-            </a:r>
-            <a:endParaRPr lang="fr-FR" dirty="0" smtClean="0"/>
-          </a:p>
-          <a:p>
-            <a:pPr marL="0" indent="0" algn="ctr">
-              <a:buNone/>
-            </a:pPr>
-            <a:r>
-              <a:rPr lang="fr-FR" dirty="0" smtClean="0"/>
-              <a:t>d'avoir </a:t>
-            </a:r>
-            <a:r>
-              <a:rPr lang="fr-FR" dirty="0"/>
-              <a:t>une chaîne </a:t>
-            </a:r>
-            <a:r>
-              <a:rPr lang="fr-FR" dirty="0" smtClean="0"/>
-              <a:t>de caractères </a:t>
-            </a:r>
-          </a:p>
-          <a:p>
-            <a:pPr marL="0" indent="0" algn="ctr">
-              <a:buNone/>
-            </a:pPr>
-            <a:r>
-              <a:rPr lang="fr-FR" dirty="0" smtClean="0"/>
-              <a:t>sans </a:t>
-            </a:r>
-            <a:r>
-              <a:rPr lang="fr-FR" dirty="0"/>
-              <a:t>savoir quel encodage elle utilise.</a:t>
-            </a:r>
+          <p:cNvPr id="5" name="Titre 1"/>
+          <p:cNvSpPr txBox="1">
+            <a:spLocks/>
+          </p:cNvSpPr>
+          <p:nvPr/>
+        </p:nvSpPr>
+        <p:spPr>
+          <a:xfrm>
+            <a:off x="457200" y="3581400"/>
+            <a:ext cx="8229600" cy="1143000"/>
+          </a:xfrm>
+          <a:prstGeom prst="rect">
+            <a:avLst/>
+          </a:prstGeom>
+        </p:spPr>
+        <p:txBody>
+          <a:bodyPr vert="horz" lIns="91440" tIns="45720" rIns="91440" bIns="45720" rtlCol="0" anchor="ctr">
+            <a:normAutofit/>
+          </a:bodyPr>
+          <a:lstStyle>
+            <a:lvl1pPr algn="ctr" defTabSz="914400" rtl="0" eaLnBrk="1" latinLnBrk="0" hangingPunct="1">
+              <a:spcBef>
+                <a:spcPct val="0"/>
+              </a:spcBef>
+              <a:buNone/>
+              <a:defRPr sz="4400" kern="1200">
+                <a:solidFill>
+                  <a:schemeClr val="tx1"/>
+                </a:solidFill>
+                <a:latin typeface="+mj-lt"/>
+                <a:ea typeface="+mj-ea"/>
+                <a:cs typeface="+mj-cs"/>
+              </a:defRPr>
+            </a:lvl1pPr>
+          </a:lstStyle>
+          <a:p>
+            <a:r>
+              <a:rPr lang="fr-FR" strike="sngStrike" dirty="0" smtClean="0"/>
+              <a:t>Plain </a:t>
+            </a:r>
+            <a:r>
+              <a:rPr lang="fr-FR" strike="sngStrike" dirty="0" err="1" smtClean="0"/>
+              <a:t>Text</a:t>
+            </a:r>
+            <a:r>
+              <a:rPr lang="fr-FR" strike="sngStrike" dirty="0" smtClean="0"/>
+              <a:t> :</a:t>
+            </a:r>
+            <a:r>
+              <a:rPr lang="fr-FR" dirty="0" smtClean="0"/>
+              <a:t> oublié</a:t>
+            </a:r>
+            <a:endParaRPr lang="fr-FR" dirty="0"/>
+          </a:p>
+        </p:txBody>
+      </p:sp>
+      <p:sp>
+        <p:nvSpPr>
+          <p:cNvPr id="6" name="Titre 1"/>
+          <p:cNvSpPr txBox="1">
+            <a:spLocks/>
+          </p:cNvSpPr>
+          <p:nvPr/>
+        </p:nvSpPr>
+        <p:spPr>
+          <a:xfrm>
+            <a:off x="457200" y="2286000"/>
+            <a:ext cx="8229600" cy="1143000"/>
+          </a:xfrm>
+          <a:prstGeom prst="rect">
+            <a:avLst/>
+          </a:prstGeom>
+        </p:spPr>
+        <p:txBody>
+          <a:bodyPr vert="horz" lIns="91440" tIns="45720" rIns="91440" bIns="45720" rtlCol="0" anchor="ctr">
+            <a:normAutofit/>
+          </a:bodyPr>
+          <a:lstStyle>
+            <a:lvl1pPr algn="ctr" defTabSz="914400" rtl="0" eaLnBrk="1" latinLnBrk="0" hangingPunct="1">
+              <a:spcBef>
+                <a:spcPct val="0"/>
+              </a:spcBef>
+              <a:buNone/>
+              <a:defRPr sz="4400" kern="1200">
+                <a:solidFill>
+                  <a:schemeClr val="tx1"/>
+                </a:solidFill>
+                <a:latin typeface="+mj-lt"/>
+                <a:ea typeface="+mj-ea"/>
+                <a:cs typeface="+mj-cs"/>
+              </a:defRPr>
+            </a:lvl1pPr>
+          </a:lstStyle>
+          <a:p>
+            <a:r>
+              <a:rPr lang="fr-FR" dirty="0" smtClean="0"/>
+              <a:t>UTF-8 : </a:t>
+            </a:r>
+            <a:r>
+              <a:rPr lang="fr-FR" dirty="0" err="1" smtClean="0"/>
+              <a:t>stoqué</a:t>
+            </a:r>
+            <a:endParaRPr lang="fr-FR" dirty="0"/>
           </a:p>
         </p:txBody>
       </p:sp>
     </p:spTree>
     <p:extLst>
       <p:ext uri="{BB962C8B-B14F-4D97-AF65-F5344CB8AC3E}">
-        <p14:creationId xmlns:p14="http://schemas.microsoft.com/office/powerpoint/2010/main" val="2053052792"/>
+        <p14:creationId xmlns:p14="http://schemas.microsoft.com/office/powerpoint/2010/main" val="610342369"/>
       </p:ext>
     </p:extLst>
   </p:cSld>
@@ -4179,8 +4293,8 @@
           <a:lstStyle/>
           <a:p>
             <a:r>
-              <a:rPr lang="fr-FR" dirty="0" err="1" smtClean="0"/>
-              <a:t>Encodings</a:t>
+              <a:rPr lang="fr-FR" dirty="0" smtClean="0"/>
+              <a:t>Le minimum</a:t>
             </a:r>
             <a:endParaRPr lang="fr-FR" dirty="0"/>
           </a:p>
@@ -4198,82 +4312,61 @@
         </p:nvSpPr>
         <p:spPr/>
         <p:txBody>
-          <a:bodyPr>
-            <a:normAutofit lnSpcReduction="10000"/>
-          </a:bodyPr>
-          <a:lstStyle/>
-          <a:p>
-            <a:r>
-              <a:rPr lang="fr-FR" dirty="0" smtClean="0"/>
-              <a:t>Java </a:t>
-            </a:r>
-          </a:p>
-          <a:p>
-            <a:pPr lvl="1"/>
-            <a:r>
-              <a:rPr lang="en-US" dirty="0" smtClean="0"/>
-              <a:t>\</a:t>
-            </a:r>
-            <a:r>
-              <a:rPr lang="en-US" dirty="0"/>
-              <a:t>u3053\u3093\u306b\u3061\u306f\u3001\u4e16\u754c\uff01</a:t>
-            </a:r>
-          </a:p>
-          <a:p>
-            <a:pPr lvl="1"/>
+          <a:bodyPr/>
+          <a:lstStyle/>
+          <a:p>
             <a:endParaRPr lang="fr-FR" dirty="0" smtClean="0"/>
           </a:p>
           <a:p>
-            <a:pPr lvl="1"/>
-            <a:r>
-              <a:rPr lang="fr-FR" dirty="0" err="1" smtClean="0"/>
-              <a:t>Encoding</a:t>
-            </a:r>
-            <a:r>
-              <a:rPr lang="fr-FR" dirty="0" smtClean="0"/>
-              <a:t> du fichier et option –</a:t>
-            </a:r>
-            <a:r>
-              <a:rPr lang="fr-FR" dirty="0" err="1" smtClean="0"/>
-              <a:t>Dfile.encoding</a:t>
-            </a:r>
-            <a:r>
-              <a:rPr lang="fr-FR" dirty="0" smtClean="0"/>
-              <a:t>=UTF-</a:t>
-            </a:r>
-            <a:r>
-              <a:rPr lang="fr-FR" dirty="0" smtClean="0"/>
-              <a:t>8</a:t>
-            </a:r>
-          </a:p>
-          <a:p>
-            <a:pPr lvl="1"/>
+            <a:pPr marL="0" indent="0" algn="ctr">
+              <a:buNone/>
+            </a:pPr>
+            <a:r>
+              <a:rPr lang="fr-FR" dirty="0" smtClean="0"/>
+              <a:t>Ca </a:t>
+            </a:r>
+            <a:r>
+              <a:rPr lang="fr-FR" dirty="0"/>
+              <a:t>n'a aucun sens </a:t>
+            </a:r>
             <a:endParaRPr lang="fr-FR" dirty="0" smtClean="0"/>
           </a:p>
           <a:p>
-            <a:r>
-              <a:rPr lang="fr-FR" dirty="0" smtClean="0"/>
-              <a:t>Html</a:t>
-            </a:r>
-          </a:p>
-          <a:p>
-            <a:pPr lvl="1"/>
+            <a:pPr marL="0" indent="0" algn="ctr">
+              <a:buNone/>
+            </a:pPr>
+            <a:r>
+              <a:rPr lang="fr-FR" dirty="0" smtClean="0"/>
+              <a:t>d'avoir </a:t>
+            </a:r>
             <a:r>
               <a:rPr lang="fr-FR" dirty="0"/>
-              <a:t>&amp;#x00AD</a:t>
-            </a:r>
-            <a:r>
-              <a:rPr lang="fr-FR" dirty="0" smtClean="0"/>
-              <a:t>;</a:t>
-            </a:r>
-            <a:endParaRPr lang="fr-FR" dirty="0"/>
+              <a:t>une chaîne </a:t>
+            </a:r>
+            <a:r>
+              <a:rPr lang="fr-FR" dirty="0" smtClean="0"/>
+              <a:t>de caractères </a:t>
+            </a:r>
+          </a:p>
+          <a:p>
+            <a:pPr marL="0" indent="0" algn="ctr">
+              <a:buNone/>
+            </a:pPr>
+            <a:r>
+              <a:rPr lang="fr-FR" dirty="0" smtClean="0"/>
+              <a:t>sans </a:t>
+            </a:r>
+            <a:r>
+              <a:rPr lang="fr-FR" dirty="0"/>
+              <a:t>savoir quel encodage elle utilise.</a:t>
+            </a:r>
           </a:p>
         </p:txBody>
       </p:sp>
     </p:spTree>
     <p:extLst>
       <p:ext uri="{BB962C8B-B14F-4D97-AF65-F5344CB8AC3E}">
-        <p14:creationId xmlns:p14="http://schemas.microsoft.com/office/powerpoint/2010/main" val="3126842541"/>
+        <p14:creationId xmlns:p14="http://schemas.microsoft.com/office/powerpoint/2010/main" val="2053052792"/>
       </p:ext>
     </p:extLst>
   </p:cSld>
@@ -4316,8 +4409,8 @@
           <a:lstStyle/>
           <a:p>
             <a:r>
-              <a:rPr lang="fr-FR" dirty="0" smtClean="0"/>
-              <a:t>Idées au passage</a:t>
+              <a:rPr lang="fr-FR" dirty="0" err="1" smtClean="0"/>
+              <a:t>Encodings</a:t>
             </a:r>
             <a:endParaRPr lang="fr-FR" dirty="0"/>
           </a:p>
@@ -4335,50 +4428,25 @@
         </p:nvSpPr>
         <p:spPr/>
         <p:txBody>
-          <a:bodyPr/>
-          <a:lstStyle/>
-          <a:p>
-            <a:r>
-              <a:rPr lang="fr-FR" dirty="0"/>
-              <a:t>Pseudo </a:t>
-            </a:r>
-            <a:r>
-              <a:rPr lang="fr-FR" dirty="0" smtClean="0"/>
-              <a:t>Localisation</a:t>
+          <a:bodyPr>
+            <a:normAutofit lnSpcReduction="10000"/>
+          </a:bodyPr>
+          <a:lstStyle/>
+          <a:p>
+            <a:r>
+              <a:rPr lang="fr-FR" dirty="0" smtClean="0"/>
+              <a:t>Java </a:t>
             </a:r>
           </a:p>
           <a:p>
             <a:pPr lvl="1"/>
             <a:r>
-              <a:rPr lang="fr-FR" dirty="0"/>
-              <a:t>Ajout d’un caractère devant toutes les </a:t>
-            </a:r>
-            <a:r>
-              <a:rPr lang="fr-FR" dirty="0" smtClean="0"/>
-              <a:t>traductions</a:t>
-            </a:r>
-          </a:p>
-          <a:p>
-            <a:pPr lvl="1"/>
-            <a:r>
-              <a:rPr lang="fr-FR" dirty="0" smtClean="0"/>
-              <a:t>\u540d : </a:t>
-            </a:r>
-            <a:r>
-              <a:rPr lang="fr-FR" dirty="0" err="1" smtClean="0"/>
-              <a:t>名</a:t>
-            </a:r>
-            <a:r>
-              <a:rPr lang="fr-FR" dirty="0" smtClean="0"/>
-              <a:t> (veut dire Nom)</a:t>
-            </a:r>
-            <a:endParaRPr lang="fr-FR" dirty="0"/>
-          </a:p>
-          <a:p>
-            <a:pPr lvl="1"/>
-            <a:r>
-              <a:rPr lang="fr-FR" dirty="0" smtClean="0"/>
-              <a:t>Vérifier la localisation de votre application</a:t>
+              <a:rPr lang="en-US" dirty="0" smtClean="0"/>
+              <a:t>\</a:t>
+            </a:r>
+            <a:r>
+              <a:rPr lang="en-US" dirty="0"/>
+              <a:t>u3053\u3093\u306b\u3061\u306f\u3001\u4e16\u754c\uff01</a:t>
             </a:r>
           </a:p>
           <a:p>
@@ -4386,33 +4454,26 @@
             <a:endParaRPr lang="fr-FR" dirty="0" smtClean="0"/>
           </a:p>
           <a:p>
-            <a:r>
-              <a:rPr lang="fr-FR" dirty="0" smtClean="0"/>
-              <a:t>Rechargement des </a:t>
-            </a:r>
+            <a:pPr lvl="1"/>
             <a:r>
               <a:rPr lang="fr-FR" dirty="0" err="1" smtClean="0"/>
-              <a:t>resources</a:t>
-            </a:r>
-            <a:endParaRPr lang="fr-FR" dirty="0" smtClean="0"/>
-          </a:p>
-          <a:p>
-            <a:pPr lvl="1"/>
-            <a:r>
-              <a:rPr lang="de-DE" dirty="0"/>
-              <a:t> </a:t>
-            </a:r>
-            <a:r>
-              <a:rPr lang="de-DE" dirty="0" err="1"/>
-              <a:t>ResourceBundle.clearCache</a:t>
-            </a:r>
-            <a:r>
-              <a:rPr lang="de-DE" dirty="0"/>
-              <a:t>()</a:t>
-            </a:r>
-            <a:r>
-              <a:rPr lang="de-DE" dirty="0" smtClean="0"/>
-              <a:t>;</a:t>
+              <a:t>Encoding</a:t>
+            </a:r>
+            <a:r>
+              <a:rPr lang="fr-FR" dirty="0" smtClean="0"/>
+              <a:t> du fichier et option –</a:t>
+            </a:r>
+            <a:r>
+              <a:rPr lang="fr-FR" dirty="0" err="1" smtClean="0"/>
+              <a:t>Dfile.encoding</a:t>
+            </a:r>
+            <a:r>
+              <a:rPr lang="fr-FR" dirty="0" smtClean="0"/>
+              <a:t>=UTF-</a:t>
+            </a:r>
+            <a:r>
+              <a:rPr lang="fr-FR" dirty="0" smtClean="0"/>
+              <a:t>8</a:t>
             </a:r>
           </a:p>
           <a:p>
@@ -4420,6 +4481,21 @@
             <a:endParaRPr lang="fr-FR" dirty="0" smtClean="0"/>
           </a:p>
           <a:p>
+            <a:r>
+              <a:rPr lang="fr-FR" dirty="0" smtClean="0"/>
+              <a:t>Html</a:t>
+            </a:r>
+          </a:p>
+          <a:p>
+            <a:pPr lvl="1"/>
+            <a:r>
+              <a:rPr lang="fr-FR" dirty="0"/>
+              <a:t>&amp;#x00AD</a:t>
+            </a:r>
+            <a:r>
+              <a:rPr lang="fr-FR" dirty="0" smtClean="0"/>
+              <a:t>;</a:t>
+            </a:r>
             <a:endParaRPr lang="fr-FR" dirty="0"/>
           </a:p>
         </p:txBody>
@@ -4427,7 +4503,7 @@
     </p:spTree>
     <p:extLst>
       <p:ext uri="{BB962C8B-B14F-4D97-AF65-F5344CB8AC3E}">
-        <p14:creationId xmlns:p14="http://schemas.microsoft.com/office/powerpoint/2010/main" val="3194146052"/>
+        <p14:creationId xmlns:p14="http://schemas.microsoft.com/office/powerpoint/2010/main" val="3126842541"/>
       </p:ext>
     </p:extLst>
   </p:cSld>
@@ -4471,7 +4547,7 @@
           <a:p>
             <a:r>
               <a:rPr lang="fr-FR" dirty="0" smtClean="0"/>
-              <a:t>Des outils</a:t>
+              <a:t>Idées au passage</a:t>
             </a:r>
             <a:endParaRPr lang="fr-FR" dirty="0"/>
           </a:p>
@@ -4493,106 +4569,84 @@
           <a:lstStyle/>
           <a:p>
             <a:r>
-              <a:rPr lang="fr-FR" dirty="0" smtClean="0"/>
-              <a:t>Native2ascii</a:t>
-            </a:r>
-          </a:p>
-          <a:p>
-            <a:r>
-              <a:rPr lang="en-US" dirty="0"/>
-              <a:t>org.apache.commons.lang3.</a:t>
-            </a:r>
-            <a:r>
-              <a:rPr lang="en-US" dirty="0" smtClean="0"/>
-              <a:t>CharUtils</a:t>
+              <a:rPr lang="fr-FR" dirty="0"/>
+              <a:t>Pseudo </a:t>
+            </a:r>
+            <a:r>
+              <a:rPr lang="fr-FR" dirty="0" smtClean="0"/>
+              <a:t>Localisation</a:t>
             </a:r>
           </a:p>
           <a:p>
             <a:pPr lvl="1"/>
             <a:r>
-              <a:rPr lang="en-US" dirty="0" err="1" smtClean="0"/>
-              <a:t>unicodeEscaped</a:t>
-            </a:r>
-            <a:r>
-              <a:rPr lang="en-US" dirty="0" smtClean="0"/>
-              <a:t>(char)</a:t>
+              <a:rPr lang="fr-FR" dirty="0"/>
+              <a:t>Ajout d’un caractère devant toutes les </a:t>
+            </a:r>
+            <a:r>
+              <a:rPr lang="fr-FR" dirty="0" smtClean="0"/>
+              <a:t>traductions</a:t>
             </a:r>
           </a:p>
           <a:p>
             <a:pPr lvl="1"/>
             <a:r>
-              <a:rPr lang="en-US" dirty="0" err="1" smtClean="0"/>
-              <a:t>isAscii</a:t>
-            </a:r>
-            <a:r>
-              <a:rPr lang="en-US" dirty="0" smtClean="0"/>
-              <a:t>(char</a:t>
-            </a:r>
-            <a:r>
-              <a:rPr lang="en-US" dirty="0" smtClean="0"/>
-              <a:t>)</a:t>
-            </a:r>
-          </a:p>
-          <a:p>
-            <a:r>
-              <a:rPr lang="fr-FR" dirty="0"/>
-              <a:t>j</a:t>
-            </a:r>
-            <a:r>
-              <a:rPr lang="en-US" dirty="0" err="1" smtClean="0"/>
-              <a:t>ava.lang.Properties</a:t>
-            </a:r>
+              <a:rPr lang="fr-FR" dirty="0" smtClean="0"/>
+              <a:t>\u540d : </a:t>
+            </a:r>
+            <a:r>
+              <a:rPr lang="fr-FR" dirty="0" err="1" smtClean="0"/>
+              <a:t>名</a:t>
+            </a:r>
+            <a:r>
+              <a:rPr lang="fr-FR" dirty="0" smtClean="0"/>
+              <a:t> (veut dire Nom)</a:t>
+            </a:r>
+            <a:endParaRPr lang="fr-FR" dirty="0"/>
+          </a:p>
+          <a:p>
+            <a:pPr lvl="1"/>
+            <a:r>
+              <a:rPr lang="fr-FR" dirty="0" smtClean="0"/>
+              <a:t>Vérifier la localisation de votre application</a:t>
+            </a:r>
+          </a:p>
+          <a:p>
+            <a:pPr lvl="1"/>
             <a:endParaRPr lang="fr-FR" dirty="0" smtClean="0"/>
           </a:p>
           <a:p>
             <a:r>
+              <a:rPr lang="fr-FR" dirty="0" smtClean="0"/>
+              <a:t>Rechargement des </a:t>
+            </a:r>
+            <a:r>
               <a:rPr lang="fr-FR" dirty="0" err="1" smtClean="0"/>
-              <a:t>Intellij</a:t>
-            </a:r>
-            <a:r>
-              <a:rPr lang="fr-FR" dirty="0" smtClean="0"/>
+              <a:t>resources</a:t>
+            </a:r>
+            <a:endParaRPr lang="fr-FR" dirty="0" smtClean="0"/>
+          </a:p>
+          <a:p>
+            <a:pPr lvl="1"/>
+            <a:r>
+              <a:rPr lang="de-DE" dirty="0"/>
               <a:t> </a:t>
             </a:r>
             <a:r>
-              <a:rPr lang="fr-FR" dirty="0" err="1" smtClean="0"/>
-              <a:t>Idea</a:t>
-            </a:r>
-            <a:r>
-              <a:rPr lang="fr-FR" dirty="0" smtClean="0"/>
-              <a:t> </a:t>
+              <a:rPr lang="de-DE" dirty="0" err="1"/>
+              <a:t>ResourceBundle.clearCache</a:t>
+            </a:r>
+            <a:r>
+              <a:rPr lang="de-DE" dirty="0"/>
+              <a:t>()</a:t>
+            </a:r>
+            <a:r>
+              <a:rPr lang="de-DE" dirty="0" smtClean="0"/>
+              <a:t>;</a:t>
             </a:r>
           </a:p>
           <a:p>
             <a:pPr lvl="1"/>
-            <a:r>
-              <a:rPr lang="fr-FR" dirty="0" smtClean="0"/>
-              <a:t>auto native2ascii &amp; mode </a:t>
-            </a:r>
-            <a:r>
-              <a:rPr lang="fr-FR" dirty="0" err="1" smtClean="0"/>
-              <a:t>ResourceBundle</a:t>
-            </a:r>
-            <a:endParaRPr lang="fr-FR" dirty="0" smtClean="0"/>
-          </a:p>
-          <a:p>
-            <a:r>
-              <a:rPr lang="fr-FR" dirty="0" smtClean="0"/>
-              <a:t>Un bon éditeur de texte (hexa, </a:t>
-            </a:r>
-            <a:r>
-              <a:rPr lang="fr-FR" dirty="0" err="1" smtClean="0"/>
-              <a:t>encoding</a:t>
-            </a:r>
-            <a:r>
-              <a:rPr lang="fr-FR" dirty="0" smtClean="0"/>
-              <a:t>)</a:t>
-            </a:r>
-            <a:endParaRPr lang="fr-FR" dirty="0"/>
-          </a:p>
-          <a:p>
-            <a:endParaRPr lang="fr-FR" dirty="0" smtClean="0"/>
-          </a:p>
-          <a:p>
             <a:endParaRPr lang="fr-FR" dirty="0" smtClean="0"/>
           </a:p>
           <a:p>
@@ -4603,7 +4657,7 @@
     </p:spTree>
     <p:extLst>
       <p:ext uri="{BB962C8B-B14F-4D97-AF65-F5344CB8AC3E}">
-        <p14:creationId xmlns:p14="http://schemas.microsoft.com/office/powerpoint/2010/main" val="2425288845"/>
+        <p14:creationId xmlns:p14="http://schemas.microsoft.com/office/powerpoint/2010/main" val="3194146052"/>
       </p:ext>
     </p:extLst>
   </p:cSld>
@@ -4630,11 +4684,278 @@
           <a:chExt cx="0" cy="0"/>
         </a:xfrm>
       </p:grpSpPr>
+      <p:sp>
+        <p:nvSpPr>
+          <p:cNvPr id="17409" name="Rectangle 1"/>
+          <p:cNvSpPr>
+            <a:spLocks noGrp="1" noChangeArrowheads="1"/>
+          </p:cNvSpPr>
+          <p:nvPr>
+            <p:ph type="title"/>
+          </p:nvPr>
+        </p:nvSpPr>
+        <p:spPr>
+          <a:xfrm>
+            <a:off x="457200" y="404664"/>
+            <a:ext cx="8229600" cy="1013371"/>
+          </a:xfrm>
+          <a:ln/>
+        </p:spPr>
+        <p:txBody>
+          <a:bodyPr anchor="ctr"/>
+          <a:lstStyle/>
+          <a:p>
+            <a:r>
+              <a:rPr lang="en-US" sz="3700" dirty="0"/>
+              <a:t>Speakers</a:t>
+            </a:r>
+            <a:endParaRPr lang="en-US" sz="3700" dirty="0"/>
+          </a:p>
+        </p:txBody>
+      </p:sp>
+      <p:sp>
+        <p:nvSpPr>
+          <p:cNvPr id="3" name="Espace réservé du texte 2"/>
+          <p:cNvSpPr>
+            <a:spLocks noGrp="1"/>
+          </p:cNvSpPr>
+          <p:nvPr>
+            <p:ph type="body" idx="1"/>
+          </p:nvPr>
+        </p:nvSpPr>
+        <p:spPr/>
+        <p:txBody>
+          <a:bodyPr anchor="ctr"/>
+          <a:lstStyle/>
+          <a:p>
+            <a:r>
+              <a:rPr lang="fr-FR" sz="2300" dirty="0"/>
+              <a:t>@</a:t>
+            </a:r>
+            <a:r>
+              <a:rPr lang="fr-FR" sz="2300" dirty="0" err="1"/>
+              <a:t>dbaeli</a:t>
+            </a:r>
+            <a:endParaRPr lang="fr-FR" sz="2300" dirty="0"/>
+          </a:p>
+        </p:txBody>
+      </p:sp>
+      <p:sp>
+        <p:nvSpPr>
+          <p:cNvPr id="5" name="Espace réservé du contenu 4"/>
+          <p:cNvSpPr>
+            <a:spLocks noGrp="1"/>
+          </p:cNvSpPr>
+          <p:nvPr>
+            <p:ph sz="half" idx="2"/>
+          </p:nvPr>
+        </p:nvSpPr>
+        <p:spPr/>
+        <p:txBody>
+          <a:bodyPr/>
+          <a:lstStyle/>
+          <a:p>
+            <a:pPr marL="216027" indent="-216027"/>
+            <a:r>
+              <a:rPr lang="fr-FR" sz="2000" b="1" dirty="0"/>
+              <a:t>Chien de berger Agile pour</a:t>
+            </a:r>
+          </a:p>
+          <a:p>
+            <a:pPr marL="216027" indent="-216027"/>
+            <a:endParaRPr lang="fr-FR" sz="2000" b="1" dirty="0"/>
+          </a:p>
+          <a:p>
+            <a:pPr marL="216027" indent="-216027"/>
+            <a:endParaRPr lang="fr-FR" sz="2000" b="1" dirty="0"/>
+          </a:p>
+          <a:p>
+            <a:pPr marL="216027" indent="-216027"/>
+            <a:r>
+              <a:rPr lang="fr-FR" sz="2000" b="1" dirty="0" err="1" smtClean="0"/>
+              <a:t>Developpeur</a:t>
+            </a:r>
+            <a:r>
+              <a:rPr lang="fr-FR" sz="2000" b="1" dirty="0" smtClean="0"/>
+              <a:t> de plus de 30 ans</a:t>
+            </a:r>
+          </a:p>
+          <a:p>
+            <a:pPr marL="216027" indent="-216027"/>
+            <a:r>
+              <a:rPr lang="fr-FR" sz="2000" b="1" dirty="0" smtClean="0"/>
+              <a:t>Usine logicielles &amp; </a:t>
+            </a:r>
+            <a:r>
+              <a:rPr lang="fr-FR" sz="2000" b="1" dirty="0" err="1" smtClean="0"/>
+              <a:t>DevOps</a:t>
+            </a:r>
+            <a:endParaRPr lang="fr-FR" sz="2000" b="1" dirty="0" smtClean="0"/>
+          </a:p>
+          <a:p>
+            <a:pPr marL="216027" indent="-216027"/>
+            <a:r>
+              <a:rPr lang="fr-FR" sz="2000" b="1" dirty="0" smtClean="0"/>
+              <a:t>Qualité Logicielle</a:t>
+            </a:r>
+          </a:p>
+          <a:p>
+            <a:pPr marL="0" indent="0">
+              <a:buNone/>
+            </a:pPr>
+            <a:r>
+              <a:rPr lang="fr-FR" sz="2000" b="1" dirty="0" smtClean="0"/>
+              <a:t> </a:t>
+            </a:r>
+            <a:endParaRPr lang="fr-FR" sz="2000" b="1" dirty="0"/>
+          </a:p>
+        </p:txBody>
+      </p:sp>
+      <p:sp>
+        <p:nvSpPr>
+          <p:cNvPr id="6" name="Espace réservé du texte 5"/>
+          <p:cNvSpPr>
+            <a:spLocks noGrp="1"/>
+          </p:cNvSpPr>
+          <p:nvPr>
+            <p:ph type="body" sz="quarter" idx="3"/>
+          </p:nvPr>
+        </p:nvSpPr>
+        <p:spPr/>
+        <p:txBody>
+          <a:bodyPr anchor="ctr"/>
+          <a:lstStyle/>
+          <a:p>
+            <a:r>
+              <a:rPr lang="fr-FR" sz="2300" dirty="0"/>
+              <a:t>@</a:t>
+            </a:r>
+            <a:r>
+              <a:rPr lang="fr-FR" sz="2300" dirty="0" err="1"/>
+              <a:t>gdigugli</a:t>
+            </a:r>
+            <a:endParaRPr lang="fr-FR" sz="2300" dirty="0"/>
+          </a:p>
+        </p:txBody>
+      </p:sp>
+      <p:sp>
+        <p:nvSpPr>
+          <p:cNvPr id="7" name="Espace réservé du contenu 6"/>
+          <p:cNvSpPr>
+            <a:spLocks noGrp="1"/>
+          </p:cNvSpPr>
+          <p:nvPr>
+            <p:ph sz="quarter" idx="4"/>
+          </p:nvPr>
+        </p:nvSpPr>
+        <p:spPr/>
+        <p:txBody>
+          <a:bodyPr/>
+          <a:lstStyle/>
+          <a:p>
+            <a:pPr marL="216027" indent="-216027"/>
+            <a:r>
+              <a:rPr lang="fr-FR" sz="2000" b="1" dirty="0" err="1"/>
+              <a:t>Dévelopeur</a:t>
+            </a:r>
+            <a:r>
+              <a:rPr lang="fr-FR" sz="2000" b="1" dirty="0"/>
+              <a:t> java depuis 1999</a:t>
+            </a:r>
+          </a:p>
+          <a:p>
+            <a:pPr marL="216027" indent="-216027"/>
+            <a:r>
+              <a:rPr lang="fr-FR" sz="2000" b="1" dirty="0"/>
+              <a:t>Architecte pour</a:t>
+            </a:r>
+          </a:p>
+          <a:p>
+            <a:pPr marL="216027" indent="-216027"/>
+            <a:r>
+              <a:rPr lang="fr-FR" sz="2000" b="1" dirty="0"/>
+              <a:t>ILOG - IBM</a:t>
+            </a:r>
+          </a:p>
+          <a:p>
+            <a:pPr marL="288036" lvl="1" indent="-288036">
+              <a:buFont typeface="Wingdings" pitchFamily="2" charset="2"/>
+              <a:buChar char="ü"/>
+            </a:pPr>
+            <a:r>
+              <a:rPr lang="fr-FR" sz="1800" b="1" dirty="0"/>
+              <a:t>librairie graphique 2D</a:t>
+            </a:r>
+          </a:p>
+          <a:p>
+            <a:pPr marL="288036" lvl="1" indent="-288036">
+              <a:buFont typeface="Wingdings" pitchFamily="2" charset="2"/>
+              <a:buChar char="ü"/>
+            </a:pPr>
+            <a:r>
+              <a:rPr lang="fr-FR" sz="1800" b="1" dirty="0"/>
+              <a:t>moteur de règles</a:t>
+            </a:r>
+          </a:p>
+          <a:p>
+            <a:pPr marL="216027" indent="-216027"/>
+            <a:r>
+              <a:rPr lang="fr-FR" sz="2000" b="1" dirty="0"/>
+              <a:t>Prima-Solutions</a:t>
+            </a:r>
+          </a:p>
+          <a:p>
+            <a:pPr marL="288036" lvl="1" indent="-288036">
+              <a:buFont typeface="Wingdings" pitchFamily="2" charset="2"/>
+              <a:buChar char="ü"/>
+            </a:pPr>
+            <a:r>
+              <a:rPr lang="fr-FR" sz="1800" b="1" dirty="0"/>
+              <a:t>plate-forme de services pour J2EE</a:t>
+            </a:r>
+          </a:p>
+          <a:p>
+            <a:pPr marL="288036" lvl="1" indent="-288036">
+              <a:buFont typeface="Wingdings" pitchFamily="2" charset="2"/>
+              <a:buChar char="ü"/>
+            </a:pPr>
+            <a:r>
+              <a:rPr lang="fr-FR" sz="1800" b="1" dirty="0"/>
+              <a:t>code génération de modèle métier</a:t>
+            </a:r>
+            <a:endParaRPr lang="fr-FR" sz="1800" dirty="0"/>
+          </a:p>
+        </p:txBody>
+      </p:sp>
+      <p:sp>
+        <p:nvSpPr>
+          <p:cNvPr id="4" name="Espace réservé du numéro de diapositive 3"/>
+          <p:cNvSpPr>
+            <a:spLocks noGrp="1"/>
+          </p:cNvSpPr>
+          <p:nvPr>
+            <p:ph type="sldNum" sz="quarter" idx="10"/>
+          </p:nvPr>
+        </p:nvSpPr>
+        <p:spPr/>
+        <p:txBody>
+          <a:bodyPr/>
+          <a:lstStyle/>
+          <a:p>
+            <a:fld id="{2167D5E7-F765-1149-9760-4E1B78348062}" type="slidenum">
+              <a:rPr lang="en-US"/>
+              <a:pPr/>
+              <a:t>2</a:t>
+            </a:fld>
+            <a:endParaRPr lang="en-US"/>
+          </a:p>
+        </p:txBody>
+      </p:sp>
       <p:pic>
         <p:nvPicPr>
-          <p:cNvPr id="4" name="Picture 2" descr="C:\Users\gdu\Desktop\gilles\lapin\111591.jpg"/>
+          <p:cNvPr id="2" name="Image 1" descr="LesFurets.wmf"/>
           <p:cNvPicPr>
-            <a:picLocks noChangeAspect="1" noChangeArrowheads="1"/>
+            <a:picLocks noChangeAspect="1"/>
           </p:cNvPicPr>
           <p:nvPr/>
         </p:nvPicPr>
@@ -4646,224 +4967,75 @@
               </a:ext>
             </a:extLst>
           </a:blip>
-          <a:srcRect/>
           <a:stretch>
             <a:fillRect/>
           </a:stretch>
         </p:blipFill>
-        <p:spPr bwMode="auto">
-          <a:xfrm flipH="1">
-            <a:off x="6338943" y="2133600"/>
-            <a:ext cx="2359152" cy="3614928"/>
+        <p:spPr>
+          <a:xfrm>
+            <a:off x="990600" y="2667000"/>
+            <a:ext cx="2336800" cy="436021"/>
           </a:xfrm>
           <a:prstGeom prst="rect">
             <a:avLst/>
           </a:prstGeom>
-          <a:noFill/>
-          <a:extLst>
-            <a:ext uri="{909E8E84-426E-40dd-AFC4-6F175D3DCCD1}">
-              <a14:hiddenFill xmlns:a14="http://schemas.microsoft.com/office/drawing/2010/main">
-                <a:solidFill>
-                  <a:srgbClr val="FFFFFF"/>
-                </a:solidFill>
-              </a14:hiddenFill>
-            </a:ext>
-          </a:extLst>
         </p:spPr>
       </p:pic>
-      <p:sp>
-        <p:nvSpPr>
-          <p:cNvPr id="5" name="Pensées 4"/>
-          <p:cNvSpPr/>
+      <p:pic>
+        <p:nvPicPr>
+          <p:cNvPr id="13" name="Image 12" descr="LesFurets.wmf"/>
+          <p:cNvPicPr>
+            <a:picLocks noChangeAspect="1"/>
+          </p:cNvPicPr>
           <p:nvPr/>
-        </p:nvSpPr>
+        </p:nvPicPr>
+        <p:blipFill>
+          <a:blip r:embed="rId2">
+            <a:extLst>
+              <a:ext uri="{28A0092B-C50C-407E-A947-70E740481C1C}">
+                <a14:useLocalDpi xmlns:a14="http://schemas.microsoft.com/office/drawing/2010/main" val="0"/>
+              </a:ext>
+            </a:extLst>
+          </a:blip>
+          <a:stretch>
+            <a:fillRect/>
+          </a:stretch>
+        </p:blipFill>
         <p:spPr>
           <a:xfrm>
-            <a:off x="7717367" y="776661"/>
-            <a:ext cx="1447800" cy="1222248"/>
+            <a:off x="6553200" y="2667000"/>
+            <a:ext cx="2336800" cy="436021"/>
           </a:xfrm>
-          <a:prstGeom prst="cloudCallout">
+          <a:prstGeom prst="rect">
             <a:avLst/>
           </a:prstGeom>
-          <a:solidFill>
-            <a:schemeClr val="accent2"/>
-          </a:solidFill>
-          <a:ln>
-            <a:solidFill>
-              <a:srgbClr val="FF0000"/>
-            </a:solidFill>
-          </a:ln>
         </p:spPr>
-        <p:style>
-          <a:lnRef idx="2">
-            <a:schemeClr val="accent1">
-              <a:shade val="50000"/>
-            </a:schemeClr>
-          </a:lnRef>
-          <a:fillRef idx="1">
-            <a:schemeClr val="accent1"/>
-          </a:fillRef>
-          <a:effectRef idx="0">
-            <a:schemeClr val="accent1"/>
-          </a:effectRef>
-          <a:fontRef idx="minor">
-            <a:schemeClr val="lt1"/>
-          </a:fontRef>
-        </p:style>
-        <p:txBody>
-          <a:bodyPr rtlCol="0" anchor="ctr"/>
-          <a:lstStyle/>
-          <a:p>
-            <a:pPr algn="ctr"/>
-            <a:endParaRPr lang="en-US"/>
-          </a:p>
-        </p:txBody>
-      </p:sp>
-      <p:sp>
-        <p:nvSpPr>
-          <p:cNvPr id="2" name="Titre 1"/>
-          <p:cNvSpPr>
-            <a:spLocks noGrp="1"/>
-          </p:cNvSpPr>
-          <p:nvPr>
-            <p:ph type="title"/>
-          </p:nvPr>
-        </p:nvSpPr>
-        <p:spPr/>
-        <p:txBody>
-          <a:bodyPr/>
-          <a:lstStyle/>
-          <a:p>
-            <a:r>
-              <a:rPr lang="fr-FR" dirty="0" smtClean="0"/>
-              <a:t>ISO-8859-1 Au secours !</a:t>
-            </a:r>
-            <a:endParaRPr lang="fr-FR" dirty="0"/>
-          </a:p>
-        </p:txBody>
-      </p:sp>
-      <p:sp>
-        <p:nvSpPr>
-          <p:cNvPr id="3" name="Espace réservé du contenu 2"/>
-          <p:cNvSpPr>
-            <a:spLocks noGrp="1"/>
-          </p:cNvSpPr>
-          <p:nvPr>
-            <p:ph idx="1"/>
-          </p:nvPr>
-        </p:nvSpPr>
-        <p:spPr>
-          <a:xfrm>
-            <a:off x="457200" y="1676400"/>
-            <a:ext cx="8229600" cy="4144963"/>
-          </a:xfrm>
-        </p:spPr>
-        <p:txBody>
-          <a:bodyPr>
-            <a:normAutofit/>
-          </a:bodyPr>
-          <a:lstStyle/>
-          <a:p>
-            <a:r>
-              <a:rPr lang="fr-FR" dirty="0" smtClean="0"/>
-              <a:t>Japonisation d’un serveur J2EE</a:t>
-            </a:r>
-          </a:p>
-          <a:p>
-            <a:pPr lvl="1"/>
-            <a:r>
-              <a:rPr lang="fr-FR" dirty="0" smtClean="0"/>
-              <a:t>Pas de police supportant Unicode</a:t>
-            </a:r>
-          </a:p>
-          <a:p>
-            <a:pPr lvl="1"/>
-            <a:r>
-              <a:rPr lang="fr-FR" dirty="0" smtClean="0"/>
-              <a:t>Impossible de vérifier l’affichage</a:t>
-            </a:r>
-          </a:p>
-          <a:p>
-            <a:pPr lvl="1"/>
-            <a:r>
-              <a:rPr lang="fr-FR" dirty="0"/>
-              <a:t>Installation IBM DB2 écrans </a:t>
-            </a:r>
-            <a:r>
-              <a:rPr lang="fr-FR" dirty="0" err="1"/>
-              <a:t>side</a:t>
-            </a:r>
-            <a:r>
-              <a:rPr lang="fr-FR" dirty="0"/>
-              <a:t> by </a:t>
-            </a:r>
-            <a:r>
-              <a:rPr lang="fr-FR" dirty="0" err="1"/>
-              <a:t>side</a:t>
-            </a:r>
-            <a:endParaRPr lang="fr-FR" dirty="0"/>
-          </a:p>
-          <a:p>
-            <a:pPr lvl="1"/>
-            <a:r>
-              <a:rPr lang="fr-FR" dirty="0"/>
-              <a:t>Installation d’un </a:t>
-            </a:r>
-            <a:r>
-              <a:rPr lang="fr-FR" dirty="0" err="1"/>
-              <a:t>windows</a:t>
-            </a:r>
-            <a:r>
-              <a:rPr lang="fr-FR" dirty="0"/>
-              <a:t> </a:t>
-            </a:r>
-            <a:r>
-              <a:rPr lang="fr-FR" dirty="0" smtClean="0"/>
-              <a:t>Japonais</a:t>
-            </a:r>
-          </a:p>
-          <a:p>
-            <a:r>
-              <a:rPr lang="fr-FR" dirty="0"/>
-              <a:t>Avant UTF-8 c’était l’enfer</a:t>
-            </a:r>
-          </a:p>
-          <a:p>
-            <a:pPr marL="0" indent="0">
-              <a:buNone/>
-            </a:pPr>
-            <a:endParaRPr lang="fr-FR" dirty="0"/>
-          </a:p>
-          <a:p>
-            <a:pPr marL="457200" lvl="1" indent="0">
-              <a:buNone/>
-            </a:pPr>
-            <a:endParaRPr lang="fr-FR" dirty="0"/>
-          </a:p>
-          <a:p>
-            <a:pPr lvl="1"/>
-            <a:endParaRPr lang="fr-FR" dirty="0" smtClean="0"/>
-          </a:p>
-          <a:p>
-            <a:pPr lvl="1"/>
-            <a:endParaRPr lang="fr-FR" dirty="0"/>
-          </a:p>
-          <a:p>
-            <a:pPr lvl="1"/>
-            <a:endParaRPr lang="fr-FR" dirty="0"/>
-          </a:p>
-        </p:txBody>
-      </p:sp>
+      </p:pic>
     </p:spTree>
     <p:extLst>
       <p:ext uri="{BB962C8B-B14F-4D97-AF65-F5344CB8AC3E}">
-        <p14:creationId xmlns:p14="http://schemas.microsoft.com/office/powerpoint/2010/main" val="3810743458"/>
+        <p14:creationId xmlns:p14="http://schemas.microsoft.com/office/powerpoint/2010/main" val="1259141054"/>
       </p:ext>
     </p:extLst>
   </p:cSld>
   <p:clrMapOvr>
     <a:masterClrMapping/>
   </p:clrMapOvr>
+  <mc:AlternateContent xmlns:mc="http://schemas.openxmlformats.org/markup-compatibility/2006">
+    <mc:Choice xmlns:p14="http://schemas.microsoft.com/office/powerpoint/2010/main" Requires="p14">
+      <p:transition spd="slow" p14:dur="2000"/>
+    </mc:Choice>
+    <mc:Fallback>
+      <p:transition xmlns:p14="http://schemas.microsoft.com/office/powerpoint/2010/main" spd="slow"/>
+    </mc:Fallback>
+  </mc:AlternateContent>
+  <p:timing>
+    <p:tnLst>
+      <p:par>
+        <p:cTn xmlns:p14="http://schemas.microsoft.com/office/powerpoint/2010/main" id="1" dur="indefinite" restart="never" nodeType="tmRoot"/>
+      </p:par>
+    </p:tnLst>
+  </p:timing>
 </p:sld>
 </file>
 
@@ -4886,6 +5058,182 @@
       </p:grpSpPr>
       <p:sp>
         <p:nvSpPr>
+          <p:cNvPr id="2" name="Titre 1"/>
+          <p:cNvSpPr>
+            <a:spLocks noGrp="1"/>
+          </p:cNvSpPr>
+          <p:nvPr>
+            <p:ph type="title"/>
+          </p:nvPr>
+        </p:nvSpPr>
+        <p:spPr/>
+        <p:txBody>
+          <a:bodyPr/>
+          <a:lstStyle/>
+          <a:p>
+            <a:r>
+              <a:rPr lang="fr-FR" dirty="0" smtClean="0"/>
+              <a:t>Des outils</a:t>
+            </a:r>
+            <a:endParaRPr lang="fr-FR" dirty="0"/>
+          </a:p>
+        </p:txBody>
+      </p:sp>
+      <p:sp>
+        <p:nvSpPr>
+          <p:cNvPr id="3" name="Espace réservé du contenu 2"/>
+          <p:cNvSpPr>
+            <a:spLocks noGrp="1"/>
+          </p:cNvSpPr>
+          <p:nvPr>
+            <p:ph idx="1"/>
+          </p:nvPr>
+        </p:nvSpPr>
+        <p:spPr/>
+        <p:txBody>
+          <a:bodyPr/>
+          <a:lstStyle/>
+          <a:p>
+            <a:r>
+              <a:rPr lang="fr-FR" dirty="0" smtClean="0"/>
+              <a:t>Native2ascii</a:t>
+            </a:r>
+          </a:p>
+          <a:p>
+            <a:r>
+              <a:rPr lang="en-US" dirty="0"/>
+              <a:t>org.apache.commons.lang3.</a:t>
+            </a:r>
+            <a:r>
+              <a:rPr lang="en-US" dirty="0" smtClean="0"/>
+              <a:t>CharUtils</a:t>
+            </a:r>
+          </a:p>
+          <a:p>
+            <a:pPr lvl="1"/>
+            <a:r>
+              <a:rPr lang="en-US" dirty="0" err="1" smtClean="0"/>
+              <a:t>unicodeEscaped</a:t>
+            </a:r>
+            <a:r>
+              <a:rPr lang="en-US" dirty="0" smtClean="0"/>
+              <a:t>(char)</a:t>
+            </a:r>
+          </a:p>
+          <a:p>
+            <a:pPr lvl="1"/>
+            <a:r>
+              <a:rPr lang="en-US" dirty="0" err="1" smtClean="0"/>
+              <a:t>isAscii</a:t>
+            </a:r>
+            <a:r>
+              <a:rPr lang="en-US" dirty="0" smtClean="0"/>
+              <a:t>(char</a:t>
+            </a:r>
+            <a:r>
+              <a:rPr lang="en-US" dirty="0" smtClean="0"/>
+              <a:t>)</a:t>
+            </a:r>
+          </a:p>
+          <a:p>
+            <a:r>
+              <a:rPr lang="fr-FR" dirty="0"/>
+              <a:t>j</a:t>
+            </a:r>
+            <a:r>
+              <a:rPr lang="en-US" dirty="0" err="1" smtClean="0"/>
+              <a:t>ava.lang.Properties</a:t>
+            </a:r>
+            <a:endParaRPr lang="fr-FR" dirty="0" smtClean="0"/>
+          </a:p>
+          <a:p>
+            <a:r>
+              <a:rPr lang="fr-FR" dirty="0" err="1" smtClean="0"/>
+              <a:t>Intellij</a:t>
+            </a:r>
+            <a:r>
+              <a:rPr lang="fr-FR" dirty="0" smtClean="0"/>
+              <a:t> </a:t>
+            </a:r>
+            <a:r>
+              <a:rPr lang="fr-FR" dirty="0" err="1" smtClean="0"/>
+              <a:t>Idea</a:t>
+            </a:r>
+            <a:r>
+              <a:rPr lang="fr-FR" dirty="0" smtClean="0"/>
+              <a:t> </a:t>
+            </a:r>
+          </a:p>
+          <a:p>
+            <a:pPr lvl="1"/>
+            <a:r>
+              <a:rPr lang="fr-FR" dirty="0" smtClean="0"/>
+              <a:t>auto native2ascii &amp; mode </a:t>
+            </a:r>
+            <a:r>
+              <a:rPr lang="fr-FR" dirty="0" err="1" smtClean="0"/>
+              <a:t>ResourceBundle</a:t>
+            </a:r>
+            <a:endParaRPr lang="fr-FR" dirty="0" smtClean="0"/>
+          </a:p>
+          <a:p>
+            <a:r>
+              <a:rPr lang="fr-FR" dirty="0" smtClean="0"/>
+              <a:t>Un bon éditeur de texte (hexa, </a:t>
+            </a:r>
+            <a:r>
+              <a:rPr lang="fr-FR" dirty="0" err="1" smtClean="0"/>
+              <a:t>encoding</a:t>
+            </a:r>
+            <a:r>
+              <a:rPr lang="fr-FR" dirty="0" smtClean="0"/>
+              <a:t>)</a:t>
+            </a:r>
+            <a:endParaRPr lang="fr-FR" dirty="0"/>
+          </a:p>
+          <a:p>
+            <a:endParaRPr lang="fr-FR" dirty="0" smtClean="0"/>
+          </a:p>
+          <a:p>
+            <a:endParaRPr lang="fr-FR" dirty="0" smtClean="0"/>
+          </a:p>
+          <a:p>
+            <a:endParaRPr lang="fr-FR" dirty="0"/>
+          </a:p>
+        </p:txBody>
+      </p:sp>
+    </p:spTree>
+    <p:extLst>
+      <p:ext uri="{BB962C8B-B14F-4D97-AF65-F5344CB8AC3E}">
+        <p14:creationId xmlns:p14="http://schemas.microsoft.com/office/powerpoint/2010/main" val="2425288845"/>
+      </p:ext>
+    </p:extLst>
+  </p:cSld>
+  <p:clrMapOvr>
+    <a:masterClrMapping/>
+  </p:clrMapOvr>
+</p:sld>
+</file>
+
+<file path=ppt/slides/slide21.xml><?xml version="1.0" encoding="utf-8"?>
+<p:sld xmlns:a="http://schemas.openxmlformats.org/drawingml/2006/main" xmlns:r="http://schemas.openxmlformats.org/officeDocument/2006/relationships" xmlns:p="http://schemas.openxmlformats.org/presentationml/2006/main">
+  <p:cSld>
+    <p:spTree>
+      <p:nvGrpSpPr>
+        <p:cNvPr id="1" name=""/>
+        <p:cNvGrpSpPr/>
+        <p:nvPr/>
+      </p:nvGrpSpPr>
+      <p:grpSpPr>
+        <a:xfrm>
+          <a:off x="0" y="0"/>
+          <a:ext cx="0" cy="0"/>
+          <a:chOff x="0" y="0"/>
+          <a:chExt cx="0" cy="0"/>
+        </a:xfrm>
+      </p:grpSpPr>
+      <p:sp>
+        <p:nvSpPr>
           <p:cNvPr id="3" name="Espace réservé du numéro de diapositive 3"/>
           <p:cNvSpPr>
             <a:spLocks noGrp="1"/>
@@ -4902,7 +5250,7 @@
             <a:fld id="{491EF83F-DC3D-2B41-8CED-EDA4CF3DA041}" type="slidenum">
               <a:rPr lang="en-US"/>
               <a:pPr/>
-              <a:t>20</a:t>
+              <a:t>21</a:t>
             </a:fld>
             <a:endParaRPr lang="en-US"/>
           </a:p>
@@ -5152,6 +5500,260 @@
           <a:chExt cx="0" cy="0"/>
         </a:xfrm>
       </p:grpSpPr>
+      <p:pic>
+        <p:nvPicPr>
+          <p:cNvPr id="4" name="Picture 2" descr="C:\Users\gdu\Desktop\gilles\lapin\111591.jpg"/>
+          <p:cNvPicPr>
+            <a:picLocks noChangeAspect="1" noChangeArrowheads="1"/>
+          </p:cNvPicPr>
+          <p:nvPr/>
+        </p:nvPicPr>
+        <p:blipFill>
+          <a:blip r:embed="rId2">
+            <a:extLst>
+              <a:ext uri="{28A0092B-C50C-407E-A947-70E740481C1C}">
+                <a14:useLocalDpi xmlns:a14="http://schemas.microsoft.com/office/drawing/2010/main" val="0"/>
+              </a:ext>
+            </a:extLst>
+          </a:blip>
+          <a:srcRect/>
+          <a:stretch>
+            <a:fillRect/>
+          </a:stretch>
+        </p:blipFill>
+        <p:spPr bwMode="auto">
+          <a:xfrm flipH="1">
+            <a:off x="6338943" y="2133600"/>
+            <a:ext cx="2359152" cy="3614928"/>
+          </a:xfrm>
+          <a:prstGeom prst="rect">
+            <a:avLst/>
+          </a:prstGeom>
+          <a:noFill/>
+          <a:extLst>
+            <a:ext uri="{909E8E84-426E-40dd-AFC4-6F175D3DCCD1}">
+              <a14:hiddenFill xmlns:a14="http://schemas.microsoft.com/office/drawing/2010/main">
+                <a:solidFill>
+                  <a:srgbClr val="FFFFFF"/>
+                </a:solidFill>
+              </a14:hiddenFill>
+            </a:ext>
+          </a:extLst>
+        </p:spPr>
+      </p:pic>
+      <p:sp>
+        <p:nvSpPr>
+          <p:cNvPr id="5" name="Pensées 4"/>
+          <p:cNvSpPr/>
+          <p:nvPr/>
+        </p:nvSpPr>
+        <p:spPr>
+          <a:xfrm>
+            <a:off x="7717367" y="776661"/>
+            <a:ext cx="1447800" cy="1222248"/>
+          </a:xfrm>
+          <a:prstGeom prst="cloudCallout">
+            <a:avLst/>
+          </a:prstGeom>
+          <a:solidFill>
+            <a:schemeClr val="accent2"/>
+          </a:solidFill>
+          <a:ln>
+            <a:solidFill>
+              <a:srgbClr val="FF0000"/>
+            </a:solidFill>
+          </a:ln>
+        </p:spPr>
+        <p:style>
+          <a:lnRef idx="2">
+            <a:schemeClr val="accent1">
+              <a:shade val="50000"/>
+            </a:schemeClr>
+          </a:lnRef>
+          <a:fillRef idx="1">
+            <a:schemeClr val="accent1"/>
+          </a:fillRef>
+          <a:effectRef idx="0">
+            <a:schemeClr val="accent1"/>
+          </a:effectRef>
+          <a:fontRef idx="minor">
+            <a:schemeClr val="lt1"/>
+          </a:fontRef>
+        </p:style>
+        <p:txBody>
+          <a:bodyPr rtlCol="0" anchor="ctr"/>
+          <a:lstStyle/>
+          <a:p>
+            <a:pPr algn="ctr"/>
+            <a:endParaRPr lang="en-US"/>
+          </a:p>
+        </p:txBody>
+      </p:sp>
+      <p:sp>
+        <p:nvSpPr>
+          <p:cNvPr id="2" name="Titre 1"/>
+          <p:cNvSpPr>
+            <a:spLocks noGrp="1"/>
+          </p:cNvSpPr>
+          <p:nvPr>
+            <p:ph type="title"/>
+          </p:nvPr>
+        </p:nvSpPr>
+        <p:spPr/>
+        <p:txBody>
+          <a:bodyPr/>
+          <a:lstStyle/>
+          <a:p>
+            <a:r>
+              <a:rPr lang="fr-FR" dirty="0" smtClean="0"/>
+              <a:t>ISO-8859-1 Au secours !</a:t>
+            </a:r>
+            <a:endParaRPr lang="fr-FR" dirty="0"/>
+          </a:p>
+        </p:txBody>
+      </p:sp>
+      <p:sp>
+        <p:nvSpPr>
+          <p:cNvPr id="3" name="Espace réservé du contenu 2"/>
+          <p:cNvSpPr>
+            <a:spLocks noGrp="1"/>
+          </p:cNvSpPr>
+          <p:nvPr>
+            <p:ph idx="1"/>
+          </p:nvPr>
+        </p:nvSpPr>
+        <p:spPr>
+          <a:xfrm>
+            <a:off x="457200" y="1676400"/>
+            <a:ext cx="8229600" cy="4144963"/>
+          </a:xfrm>
+        </p:spPr>
+        <p:txBody>
+          <a:bodyPr>
+            <a:normAutofit/>
+          </a:bodyPr>
+          <a:lstStyle/>
+          <a:p>
+            <a:r>
+              <a:rPr lang="fr-FR" dirty="0" smtClean="0"/>
+              <a:t>Japonisation d’un serveur J2EE</a:t>
+            </a:r>
+          </a:p>
+          <a:p>
+            <a:pPr lvl="1"/>
+            <a:r>
+              <a:rPr lang="fr-FR" dirty="0" smtClean="0"/>
+              <a:t>Pas de police supportant Unicode</a:t>
+            </a:r>
+          </a:p>
+          <a:p>
+            <a:pPr lvl="1"/>
+            <a:r>
+              <a:rPr lang="fr-FR" dirty="0" smtClean="0"/>
+              <a:t>Impossible de vérifier l’affichage</a:t>
+            </a:r>
+          </a:p>
+          <a:p>
+            <a:pPr lvl="1"/>
+            <a:r>
+              <a:rPr lang="fr-FR" dirty="0"/>
+              <a:t>Installation IBM DB2 écrans </a:t>
+            </a:r>
+            <a:r>
+              <a:rPr lang="fr-FR" dirty="0" err="1"/>
+              <a:t>side</a:t>
+            </a:r>
+            <a:r>
+              <a:rPr lang="fr-FR" dirty="0"/>
+              <a:t> by </a:t>
+            </a:r>
+            <a:r>
+              <a:rPr lang="fr-FR" dirty="0" err="1"/>
+              <a:t>side</a:t>
+            </a:r>
+            <a:endParaRPr lang="fr-FR" dirty="0"/>
+          </a:p>
+          <a:p>
+            <a:pPr lvl="1"/>
+            <a:r>
+              <a:rPr lang="fr-FR" dirty="0"/>
+              <a:t>Installation d’un </a:t>
+            </a:r>
+            <a:r>
+              <a:rPr lang="fr-FR" dirty="0" err="1"/>
+              <a:t>windows</a:t>
+            </a:r>
+            <a:r>
+              <a:rPr lang="fr-FR" dirty="0"/>
+              <a:t> </a:t>
+            </a:r>
+            <a:r>
+              <a:rPr lang="fr-FR" dirty="0" smtClean="0"/>
+              <a:t>Japonais</a:t>
+            </a:r>
+          </a:p>
+          <a:p>
+            <a:r>
+              <a:rPr lang="fr-FR" dirty="0"/>
+              <a:t>Avant UTF-8 c’était l’enfer</a:t>
+            </a:r>
+          </a:p>
+          <a:p>
+            <a:pPr marL="0" indent="0">
+              <a:buNone/>
+            </a:pPr>
+            <a:endParaRPr lang="fr-FR" dirty="0"/>
+          </a:p>
+          <a:p>
+            <a:pPr marL="457200" lvl="1" indent="0">
+              <a:buNone/>
+            </a:pPr>
+            <a:endParaRPr lang="fr-FR" dirty="0"/>
+          </a:p>
+          <a:p>
+            <a:pPr lvl="1"/>
+            <a:endParaRPr lang="fr-FR" dirty="0" smtClean="0"/>
+          </a:p>
+          <a:p>
+            <a:pPr lvl="1"/>
+            <a:endParaRPr lang="fr-FR" dirty="0"/>
+          </a:p>
+          <a:p>
+            <a:pPr lvl="1"/>
+            <a:endParaRPr lang="fr-FR" dirty="0"/>
+          </a:p>
+        </p:txBody>
+      </p:sp>
+    </p:spTree>
+    <p:extLst>
+      <p:ext uri="{BB962C8B-B14F-4D97-AF65-F5344CB8AC3E}">
+        <p14:creationId xmlns:p14="http://schemas.microsoft.com/office/powerpoint/2010/main" val="3810743458"/>
+      </p:ext>
+    </p:extLst>
+  </p:cSld>
+  <p:clrMapOvr>
+    <a:masterClrMapping/>
+  </p:clrMapOvr>
+</p:sld>
+</file>
+
+<file path=ppt/slides/slide4.xml><?xml version="1.0" encoding="utf-8"?>
+<p:sld xmlns:a="http://schemas.openxmlformats.org/drawingml/2006/main" xmlns:r="http://schemas.openxmlformats.org/officeDocument/2006/relationships" xmlns:p="http://schemas.openxmlformats.org/presentationml/2006/main">
+  <p:cSld>
+    <p:spTree>
+      <p:nvGrpSpPr>
+        <p:cNvPr id="1" name=""/>
+        <p:cNvGrpSpPr/>
+        <p:nvPr/>
+      </p:nvGrpSpPr>
+      <p:grpSpPr>
+        <a:xfrm>
+          <a:off x="0" y="0"/>
+          <a:ext cx="0" cy="0"/>
+          <a:chOff x="0" y="0"/>
+          <a:chExt cx="0" cy="0"/>
+        </a:xfrm>
+      </p:grpSpPr>
       <p:sp>
         <p:nvSpPr>
           <p:cNvPr id="2" name="Titre 1"/>
@@ -5277,7 +5879,7 @@
 </p:sld>
 </file>
 
-<file path=ppt/slides/slide4.xml><?xml version="1.0" encoding="utf-8"?>
+<file path=ppt/slides/slide5.xml><?xml version="1.0" encoding="utf-8"?>
 <p:sld xmlns:a="http://schemas.openxmlformats.org/drawingml/2006/main" xmlns:r="http://schemas.openxmlformats.org/officeDocument/2006/relationships" xmlns:p="http://schemas.openxmlformats.org/presentationml/2006/main">
   <p:cSld>
     <p:spTree>
@@ -5451,7 +6053,7 @@
 </p:sld>
 </file>
 
-<file path=ppt/slides/slide5.xml><?xml version="1.0" encoding="utf-8"?>
+<file path=ppt/slides/slide6.xml><?xml version="1.0" encoding="utf-8"?>
 <p:sld xmlns:a="http://schemas.openxmlformats.org/drawingml/2006/main" xmlns:r="http://schemas.openxmlformats.org/officeDocument/2006/relationships" xmlns:p="http://schemas.openxmlformats.org/presentationml/2006/main">
   <p:cSld>
     <p:spTree>
@@ -5628,128 +6230,6 @@
 </p:sld>
 </file>
 
-<file path=ppt/slides/slide6.xml><?xml version="1.0" encoding="utf-8"?>
-<p:sld xmlns:a="http://schemas.openxmlformats.org/drawingml/2006/main" xmlns:r="http://schemas.openxmlformats.org/officeDocument/2006/relationships" xmlns:p="http://schemas.openxmlformats.org/presentationml/2006/main">
-  <p:cSld>
-    <p:spTree>
-      <p:nvGrpSpPr>
-        <p:cNvPr id="1" name=""/>
-        <p:cNvGrpSpPr/>
-        <p:nvPr/>
-      </p:nvGrpSpPr>
-      <p:grpSpPr>
-        <a:xfrm>
-          <a:off x="0" y="0"/>
-          <a:ext cx="0" cy="0"/>
-          <a:chOff x="0" y="0"/>
-          <a:chExt cx="0" cy="0"/>
-        </a:xfrm>
-      </p:grpSpPr>
-      <p:sp>
-        <p:nvSpPr>
-          <p:cNvPr id="2" name="Titre 1"/>
-          <p:cNvSpPr>
-            <a:spLocks noGrp="1"/>
-          </p:cNvSpPr>
-          <p:nvPr>
-            <p:ph type="title"/>
-          </p:nvPr>
-        </p:nvSpPr>
-        <p:spPr/>
-        <p:txBody>
-          <a:bodyPr/>
-          <a:lstStyle/>
-          <a:p>
-            <a:r>
-              <a:rPr lang="fr-FR" dirty="0" smtClean="0"/>
-              <a:t>I</a:t>
-            </a:r>
-            <a:r>
-              <a:rPr lang="fr-FR" dirty="0" smtClean="0"/>
-              <a:t>18n, l10n</a:t>
-            </a:r>
-            <a:endParaRPr lang="fr-FR" dirty="0"/>
-          </a:p>
-        </p:txBody>
-      </p:sp>
-      <p:sp>
-        <p:nvSpPr>
-          <p:cNvPr id="3" name="Espace réservé du contenu 2"/>
-          <p:cNvSpPr>
-            <a:spLocks noGrp="1"/>
-          </p:cNvSpPr>
-          <p:nvPr>
-            <p:ph idx="1"/>
-          </p:nvPr>
-        </p:nvSpPr>
-        <p:spPr/>
-        <p:txBody>
-          <a:bodyPr/>
-          <a:lstStyle/>
-          <a:p>
-            <a:r>
-              <a:rPr lang="fr-FR" dirty="0" smtClean="0"/>
-              <a:t>Internationalisation (i18n) </a:t>
-            </a:r>
-          </a:p>
-          <a:p>
-            <a:pPr lvl="1"/>
-            <a:r>
-              <a:rPr lang="fr-FR" dirty="0" smtClean="0"/>
-              <a:t>Adapter son logiciel à de l’externalisation de textes</a:t>
-            </a:r>
-          </a:p>
-          <a:p>
-            <a:pPr lvl="1"/>
-            <a:r>
-              <a:rPr lang="fr-FR" dirty="0" smtClean="0"/>
-              <a:t>Passe généralement par un moteur</a:t>
-            </a:r>
-          </a:p>
-          <a:p>
-            <a:endParaRPr lang="fr-FR" dirty="0" smtClean="0"/>
-          </a:p>
-          <a:p>
-            <a:r>
-              <a:rPr lang="fr-FR" dirty="0" smtClean="0"/>
-              <a:t>Localisation (l10n)</a:t>
-            </a:r>
-          </a:p>
-          <a:p>
-            <a:pPr lvl="1"/>
-            <a:r>
-              <a:rPr lang="fr-FR" dirty="0" smtClean="0"/>
-              <a:t>Ajout de certaines langues dans le logiciel</a:t>
-            </a:r>
-          </a:p>
-          <a:p>
-            <a:pPr lvl="1"/>
-            <a:r>
-              <a:rPr lang="fr-FR" dirty="0" smtClean="0"/>
-              <a:t>Activité de traduction</a:t>
-            </a:r>
-          </a:p>
-          <a:p>
-            <a:pPr marL="457200" lvl="1" indent="0">
-              <a:buNone/>
-            </a:pPr>
-            <a:endParaRPr lang="fr-FR" dirty="0"/>
-          </a:p>
-        </p:txBody>
-      </p:sp>
-    </p:spTree>
-    <p:extLst>
-      <p:ext uri="{BB962C8B-B14F-4D97-AF65-F5344CB8AC3E}">
-        <p14:creationId xmlns:p14="http://schemas.microsoft.com/office/powerpoint/2010/main" val="3120915150"/>
-      </p:ext>
-    </p:extLst>
-  </p:cSld>
-  <p:clrMapOvr>
-    <a:masterClrMapping/>
-  </p:clrMapOvr>
-</p:sld>
-</file>
-
 <file path=ppt/slides/slide7.xml><?xml version="1.0" encoding="utf-8"?>
 <p:sld xmlns:a="http://schemas.openxmlformats.org/drawingml/2006/main" xmlns:r="http://schemas.openxmlformats.org/officeDocument/2006/relationships" xmlns:p="http://schemas.openxmlformats.org/presentationml/2006/main">
   <p:cSld>
@@ -5784,7 +6264,11 @@
           <a:p>
             <a:r>
               <a:rPr lang="fr-FR" dirty="0" smtClean="0"/>
-              <a:t>Le champ d’action</a:t>
+              <a:t>I</a:t>
+            </a:r>
+            <a:r>
+              <a:rPr lang="fr-FR" dirty="0" smtClean="0"/>
+              <a:t>18n, l10n</a:t>
             </a:r>
             <a:endParaRPr lang="fr-FR" dirty="0"/>
           </a:p>
@@ -5800,83 +6284,57 @@
             <p:ph idx="1"/>
           </p:nvPr>
         </p:nvSpPr>
-        <p:spPr>
-          <a:xfrm>
-            <a:off x="457200" y="1295400"/>
-            <a:ext cx="8229600" cy="4525963"/>
-          </a:xfrm>
-        </p:spPr>
-        <p:txBody>
-          <a:bodyPr>
-            <a:normAutofit/>
-          </a:bodyPr>
-          <a:lstStyle/>
-          <a:p>
-            <a:r>
-              <a:rPr lang="fr-FR" dirty="0" smtClean="0"/>
-              <a:t>Textes </a:t>
+        <p:spPr/>
+        <p:txBody>
+          <a:bodyPr/>
+          <a:lstStyle/>
+          <a:p>
+            <a:r>
+              <a:rPr lang="fr-FR" dirty="0" smtClean="0"/>
+              <a:t>Internationalisation (i18n) </a:t>
             </a:r>
           </a:p>
           <a:p>
             <a:pPr lvl="1"/>
             <a:r>
-              <a:rPr lang="fr-FR" dirty="0"/>
-              <a:t>Sens de </a:t>
-            </a:r>
-            <a:r>
-              <a:rPr lang="fr-FR" dirty="0" smtClean="0"/>
-              <a:t>lecture (RTL</a:t>
-            </a:r>
-            <a:r>
-              <a:rPr lang="fr-FR" dirty="0"/>
-              <a:t>, </a:t>
-            </a:r>
-            <a:r>
-              <a:rPr lang="fr-FR" dirty="0" smtClean="0"/>
-              <a:t>LTR)</a:t>
+              <a:rPr lang="fr-FR" dirty="0" smtClean="0"/>
+              <a:t>Adapter son logiciel à de l’externalisation de textes</a:t>
             </a:r>
           </a:p>
           <a:p>
             <a:pPr lvl="1"/>
             <a:r>
               <a:rPr lang="fr-FR" dirty="0" smtClean="0"/>
-              <a:t>Ponctuation (espaces, guillemets)</a:t>
-            </a:r>
-          </a:p>
-          <a:p>
-            <a:r>
-              <a:rPr lang="fr-FR" dirty="0" smtClean="0"/>
-              <a:t>Formats d’affichage</a:t>
+              <a:t>Passe généralement par un moteur</a:t>
+            </a:r>
+          </a:p>
+          <a:p>
+            <a:endParaRPr lang="fr-FR" dirty="0" smtClean="0"/>
+          </a:p>
+          <a:p>
+            <a:r>
+              <a:rPr lang="fr-FR" dirty="0" smtClean="0"/>
+              <a:t>Localisation (l10n)</a:t>
             </a:r>
           </a:p>
           <a:p>
             <a:pPr lvl="1"/>
             <a:r>
               <a:rPr lang="fr-FR" dirty="0" smtClean="0"/>
-              <a:t>Dates</a:t>
+              <a:t>Ajout de certaines langues dans le logiciel</a:t>
             </a:r>
           </a:p>
           <a:p>
             <a:pPr lvl="1"/>
             <a:r>
               <a:rPr lang="fr-FR" dirty="0" smtClean="0"/>
-              <a:t>Nombres</a:t>
-            </a:r>
-          </a:p>
-          <a:p>
-            <a:r>
-              <a:rPr lang="fr-FR" dirty="0" smtClean="0"/>
-              <a:t>Monnaies</a:t>
-            </a:r>
-          </a:p>
-          <a:p>
-            <a:pPr lvl="1"/>
-            <a:endParaRPr lang="fr-FR" dirty="0" smtClean="0"/>
-          </a:p>
-          <a:p>
-            <a:endParaRPr lang="fr-FR" dirty="0" smtClean="0"/>
-          </a:p>
-          <a:p>
+              <a:t>Activité de traduction</a:t>
+            </a:r>
+          </a:p>
+          <a:p>
+            <a:pPr marL="457200" lvl="1" indent="0">
+              <a:buNone/>
+            </a:pPr>
             <a:endParaRPr lang="fr-FR" dirty="0"/>
           </a:p>
         </p:txBody>
@@ -5884,20 +6342,13 @@
     </p:spTree>
     <p:extLst>
       <p:ext uri="{BB962C8B-B14F-4D97-AF65-F5344CB8AC3E}">
-        <p14:creationId xmlns:p14="http://schemas.microsoft.com/office/powerpoint/2010/main" val="1547431350"/>
+        <p14:creationId xmlns:p14="http://schemas.microsoft.com/office/powerpoint/2010/main" val="3120915150"/>
       </p:ext>
     </p:extLst>
   </p:cSld>
   <p:clrMapOvr>
     <a:masterClrMapping/>
   </p:clrMapOvr>
-  <p:timing>
-    <p:tnLst>
-      <p:par>
-        <p:cTn xmlns:p14="http://schemas.microsoft.com/office/powerpoint/2010/main" id="1" dur="indefinite" restart="never" nodeType="tmRoot"/>
-      </p:par>
-    </p:tnLst>
-  </p:timing>
 </p:sld>
 </file>
 
@@ -5935,7 +6386,7 @@
           <a:p>
             <a:r>
               <a:rPr lang="fr-FR" dirty="0" smtClean="0"/>
-              <a:t>Pour le fun : Les Guillemets</a:t>
+              <a:t>Le champ d’action</a:t>
             </a:r>
             <a:endParaRPr lang="fr-FR" dirty="0"/>
           </a:p>
@@ -5953,8 +6404,8 @@
         </p:nvSpPr>
         <p:spPr>
           <a:xfrm>
-            <a:off x="1752600" y="1371600"/>
-            <a:ext cx="7162800" cy="4525963"/>
+            <a:off x="457200" y="1295400"/>
+            <a:ext cx="8229600" cy="4525963"/>
           </a:xfrm>
         </p:spPr>
         <p:txBody>
@@ -5964,112 +6415,70 @@
           <a:lstStyle/>
           <a:p>
             <a:r>
-              <a:rPr lang="en-US" dirty="0" smtClean="0"/>
-              <a:t>“Citation” en </a:t>
-            </a:r>
-            <a:r>
-              <a:rPr lang="en-US" dirty="0" err="1" smtClean="0"/>
-              <a:t>Anglais</a:t>
-            </a:r>
-            <a:r>
-              <a:rPr lang="en-US" dirty="0" smtClean="0"/>
-              <a:t>. </a:t>
-            </a:r>
-          </a:p>
-          <a:p>
-            <a:r>
-              <a:rPr lang="en-US" dirty="0" smtClean="0"/>
-              <a:t>« Citation » en </a:t>
-            </a:r>
-            <a:r>
-              <a:rPr lang="en-US" dirty="0" err="1" smtClean="0"/>
-              <a:t>Français</a:t>
-            </a:r>
-            <a:r>
-              <a:rPr lang="en-US" dirty="0"/>
-              <a:t> </a:t>
-            </a:r>
-            <a:r>
-              <a:rPr lang="en-US" dirty="0" smtClean="0"/>
-              <a:t>(avec </a:t>
-            </a:r>
-            <a:r>
-              <a:rPr lang="en-US" dirty="0" err="1" smtClean="0"/>
-              <a:t>espace</a:t>
-            </a:r>
-            <a:r>
-              <a:rPr lang="en-US" dirty="0" smtClean="0"/>
-              <a:t>)</a:t>
-            </a:r>
-          </a:p>
-          <a:p>
-            <a:r>
-              <a:rPr lang="en-US" dirty="0" smtClean="0"/>
-              <a:t>”</a:t>
-            </a:r>
-            <a:r>
-              <a:rPr lang="en-US" dirty="0"/>
-              <a:t>Quotes” in Finnish. </a:t>
-            </a:r>
-            <a:endParaRPr lang="en-US" dirty="0" smtClean="0"/>
-          </a:p>
-          <a:p>
-            <a:r>
-              <a:rPr lang="en-US" dirty="0" smtClean="0"/>
-              <a:t>„</a:t>
-            </a:r>
-            <a:r>
-              <a:rPr lang="en-US" dirty="0"/>
-              <a:t>Quotes” in Polish. </a:t>
-            </a:r>
-            <a:endParaRPr lang="en-US" dirty="0" smtClean="0"/>
-          </a:p>
-          <a:p>
-            <a:r>
-              <a:rPr lang="en-US" dirty="0" smtClean="0"/>
-              <a:t>「</a:t>
-            </a:r>
-            <a:r>
-              <a:rPr lang="en-US" dirty="0"/>
-              <a:t>Quotes」 in Japanese. </a:t>
-            </a:r>
-            <a:endParaRPr lang="en-US" dirty="0" smtClean="0"/>
-          </a:p>
-          <a:p>
-            <a:r>
-              <a:rPr lang="en-US" dirty="0" smtClean="0"/>
-              <a:t>„</a:t>
-            </a:r>
-            <a:r>
-              <a:rPr lang="en-US" dirty="0"/>
-              <a:t>Quotes“ in </a:t>
-            </a:r>
-            <a:r>
-              <a:rPr lang="en-US" dirty="0" err="1" smtClean="0"/>
-              <a:t>Allemand</a:t>
-            </a:r>
-            <a:r>
-              <a:rPr lang="en-US" dirty="0" smtClean="0"/>
-              <a:t>. </a:t>
-            </a:r>
-          </a:p>
-          <a:p>
-            <a:r>
-              <a:rPr lang="en-US" dirty="0" smtClean="0"/>
-              <a:t>„</a:t>
-            </a:r>
-            <a:r>
-              <a:rPr lang="en-US" dirty="0"/>
-              <a:t>Quotes‟ in </a:t>
-            </a:r>
-            <a:r>
-              <a:rPr lang="en-US" dirty="0" err="1" smtClean="0"/>
-              <a:t>Hollandais</a:t>
-            </a:r>
-            <a:r>
-              <a:rPr lang="en-US" dirty="0" smtClean="0"/>
-              <a:t>.</a:t>
-            </a:r>
+              <a:rPr lang="fr-FR" dirty="0" smtClean="0"/>
+              <a:t>Textes </a:t>
+            </a:r>
+          </a:p>
+          <a:p>
+            <a:pPr lvl="1"/>
+            <a:r>
+              <a:rPr lang="fr-FR" dirty="0"/>
+              <a:t>Sens de </a:t>
+            </a:r>
+            <a:r>
+              <a:rPr lang="fr-FR" dirty="0" smtClean="0"/>
+              <a:t>lecture (RTL</a:t>
+            </a:r>
+            <a:r>
+              <a:rPr lang="fr-FR" dirty="0"/>
+              <a:t>, </a:t>
+            </a:r>
+            <a:r>
+              <a:rPr lang="fr-FR" dirty="0" smtClean="0"/>
+              <a:t>LTR)</a:t>
+            </a:r>
+          </a:p>
+          <a:p>
+            <a:pPr lvl="1"/>
+            <a:r>
+              <a:rPr lang="fr-FR" dirty="0" smtClean="0"/>
+              <a:t>Ponctuation (espaces, guillemets)</a:t>
+            </a:r>
+          </a:p>
+          <a:p>
+            <a:r>
+              <a:rPr lang="fr-FR" dirty="0" smtClean="0"/>
+              <a:t>Formats d’affichage</a:t>
+            </a:r>
+          </a:p>
+          <a:p>
+            <a:pPr lvl="1"/>
+            <a:r>
+              <a:rPr lang="fr-FR" dirty="0" smtClean="0"/>
+              <a:t>Dates</a:t>
+            </a:r>
+          </a:p>
+          <a:p>
+            <a:pPr lvl="1"/>
+            <a:r>
+              <a:rPr lang="fr-FR" dirty="0" smtClean="0"/>
+              <a:t>Nombres</a:t>
+            </a:r>
+          </a:p>
+          <a:p>
+            <a:r>
+              <a:rPr lang="fr-FR" dirty="0" smtClean="0"/>
+              <a:t>Monnaies</a:t>
+            </a:r>
+          </a:p>
+          <a:p>
+            <a:pPr lvl="1"/>
+            <a:endParaRPr lang="fr-FR" dirty="0" smtClean="0"/>
+          </a:p>
+          <a:p>
+            <a:endParaRPr lang="fr-FR" dirty="0" smtClean="0"/>
+          </a:p>
+          <a:p>
             <a:endParaRPr lang="fr-FR" dirty="0"/>
           </a:p>
         </p:txBody>
@@ -6077,7 +6486,7 @@
     </p:spTree>
     <p:extLst>
       <p:ext uri="{BB962C8B-B14F-4D97-AF65-F5344CB8AC3E}">
-        <p14:creationId xmlns:p14="http://schemas.microsoft.com/office/powerpoint/2010/main" val="1821711714"/>
+        <p14:creationId xmlns:p14="http://schemas.microsoft.com/office/powerpoint/2010/main" val="1547431350"/>
       </p:ext>
     </p:extLst>
   </p:cSld>
@@ -6128,11 +6537,7 @@
           <a:p>
             <a:r>
               <a:rPr lang="fr-FR" dirty="0" smtClean="0"/>
-              <a:t>I</a:t>
-            </a:r>
-            <a:r>
-              <a:rPr lang="fr-FR" dirty="0" smtClean="0"/>
-              <a:t>18n en Java</a:t>
+              <a:t>Pour le fun : Les Guillemets</a:t>
             </a:r>
             <a:endParaRPr lang="fr-FR" dirty="0"/>
           </a:p>
@@ -6148,154 +6553,133 @@
             <p:ph idx="1"/>
           </p:nvPr>
         </p:nvSpPr>
-        <p:spPr/>
-        <p:txBody>
-          <a:bodyPr/>
-          <a:lstStyle/>
-          <a:p>
-            <a:r>
-              <a:rPr lang="fr-FR" dirty="0" err="1" smtClean="0"/>
-              <a:t>RessourceBundle</a:t>
+        <p:spPr>
+          <a:xfrm>
+            <a:off x="1752600" y="1371600"/>
+            <a:ext cx="7162800" cy="4525963"/>
+          </a:xfrm>
+        </p:spPr>
+        <p:txBody>
+          <a:bodyPr>
+            <a:normAutofit/>
+          </a:bodyPr>
+          <a:lstStyle/>
+          <a:p>
+            <a:r>
+              <a:rPr lang="en-US" dirty="0" smtClean="0"/>
+              <a:t>“Citation” en </a:t>
+            </a:r>
+            <a:r>
+              <a:rPr lang="en-US" dirty="0" err="1" smtClean="0"/>
+              <a:t>Anglais</a:t>
+            </a:r>
+            <a:r>
+              <a:rPr lang="en-US" dirty="0" smtClean="0"/>
+              <a:t>. </a:t>
+            </a:r>
+          </a:p>
+          <a:p>
+            <a:r>
+              <a:rPr lang="en-US" dirty="0" smtClean="0"/>
+              <a:t>« Citation » en </a:t>
+            </a:r>
+            <a:r>
+              <a:rPr lang="en-US" dirty="0" err="1" smtClean="0"/>
+              <a:t>Français</a:t>
+            </a:r>
+            <a:r>
+              <a:rPr lang="en-US" dirty="0"/>
+              <a:t> </a:t>
+            </a:r>
+            <a:r>
+              <a:rPr lang="en-US" dirty="0" smtClean="0"/>
+              <a:t>(avec </a:t>
+            </a:r>
+            <a:r>
+              <a:rPr lang="en-US" dirty="0" err="1" smtClean="0"/>
+              <a:t>espace</a:t>
+            </a:r>
+            <a:r>
+              <a:rPr lang="en-US" dirty="0" smtClean="0"/>
+              <a:t>)</a:t>
+            </a:r>
+          </a:p>
+          <a:p>
+            <a:r>
+              <a:rPr lang="en-US" dirty="0" smtClean="0"/>
+              <a:t>”</a:t>
+            </a:r>
+            <a:r>
+              <a:rPr lang="en-US" dirty="0"/>
+              <a:t>Quotes” in Finnish. </a:t>
+            </a:r>
+            <a:endParaRPr lang="en-US" dirty="0" smtClean="0"/>
+          </a:p>
+          <a:p>
+            <a:r>
+              <a:rPr lang="en-US" dirty="0" smtClean="0"/>
+              <a:t>„</a:t>
+            </a:r>
+            <a:r>
+              <a:rPr lang="en-US" dirty="0"/>
+              <a:t>Quotes” in Polish. </a:t>
+            </a:r>
+            <a:endParaRPr lang="en-US" dirty="0" smtClean="0"/>
+          </a:p>
+          <a:p>
+            <a:r>
+              <a:rPr lang="en-US" dirty="0" smtClean="0"/>
+              <a:t>「</a:t>
+            </a:r>
+            <a:r>
+              <a:rPr lang="en-US" dirty="0"/>
+              <a:t>Quotes」 in Japanese. </a:t>
+            </a:r>
+            <a:endParaRPr lang="en-US" dirty="0" smtClean="0"/>
+          </a:p>
+          <a:p>
+            <a:r>
+              <a:rPr lang="en-US" dirty="0" smtClean="0"/>
+              <a:t>„</a:t>
+            </a:r>
+            <a:r>
+              <a:rPr lang="en-US" dirty="0"/>
+              <a:t>Quotes“ in </a:t>
+            </a:r>
+            <a:r>
+              <a:rPr lang="en-US" dirty="0" err="1" smtClean="0"/>
+              <a:t>Allemand</a:t>
+            </a:r>
+            <a:r>
+              <a:rPr lang="en-US" dirty="0" smtClean="0"/>
+              <a:t>. </a:t>
+            </a:r>
+          </a:p>
+          <a:p>
+            <a:r>
+              <a:rPr lang="en-US" dirty="0" smtClean="0"/>
+              <a:t>„</a:t>
+            </a:r>
+            <a:r>
+              <a:rPr lang="en-US" dirty="0"/>
+              <a:t>Quotes‟ in </a:t>
+            </a:r>
+            <a:r>
+              <a:rPr lang="en-US" dirty="0" err="1" smtClean="0"/>
+              <a:t>Hollandais</a:t>
+            </a:r>
+            <a:r>
+              <a:rPr lang="en-US" dirty="0" smtClean="0"/>
+              <a:t>.</a:t>
             </a:r>
             <a:endParaRPr lang="fr-FR" dirty="0"/>
-          </a:p>
-          <a:p>
-            <a:pPr lvl="1"/>
-            <a:r>
-              <a:rPr lang="de-DE" sz="1800" dirty="0" err="1" smtClean="0"/>
-              <a:t>ResourceBundle</a:t>
-            </a:r>
-            <a:r>
-              <a:rPr lang="de-DE" sz="1800" dirty="0" smtClean="0"/>
-              <a:t> </a:t>
-            </a:r>
-            <a:r>
-              <a:rPr lang="de-DE" sz="1800" dirty="0" err="1"/>
-              <a:t>bundle</a:t>
-            </a:r>
-            <a:r>
-              <a:rPr lang="de-DE" sz="1800" dirty="0"/>
-              <a:t> = </a:t>
-            </a:r>
-            <a:r>
-              <a:rPr lang="de-DE" sz="1800" dirty="0" err="1"/>
-              <a:t>ResourceBundle.getBundle</a:t>
-            </a:r>
-            <a:r>
-              <a:rPr lang="de-DE" sz="1800" dirty="0" smtClean="0"/>
-              <a:t>(</a:t>
-            </a:r>
-            <a:r>
-              <a:rPr lang="de-DE" sz="1800" dirty="0"/>
-              <a:t>"</a:t>
-            </a:r>
-            <a:r>
-              <a:rPr lang="de-DE" sz="1800" dirty="0" err="1" smtClean="0"/>
-              <a:t>example</a:t>
-            </a:r>
-            <a:r>
-              <a:rPr lang="de-DE" sz="1800" dirty="0" smtClean="0"/>
-              <a:t>“, </a:t>
-            </a:r>
-            <a:r>
-              <a:rPr lang="de-DE" sz="1800" dirty="0" err="1" smtClean="0"/>
-              <a:t>Locale.FRENCH</a:t>
-            </a:r>
-            <a:r>
-              <a:rPr lang="de-DE" sz="1800" dirty="0" smtClean="0"/>
-              <a:t>);</a:t>
-            </a:r>
-          </a:p>
-          <a:p>
-            <a:pPr lvl="1"/>
-            <a:r>
-              <a:rPr lang="fr-FR" sz="1800" dirty="0"/>
-              <a:t>e</a:t>
-            </a:r>
-            <a:r>
-              <a:rPr lang="de-DE" sz="1800" dirty="0" err="1" smtClean="0"/>
-              <a:t>xample.properties</a:t>
-            </a:r>
-            <a:r>
-              <a:rPr lang="de-DE" sz="1800" dirty="0" smtClean="0"/>
-              <a:t>, </a:t>
-            </a:r>
-            <a:r>
-              <a:rPr lang="de-DE" sz="1800" dirty="0" err="1" smtClean="0"/>
-              <a:t>example_en.properties</a:t>
-            </a:r>
-            <a:r>
-              <a:rPr lang="de-DE" sz="1800" dirty="0" smtClean="0"/>
-              <a:t>, </a:t>
-            </a:r>
-            <a:r>
-              <a:rPr lang="de-DE" sz="1800" dirty="0" err="1" smtClean="0"/>
-              <a:t>example_en_US.properties</a:t>
-            </a:r>
-            <a:endParaRPr lang="de-DE" sz="1800" dirty="0"/>
-          </a:p>
-          <a:p>
-            <a:pPr lvl="1"/>
-            <a:r>
-              <a:rPr lang="en-US" sz="1800" dirty="0" smtClean="0"/>
-              <a:t>Locale </a:t>
-            </a:r>
-            <a:r>
-              <a:rPr lang="en-US" sz="1800" dirty="0"/>
-              <a:t>locale = </a:t>
-            </a:r>
-            <a:r>
-              <a:rPr lang="en-US" sz="1800" dirty="0" err="1"/>
-              <a:t>request.getLocale</a:t>
-            </a:r>
-            <a:r>
-              <a:rPr lang="en-US" sz="1800" dirty="0"/>
-              <a:t>()</a:t>
-            </a:r>
-            <a:r>
-              <a:rPr lang="en-US" sz="1800" dirty="0" smtClean="0"/>
-              <a:t>; ( Servlets )</a:t>
-            </a:r>
-          </a:p>
-          <a:p>
-            <a:pPr lvl="1"/>
-            <a:endParaRPr lang="fr-FR" sz="1800" dirty="0" smtClean="0"/>
-          </a:p>
-          <a:p>
-            <a:r>
-              <a:rPr lang="fr-FR" dirty="0" err="1" smtClean="0"/>
-              <a:t>MessageFormat</a:t>
-            </a:r>
-            <a:r>
-              <a:rPr lang="fr-FR" dirty="0" smtClean="0"/>
-              <a:t>, </a:t>
-            </a:r>
-            <a:r>
-              <a:rPr lang="fr-FR" dirty="0" err="1" smtClean="0"/>
-              <a:t>DateFormat</a:t>
-            </a:r>
-            <a:r>
-              <a:rPr lang="fr-FR" dirty="0" smtClean="0"/>
-              <a:t>, </a:t>
-            </a:r>
-            <a:r>
-              <a:rPr lang="fr-FR" dirty="0" err="1" smtClean="0"/>
-              <a:t>NumberFormat</a:t>
-            </a:r>
-            <a:endParaRPr lang="fr-FR" dirty="0" smtClean="0"/>
-          </a:p>
-          <a:p>
-            <a:pPr marL="0" indent="0">
-              <a:buNone/>
-            </a:pPr>
-            <a:endParaRPr lang="fr-FR" dirty="0" smtClean="0"/>
           </a:p>
         </p:txBody>
       </p:sp>
     </p:spTree>
     <p:extLst>
       <p:ext uri="{BB962C8B-B14F-4D97-AF65-F5344CB8AC3E}">
-        <p14:creationId xmlns:p14="http://schemas.microsoft.com/office/powerpoint/2010/main" val="2275462673"/>
+        <p14:creationId xmlns:p14="http://schemas.microsoft.com/office/powerpoint/2010/main" val="1821711714"/>
       </p:ext>
     </p:extLst>
   </p:cSld>

--- a/ez18n-slides/ez18n_theorie.pptx
+++ b/ez18n-slides/ez18n_theorie.pptx
@@ -308,7 +308,7 @@
           <a:p>
             <a:fld id="{44BDE56E-FDAD-435D-9C14-6892E5F1DEF0}" type="datetimeFigureOut">
               <a:rPr lang="fr-FR" smtClean="0"/>
-              <a:t>13/06/12</a:t>
+              <a:t>6/14/12</a:t>
             </a:fld>
             <a:endParaRPr lang="fr-FR"/>
           </a:p>
@@ -478,7 +478,7 @@
           <a:p>
             <a:fld id="{44BDE56E-FDAD-435D-9C14-6892E5F1DEF0}" type="datetimeFigureOut">
               <a:rPr lang="fr-FR" smtClean="0"/>
-              <a:t>13/06/12</a:t>
+              <a:t>6/14/12</a:t>
             </a:fld>
             <a:endParaRPr lang="fr-FR"/>
           </a:p>
@@ -658,7 +658,7 @@
           <a:p>
             <a:fld id="{44BDE56E-FDAD-435D-9C14-6892E5F1DEF0}" type="datetimeFigureOut">
               <a:rPr lang="fr-FR" smtClean="0"/>
-              <a:t>13/06/12</a:t>
+              <a:t>6/14/12</a:t>
             </a:fld>
             <a:endParaRPr lang="fr-FR"/>
           </a:p>
@@ -828,7 +828,7 @@
           <a:p>
             <a:fld id="{44BDE56E-FDAD-435D-9C14-6892E5F1DEF0}" type="datetimeFigureOut">
               <a:rPr lang="fr-FR" smtClean="0"/>
-              <a:t>13/06/12</a:t>
+              <a:t>6/14/12</a:t>
             </a:fld>
             <a:endParaRPr lang="fr-FR"/>
           </a:p>
@@ -1074,7 +1074,7 @@
           <a:p>
             <a:fld id="{44BDE56E-FDAD-435D-9C14-6892E5F1DEF0}" type="datetimeFigureOut">
               <a:rPr lang="fr-FR" smtClean="0"/>
-              <a:t>13/06/12</a:t>
+              <a:t>6/14/12</a:t>
             </a:fld>
             <a:endParaRPr lang="fr-FR"/>
           </a:p>
@@ -1362,7 +1362,7 @@
           <a:p>
             <a:fld id="{44BDE56E-FDAD-435D-9C14-6892E5F1DEF0}" type="datetimeFigureOut">
               <a:rPr lang="fr-FR" smtClean="0"/>
-              <a:t>13/06/12</a:t>
+              <a:t>6/14/12</a:t>
             </a:fld>
             <a:endParaRPr lang="fr-FR"/>
           </a:p>
@@ -1784,7 +1784,7 @@
           <a:p>
             <a:fld id="{44BDE56E-FDAD-435D-9C14-6892E5F1DEF0}" type="datetimeFigureOut">
               <a:rPr lang="fr-FR" smtClean="0"/>
-              <a:t>13/06/12</a:t>
+              <a:t>6/14/12</a:t>
             </a:fld>
             <a:endParaRPr lang="fr-FR"/>
           </a:p>
@@ -1902,7 +1902,7 @@
           <a:p>
             <a:fld id="{44BDE56E-FDAD-435D-9C14-6892E5F1DEF0}" type="datetimeFigureOut">
               <a:rPr lang="fr-FR" smtClean="0"/>
-              <a:t>13/06/12</a:t>
+              <a:t>6/14/12</a:t>
             </a:fld>
             <a:endParaRPr lang="fr-FR"/>
           </a:p>
@@ -1997,7 +1997,7 @@
           <a:p>
             <a:fld id="{44BDE56E-FDAD-435D-9C14-6892E5F1DEF0}" type="datetimeFigureOut">
               <a:rPr lang="fr-FR" smtClean="0"/>
-              <a:t>13/06/12</a:t>
+              <a:t>6/14/12</a:t>
             </a:fld>
             <a:endParaRPr lang="fr-FR"/>
           </a:p>
@@ -2274,7 +2274,7 @@
           <a:p>
             <a:fld id="{44BDE56E-FDAD-435D-9C14-6892E5F1DEF0}" type="datetimeFigureOut">
               <a:rPr lang="fr-FR" smtClean="0"/>
-              <a:t>13/06/12</a:t>
+              <a:t>6/14/12</a:t>
             </a:fld>
             <a:endParaRPr lang="fr-FR"/>
           </a:p>
@@ -2527,7 +2527,7 @@
           <a:p>
             <a:fld id="{44BDE56E-FDAD-435D-9C14-6892E5F1DEF0}" type="datetimeFigureOut">
               <a:rPr lang="fr-FR" smtClean="0"/>
-              <a:t>13/06/12</a:t>
+              <a:t>6/14/12</a:t>
             </a:fld>
             <a:endParaRPr lang="fr-FR"/>
           </a:p>
@@ -2770,7 +2770,7 @@
           <a:p>
             <a:fld id="{44BDE56E-FDAD-435D-9C14-6892E5F1DEF0}" type="datetimeFigureOut">
               <a:rPr lang="fr-FR" smtClean="0"/>
-              <a:t>13/06/12</a:t>
+              <a:t>6/14/12</a:t>
             </a:fld>
             <a:endParaRPr lang="fr-FR"/>
           </a:p>
@@ -3174,11 +3174,7 @@
             </a:r>
             <a:r>
               <a:rPr lang="en-US" dirty="0" smtClean="0"/>
-              <a:t> </a:t>
-            </a:r>
-            <a:r>
-              <a:rPr lang="en-US" dirty="0" smtClean="0"/>
-              <a:t>amour</a:t>
+              <a:t> amour</a:t>
             </a:r>
             <a:endParaRPr lang="fr-FR" dirty="0"/>
           </a:p>
@@ -3276,11 +3272,7 @@
           <a:p>
             <a:r>
               <a:rPr lang="fr-FR" dirty="0" smtClean="0"/>
-              <a:t>I</a:t>
-            </a:r>
-            <a:r>
-              <a:rPr lang="fr-FR" dirty="0" smtClean="0"/>
-              <a:t>18n en Java</a:t>
+              <a:t>I18n en Java</a:t>
             </a:r>
             <a:endParaRPr lang="fr-FR" dirty="0"/>
           </a:p>
@@ -4469,11 +4461,7 @@
             </a:r>
             <a:r>
               <a:rPr lang="fr-FR" dirty="0" smtClean="0"/>
-              <a:t>=UTF-</a:t>
-            </a:r>
-            <a:r>
-              <a:rPr lang="fr-FR" dirty="0" smtClean="0"/>
-              <a:t>8</a:t>
+              <a:t>=UTF-8</a:t>
             </a:r>
           </a:p>
           <a:p>
@@ -4709,7 +4697,6 @@
               <a:rPr lang="en-US" sz="3700" dirty="0"/>
               <a:t>Speakers</a:t>
             </a:r>
-            <a:endParaRPr lang="en-US" sz="3700" dirty="0"/>
           </a:p>
         </p:txBody>
       </p:sp>
@@ -4772,12 +4759,12 @@
           <a:p>
             <a:pPr marL="216027" indent="-216027"/>
             <a:r>
-              <a:rPr lang="fr-FR" sz="2000" b="1" dirty="0" err="1" smtClean="0"/>
-              <a:t>Developpeur</a:t>
-            </a:r>
-            <a:r>
               <a:rPr lang="fr-FR" sz="2000" b="1" dirty="0" smtClean="0"/>
-              <a:t> de plus de 30 ans</a:t>
+              <a:t>Développeur </a:t>
+            </a:r>
+            <a:r>
+              <a:rPr lang="fr-FR" sz="2000" b="1" dirty="0" smtClean="0"/>
+              <a:t>de plus de 30 ans</a:t>
             </a:r>
           </a:p>
           <a:p>
@@ -4855,20 +4842,32 @@
           <a:p>
             <a:pPr marL="216027" indent="-216027"/>
             <a:r>
-              <a:rPr lang="fr-FR" sz="2000" b="1" dirty="0" err="1"/>
-              <a:t>Dévelopeur</a:t>
+              <a:rPr lang="fr-FR" sz="2000" b="1" dirty="0" smtClean="0"/>
+              <a:t>Développeur </a:t>
             </a:r>
             <a:r>
               <a:rPr lang="fr-FR" sz="2000" b="1" dirty="0"/>
-              <a:t> java depuis 1999</a:t>
+              <a:t>java depuis 1999</a:t>
             </a:r>
           </a:p>
           <a:p>
             <a:pPr marL="216027" indent="-216027"/>
             <a:r>
               <a:rPr lang="fr-FR" sz="2000" b="1" dirty="0"/>
-              <a:t>Architecte pour</a:t>
-            </a:r>
+              <a:t>Architecte </a:t>
+            </a:r>
+            <a:r>
+              <a:rPr lang="fr-FR" sz="2000" b="1" dirty="0" smtClean="0"/>
+              <a:t>pour</a:t>
+            </a:r>
+          </a:p>
+          <a:p>
+            <a:pPr marL="216027" indent="-216027"/>
+            <a:endParaRPr lang="fr-FR" sz="2000" b="1" dirty="0"/>
+          </a:p>
+          <a:p>
+            <a:pPr marL="216027" indent="-216027"/>
+            <a:endParaRPr lang="fr-FR" sz="2000" b="1" dirty="0"/>
           </a:p>
           <a:p>
             <a:pPr marL="216027" indent="-216027"/>
@@ -4973,7 +4972,7 @@
         </p:blipFill>
         <p:spPr>
           <a:xfrm>
-            <a:off x="990600" y="2667000"/>
+            <a:off x="990600" y="2764379"/>
             <a:ext cx="2336800" cy="436021"/>
           </a:xfrm>
           <a:prstGeom prst="rect">
@@ -5003,7 +5002,7 @@
         </p:blipFill>
         <p:spPr>
           <a:xfrm>
-            <a:off x="6553200" y="2667000"/>
+            <a:off x="5486400" y="3124200"/>
             <a:ext cx="2336800" cy="436021"/>
           </a:xfrm>
           <a:prstGeom prst="rect">
@@ -5021,11 +5020,11 @@
   <p:clrMapOvr>
     <a:masterClrMapping/>
   </p:clrMapOvr>
-  <mc:AlternateContent xmlns:mc="http://schemas.openxmlformats.org/markup-compatibility/2006">
-    <mc:Choice xmlns:p14="http://schemas.microsoft.com/office/powerpoint/2010/main" Requires="p14">
+  <mc:AlternateContent xmlns:mc="http://schemas.openxmlformats.org/markup-compatibility/2006" xmlns:p14="http://schemas.microsoft.com/office/powerpoint/2010/main">
+    <mc:Choice Requires="p14">
       <p:transition spd="slow" p14:dur="2000"/>
     </mc:Choice>
-    <mc:Fallback>
+    <mc:Fallback xmlns="">
       <p:transition xmlns:p14="http://schemas.microsoft.com/office/powerpoint/2010/main" spd="slow"/>
     </mc:Fallback>
   </mc:AlternateContent>
@@ -5128,11 +5127,7 @@
             </a:r>
             <a:r>
               <a:rPr lang="en-US" dirty="0" smtClean="0"/>
-              <a:t>(char</a:t>
-            </a:r>
-            <a:r>
-              <a:rPr lang="en-US" dirty="0" smtClean="0"/>
-              <a:t>)</a:t>
+              <a:t>(char)</a:t>
             </a:r>
           </a:p>
           <a:p>
@@ -5355,11 +5350,7 @@
             </a:r>
             <a:r>
               <a:rPr lang="fr-FR" dirty="0" smtClean="0"/>
-              <a:t> </a:t>
-            </a:r>
-            <a:r>
-              <a:rPr lang="fr-FR" dirty="0" smtClean="0"/>
-              <a:t>@</a:t>
+              <a:t> @</a:t>
             </a:r>
             <a:r>
               <a:rPr lang="fr-FR" dirty="0" err="1" smtClean="0"/>
@@ -5465,11 +5456,11 @@
   <p:clrMapOvr>
     <a:masterClrMapping/>
   </p:clrMapOvr>
-  <mc:AlternateContent xmlns:mc="http://schemas.openxmlformats.org/markup-compatibility/2006">
-    <mc:Choice xmlns:p14="http://schemas.microsoft.com/office/powerpoint/2010/main" Requires="p14">
+  <mc:AlternateContent xmlns:mc="http://schemas.openxmlformats.org/markup-compatibility/2006" xmlns:p14="http://schemas.microsoft.com/office/powerpoint/2010/main">
+    <mc:Choice Requires="p14">
       <p:transition spd="slow" p14:dur="2000"/>
     </mc:Choice>
-    <mc:Fallback>
+    <mc:Fallback xmlns="">
       <p:transition xmlns:p14="http://schemas.microsoft.com/office/powerpoint/2010/main" spd="slow"/>
     </mc:Fallback>
   </mc:AlternateContent>
@@ -6087,11 +6078,7 @@
           <a:p>
             <a:r>
               <a:rPr lang="en-US" dirty="0" smtClean="0"/>
-              <a:t>i18n </a:t>
-            </a:r>
-            <a:r>
-              <a:rPr lang="en-US" dirty="0" smtClean="0"/>
-              <a:t>?</a:t>
+              <a:t>i18n ?</a:t>
             </a:r>
             <a:endParaRPr lang="fr-FR" dirty="0"/>
           </a:p>
@@ -6264,11 +6251,7 @@
           <a:p>
             <a:r>
               <a:rPr lang="fr-FR" dirty="0" smtClean="0"/>
-              <a:t>I</a:t>
-            </a:r>
-            <a:r>
-              <a:rPr lang="fr-FR" dirty="0" smtClean="0"/>
-              <a:t>18n, l10n</a:t>
+              <a:t>I18n, l10n</a:t>
             </a:r>
             <a:endParaRPr lang="fr-FR" dirty="0"/>
           </a:p>
